--- a/presentation.pptx
+++ b/presentation.pptx
@@ -5,17 +5,27 @@
     <p:sldMasterId id="2147483684" r:id="rId1"/>
   </p:sldMasterIdLst>
   <p:notesMasterIdLst>
-    <p:notesMasterId r:id="rId10"/>
+    <p:notesMasterId r:id="rId20"/>
   </p:notesMasterIdLst>
   <p:sldIdLst>
     <p:sldId id="278" r:id="rId2"/>
     <p:sldId id="490" r:id="rId3"/>
     <p:sldId id="491" r:id="rId4"/>
-    <p:sldId id="489" r:id="rId5"/>
-    <p:sldId id="267" r:id="rId6"/>
-    <p:sldId id="275" r:id="rId7"/>
-    <p:sldId id="268" r:id="rId8"/>
-    <p:sldId id="279" r:id="rId9"/>
+    <p:sldId id="258" r:id="rId5"/>
+    <p:sldId id="259" r:id="rId6"/>
+    <p:sldId id="260" r:id="rId7"/>
+    <p:sldId id="261" r:id="rId8"/>
+    <p:sldId id="492" r:id="rId9"/>
+    <p:sldId id="493" r:id="rId10"/>
+    <p:sldId id="494" r:id="rId11"/>
+    <p:sldId id="495" r:id="rId12"/>
+    <p:sldId id="496" r:id="rId13"/>
+    <p:sldId id="497" r:id="rId14"/>
+    <p:sldId id="489" r:id="rId15"/>
+    <p:sldId id="267" r:id="rId16"/>
+    <p:sldId id="275" r:id="rId17"/>
+    <p:sldId id="268" r:id="rId18"/>
+    <p:sldId id="279" r:id="rId19"/>
   </p:sldIdLst>
   <p:sldSz cx="12192000" cy="6858000"/>
   <p:notesSz cx="6858000" cy="9144000"/>
@@ -122,6 +132,16 @@
             <p14:sldId id="278"/>
             <p14:sldId id="490"/>
             <p14:sldId id="491"/>
+            <p14:sldId id="258"/>
+            <p14:sldId id="259"/>
+            <p14:sldId id="260"/>
+            <p14:sldId id="261"/>
+            <p14:sldId id="492"/>
+            <p14:sldId id="493"/>
+            <p14:sldId id="494"/>
+            <p14:sldId id="495"/>
+            <p14:sldId id="496"/>
+            <p14:sldId id="497"/>
           </p14:sldIdLst>
         </p14:section>
         <p14:section name="Wrap up" id="{BCD9F38D-60DF-4459-9684-4C9C9939E42E}">
@@ -389,7 +409,7 @@
           <a:p>
             <a:fld id="{9BCA07FD-5BD5-4529-84B0-48DD2C561176}" type="slidenum">
               <a:rPr lang="de-CH" smtClean="0"/>
-              <a:t>‹Nr.›</a:t>
+              <a:t>‹#›</a:t>
             </a:fld>
             <a:endParaRPr lang="de-CH"/>
           </a:p>
@@ -582,6 +602,1069 @@
 </p:notes>
 </file>
 
+<file path=ppt/notesSlides/notesSlide10.xml><?xml version="1.0" encoding="utf-8"?>
+<p:notes xmlns:a="http://schemas.openxmlformats.org/drawingml/2006/main" xmlns:r="http://schemas.openxmlformats.org/officeDocument/2006/relationships" xmlns:p="http://schemas.openxmlformats.org/presentationml/2006/main">
+  <p:cSld>
+    <p:spTree>
+      <p:nvGrpSpPr>
+        <p:cNvPr id="1" name=""/>
+        <p:cNvGrpSpPr/>
+        <p:nvPr/>
+      </p:nvGrpSpPr>
+      <p:grpSpPr>
+        <a:xfrm>
+          <a:off x="0" y="0"/>
+          <a:ext cx="0" cy="0"/>
+          <a:chOff x="0" y="0"/>
+          <a:chExt cx="0" cy="0"/>
+        </a:xfrm>
+      </p:grpSpPr>
+      <p:sp>
+        <p:nvSpPr>
+          <p:cNvPr id="2" name="Slide Image Placeholder 1"/>
+          <p:cNvSpPr>
+            <a:spLocks noGrp="1" noRot="1" noChangeAspect="1"/>
+          </p:cNvSpPr>
+          <p:nvPr>
+            <p:ph type="sldImg"/>
+          </p:nvPr>
+        </p:nvSpPr>
+        <p:spPr/>
+      </p:sp>
+      <p:sp>
+        <p:nvSpPr>
+          <p:cNvPr id="3" name="Notes Placeholder 2"/>
+          <p:cNvSpPr>
+            <a:spLocks noGrp="1"/>
+          </p:cNvSpPr>
+          <p:nvPr>
+            <p:ph type="body" idx="1"/>
+          </p:nvPr>
+        </p:nvSpPr>
+        <p:spPr/>
+        <p:txBody>
+          <a:bodyPr/>
+          <a:lstStyle/>
+          <a:p>
+            <a:r>
+              <a:rPr lang="en-CA" dirty="0"/>
+              <a:t>AMQP + </a:t>
+            </a:r>
+            <a:r>
+              <a:rPr lang="en-CA" dirty="0" err="1"/>
+              <a:t>WebSockets</a:t>
+            </a:r>
+            <a:endParaRPr lang="en-CA" dirty="0"/>
+          </a:p>
+          <a:p>
+            <a:r>
+              <a:rPr lang="en-CA" dirty="0"/>
+              <a:t>On the broker side, the new client is speaking AMQP 1.0 and no more SBMP protocol.</a:t>
+            </a:r>
+          </a:p>
+          <a:p>
+            <a:r>
+              <a:rPr lang="en-CA" dirty="0"/>
+              <a:t>Meaning interoperability and less constraints (number of concurrent connections: 1K vs 5K)</a:t>
+            </a:r>
+          </a:p>
+          <a:p>
+            <a:endParaRPr lang="en-US" dirty="0"/>
+          </a:p>
+        </p:txBody>
+      </p:sp>
+      <p:sp>
+        <p:nvSpPr>
+          <p:cNvPr id="4" name="Slide Number Placeholder 3"/>
+          <p:cNvSpPr>
+            <a:spLocks noGrp="1"/>
+          </p:cNvSpPr>
+          <p:nvPr>
+            <p:ph type="sldNum" sz="quarter" idx="5"/>
+          </p:nvPr>
+        </p:nvSpPr>
+        <p:spPr/>
+        <p:txBody>
+          <a:bodyPr/>
+          <a:lstStyle/>
+          <a:p>
+            <a:fld id="{9BCA07FD-5BD5-4529-84B0-48DD2C561176}" type="slidenum">
+              <a:rPr lang="de-CH" smtClean="0"/>
+              <a:t>10</a:t>
+            </a:fld>
+            <a:endParaRPr lang="de-CH"/>
+          </a:p>
+        </p:txBody>
+      </p:sp>
+    </p:spTree>
+    <p:extLst>
+      <p:ext uri="{BB962C8B-B14F-4D97-AF65-F5344CB8AC3E}">
+        <p14:creationId xmlns:p14="http://schemas.microsoft.com/office/powerpoint/2010/main" val="1864507071"/>
+      </p:ext>
+    </p:extLst>
+  </p:cSld>
+  <p:clrMapOvr>
+    <a:masterClrMapping/>
+  </p:clrMapOvr>
+</p:notes>
+</file>
+
+<file path=ppt/notesSlides/notesSlide11.xml><?xml version="1.0" encoding="utf-8"?>
+<p:notes xmlns:a="http://schemas.openxmlformats.org/drawingml/2006/main" xmlns:r="http://schemas.openxmlformats.org/officeDocument/2006/relationships" xmlns:p="http://schemas.openxmlformats.org/presentationml/2006/main">
+  <p:cSld>
+    <p:spTree>
+      <p:nvGrpSpPr>
+        <p:cNvPr id="1" name=""/>
+        <p:cNvGrpSpPr/>
+        <p:nvPr/>
+      </p:nvGrpSpPr>
+      <p:grpSpPr>
+        <a:xfrm>
+          <a:off x="0" y="0"/>
+          <a:ext cx="0" cy="0"/>
+          <a:chOff x="0" y="0"/>
+          <a:chExt cx="0" cy="0"/>
+        </a:xfrm>
+      </p:grpSpPr>
+      <p:sp>
+        <p:nvSpPr>
+          <p:cNvPr id="2" name="Slide Image Placeholder 1"/>
+          <p:cNvSpPr>
+            <a:spLocks noGrp="1" noRot="1" noChangeAspect="1"/>
+          </p:cNvSpPr>
+          <p:nvPr>
+            <p:ph type="sldImg"/>
+          </p:nvPr>
+        </p:nvSpPr>
+        <p:spPr/>
+      </p:sp>
+      <p:sp>
+        <p:nvSpPr>
+          <p:cNvPr id="3" name="Notes Placeholder 2"/>
+          <p:cNvSpPr>
+            <a:spLocks noGrp="1"/>
+          </p:cNvSpPr>
+          <p:nvPr>
+            <p:ph type="body" idx="1"/>
+          </p:nvPr>
+        </p:nvSpPr>
+        <p:spPr/>
+        <p:txBody>
+          <a:bodyPr/>
+          <a:lstStyle/>
+          <a:p>
+            <a:pPr marL="0" marR="0" lvl="0" indent="0" algn="l" defTabSz="914400" rtl="0" eaLnBrk="1" fontAlgn="auto" latinLnBrk="0" hangingPunct="1">
+              <a:lnSpc>
+                <a:spcPct val="100000"/>
+              </a:lnSpc>
+              <a:spcBef>
+                <a:spcPts val="0"/>
+              </a:spcBef>
+              <a:spcAft>
+                <a:spcPts val="0"/>
+              </a:spcAft>
+              <a:buClrTx/>
+              <a:buSzTx/>
+              <a:buFontTx/>
+              <a:buNone/>
+              <a:tabLst/>
+              <a:defRPr/>
+            </a:pPr>
+            <a:r>
+              <a:rPr lang="en-CA" dirty="0"/>
+              <a:t>Sending a message -&gt; </a:t>
+            </a:r>
+            <a:r>
+              <a:rPr lang="en-CA" sz="1200" b="0" kern="1200" dirty="0" err="1">
+                <a:solidFill>
+                  <a:schemeClr val="tx1"/>
+                </a:solidFill>
+                <a:effectLst/>
+                <a:latin typeface="+mn-lt"/>
+                <a:ea typeface="+mn-ea"/>
+                <a:cs typeface="+mn-cs"/>
+              </a:rPr>
+              <a:t>MessagingEntityNotFoundException</a:t>
+            </a:r>
+            <a:r>
+              <a:rPr lang="en-CA" sz="1200" b="0" kern="1200" dirty="0">
+                <a:solidFill>
+                  <a:schemeClr val="tx1"/>
+                </a:solidFill>
+                <a:effectLst/>
+                <a:latin typeface="+mn-lt"/>
+                <a:ea typeface="+mn-ea"/>
+                <a:cs typeface="+mn-cs"/>
+              </a:rPr>
+              <a:t> -&gt; tooling</a:t>
+            </a:r>
+            <a:endParaRPr lang="en-CA" b="0" dirty="0"/>
+          </a:p>
+          <a:p>
+            <a:r>
+              <a:rPr lang="en-US" dirty="0" err="1"/>
+              <a:t>QueuClient.SendAsync</a:t>
+            </a:r>
+            <a:endParaRPr lang="en-US" dirty="0"/>
+          </a:p>
+        </p:txBody>
+      </p:sp>
+      <p:sp>
+        <p:nvSpPr>
+          <p:cNvPr id="4" name="Slide Number Placeholder 3"/>
+          <p:cNvSpPr>
+            <a:spLocks noGrp="1"/>
+          </p:cNvSpPr>
+          <p:nvPr>
+            <p:ph type="sldNum" sz="quarter" idx="5"/>
+          </p:nvPr>
+        </p:nvSpPr>
+        <p:spPr/>
+        <p:txBody>
+          <a:bodyPr/>
+          <a:lstStyle/>
+          <a:p>
+            <a:fld id="{9BCA07FD-5BD5-4529-84B0-48DD2C561176}" type="slidenum">
+              <a:rPr lang="de-CH" smtClean="0"/>
+              <a:t>11</a:t>
+            </a:fld>
+            <a:endParaRPr lang="de-CH"/>
+          </a:p>
+        </p:txBody>
+      </p:sp>
+    </p:spTree>
+    <p:extLst>
+      <p:ext uri="{BB962C8B-B14F-4D97-AF65-F5344CB8AC3E}">
+        <p14:creationId xmlns:p14="http://schemas.microsoft.com/office/powerpoint/2010/main" val="1030098325"/>
+      </p:ext>
+    </p:extLst>
+  </p:cSld>
+  <p:clrMapOvr>
+    <a:masterClrMapping/>
+  </p:clrMapOvr>
+</p:notes>
+</file>
+
+<file path=ppt/notesSlides/notesSlide12.xml><?xml version="1.0" encoding="utf-8"?>
+<p:notes xmlns:a="http://schemas.openxmlformats.org/drawingml/2006/main" xmlns:r="http://schemas.openxmlformats.org/officeDocument/2006/relationships" xmlns:p="http://schemas.openxmlformats.org/presentationml/2006/main">
+  <p:cSld>
+    <p:spTree>
+      <p:nvGrpSpPr>
+        <p:cNvPr id="1" name=""/>
+        <p:cNvGrpSpPr/>
+        <p:nvPr/>
+      </p:nvGrpSpPr>
+      <p:grpSpPr>
+        <a:xfrm>
+          <a:off x="0" y="0"/>
+          <a:ext cx="0" cy="0"/>
+          <a:chOff x="0" y="0"/>
+          <a:chExt cx="0" cy="0"/>
+        </a:xfrm>
+      </p:grpSpPr>
+      <p:sp>
+        <p:nvSpPr>
+          <p:cNvPr id="2" name="Slide Image Placeholder 1"/>
+          <p:cNvSpPr>
+            <a:spLocks noGrp="1" noRot="1" noChangeAspect="1"/>
+          </p:cNvSpPr>
+          <p:nvPr>
+            <p:ph type="sldImg"/>
+          </p:nvPr>
+        </p:nvSpPr>
+        <p:spPr/>
+      </p:sp>
+      <p:sp>
+        <p:nvSpPr>
+          <p:cNvPr id="3" name="Notes Placeholder 2"/>
+          <p:cNvSpPr>
+            <a:spLocks noGrp="1"/>
+          </p:cNvSpPr>
+          <p:nvPr>
+            <p:ph type="body" idx="1"/>
+          </p:nvPr>
+        </p:nvSpPr>
+        <p:spPr/>
+        <p:txBody>
+          <a:bodyPr/>
+          <a:lstStyle/>
+          <a:p>
+            <a:pPr marL="0" marR="0" lvl="0" indent="0" algn="l" defTabSz="914400" rtl="0" eaLnBrk="1" fontAlgn="auto" latinLnBrk="0" hangingPunct="1">
+              <a:lnSpc>
+                <a:spcPct val="100000"/>
+              </a:lnSpc>
+              <a:spcBef>
+                <a:spcPts val="0"/>
+              </a:spcBef>
+              <a:spcAft>
+                <a:spcPts val="0"/>
+              </a:spcAft>
+              <a:buClrTx/>
+              <a:buSzTx/>
+              <a:buFontTx/>
+              <a:buNone/>
+              <a:tabLst/>
+              <a:defRPr/>
+            </a:pPr>
+            <a:r>
+              <a:rPr lang="en-US" dirty="0"/>
+              <a:t>How do we receive? There are two options available</a:t>
+            </a:r>
+          </a:p>
+          <a:p>
+            <a:pPr marL="171450" marR="0" lvl="0" indent="-171450" algn="l" defTabSz="914400" rtl="0" eaLnBrk="1" fontAlgn="auto" latinLnBrk="0" hangingPunct="1">
+              <a:lnSpc>
+                <a:spcPct val="100000"/>
+              </a:lnSpc>
+              <a:spcBef>
+                <a:spcPts val="0"/>
+              </a:spcBef>
+              <a:spcAft>
+                <a:spcPts val="0"/>
+              </a:spcAft>
+              <a:buClrTx/>
+              <a:buSzTx/>
+              <a:buFontTx/>
+              <a:buChar char="-"/>
+              <a:tabLst/>
+              <a:defRPr/>
+            </a:pPr>
+            <a:r>
+              <a:rPr lang="en-US" dirty="0" err="1"/>
+              <a:t>MessageReceiver.ReceiveAsync</a:t>
+            </a:r>
+            <a:r>
+              <a:rPr lang="en-US" dirty="0"/>
+              <a:t>(message) is fragile requires to do manual heavy lifting such as concurrency etc. Also hard to understand</a:t>
+            </a:r>
+          </a:p>
+          <a:p>
+            <a:pPr marL="171450" marR="0" lvl="0" indent="-171450" algn="l" defTabSz="914400" rtl="0" eaLnBrk="1" fontAlgn="auto" latinLnBrk="0" hangingPunct="1">
+              <a:lnSpc>
+                <a:spcPct val="100000"/>
+              </a:lnSpc>
+              <a:spcBef>
+                <a:spcPts val="0"/>
+              </a:spcBef>
+              <a:spcAft>
+                <a:spcPts val="0"/>
+              </a:spcAft>
+              <a:buClrTx/>
+              <a:buSzTx/>
+              <a:buFontTx/>
+              <a:buChar char="-"/>
+              <a:tabLst/>
+              <a:defRPr/>
+            </a:pPr>
+            <a:r>
+              <a:rPr lang="en-US" dirty="0"/>
+              <a:t>Use message handlers instead</a:t>
+            </a:r>
+          </a:p>
+          <a:p>
+            <a:pPr marL="171450" marR="0" lvl="0" indent="-171450" algn="l" defTabSz="914400" rtl="0" eaLnBrk="1" fontAlgn="auto" latinLnBrk="0" hangingPunct="1">
+              <a:lnSpc>
+                <a:spcPct val="100000"/>
+              </a:lnSpc>
+              <a:spcBef>
+                <a:spcPts val="0"/>
+              </a:spcBef>
+              <a:spcAft>
+                <a:spcPts val="0"/>
+              </a:spcAft>
+              <a:buClrTx/>
+              <a:buSzTx/>
+              <a:buFontTx/>
+              <a:buChar char="-"/>
+              <a:tabLst/>
+              <a:defRPr/>
+            </a:pPr>
+            <a:endParaRPr lang="en-US" dirty="0"/>
+          </a:p>
+          <a:p>
+            <a:r>
+              <a:rPr lang="en-CA" dirty="0" err="1"/>
+              <a:t>MessageHandlerOptions</a:t>
+            </a:r>
+            <a:endParaRPr lang="en-CA" dirty="0"/>
+          </a:p>
+          <a:p>
+            <a:pPr marL="171450" indent="-171450">
+              <a:buFontTx/>
+              <a:buChar char="-"/>
+            </a:pPr>
+            <a:r>
+              <a:rPr lang="en-CA" dirty="0"/>
+              <a:t>Exception handler with </a:t>
+            </a:r>
+            <a:r>
+              <a:rPr lang="en-CA" dirty="0" err="1"/>
+              <a:t>ExceptionReceiveContext</a:t>
+            </a:r>
+            <a:endParaRPr lang="en-CA" dirty="0"/>
+          </a:p>
+          <a:p>
+            <a:pPr marL="171450" indent="-171450">
+              <a:buFontTx/>
+              <a:buChar char="-"/>
+            </a:pPr>
+            <a:r>
+              <a:rPr lang="en-CA" dirty="0"/>
+              <a:t>AutoComplete (defaults to true)</a:t>
+            </a:r>
+          </a:p>
+          <a:p>
+            <a:pPr marL="171450" indent="-171450">
+              <a:buFontTx/>
+              <a:buChar char="-"/>
+            </a:pPr>
+            <a:r>
+              <a:rPr lang="en-CA" dirty="0" err="1"/>
+              <a:t>MaxConcurrentCalls</a:t>
+            </a:r>
+            <a:r>
+              <a:rPr lang="en-CA" dirty="0"/>
+              <a:t> (defaults to one)</a:t>
+            </a:r>
+          </a:p>
+          <a:p>
+            <a:pPr marL="171450" indent="-171450">
+              <a:buFontTx/>
+              <a:buChar char="-"/>
+            </a:pPr>
+            <a:r>
+              <a:rPr lang="en-CA" dirty="0" err="1"/>
+              <a:t>MaxAutoRenewDuration</a:t>
+            </a:r>
+            <a:r>
+              <a:rPr lang="en-CA" dirty="0"/>
+              <a:t> (defaults to 5mins)</a:t>
+            </a:r>
+          </a:p>
+          <a:p>
+            <a:pPr marL="171450" indent="-171450">
+              <a:buFontTx/>
+              <a:buChar char="-"/>
+            </a:pPr>
+            <a:endParaRPr lang="en-CA" dirty="0"/>
+          </a:p>
+          <a:p>
+            <a:r>
+              <a:rPr lang="en-CA" dirty="0"/>
+              <a:t>What’s the right way? If you need to process incoming messages one by one and don’t want to build message pump logic, </a:t>
+            </a:r>
+            <a:r>
+              <a:rPr lang="en-CA" dirty="0" err="1"/>
+              <a:t>MessageHandler</a:t>
+            </a:r>
+            <a:r>
+              <a:rPr lang="en-CA" dirty="0"/>
+              <a:t> is a good option.</a:t>
+            </a:r>
+          </a:p>
+          <a:p>
+            <a:r>
+              <a:rPr lang="en-CA" dirty="0"/>
+              <a:t>If batching is important, manual receive is a better option.</a:t>
+            </a:r>
+          </a:p>
+          <a:p>
+            <a:pPr marL="171450" marR="0" lvl="0" indent="-171450" algn="l" defTabSz="914400" rtl="0" eaLnBrk="1" fontAlgn="auto" latinLnBrk="0" hangingPunct="1">
+              <a:lnSpc>
+                <a:spcPct val="100000"/>
+              </a:lnSpc>
+              <a:spcBef>
+                <a:spcPts val="0"/>
+              </a:spcBef>
+              <a:spcAft>
+                <a:spcPts val="0"/>
+              </a:spcAft>
+              <a:buClrTx/>
+              <a:buSzTx/>
+              <a:buFontTx/>
+              <a:buChar char="-"/>
+              <a:tabLst/>
+              <a:defRPr/>
+            </a:pPr>
+            <a:endParaRPr lang="en-US" dirty="0"/>
+          </a:p>
+          <a:p>
+            <a:pPr marL="171450" marR="0" lvl="0" indent="-171450" algn="l" defTabSz="914400" rtl="0" eaLnBrk="1" fontAlgn="auto" latinLnBrk="0" hangingPunct="1">
+              <a:lnSpc>
+                <a:spcPct val="100000"/>
+              </a:lnSpc>
+              <a:spcBef>
+                <a:spcPts val="0"/>
+              </a:spcBef>
+              <a:spcAft>
+                <a:spcPts val="0"/>
+              </a:spcAft>
+              <a:buClrTx/>
+              <a:buSzTx/>
+              <a:buFontTx/>
+              <a:buChar char="-"/>
+              <a:tabLst/>
+              <a:defRPr/>
+            </a:pPr>
+            <a:endParaRPr lang="en-US" dirty="0"/>
+          </a:p>
+        </p:txBody>
+      </p:sp>
+      <p:sp>
+        <p:nvSpPr>
+          <p:cNvPr id="4" name="Slide Number Placeholder 3"/>
+          <p:cNvSpPr>
+            <a:spLocks noGrp="1"/>
+          </p:cNvSpPr>
+          <p:nvPr>
+            <p:ph type="sldNum" sz="quarter" idx="5"/>
+          </p:nvPr>
+        </p:nvSpPr>
+        <p:spPr/>
+        <p:txBody>
+          <a:bodyPr/>
+          <a:lstStyle/>
+          <a:p>
+            <a:fld id="{9BCA07FD-5BD5-4529-84B0-48DD2C561176}" type="slidenum">
+              <a:rPr lang="de-CH" smtClean="0"/>
+              <a:t>12</a:t>
+            </a:fld>
+            <a:endParaRPr lang="de-CH"/>
+          </a:p>
+        </p:txBody>
+      </p:sp>
+    </p:spTree>
+    <p:extLst>
+      <p:ext uri="{BB962C8B-B14F-4D97-AF65-F5344CB8AC3E}">
+        <p14:creationId xmlns:p14="http://schemas.microsoft.com/office/powerpoint/2010/main" val="483044625"/>
+      </p:ext>
+    </p:extLst>
+  </p:cSld>
+  <p:clrMapOvr>
+    <a:masterClrMapping/>
+  </p:clrMapOvr>
+</p:notes>
+</file>
+
+<file path=ppt/notesSlides/notesSlide13.xml><?xml version="1.0" encoding="utf-8"?>
+<p:notes xmlns:a="http://schemas.openxmlformats.org/drawingml/2006/main" xmlns:r="http://schemas.openxmlformats.org/officeDocument/2006/relationships" xmlns:p="http://schemas.openxmlformats.org/presentationml/2006/main">
+  <p:cSld>
+    <p:spTree>
+      <p:nvGrpSpPr>
+        <p:cNvPr id="1" name=""/>
+        <p:cNvGrpSpPr/>
+        <p:nvPr/>
+      </p:nvGrpSpPr>
+      <p:grpSpPr>
+        <a:xfrm>
+          <a:off x="0" y="0"/>
+          <a:ext cx="0" cy="0"/>
+          <a:chOff x="0" y="0"/>
+          <a:chExt cx="0" cy="0"/>
+        </a:xfrm>
+      </p:grpSpPr>
+      <p:sp>
+        <p:nvSpPr>
+          <p:cNvPr id="2" name="Slide Image Placeholder 1"/>
+          <p:cNvSpPr>
+            <a:spLocks noGrp="1" noRot="1" noChangeAspect="1"/>
+          </p:cNvSpPr>
+          <p:nvPr>
+            <p:ph type="sldImg"/>
+          </p:nvPr>
+        </p:nvSpPr>
+        <p:spPr/>
+      </p:sp>
+      <p:sp>
+        <p:nvSpPr>
+          <p:cNvPr id="3" name="Notes Placeholder 2"/>
+          <p:cNvSpPr>
+            <a:spLocks noGrp="1"/>
+          </p:cNvSpPr>
+          <p:nvPr>
+            <p:ph type="body" idx="1"/>
+          </p:nvPr>
+        </p:nvSpPr>
+        <p:spPr/>
+        <p:txBody>
+          <a:bodyPr/>
+          <a:lstStyle/>
+          <a:p>
+            <a:r>
+              <a:rPr lang="en-US" dirty="0"/>
+              <a:t>Sender and Receiver are abstract types that are allow to send and receive from topics and queues</a:t>
+            </a:r>
+          </a:p>
+        </p:txBody>
+      </p:sp>
+      <p:sp>
+        <p:nvSpPr>
+          <p:cNvPr id="4" name="Slide Number Placeholder 3"/>
+          <p:cNvSpPr>
+            <a:spLocks noGrp="1"/>
+          </p:cNvSpPr>
+          <p:nvPr>
+            <p:ph type="sldNum" sz="quarter" idx="5"/>
+          </p:nvPr>
+        </p:nvSpPr>
+        <p:spPr/>
+        <p:txBody>
+          <a:bodyPr/>
+          <a:lstStyle/>
+          <a:p>
+            <a:fld id="{9BCA07FD-5BD5-4529-84B0-48DD2C561176}" type="slidenum">
+              <a:rPr lang="de-CH" smtClean="0"/>
+              <a:t>13</a:t>
+            </a:fld>
+            <a:endParaRPr lang="de-CH"/>
+          </a:p>
+        </p:txBody>
+      </p:sp>
+    </p:spTree>
+    <p:extLst>
+      <p:ext uri="{BB962C8B-B14F-4D97-AF65-F5344CB8AC3E}">
+        <p14:creationId xmlns:p14="http://schemas.microsoft.com/office/powerpoint/2010/main" val="1521539082"/>
+      </p:ext>
+    </p:extLst>
+  </p:cSld>
+  <p:clrMapOvr>
+    <a:masterClrMapping/>
+  </p:clrMapOvr>
+</p:notes>
+</file>
+
+<file path=ppt/notesSlides/notesSlide14.xml><?xml version="1.0" encoding="utf-8"?>
+<p:notes xmlns:a="http://schemas.openxmlformats.org/drawingml/2006/main" xmlns:r="http://schemas.openxmlformats.org/officeDocument/2006/relationships" xmlns:p="http://schemas.openxmlformats.org/presentationml/2006/main">
+  <p:cSld>
+    <p:spTree>
+      <p:nvGrpSpPr>
+        <p:cNvPr id="1" name=""/>
+        <p:cNvGrpSpPr/>
+        <p:nvPr/>
+      </p:nvGrpSpPr>
+      <p:grpSpPr>
+        <a:xfrm>
+          <a:off x="0" y="0"/>
+          <a:ext cx="0" cy="0"/>
+          <a:chOff x="0" y="0"/>
+          <a:chExt cx="0" cy="0"/>
+        </a:xfrm>
+      </p:grpSpPr>
+      <p:sp>
+        <p:nvSpPr>
+          <p:cNvPr id="2" name="Slide Image Placeholder 1"/>
+          <p:cNvSpPr>
+            <a:spLocks noGrp="1" noRot="1" noChangeAspect="1"/>
+          </p:cNvSpPr>
+          <p:nvPr>
+            <p:ph type="sldImg"/>
+          </p:nvPr>
+        </p:nvSpPr>
+        <p:spPr/>
+      </p:sp>
+      <p:sp>
+        <p:nvSpPr>
+          <p:cNvPr id="3" name="Notes Placeholder 2"/>
+          <p:cNvSpPr>
+            <a:spLocks noGrp="1"/>
+          </p:cNvSpPr>
+          <p:nvPr>
+            <p:ph type="body" idx="1"/>
+          </p:nvPr>
+        </p:nvSpPr>
+        <p:spPr/>
+        <p:txBody>
+          <a:bodyPr/>
+          <a:lstStyle/>
+          <a:p>
+            <a:r>
+              <a:rPr lang="de-CH" dirty="0" err="1"/>
+              <a:t>Thanks</a:t>
+            </a:r>
+            <a:endParaRPr lang="de-CH" dirty="0"/>
+          </a:p>
+        </p:txBody>
+      </p:sp>
+      <p:sp>
+        <p:nvSpPr>
+          <p:cNvPr id="4" name="Slide Number Placeholder 3"/>
+          <p:cNvSpPr>
+            <a:spLocks noGrp="1"/>
+          </p:cNvSpPr>
+          <p:nvPr>
+            <p:ph type="sldNum" sz="quarter" idx="10"/>
+          </p:nvPr>
+        </p:nvSpPr>
+        <p:spPr/>
+        <p:txBody>
+          <a:bodyPr/>
+          <a:lstStyle/>
+          <a:p>
+            <a:fld id="{9BCA07FD-5BD5-4529-84B0-48DD2C561176}" type="slidenum">
+              <a:rPr lang="de-CH" smtClean="0"/>
+              <a:t>14</a:t>
+            </a:fld>
+            <a:endParaRPr lang="de-CH"/>
+          </a:p>
+        </p:txBody>
+      </p:sp>
+    </p:spTree>
+    <p:extLst>
+      <p:ext uri="{BB962C8B-B14F-4D97-AF65-F5344CB8AC3E}">
+        <p14:creationId xmlns:p14="http://schemas.microsoft.com/office/powerpoint/2010/main" val="1171336995"/>
+      </p:ext>
+    </p:extLst>
+  </p:cSld>
+  <p:clrMapOvr>
+    <a:masterClrMapping/>
+  </p:clrMapOvr>
+</p:notes>
+</file>
+
+<file path=ppt/notesSlides/notesSlide15.xml><?xml version="1.0" encoding="utf-8"?>
+<p:notes xmlns:a="http://schemas.openxmlformats.org/drawingml/2006/main" xmlns:r="http://schemas.openxmlformats.org/officeDocument/2006/relationships" xmlns:p="http://schemas.openxmlformats.org/presentationml/2006/main">
+  <p:cSld>
+    <p:spTree>
+      <p:nvGrpSpPr>
+        <p:cNvPr id="1" name=""/>
+        <p:cNvGrpSpPr/>
+        <p:nvPr/>
+      </p:nvGrpSpPr>
+      <p:grpSpPr>
+        <a:xfrm>
+          <a:off x="0" y="0"/>
+          <a:ext cx="0" cy="0"/>
+          <a:chOff x="0" y="0"/>
+          <a:chExt cx="0" cy="0"/>
+        </a:xfrm>
+      </p:grpSpPr>
+      <p:sp>
+        <p:nvSpPr>
+          <p:cNvPr id="2" name="Slide Image Placeholder 1"/>
+          <p:cNvSpPr>
+            <a:spLocks noGrp="1" noRot="1" noChangeAspect="1"/>
+          </p:cNvSpPr>
+          <p:nvPr>
+            <p:ph type="sldImg"/>
+          </p:nvPr>
+        </p:nvSpPr>
+        <p:spPr/>
+      </p:sp>
+      <p:sp>
+        <p:nvSpPr>
+          <p:cNvPr id="3" name="Notes Placeholder 2"/>
+          <p:cNvSpPr>
+            <a:spLocks noGrp="1"/>
+          </p:cNvSpPr>
+          <p:nvPr>
+            <p:ph type="body" idx="1"/>
+          </p:nvPr>
+        </p:nvSpPr>
+        <p:spPr/>
+        <p:txBody>
+          <a:bodyPr/>
+          <a:lstStyle/>
+          <a:p>
+            <a:endParaRPr lang="de-CH" dirty="0"/>
+          </a:p>
+        </p:txBody>
+      </p:sp>
+      <p:sp>
+        <p:nvSpPr>
+          <p:cNvPr id="4" name="Slide Number Placeholder 3"/>
+          <p:cNvSpPr>
+            <a:spLocks noGrp="1"/>
+          </p:cNvSpPr>
+          <p:nvPr>
+            <p:ph type="sldNum" sz="quarter" idx="10"/>
+          </p:nvPr>
+        </p:nvSpPr>
+        <p:spPr/>
+        <p:txBody>
+          <a:bodyPr/>
+          <a:lstStyle/>
+          <a:p>
+            <a:fld id="{9BCA07FD-5BD5-4529-84B0-48DD2C561176}" type="slidenum">
+              <a:rPr lang="de-CH" smtClean="0"/>
+              <a:t>15</a:t>
+            </a:fld>
+            <a:endParaRPr lang="de-CH"/>
+          </a:p>
+        </p:txBody>
+      </p:sp>
+    </p:spTree>
+    <p:extLst>
+      <p:ext uri="{BB962C8B-B14F-4D97-AF65-F5344CB8AC3E}">
+        <p14:creationId xmlns:p14="http://schemas.microsoft.com/office/powerpoint/2010/main" val="3670487613"/>
+      </p:ext>
+    </p:extLst>
+  </p:cSld>
+  <p:clrMapOvr>
+    <a:masterClrMapping/>
+  </p:clrMapOvr>
+</p:notes>
+</file>
+
+<file path=ppt/notesSlides/notesSlide16.xml><?xml version="1.0" encoding="utf-8"?>
+<p:notes xmlns:a="http://schemas.openxmlformats.org/drawingml/2006/main" xmlns:r="http://schemas.openxmlformats.org/officeDocument/2006/relationships" xmlns:p="http://schemas.openxmlformats.org/presentationml/2006/main">
+  <p:cSld>
+    <p:spTree>
+      <p:nvGrpSpPr>
+        <p:cNvPr id="1" name=""/>
+        <p:cNvGrpSpPr/>
+        <p:nvPr/>
+      </p:nvGrpSpPr>
+      <p:grpSpPr>
+        <a:xfrm>
+          <a:off x="0" y="0"/>
+          <a:ext cx="0" cy="0"/>
+          <a:chOff x="0" y="0"/>
+          <a:chExt cx="0" cy="0"/>
+        </a:xfrm>
+      </p:grpSpPr>
+      <p:sp>
+        <p:nvSpPr>
+          <p:cNvPr id="2" name="Slide Image Placeholder 1"/>
+          <p:cNvSpPr>
+            <a:spLocks noGrp="1" noRot="1" noChangeAspect="1"/>
+          </p:cNvSpPr>
+          <p:nvPr>
+            <p:ph type="sldImg"/>
+          </p:nvPr>
+        </p:nvSpPr>
+        <p:spPr/>
+      </p:sp>
+      <p:sp>
+        <p:nvSpPr>
+          <p:cNvPr id="3" name="Notes Placeholder 2"/>
+          <p:cNvSpPr>
+            <a:spLocks noGrp="1"/>
+          </p:cNvSpPr>
+          <p:nvPr>
+            <p:ph type="body" idx="1"/>
+          </p:nvPr>
+        </p:nvSpPr>
+        <p:spPr/>
+        <p:txBody>
+          <a:bodyPr/>
+          <a:lstStyle/>
+          <a:p>
+            <a:endParaRPr lang="de-CH" dirty="0"/>
+          </a:p>
+        </p:txBody>
+      </p:sp>
+      <p:sp>
+        <p:nvSpPr>
+          <p:cNvPr id="4" name="Slide Number Placeholder 3"/>
+          <p:cNvSpPr>
+            <a:spLocks noGrp="1"/>
+          </p:cNvSpPr>
+          <p:nvPr>
+            <p:ph type="sldNum" sz="quarter" idx="10"/>
+          </p:nvPr>
+        </p:nvSpPr>
+        <p:spPr/>
+        <p:txBody>
+          <a:bodyPr/>
+          <a:lstStyle/>
+          <a:p>
+            <a:fld id="{9BCA07FD-5BD5-4529-84B0-48DD2C561176}" type="slidenum">
+              <a:rPr lang="de-CH" smtClean="0"/>
+              <a:t>16</a:t>
+            </a:fld>
+            <a:endParaRPr lang="de-CH"/>
+          </a:p>
+        </p:txBody>
+      </p:sp>
+    </p:spTree>
+    <p:extLst>
+      <p:ext uri="{BB962C8B-B14F-4D97-AF65-F5344CB8AC3E}">
+        <p14:creationId xmlns:p14="http://schemas.microsoft.com/office/powerpoint/2010/main" val="978782014"/>
+      </p:ext>
+    </p:extLst>
+  </p:cSld>
+  <p:clrMapOvr>
+    <a:masterClrMapping/>
+  </p:clrMapOvr>
+</p:notes>
+</file>
+
+<file path=ppt/notesSlides/notesSlide17.xml><?xml version="1.0" encoding="utf-8"?>
+<p:notes xmlns:a="http://schemas.openxmlformats.org/drawingml/2006/main" xmlns:r="http://schemas.openxmlformats.org/officeDocument/2006/relationships" xmlns:p="http://schemas.openxmlformats.org/presentationml/2006/main">
+  <p:cSld>
+    <p:spTree>
+      <p:nvGrpSpPr>
+        <p:cNvPr id="1" name=""/>
+        <p:cNvGrpSpPr/>
+        <p:nvPr/>
+      </p:nvGrpSpPr>
+      <p:grpSpPr>
+        <a:xfrm>
+          <a:off x="0" y="0"/>
+          <a:ext cx="0" cy="0"/>
+          <a:chOff x="0" y="0"/>
+          <a:chExt cx="0" cy="0"/>
+        </a:xfrm>
+      </p:grpSpPr>
+      <p:sp>
+        <p:nvSpPr>
+          <p:cNvPr id="2" name="Slide Image Placeholder 1"/>
+          <p:cNvSpPr>
+            <a:spLocks noGrp="1" noRot="1" noChangeAspect="1"/>
+          </p:cNvSpPr>
+          <p:nvPr>
+            <p:ph type="sldImg"/>
+          </p:nvPr>
+        </p:nvSpPr>
+        <p:spPr/>
+      </p:sp>
+      <p:sp>
+        <p:nvSpPr>
+          <p:cNvPr id="3" name="Notes Placeholder 2"/>
+          <p:cNvSpPr>
+            <a:spLocks noGrp="1"/>
+          </p:cNvSpPr>
+          <p:nvPr>
+            <p:ph type="body" idx="1"/>
+          </p:nvPr>
+        </p:nvSpPr>
+        <p:spPr/>
+        <p:txBody>
+          <a:bodyPr/>
+          <a:lstStyle/>
+          <a:p>
+            <a:endParaRPr lang="de-CH" dirty="0"/>
+          </a:p>
+        </p:txBody>
+      </p:sp>
+      <p:sp>
+        <p:nvSpPr>
+          <p:cNvPr id="4" name="Slide Number Placeholder 3"/>
+          <p:cNvSpPr>
+            <a:spLocks noGrp="1"/>
+          </p:cNvSpPr>
+          <p:nvPr>
+            <p:ph type="sldNum" sz="quarter" idx="10"/>
+          </p:nvPr>
+        </p:nvSpPr>
+        <p:spPr/>
+        <p:txBody>
+          <a:bodyPr/>
+          <a:lstStyle/>
+          <a:p>
+            <a:fld id="{9BCA07FD-5BD5-4529-84B0-48DD2C561176}" type="slidenum">
+              <a:rPr lang="de-CH" smtClean="0"/>
+              <a:t>17</a:t>
+            </a:fld>
+            <a:endParaRPr lang="de-CH"/>
+          </a:p>
+        </p:txBody>
+      </p:sp>
+    </p:spTree>
+    <p:extLst>
+      <p:ext uri="{BB962C8B-B14F-4D97-AF65-F5344CB8AC3E}">
+        <p14:creationId xmlns:p14="http://schemas.microsoft.com/office/powerpoint/2010/main" val="88145516"/>
+      </p:ext>
+    </p:extLst>
+  </p:cSld>
+  <p:clrMapOvr>
+    <a:masterClrMapping/>
+  </p:clrMapOvr>
+</p:notes>
+</file>
+
+<file path=ppt/notesSlides/notesSlide18.xml><?xml version="1.0" encoding="utf-8"?>
+<p:notes xmlns:a="http://schemas.openxmlformats.org/drawingml/2006/main" xmlns:r="http://schemas.openxmlformats.org/officeDocument/2006/relationships" xmlns:p="http://schemas.openxmlformats.org/presentationml/2006/main">
+  <p:cSld>
+    <p:spTree>
+      <p:nvGrpSpPr>
+        <p:cNvPr id="1" name=""/>
+        <p:cNvGrpSpPr/>
+        <p:nvPr/>
+      </p:nvGrpSpPr>
+      <p:grpSpPr>
+        <a:xfrm>
+          <a:off x="0" y="0"/>
+          <a:ext cx="0" cy="0"/>
+          <a:chOff x="0" y="0"/>
+          <a:chExt cx="0" cy="0"/>
+        </a:xfrm>
+      </p:grpSpPr>
+      <p:sp>
+        <p:nvSpPr>
+          <p:cNvPr id="2" name="Slide Image Placeholder 1"/>
+          <p:cNvSpPr>
+            <a:spLocks noGrp="1" noRot="1" noChangeAspect="1"/>
+          </p:cNvSpPr>
+          <p:nvPr>
+            <p:ph type="sldImg"/>
+          </p:nvPr>
+        </p:nvSpPr>
+        <p:spPr/>
+      </p:sp>
+      <p:sp>
+        <p:nvSpPr>
+          <p:cNvPr id="3" name="Notes Placeholder 2"/>
+          <p:cNvSpPr>
+            <a:spLocks noGrp="1"/>
+          </p:cNvSpPr>
+          <p:nvPr>
+            <p:ph type="body" idx="1"/>
+          </p:nvPr>
+        </p:nvSpPr>
+        <p:spPr/>
+        <p:txBody>
+          <a:bodyPr/>
+          <a:lstStyle/>
+          <a:p>
+            <a:r>
+              <a:rPr lang="de-CH" dirty="0"/>
+              <a:t>Thank you very much</a:t>
+            </a:r>
+            <a:r>
+              <a:rPr lang="de-CH" baseline="0" dirty="0"/>
+              <a:t> for listening and see you next time</a:t>
+            </a:r>
+            <a:endParaRPr lang="de-CH" dirty="0"/>
+          </a:p>
+        </p:txBody>
+      </p:sp>
+      <p:sp>
+        <p:nvSpPr>
+          <p:cNvPr id="4" name="Slide Number Placeholder 3"/>
+          <p:cNvSpPr>
+            <a:spLocks noGrp="1"/>
+          </p:cNvSpPr>
+          <p:nvPr>
+            <p:ph type="sldNum" sz="quarter" idx="10"/>
+          </p:nvPr>
+        </p:nvSpPr>
+        <p:spPr/>
+        <p:txBody>
+          <a:bodyPr/>
+          <a:lstStyle/>
+          <a:p>
+            <a:fld id="{9BCA07FD-5BD5-4529-84B0-48DD2C561176}" type="slidenum">
+              <a:rPr lang="de-CH" smtClean="0"/>
+              <a:t>18</a:t>
+            </a:fld>
+            <a:endParaRPr lang="de-CH"/>
+          </a:p>
+        </p:txBody>
+      </p:sp>
+    </p:spTree>
+    <p:extLst>
+      <p:ext uri="{BB962C8B-B14F-4D97-AF65-F5344CB8AC3E}">
+        <p14:creationId xmlns:p14="http://schemas.microsoft.com/office/powerpoint/2010/main" val="3949593976"/>
+      </p:ext>
+    </p:extLst>
+  </p:cSld>
+  <p:clrMapOvr>
+    <a:masterClrMapping/>
+  </p:clrMapOvr>
+</p:notes>
+</file>
+
 <file path=ppt/notesSlides/notesSlide2.xml><?xml version="1.0" encoding="utf-8"?>
 <p:notes xmlns:a="http://schemas.openxmlformats.org/drawingml/2006/main" xmlns:r="http://schemas.openxmlformats.org/officeDocument/2006/relationships" xmlns:p="http://schemas.openxmlformats.org/presentationml/2006/main">
   <p:cSld>
@@ -1524,11 +2607,7 @@
           <a:bodyPr/>
           <a:lstStyle/>
           <a:p>
-            <a:r>
-              <a:rPr lang="de-CH" dirty="0" err="1"/>
-              <a:t>Thanks</a:t>
-            </a:r>
-            <a:endParaRPr lang="de-CH" dirty="0"/>
+            <a:endParaRPr lang="en-CA" dirty="0"/>
           </a:p>
         </p:txBody>
       </p:sp>
@@ -1547,18 +2626,18 @@
           <a:bodyPr/>
           <a:lstStyle/>
           <a:p>
-            <a:fld id="{9BCA07FD-5BD5-4529-84B0-48DD2C561176}" type="slidenum">
-              <a:rPr lang="de-CH" smtClean="0"/>
+            <a:fld id="{8DF7B682-A23C-4AC9-A63F-72C4BE33EF59}" type="slidenum">
+              <a:rPr lang="en-CA" smtClean="0"/>
               <a:t>4</a:t>
             </a:fld>
-            <a:endParaRPr lang="de-CH"/>
+            <a:endParaRPr lang="en-CA"/>
           </a:p>
         </p:txBody>
       </p:sp>
     </p:spTree>
     <p:extLst>
       <p:ext uri="{BB962C8B-B14F-4D97-AF65-F5344CB8AC3E}">
-        <p14:creationId xmlns:p14="http://schemas.microsoft.com/office/powerpoint/2010/main" val="1171336995"/>
+        <p14:creationId xmlns:p14="http://schemas.microsoft.com/office/powerpoint/2010/main" val="390383533"/>
       </p:ext>
     </p:extLst>
   </p:cSld>
@@ -1612,7 +2691,10 @@
           <a:bodyPr/>
           <a:lstStyle/>
           <a:p>
-            <a:endParaRPr lang="de-CH" dirty="0"/>
+            <a:r>
+              <a:rPr lang="en-CA" dirty="0"/>
+              <a:t>A few months a go the picture looked liked the following</a:t>
+            </a:r>
           </a:p>
         </p:txBody>
       </p:sp>
@@ -1631,18 +2713,18 @@
           <a:bodyPr/>
           <a:lstStyle/>
           <a:p>
-            <a:fld id="{9BCA07FD-5BD5-4529-84B0-48DD2C561176}" type="slidenum">
-              <a:rPr lang="de-CH" smtClean="0"/>
+            <a:fld id="{8DF7B682-A23C-4AC9-A63F-72C4BE33EF59}" type="slidenum">
+              <a:rPr lang="en-CA" smtClean="0"/>
               <a:t>5</a:t>
             </a:fld>
-            <a:endParaRPr lang="de-CH"/>
+            <a:endParaRPr lang="en-CA"/>
           </a:p>
         </p:txBody>
       </p:sp>
     </p:spTree>
     <p:extLst>
       <p:ext uri="{BB962C8B-B14F-4D97-AF65-F5344CB8AC3E}">
-        <p14:creationId xmlns:p14="http://schemas.microsoft.com/office/powerpoint/2010/main" val="3670487613"/>
+        <p14:creationId xmlns:p14="http://schemas.microsoft.com/office/powerpoint/2010/main" val="138247059"/>
       </p:ext>
     </p:extLst>
   </p:cSld>
@@ -1696,7 +2778,7 @@
           <a:bodyPr/>
           <a:lstStyle/>
           <a:p>
-            <a:endParaRPr lang="de-CH" dirty="0"/>
+            <a:endParaRPr lang="en-CA" dirty="0"/>
           </a:p>
         </p:txBody>
       </p:sp>
@@ -1715,18 +2797,18 @@
           <a:bodyPr/>
           <a:lstStyle/>
           <a:p>
-            <a:fld id="{9BCA07FD-5BD5-4529-84B0-48DD2C561176}" type="slidenum">
-              <a:rPr lang="de-CH" smtClean="0"/>
+            <a:fld id="{8DF7B682-A23C-4AC9-A63F-72C4BE33EF59}" type="slidenum">
+              <a:rPr lang="en-CA" smtClean="0"/>
               <a:t>6</a:t>
             </a:fld>
-            <a:endParaRPr lang="de-CH"/>
+            <a:endParaRPr lang="en-CA"/>
           </a:p>
         </p:txBody>
       </p:sp>
     </p:spTree>
     <p:extLst>
       <p:ext uri="{BB962C8B-B14F-4D97-AF65-F5344CB8AC3E}">
-        <p14:creationId xmlns:p14="http://schemas.microsoft.com/office/powerpoint/2010/main" val="978782014"/>
+        <p14:creationId xmlns:p14="http://schemas.microsoft.com/office/powerpoint/2010/main" val="3009925859"/>
       </p:ext>
     </p:extLst>
   </p:cSld>
@@ -1780,7 +2862,7 @@
           <a:bodyPr/>
           <a:lstStyle/>
           <a:p>
-            <a:endParaRPr lang="de-CH" dirty="0"/>
+            <a:endParaRPr lang="en-CA" dirty="0"/>
           </a:p>
         </p:txBody>
       </p:sp>
@@ -1799,18 +2881,18 @@
           <a:bodyPr/>
           <a:lstStyle/>
           <a:p>
-            <a:fld id="{9BCA07FD-5BD5-4529-84B0-48DD2C561176}" type="slidenum">
-              <a:rPr lang="de-CH" smtClean="0"/>
+            <a:fld id="{8DF7B682-A23C-4AC9-A63F-72C4BE33EF59}" type="slidenum">
+              <a:rPr lang="en-CA" smtClean="0"/>
               <a:t>7</a:t>
             </a:fld>
-            <a:endParaRPr lang="de-CH"/>
+            <a:endParaRPr lang="en-CA"/>
           </a:p>
         </p:txBody>
       </p:sp>
     </p:spTree>
     <p:extLst>
       <p:ext uri="{BB962C8B-B14F-4D97-AF65-F5344CB8AC3E}">
-        <p14:creationId xmlns:p14="http://schemas.microsoft.com/office/powerpoint/2010/main" val="88145516"/>
+        <p14:creationId xmlns:p14="http://schemas.microsoft.com/office/powerpoint/2010/main" val="292963996"/>
       </p:ext>
     </p:extLst>
   </p:cSld>
@@ -1864,15 +2946,7 @@
           <a:bodyPr/>
           <a:lstStyle/>
           <a:p>
-            <a:r>
-              <a:rPr lang="de-CH" dirty="0"/>
-              <a:t>Thank you very much</a:t>
-            </a:r>
-            <a:r>
-              <a:rPr lang="de-CH" baseline="0" dirty="0"/>
-              <a:t> for listening and see you next time</a:t>
-            </a:r>
-            <a:endParaRPr lang="de-CH" dirty="0"/>
+            <a:endParaRPr lang="en-US" dirty="0"/>
           </a:p>
         </p:txBody>
       </p:sp>
@@ -1883,7 +2957,7 @@
             <a:spLocks noGrp="1"/>
           </p:cNvSpPr>
           <p:nvPr>
-            <p:ph type="sldNum" sz="quarter" idx="10"/>
+            <p:ph type="sldNum" sz="quarter" idx="5"/>
           </p:nvPr>
         </p:nvSpPr>
         <p:spPr/>
@@ -1902,7 +2976,102 @@
     </p:spTree>
     <p:extLst>
       <p:ext uri="{BB962C8B-B14F-4D97-AF65-F5344CB8AC3E}">
-        <p14:creationId xmlns:p14="http://schemas.microsoft.com/office/powerpoint/2010/main" val="3949593976"/>
+        <p14:creationId xmlns:p14="http://schemas.microsoft.com/office/powerpoint/2010/main" val="622269783"/>
+      </p:ext>
+    </p:extLst>
+  </p:cSld>
+  <p:clrMapOvr>
+    <a:masterClrMapping/>
+  </p:clrMapOvr>
+</p:notes>
+</file>
+
+<file path=ppt/notesSlides/notesSlide9.xml><?xml version="1.0" encoding="utf-8"?>
+<p:notes xmlns:a="http://schemas.openxmlformats.org/drawingml/2006/main" xmlns:r="http://schemas.openxmlformats.org/officeDocument/2006/relationships" xmlns:p="http://schemas.openxmlformats.org/presentationml/2006/main">
+  <p:cSld>
+    <p:spTree>
+      <p:nvGrpSpPr>
+        <p:cNvPr id="1" name=""/>
+        <p:cNvGrpSpPr/>
+        <p:nvPr/>
+      </p:nvGrpSpPr>
+      <p:grpSpPr>
+        <a:xfrm>
+          <a:off x="0" y="0"/>
+          <a:ext cx="0" cy="0"/>
+          <a:chOff x="0" y="0"/>
+          <a:chExt cx="0" cy="0"/>
+        </a:xfrm>
+      </p:grpSpPr>
+      <p:sp>
+        <p:nvSpPr>
+          <p:cNvPr id="2" name="Slide Image Placeholder 1"/>
+          <p:cNvSpPr>
+            <a:spLocks noGrp="1" noRot="1" noChangeAspect="1"/>
+          </p:cNvSpPr>
+          <p:nvPr>
+            <p:ph type="sldImg"/>
+          </p:nvPr>
+        </p:nvSpPr>
+        <p:spPr/>
+      </p:sp>
+      <p:sp>
+        <p:nvSpPr>
+          <p:cNvPr id="3" name="Notes Placeholder 2"/>
+          <p:cNvSpPr>
+            <a:spLocks noGrp="1"/>
+          </p:cNvSpPr>
+          <p:nvPr>
+            <p:ph type="body" idx="1"/>
+          </p:nvPr>
+        </p:nvSpPr>
+        <p:spPr/>
+        <p:txBody>
+          <a:bodyPr/>
+          <a:lstStyle/>
+          <a:p>
+            <a:r>
+              <a:rPr lang="en-US" dirty="0"/>
+              <a:t>A new </a:t>
+            </a:r>
+            <a:r>
+              <a:rPr lang="en-US" dirty="0" err="1"/>
+              <a:t>mondo</a:t>
+            </a:r>
+            <a:r>
+              <a:rPr lang="en-US" dirty="0"/>
+              <a:t> repo home</a:t>
+            </a:r>
+          </a:p>
+        </p:txBody>
+      </p:sp>
+      <p:sp>
+        <p:nvSpPr>
+          <p:cNvPr id="4" name="Slide Number Placeholder 3"/>
+          <p:cNvSpPr>
+            <a:spLocks noGrp="1"/>
+          </p:cNvSpPr>
+          <p:nvPr>
+            <p:ph type="sldNum" sz="quarter" idx="5"/>
+          </p:nvPr>
+        </p:nvSpPr>
+        <p:spPr/>
+        <p:txBody>
+          <a:bodyPr/>
+          <a:lstStyle/>
+          <a:p>
+            <a:fld id="{9BCA07FD-5BD5-4529-84B0-48DD2C561176}" type="slidenum">
+              <a:rPr lang="de-CH" smtClean="0"/>
+              <a:t>9</a:t>
+            </a:fld>
+            <a:endParaRPr lang="de-CH"/>
+          </a:p>
+        </p:txBody>
+      </p:sp>
+    </p:spTree>
+    <p:extLst>
+      <p:ext uri="{BB962C8B-B14F-4D97-AF65-F5344CB8AC3E}">
+        <p14:creationId xmlns:p14="http://schemas.microsoft.com/office/powerpoint/2010/main" val="1619551499"/>
       </p:ext>
     </p:extLst>
   </p:cSld>
@@ -2085,7 +3254,7 @@
           <a:p>
             <a:fld id="{213CF880-6CB5-48AB-8FAF-28C50F70DB25}" type="slidenum">
               <a:rPr lang="de-CH" smtClean="0"/>
-              <a:t>‹Nr.›</a:t>
+              <a:t>‹#›</a:t>
             </a:fld>
             <a:endParaRPr lang="de-CH"/>
           </a:p>
@@ -2255,7 +3424,7 @@
           <a:p>
             <a:fld id="{213CF880-6CB5-48AB-8FAF-28C50F70DB25}" type="slidenum">
               <a:rPr lang="de-CH" smtClean="0"/>
-              <a:t>‹Nr.›</a:t>
+              <a:t>‹#›</a:t>
             </a:fld>
             <a:endParaRPr lang="de-CH"/>
           </a:p>
@@ -2435,7 +3604,7 @@
           <a:p>
             <a:fld id="{213CF880-6CB5-48AB-8FAF-28C50F70DB25}" type="slidenum">
               <a:rPr lang="de-CH" smtClean="0"/>
-              <a:t>‹Nr.›</a:t>
+              <a:t>‹#›</a:t>
             </a:fld>
             <a:endParaRPr lang="de-CH"/>
           </a:p>
@@ -2604,7 +3773,7 @@
           <a:p>
             <a:fld id="{213CF880-6CB5-48AB-8FAF-28C50F70DB25}" type="slidenum">
               <a:rPr lang="de-CH" smtClean="0"/>
-              <a:t>‹Nr.›</a:t>
+              <a:t>‹#›</a:t>
             </a:fld>
             <a:endParaRPr lang="de-CH"/>
           </a:p>
@@ -2850,7 +4019,7 @@
           <a:p>
             <a:fld id="{213CF880-6CB5-48AB-8FAF-28C50F70DB25}" type="slidenum">
               <a:rPr lang="de-CH" smtClean="0"/>
-              <a:t>‹Nr.›</a:t>
+              <a:t>‹#›</a:t>
             </a:fld>
             <a:endParaRPr lang="de-CH"/>
           </a:p>
@@ -3082,7 +4251,7 @@
           <a:p>
             <a:fld id="{213CF880-6CB5-48AB-8FAF-28C50F70DB25}" type="slidenum">
               <a:rPr lang="de-CH" smtClean="0"/>
-              <a:t>‹Nr.›</a:t>
+              <a:t>‹#›</a:t>
             </a:fld>
             <a:endParaRPr lang="de-CH"/>
           </a:p>
@@ -3449,7 +4618,7 @@
           <a:p>
             <a:fld id="{213CF880-6CB5-48AB-8FAF-28C50F70DB25}" type="slidenum">
               <a:rPr lang="de-CH" smtClean="0"/>
-              <a:t>‹Nr.›</a:t>
+              <a:t>‹#›</a:t>
             </a:fld>
             <a:endParaRPr lang="de-CH"/>
           </a:p>
@@ -3567,7 +4736,7 @@
           <a:p>
             <a:fld id="{213CF880-6CB5-48AB-8FAF-28C50F70DB25}" type="slidenum">
               <a:rPr lang="de-CH" smtClean="0"/>
-              <a:t>‹Nr.›</a:t>
+              <a:t>‹#›</a:t>
             </a:fld>
             <a:endParaRPr lang="de-CH"/>
           </a:p>
@@ -3662,7 +4831,7 @@
           <a:p>
             <a:fld id="{213CF880-6CB5-48AB-8FAF-28C50F70DB25}" type="slidenum">
               <a:rPr lang="de-CH" smtClean="0"/>
-              <a:t>‹Nr.›</a:t>
+              <a:t>‹#›</a:t>
             </a:fld>
             <a:endParaRPr lang="de-CH"/>
           </a:p>
@@ -3939,7 +5108,7 @@
           <a:p>
             <a:fld id="{213CF880-6CB5-48AB-8FAF-28C50F70DB25}" type="slidenum">
               <a:rPr lang="de-CH" smtClean="0"/>
-              <a:t>‹Nr.›</a:t>
+              <a:t>‹#›</a:t>
             </a:fld>
             <a:endParaRPr lang="de-CH"/>
           </a:p>
@@ -4196,7 +5365,7 @@
           <a:p>
             <a:fld id="{213CF880-6CB5-48AB-8FAF-28C50F70DB25}" type="slidenum">
               <a:rPr lang="de-CH" smtClean="0"/>
-              <a:t>‹Nr.›</a:t>
+              <a:t>‹#›</a:t>
             </a:fld>
             <a:endParaRPr lang="de-CH"/>
           </a:p>
@@ -4443,7 +5612,7 @@
           <a:p>
             <a:fld id="{213CF880-6CB5-48AB-8FAF-28C50F70DB25}" type="slidenum">
               <a:rPr lang="de-CH" smtClean="0"/>
-              <a:t>‹Nr.›</a:t>
+              <a:t>‹#›</a:t>
             </a:fld>
             <a:endParaRPr lang="de-CH"/>
           </a:p>
@@ -4893,6 +6062,972 @@
     <p:extLst>
       <p:ext uri="{BB962C8B-B14F-4D97-AF65-F5344CB8AC3E}">
         <p14:creationId xmlns:p14="http://schemas.microsoft.com/office/powerpoint/2010/main" val="1362569043"/>
+      </p:ext>
+    </p:extLst>
+  </p:cSld>
+  <p:clrMapOvr>
+    <a:masterClrMapping/>
+  </p:clrMapOvr>
+</p:sld>
+</file>
+
+<file path=ppt/slides/slide10.xml><?xml version="1.0" encoding="utf-8"?>
+<p:sld xmlns:a="http://schemas.openxmlformats.org/drawingml/2006/main" xmlns:r="http://schemas.openxmlformats.org/officeDocument/2006/relationships" xmlns:p="http://schemas.openxmlformats.org/presentationml/2006/main">
+  <p:cSld>
+    <p:spTree>
+      <p:nvGrpSpPr>
+        <p:cNvPr id="1" name=""/>
+        <p:cNvGrpSpPr/>
+        <p:nvPr/>
+      </p:nvGrpSpPr>
+      <p:grpSpPr>
+        <a:xfrm>
+          <a:off x="0" y="0"/>
+          <a:ext cx="0" cy="0"/>
+          <a:chOff x="0" y="0"/>
+          <a:chExt cx="0" cy="0"/>
+        </a:xfrm>
+      </p:grpSpPr>
+      <p:sp>
+        <p:nvSpPr>
+          <p:cNvPr id="2" name="Rectangle 1">
+            <a:extLst>
+              <a:ext uri="{FF2B5EF4-FFF2-40B4-BE49-F238E27FC236}">
+                <a16:creationId xmlns:a16="http://schemas.microsoft.com/office/drawing/2014/main" id="{45492B21-1F47-4942-92F0-0B7ACD27004B}"/>
+              </a:ext>
+            </a:extLst>
+          </p:cNvPr>
+          <p:cNvSpPr/>
+          <p:nvPr/>
+        </p:nvSpPr>
+        <p:spPr>
+          <a:xfrm>
+            <a:off x="2319165" y="1851645"/>
+            <a:ext cx="7553671" cy="3154710"/>
+          </a:xfrm>
+          <a:prstGeom prst="rect">
+            <a:avLst/>
+          </a:prstGeom>
+        </p:spPr>
+        <p:txBody>
+          <a:bodyPr wrap="none">
+            <a:spAutoFit/>
+          </a:bodyPr>
+          <a:lstStyle/>
+          <a:p>
+            <a:r>
+              <a:rPr lang="en-US" sz="19900" dirty="0">
+                <a:solidFill>
+                  <a:schemeClr val="accent2"/>
+                </a:solidFill>
+                <a:latin typeface="Yanone Kaffeesatz Regular" panose="02000000000000000000" pitchFamily="2" charset="0"/>
+              </a:rPr>
+              <a:t>AMQP 1.0</a:t>
+            </a:r>
+            <a:endParaRPr lang="de-CH" sz="2000" dirty="0"/>
+          </a:p>
+        </p:txBody>
+      </p:sp>
+    </p:spTree>
+    <p:extLst>
+      <p:ext uri="{BB962C8B-B14F-4D97-AF65-F5344CB8AC3E}">
+        <p14:creationId xmlns:p14="http://schemas.microsoft.com/office/powerpoint/2010/main" val="1492597061"/>
+      </p:ext>
+    </p:extLst>
+  </p:cSld>
+  <p:clrMapOvr>
+    <a:masterClrMapping/>
+  </p:clrMapOvr>
+</p:sld>
+</file>
+
+<file path=ppt/slides/slide11.xml><?xml version="1.0" encoding="utf-8"?>
+<p:sld xmlns:a="http://schemas.openxmlformats.org/drawingml/2006/main" xmlns:r="http://schemas.openxmlformats.org/officeDocument/2006/relationships" xmlns:p="http://schemas.openxmlformats.org/presentationml/2006/main">
+  <p:cSld>
+    <p:spTree>
+      <p:nvGrpSpPr>
+        <p:cNvPr id="1" name=""/>
+        <p:cNvGrpSpPr/>
+        <p:nvPr/>
+      </p:nvGrpSpPr>
+      <p:grpSpPr>
+        <a:xfrm>
+          <a:off x="0" y="0"/>
+          <a:ext cx="0" cy="0"/>
+          <a:chOff x="0" y="0"/>
+          <a:chExt cx="0" cy="0"/>
+        </a:xfrm>
+      </p:grpSpPr>
+      <p:sp>
+        <p:nvSpPr>
+          <p:cNvPr id="2" name="Rectangle 1">
+            <a:extLst>
+              <a:ext uri="{FF2B5EF4-FFF2-40B4-BE49-F238E27FC236}">
+                <a16:creationId xmlns:a16="http://schemas.microsoft.com/office/drawing/2014/main" id="{45492B21-1F47-4942-92F0-0B7ACD27004B}"/>
+              </a:ext>
+            </a:extLst>
+          </p:cNvPr>
+          <p:cNvSpPr/>
+          <p:nvPr/>
+        </p:nvSpPr>
+        <p:spPr>
+          <a:xfrm>
+            <a:off x="4105712" y="1851645"/>
+            <a:ext cx="3980577" cy="3154710"/>
+          </a:xfrm>
+          <a:prstGeom prst="rect">
+            <a:avLst/>
+          </a:prstGeom>
+        </p:spPr>
+        <p:txBody>
+          <a:bodyPr wrap="none">
+            <a:spAutoFit/>
+          </a:bodyPr>
+          <a:lstStyle/>
+          <a:p>
+            <a:r>
+              <a:rPr lang="en-US" sz="19900" dirty="0">
+                <a:solidFill>
+                  <a:schemeClr val="accent2"/>
+                </a:solidFill>
+                <a:latin typeface="Yanone Kaffeesatz Regular" panose="02000000000000000000" pitchFamily="2" charset="0"/>
+              </a:rPr>
+              <a:t>Send</a:t>
+            </a:r>
+            <a:endParaRPr lang="de-CH" sz="2000" dirty="0"/>
+          </a:p>
+        </p:txBody>
+      </p:sp>
+    </p:spTree>
+    <p:extLst>
+      <p:ext uri="{BB962C8B-B14F-4D97-AF65-F5344CB8AC3E}">
+        <p14:creationId xmlns:p14="http://schemas.microsoft.com/office/powerpoint/2010/main" val="2758945099"/>
+      </p:ext>
+    </p:extLst>
+  </p:cSld>
+  <p:clrMapOvr>
+    <a:masterClrMapping/>
+  </p:clrMapOvr>
+</p:sld>
+</file>
+
+<file path=ppt/slides/slide12.xml><?xml version="1.0" encoding="utf-8"?>
+<p:sld xmlns:a="http://schemas.openxmlformats.org/drawingml/2006/main" xmlns:r="http://schemas.openxmlformats.org/officeDocument/2006/relationships" xmlns:p="http://schemas.openxmlformats.org/presentationml/2006/main">
+  <p:cSld>
+    <p:spTree>
+      <p:nvGrpSpPr>
+        <p:cNvPr id="1" name=""/>
+        <p:cNvGrpSpPr/>
+        <p:nvPr/>
+      </p:nvGrpSpPr>
+      <p:grpSpPr>
+        <a:xfrm>
+          <a:off x="0" y="0"/>
+          <a:ext cx="0" cy="0"/>
+          <a:chOff x="0" y="0"/>
+          <a:chExt cx="0" cy="0"/>
+        </a:xfrm>
+      </p:grpSpPr>
+      <p:sp>
+        <p:nvSpPr>
+          <p:cNvPr id="2" name="Rectangle 1">
+            <a:extLst>
+              <a:ext uri="{FF2B5EF4-FFF2-40B4-BE49-F238E27FC236}">
+                <a16:creationId xmlns:a16="http://schemas.microsoft.com/office/drawing/2014/main" id="{45492B21-1F47-4942-92F0-0B7ACD27004B}"/>
+              </a:ext>
+            </a:extLst>
+          </p:cNvPr>
+          <p:cNvSpPr/>
+          <p:nvPr/>
+        </p:nvSpPr>
+        <p:spPr>
+          <a:xfrm>
+            <a:off x="3082996" y="1851645"/>
+            <a:ext cx="6026009" cy="3154710"/>
+          </a:xfrm>
+          <a:prstGeom prst="rect">
+            <a:avLst/>
+          </a:prstGeom>
+        </p:spPr>
+        <p:txBody>
+          <a:bodyPr wrap="none">
+            <a:spAutoFit/>
+          </a:bodyPr>
+          <a:lstStyle/>
+          <a:p>
+            <a:r>
+              <a:rPr lang="en-US" sz="19900" dirty="0">
+                <a:solidFill>
+                  <a:schemeClr val="accent2"/>
+                </a:solidFill>
+                <a:latin typeface="Yanone Kaffeesatz Regular" panose="02000000000000000000" pitchFamily="2" charset="0"/>
+              </a:rPr>
+              <a:t>Receive</a:t>
+            </a:r>
+            <a:endParaRPr lang="de-CH" sz="2000" dirty="0"/>
+          </a:p>
+        </p:txBody>
+      </p:sp>
+    </p:spTree>
+    <p:extLst>
+      <p:ext uri="{BB962C8B-B14F-4D97-AF65-F5344CB8AC3E}">
+        <p14:creationId xmlns:p14="http://schemas.microsoft.com/office/powerpoint/2010/main" val="4078030270"/>
+      </p:ext>
+    </p:extLst>
+  </p:cSld>
+  <p:clrMapOvr>
+    <a:masterClrMapping/>
+  </p:clrMapOvr>
+</p:sld>
+</file>
+
+<file path=ppt/slides/slide13.xml><?xml version="1.0" encoding="utf-8"?>
+<p:sld xmlns:a="http://schemas.openxmlformats.org/drawingml/2006/main" xmlns:r="http://schemas.openxmlformats.org/officeDocument/2006/relationships" xmlns:p="http://schemas.openxmlformats.org/presentationml/2006/main">
+  <p:cSld>
+    <p:spTree>
+      <p:nvGrpSpPr>
+        <p:cNvPr id="1" name=""/>
+        <p:cNvGrpSpPr/>
+        <p:nvPr/>
+      </p:nvGrpSpPr>
+      <p:grpSpPr>
+        <a:xfrm>
+          <a:off x="0" y="0"/>
+          <a:ext cx="0" cy="0"/>
+          <a:chOff x="0" y="0"/>
+          <a:chExt cx="0" cy="0"/>
+        </a:xfrm>
+      </p:grpSpPr>
+      <p:sp>
+        <p:nvSpPr>
+          <p:cNvPr id="3" name="Rectangle 2">
+            <a:extLst>
+              <a:ext uri="{FF2B5EF4-FFF2-40B4-BE49-F238E27FC236}">
+                <a16:creationId xmlns:a16="http://schemas.microsoft.com/office/drawing/2014/main" id="{07891161-E677-4E20-818D-7033E8E1D6F8}"/>
+              </a:ext>
+            </a:extLst>
+          </p:cNvPr>
+          <p:cNvSpPr/>
+          <p:nvPr/>
+        </p:nvSpPr>
+        <p:spPr>
+          <a:xfrm>
+            <a:off x="996288" y="2367171"/>
+            <a:ext cx="4588115" cy="2123658"/>
+          </a:xfrm>
+          <a:prstGeom prst="rect">
+            <a:avLst/>
+          </a:prstGeom>
+        </p:spPr>
+        <p:txBody>
+          <a:bodyPr wrap="none">
+            <a:spAutoFit/>
+          </a:bodyPr>
+          <a:lstStyle/>
+          <a:p>
+            <a:r>
+              <a:rPr lang="en-US" sz="6600" dirty="0" err="1">
+                <a:solidFill>
+                  <a:schemeClr val="accent4"/>
+                </a:solidFill>
+                <a:latin typeface="Yanone Kaffeesatz Regular" panose="02000000000000000000" pitchFamily="2" charset="0"/>
+              </a:rPr>
+              <a:t>MessageSender</a:t>
+            </a:r>
+            <a:endParaRPr lang="en-US" sz="6600" dirty="0">
+              <a:solidFill>
+                <a:schemeClr val="accent4"/>
+              </a:solidFill>
+              <a:latin typeface="Yanone Kaffeesatz Regular" panose="02000000000000000000" pitchFamily="2" charset="0"/>
+            </a:endParaRPr>
+          </a:p>
+          <a:p>
+            <a:r>
+              <a:rPr lang="en-US" sz="6600" dirty="0" err="1">
+                <a:solidFill>
+                  <a:schemeClr val="accent4"/>
+                </a:solidFill>
+                <a:latin typeface="Yanone Kaffeesatz Regular" panose="02000000000000000000" pitchFamily="2" charset="0"/>
+              </a:rPr>
+              <a:t>MessageReceiver</a:t>
+            </a:r>
+            <a:endParaRPr lang="de-CH" sz="2000" dirty="0">
+              <a:solidFill>
+                <a:schemeClr val="accent4"/>
+              </a:solidFill>
+            </a:endParaRPr>
+          </a:p>
+        </p:txBody>
+      </p:sp>
+      <p:sp>
+        <p:nvSpPr>
+          <p:cNvPr id="4" name="Rectangle 3">
+            <a:extLst>
+              <a:ext uri="{FF2B5EF4-FFF2-40B4-BE49-F238E27FC236}">
+                <a16:creationId xmlns:a16="http://schemas.microsoft.com/office/drawing/2014/main" id="{12573A0C-373D-4335-A89F-EB0C09A3ACE4}"/>
+              </a:ext>
+            </a:extLst>
+          </p:cNvPr>
+          <p:cNvSpPr/>
+          <p:nvPr/>
+        </p:nvSpPr>
+        <p:spPr>
+          <a:xfrm>
+            <a:off x="6705427" y="1859339"/>
+            <a:ext cx="4878259" cy="3139321"/>
+          </a:xfrm>
+          <a:prstGeom prst="rect">
+            <a:avLst/>
+          </a:prstGeom>
+        </p:spPr>
+        <p:txBody>
+          <a:bodyPr wrap="none">
+            <a:spAutoFit/>
+          </a:bodyPr>
+          <a:lstStyle/>
+          <a:p>
+            <a:r>
+              <a:rPr lang="en-US" sz="6600" dirty="0" err="1">
+                <a:solidFill>
+                  <a:schemeClr val="tx2"/>
+                </a:solidFill>
+                <a:latin typeface="Yanone Kaffeesatz Regular" panose="02000000000000000000" pitchFamily="2" charset="0"/>
+              </a:rPr>
+              <a:t>QueueClient</a:t>
+            </a:r>
+            <a:endParaRPr lang="en-US" sz="6600" dirty="0">
+              <a:solidFill>
+                <a:schemeClr val="tx2"/>
+              </a:solidFill>
+              <a:latin typeface="Yanone Kaffeesatz Regular" panose="02000000000000000000" pitchFamily="2" charset="0"/>
+            </a:endParaRPr>
+          </a:p>
+          <a:p>
+            <a:r>
+              <a:rPr lang="en-US" sz="6600" dirty="0" err="1">
+                <a:solidFill>
+                  <a:schemeClr val="tx2"/>
+                </a:solidFill>
+                <a:latin typeface="Yanone Kaffeesatz Regular" panose="02000000000000000000" pitchFamily="2" charset="0"/>
+              </a:rPr>
+              <a:t>TopicClient</a:t>
+            </a:r>
+            <a:endParaRPr lang="en-US" sz="6600" dirty="0">
+              <a:solidFill>
+                <a:schemeClr val="tx2"/>
+              </a:solidFill>
+              <a:latin typeface="Yanone Kaffeesatz Regular" panose="02000000000000000000" pitchFamily="2" charset="0"/>
+            </a:endParaRPr>
+          </a:p>
+          <a:p>
+            <a:r>
+              <a:rPr lang="en-US" sz="6600" dirty="0" err="1">
+                <a:solidFill>
+                  <a:schemeClr val="tx2"/>
+                </a:solidFill>
+                <a:latin typeface="Yanone Kaffeesatz Regular" panose="02000000000000000000" pitchFamily="2" charset="0"/>
+              </a:rPr>
+              <a:t>SubscriptionClient</a:t>
+            </a:r>
+            <a:endParaRPr lang="de-CH" sz="2000" dirty="0">
+              <a:solidFill>
+                <a:schemeClr val="tx2"/>
+              </a:solidFill>
+            </a:endParaRPr>
+          </a:p>
+        </p:txBody>
+      </p:sp>
+    </p:spTree>
+    <p:extLst>
+      <p:ext uri="{BB962C8B-B14F-4D97-AF65-F5344CB8AC3E}">
+        <p14:creationId xmlns:p14="http://schemas.microsoft.com/office/powerpoint/2010/main" val="3616405539"/>
+      </p:ext>
+    </p:extLst>
+  </p:cSld>
+  <p:clrMapOvr>
+    <a:masterClrMapping/>
+  </p:clrMapOvr>
+</p:sld>
+</file>
+
+<file path=ppt/slides/slide14.xml><?xml version="1.0" encoding="utf-8"?>
+<p:sld xmlns:a="http://schemas.openxmlformats.org/drawingml/2006/main" xmlns:r="http://schemas.openxmlformats.org/officeDocument/2006/relationships" xmlns:p="http://schemas.openxmlformats.org/presentationml/2006/main">
+  <p:cSld>
+    <p:spTree>
+      <p:nvGrpSpPr>
+        <p:cNvPr id="1" name=""/>
+        <p:cNvGrpSpPr/>
+        <p:nvPr/>
+      </p:nvGrpSpPr>
+      <p:grpSpPr>
+        <a:xfrm>
+          <a:off x="0" y="0"/>
+          <a:ext cx="0" cy="0"/>
+          <a:chOff x="0" y="0"/>
+          <a:chExt cx="0" cy="0"/>
+        </a:xfrm>
+      </p:grpSpPr>
+      <p:sp>
+        <p:nvSpPr>
+          <p:cNvPr id="2" name="Rectangle 1"/>
+          <p:cNvSpPr/>
+          <p:nvPr/>
+        </p:nvSpPr>
+        <p:spPr>
+          <a:xfrm>
+            <a:off x="3176771" y="1851645"/>
+            <a:ext cx="5838458" cy="3154710"/>
+          </a:xfrm>
+          <a:prstGeom prst="rect">
+            <a:avLst/>
+          </a:prstGeom>
+        </p:spPr>
+        <p:txBody>
+          <a:bodyPr wrap="none">
+            <a:spAutoFit/>
+          </a:bodyPr>
+          <a:lstStyle/>
+          <a:p>
+            <a:r>
+              <a:rPr lang="en-US" sz="19900" dirty="0">
+                <a:solidFill>
+                  <a:schemeClr val="accent2"/>
+                </a:solidFill>
+                <a:latin typeface="Yanone Kaffeesatz Regular" panose="02000000000000000000" pitchFamily="2" charset="0"/>
+              </a:rPr>
+              <a:t>Thanks</a:t>
+            </a:r>
+            <a:endParaRPr lang="de-CH" sz="2000" dirty="0"/>
+          </a:p>
+        </p:txBody>
+      </p:sp>
+      <p:pic>
+        <p:nvPicPr>
+          <p:cNvPr id="3" name="Picture 2"/>
+          <p:cNvPicPr>
+            <a:picLocks noChangeAspect="1"/>
+          </p:cNvPicPr>
+          <p:nvPr/>
+        </p:nvPicPr>
+        <p:blipFill>
+          <a:blip r:embed="rId3" cstate="print">
+            <a:extLst>
+              <a:ext uri="{28A0092B-C50C-407E-A947-70E740481C1C}">
+                <a14:useLocalDpi xmlns:a14="http://schemas.microsoft.com/office/drawing/2010/main" val="0"/>
+              </a:ext>
+            </a:extLst>
+          </a:blip>
+          <a:stretch>
+            <a:fillRect/>
+          </a:stretch>
+        </p:blipFill>
+        <p:spPr>
+          <a:xfrm>
+            <a:off x="8052306" y="612519"/>
+            <a:ext cx="2880000" cy="690817"/>
+          </a:xfrm>
+          <a:prstGeom prst="rect">
+            <a:avLst/>
+          </a:prstGeom>
+        </p:spPr>
+      </p:pic>
+    </p:spTree>
+    <p:extLst>
+      <p:ext uri="{BB962C8B-B14F-4D97-AF65-F5344CB8AC3E}">
+        <p14:creationId xmlns:p14="http://schemas.microsoft.com/office/powerpoint/2010/main" val="697477994"/>
+      </p:ext>
+    </p:extLst>
+  </p:cSld>
+  <p:clrMapOvr>
+    <a:masterClrMapping/>
+  </p:clrMapOvr>
+</p:sld>
+</file>
+
+<file path=ppt/slides/slide15.xml><?xml version="1.0" encoding="utf-8"?>
+<p:sld xmlns:a="http://schemas.openxmlformats.org/drawingml/2006/main" xmlns:r="http://schemas.openxmlformats.org/officeDocument/2006/relationships" xmlns:p="http://schemas.openxmlformats.org/presentationml/2006/main">
+  <p:cSld>
+    <p:spTree>
+      <p:nvGrpSpPr>
+        <p:cNvPr id="1" name=""/>
+        <p:cNvGrpSpPr/>
+        <p:nvPr/>
+      </p:nvGrpSpPr>
+      <p:grpSpPr>
+        <a:xfrm>
+          <a:off x="0" y="0"/>
+          <a:ext cx="0" cy="0"/>
+          <a:chOff x="0" y="0"/>
+          <a:chExt cx="0" cy="0"/>
+        </a:xfrm>
+      </p:grpSpPr>
+      <p:sp>
+        <p:nvSpPr>
+          <p:cNvPr id="2" name="Rectangle 1"/>
+          <p:cNvSpPr/>
+          <p:nvPr/>
+        </p:nvSpPr>
+        <p:spPr>
+          <a:xfrm>
+            <a:off x="1064014" y="3127733"/>
+            <a:ext cx="9685665" cy="923330"/>
+          </a:xfrm>
+          <a:prstGeom prst="rect">
+            <a:avLst/>
+          </a:prstGeom>
+        </p:spPr>
+        <p:txBody>
+          <a:bodyPr wrap="none">
+            <a:spAutoFit/>
+          </a:bodyPr>
+          <a:lstStyle/>
+          <a:p>
+            <a:r>
+              <a:rPr lang="en-US" sz="3600" dirty="0">
+                <a:solidFill>
+                  <a:schemeClr val="tx2"/>
+                </a:solidFill>
+                <a:latin typeface="Yanone Kaffeesatz Regular" panose="02000000000000000000" pitchFamily="2" charset="0"/>
+              </a:rPr>
+              <a:t>github.com/</a:t>
+            </a:r>
+            <a:r>
+              <a:rPr lang="en-US" sz="3600" dirty="0" err="1">
+                <a:solidFill>
+                  <a:schemeClr val="tx2"/>
+                </a:solidFill>
+                <a:latin typeface="Yanone Kaffeesatz Regular" panose="02000000000000000000" pitchFamily="2" charset="0"/>
+              </a:rPr>
+              <a:t>danielmarbach</a:t>
+            </a:r>
+            <a:r>
+              <a:rPr lang="en-US" sz="3600" dirty="0">
+                <a:solidFill>
+                  <a:schemeClr val="tx2"/>
+                </a:solidFill>
+                <a:latin typeface="Yanone Kaffeesatz Regular" panose="02000000000000000000" pitchFamily="2" charset="0"/>
+              </a:rPr>
+              <a:t>/</a:t>
+            </a:r>
+            <a:r>
+              <a:rPr lang="en-US" sz="5400" dirty="0" err="1">
+                <a:solidFill>
+                  <a:schemeClr val="accent4"/>
+                </a:solidFill>
+                <a:latin typeface="Yanone Kaffeesatz Regular" panose="02000000000000000000" pitchFamily="2" charset="0"/>
+              </a:rPr>
+              <a:t>AzureServiceBus.DeepDive</a:t>
+            </a:r>
+            <a:endParaRPr lang="de-CH" sz="5400" dirty="0">
+              <a:solidFill>
+                <a:schemeClr val="accent4"/>
+              </a:solidFill>
+              <a:latin typeface="Yanone Kaffeesatz Regular" panose="02000000000000000000" pitchFamily="2" charset="0"/>
+            </a:endParaRPr>
+          </a:p>
+        </p:txBody>
+      </p:sp>
+      <p:sp>
+        <p:nvSpPr>
+          <p:cNvPr id="4" name="Rectangle 3"/>
+          <p:cNvSpPr/>
+          <p:nvPr/>
+        </p:nvSpPr>
+        <p:spPr>
+          <a:xfrm>
+            <a:off x="1064014" y="1124536"/>
+            <a:ext cx="6463629" cy="1862048"/>
+          </a:xfrm>
+          <a:prstGeom prst="rect">
+            <a:avLst/>
+          </a:prstGeom>
+        </p:spPr>
+        <p:txBody>
+          <a:bodyPr wrap="none">
+            <a:spAutoFit/>
+          </a:bodyPr>
+          <a:lstStyle/>
+          <a:p>
+            <a:r>
+              <a:rPr lang="en-US" sz="11500" dirty="0">
+                <a:solidFill>
+                  <a:schemeClr val="accent2"/>
+                </a:solidFill>
+                <a:latin typeface="Yanone Kaffeesatz Regular" panose="02000000000000000000" pitchFamily="2" charset="0"/>
+              </a:rPr>
+              <a:t>Slides, Links…</a:t>
+            </a:r>
+            <a:endParaRPr lang="de-CH" sz="1400" dirty="0"/>
+          </a:p>
+        </p:txBody>
+      </p:sp>
+    </p:spTree>
+    <p:extLst>
+      <p:ext uri="{BB962C8B-B14F-4D97-AF65-F5344CB8AC3E}">
+        <p14:creationId xmlns:p14="http://schemas.microsoft.com/office/powerpoint/2010/main" val="1581449120"/>
+      </p:ext>
+    </p:extLst>
+  </p:cSld>
+  <p:clrMapOvr>
+    <a:masterClrMapping/>
+  </p:clrMapOvr>
+</p:sld>
+</file>
+
+<file path=ppt/slides/slide16.xml><?xml version="1.0" encoding="utf-8"?>
+<p:sld xmlns:a="http://schemas.openxmlformats.org/drawingml/2006/main" xmlns:r="http://schemas.openxmlformats.org/officeDocument/2006/relationships" xmlns:p="http://schemas.openxmlformats.org/presentationml/2006/main">
+  <p:cSld>
+    <p:spTree>
+      <p:nvGrpSpPr>
+        <p:cNvPr id="1" name=""/>
+        <p:cNvGrpSpPr/>
+        <p:nvPr/>
+      </p:nvGrpSpPr>
+      <p:grpSpPr>
+        <a:xfrm>
+          <a:off x="0" y="0"/>
+          <a:ext cx="0" cy="0"/>
+          <a:chOff x="0" y="0"/>
+          <a:chExt cx="0" cy="0"/>
+        </a:xfrm>
+      </p:grpSpPr>
+      <p:sp>
+        <p:nvSpPr>
+          <p:cNvPr id="2" name="Rectangle 1"/>
+          <p:cNvSpPr/>
+          <p:nvPr/>
+        </p:nvSpPr>
+        <p:spPr>
+          <a:xfrm>
+            <a:off x="3858849" y="1851645"/>
+            <a:ext cx="4474302" cy="3154710"/>
+          </a:xfrm>
+          <a:prstGeom prst="rect">
+            <a:avLst/>
+          </a:prstGeom>
+        </p:spPr>
+        <p:txBody>
+          <a:bodyPr wrap="none">
+            <a:spAutoFit/>
+          </a:bodyPr>
+          <a:lstStyle/>
+          <a:p>
+            <a:r>
+              <a:rPr lang="en-US" sz="19900" dirty="0">
+                <a:solidFill>
+                  <a:schemeClr val="accent2"/>
+                </a:solidFill>
+                <a:latin typeface="Yanone Kaffeesatz Regular" panose="02000000000000000000" pitchFamily="2" charset="0"/>
+              </a:rPr>
+              <a:t>Q &amp; A</a:t>
+            </a:r>
+            <a:endParaRPr lang="de-CH" sz="2000" dirty="0"/>
+          </a:p>
+        </p:txBody>
+      </p:sp>
+      <p:pic>
+        <p:nvPicPr>
+          <p:cNvPr id="4" name="Picture 3"/>
+          <p:cNvPicPr>
+            <a:picLocks noChangeAspect="1"/>
+          </p:cNvPicPr>
+          <p:nvPr/>
+        </p:nvPicPr>
+        <p:blipFill>
+          <a:blip r:embed="rId3" cstate="print">
+            <a:extLst>
+              <a:ext uri="{28A0092B-C50C-407E-A947-70E740481C1C}">
+                <a14:useLocalDpi xmlns:a14="http://schemas.microsoft.com/office/drawing/2010/main" val="0"/>
+              </a:ext>
+            </a:extLst>
+          </a:blip>
+          <a:stretch>
+            <a:fillRect/>
+          </a:stretch>
+        </p:blipFill>
+        <p:spPr>
+          <a:xfrm>
+            <a:off x="8052306" y="612519"/>
+            <a:ext cx="2880000" cy="690817"/>
+          </a:xfrm>
+          <a:prstGeom prst="rect">
+            <a:avLst/>
+          </a:prstGeom>
+        </p:spPr>
+      </p:pic>
+    </p:spTree>
+    <p:extLst>
+      <p:ext uri="{BB962C8B-B14F-4D97-AF65-F5344CB8AC3E}">
+        <p14:creationId xmlns:p14="http://schemas.microsoft.com/office/powerpoint/2010/main" val="4241321608"/>
+      </p:ext>
+    </p:extLst>
+  </p:cSld>
+  <p:clrMapOvr>
+    <a:masterClrMapping/>
+  </p:clrMapOvr>
+</p:sld>
+</file>
+
+<file path=ppt/slides/slide17.xml><?xml version="1.0" encoding="utf-8"?>
+<p:sld xmlns:a="http://schemas.openxmlformats.org/drawingml/2006/main" xmlns:r="http://schemas.openxmlformats.org/officeDocument/2006/relationships" xmlns:p="http://schemas.openxmlformats.org/presentationml/2006/main">
+  <p:cSld>
+    <p:spTree>
+      <p:nvGrpSpPr>
+        <p:cNvPr id="1" name=""/>
+        <p:cNvGrpSpPr/>
+        <p:nvPr/>
+      </p:nvGrpSpPr>
+      <p:grpSpPr>
+        <a:xfrm>
+          <a:off x="0" y="0"/>
+          <a:ext cx="0" cy="0"/>
+          <a:chOff x="0" y="0"/>
+          <a:chExt cx="0" cy="0"/>
+        </a:xfrm>
+      </p:grpSpPr>
+      <p:pic>
+        <p:nvPicPr>
+          <p:cNvPr id="3" name="Picture 2"/>
+          <p:cNvPicPr>
+            <a:picLocks noChangeAspect="1"/>
+          </p:cNvPicPr>
+          <p:nvPr/>
+        </p:nvPicPr>
+        <p:blipFill>
+          <a:blip r:embed="rId3" cstate="print">
+            <a:extLst>
+              <a:ext uri="{28A0092B-C50C-407E-A947-70E740481C1C}">
+                <a14:useLocalDpi xmlns:a14="http://schemas.microsoft.com/office/drawing/2010/main" val="0"/>
+              </a:ext>
+            </a:extLst>
+          </a:blip>
+          <a:stretch>
+            <a:fillRect/>
+          </a:stretch>
+        </p:blipFill>
+        <p:spPr>
+          <a:xfrm>
+            <a:off x="8052306" y="612519"/>
+            <a:ext cx="2880000" cy="690817"/>
+          </a:xfrm>
+          <a:prstGeom prst="rect">
+            <a:avLst/>
+          </a:prstGeom>
+        </p:spPr>
+      </p:pic>
+      <p:sp>
+        <p:nvSpPr>
+          <p:cNvPr id="2" name="Rectangle 1"/>
+          <p:cNvSpPr/>
+          <p:nvPr/>
+        </p:nvSpPr>
+        <p:spPr>
+          <a:xfrm>
+            <a:off x="5723694" y="2090172"/>
+            <a:ext cx="6096000" cy="2677656"/>
+          </a:xfrm>
+          <a:prstGeom prst="rect">
+            <a:avLst/>
+          </a:prstGeom>
+        </p:spPr>
+        <p:txBody>
+          <a:bodyPr>
+            <a:spAutoFit/>
+          </a:bodyPr>
+          <a:lstStyle/>
+          <a:p>
+            <a:r>
+              <a:rPr lang="en-US" sz="2800" dirty="0">
+                <a:solidFill>
+                  <a:schemeClr val="tx2"/>
+                </a:solidFill>
+                <a:latin typeface="Yanone Kaffeesatz Regular" panose="02000000000000000000" pitchFamily="2" charset="0"/>
+              </a:rPr>
+              <a:t>Software Engineer</a:t>
+            </a:r>
+          </a:p>
+          <a:p>
+            <a:r>
+              <a:rPr lang="en-US" sz="2800" dirty="0">
+                <a:solidFill>
+                  <a:schemeClr val="tx2"/>
+                </a:solidFill>
+                <a:latin typeface="Yanone Kaffeesatz Regular" panose="02000000000000000000" pitchFamily="2" charset="0"/>
+              </a:rPr>
+              <a:t>Microsoft MVP</a:t>
+            </a:r>
+          </a:p>
+          <a:p>
+            <a:endParaRPr lang="en-US" sz="2800" dirty="0">
+              <a:solidFill>
+                <a:schemeClr val="tx2"/>
+              </a:solidFill>
+              <a:latin typeface="Yanone Kaffeesatz Regular" panose="02000000000000000000" pitchFamily="2" charset="0"/>
+            </a:endParaRPr>
+          </a:p>
+          <a:p>
+            <a:r>
+              <a:rPr lang="en-US" sz="2800" dirty="0">
+                <a:solidFill>
+                  <a:schemeClr val="accent4"/>
+                </a:solidFill>
+                <a:latin typeface="Yanone Kaffeesatz Regular" panose="02000000000000000000" pitchFamily="2" charset="0"/>
+              </a:rPr>
+              <a:t>@danielmarbach</a:t>
+            </a:r>
+          </a:p>
+          <a:p>
+            <a:r>
+              <a:rPr lang="en-US" sz="2800" dirty="0">
+                <a:solidFill>
+                  <a:schemeClr val="accent4"/>
+                </a:solidFill>
+                <a:latin typeface="Yanone Kaffeesatz Regular" panose="02000000000000000000" pitchFamily="2" charset="0"/>
+              </a:rPr>
+              <a:t>particular.net/blog</a:t>
+            </a:r>
+          </a:p>
+          <a:p>
+            <a:r>
+              <a:rPr lang="en-US" sz="2800" dirty="0">
+                <a:solidFill>
+                  <a:schemeClr val="accent4"/>
+                </a:solidFill>
+                <a:latin typeface="Yanone Kaffeesatz Regular" panose="02000000000000000000" pitchFamily="2" charset="0"/>
+              </a:rPr>
+              <a:t>planetgeek.ch</a:t>
+            </a:r>
+          </a:p>
+        </p:txBody>
+      </p:sp>
+      <p:pic>
+        <p:nvPicPr>
+          <p:cNvPr id="6" name="Picture 5"/>
+          <p:cNvPicPr>
+            <a:picLocks noChangeAspect="1"/>
+          </p:cNvPicPr>
+          <p:nvPr/>
+        </p:nvPicPr>
+        <p:blipFill>
+          <a:blip r:embed="rId4" cstate="print">
+            <a:extLst>
+              <a:ext uri="{28A0092B-C50C-407E-A947-70E740481C1C}">
+                <a14:useLocalDpi xmlns:a14="http://schemas.microsoft.com/office/drawing/2010/main" val="0"/>
+              </a:ext>
+            </a:extLst>
+          </a:blip>
+          <a:stretch>
+            <a:fillRect/>
+          </a:stretch>
+        </p:blipFill>
+        <p:spPr>
+          <a:xfrm>
+            <a:off x="1852348" y="1768017"/>
+            <a:ext cx="2558625" cy="3837938"/>
+          </a:xfrm>
+          <a:prstGeom prst="rect">
+            <a:avLst/>
+          </a:prstGeom>
+        </p:spPr>
+      </p:pic>
+    </p:spTree>
+    <p:extLst>
+      <p:ext uri="{BB962C8B-B14F-4D97-AF65-F5344CB8AC3E}">
+        <p14:creationId xmlns:p14="http://schemas.microsoft.com/office/powerpoint/2010/main" val="3601279917"/>
+      </p:ext>
+    </p:extLst>
+  </p:cSld>
+  <p:clrMapOvr>
+    <a:masterClrMapping/>
+  </p:clrMapOvr>
+</p:sld>
+</file>
+
+<file path=ppt/slides/slide18.xml><?xml version="1.0" encoding="utf-8"?>
+<p:sld xmlns:a="http://schemas.openxmlformats.org/drawingml/2006/main" xmlns:r="http://schemas.openxmlformats.org/officeDocument/2006/relationships" xmlns:p="http://schemas.openxmlformats.org/presentationml/2006/main">
+  <p:cSld>
+    <p:spTree>
+      <p:nvGrpSpPr>
+        <p:cNvPr id="1" name=""/>
+        <p:cNvGrpSpPr/>
+        <p:nvPr/>
+      </p:nvGrpSpPr>
+      <p:grpSpPr>
+        <a:xfrm>
+          <a:off x="0" y="0"/>
+          <a:ext cx="0" cy="0"/>
+          <a:chOff x="0" y="0"/>
+          <a:chExt cx="0" cy="0"/>
+        </a:xfrm>
+      </p:grpSpPr>
+      <p:sp>
+        <p:nvSpPr>
+          <p:cNvPr id="2" name="Rectangle 1"/>
+          <p:cNvSpPr/>
+          <p:nvPr/>
+        </p:nvSpPr>
+        <p:spPr>
+          <a:xfrm>
+            <a:off x="3176771" y="1851645"/>
+            <a:ext cx="5838458" cy="3154710"/>
+          </a:xfrm>
+          <a:prstGeom prst="rect">
+            <a:avLst/>
+          </a:prstGeom>
+        </p:spPr>
+        <p:txBody>
+          <a:bodyPr wrap="none">
+            <a:spAutoFit/>
+          </a:bodyPr>
+          <a:lstStyle/>
+          <a:p>
+            <a:r>
+              <a:rPr lang="en-US" sz="19900" dirty="0">
+                <a:solidFill>
+                  <a:schemeClr val="accent2"/>
+                </a:solidFill>
+                <a:latin typeface="Yanone Kaffeesatz Regular" panose="02000000000000000000" pitchFamily="2" charset="0"/>
+              </a:rPr>
+              <a:t>Thanks</a:t>
+            </a:r>
+            <a:endParaRPr lang="de-CH" sz="2000" dirty="0"/>
+          </a:p>
+        </p:txBody>
+      </p:sp>
+      <p:pic>
+        <p:nvPicPr>
+          <p:cNvPr id="3" name="Picture 2"/>
+          <p:cNvPicPr>
+            <a:picLocks noChangeAspect="1"/>
+          </p:cNvPicPr>
+          <p:nvPr/>
+        </p:nvPicPr>
+        <p:blipFill>
+          <a:blip r:embed="rId3" cstate="print">
+            <a:extLst>
+              <a:ext uri="{28A0092B-C50C-407E-A947-70E740481C1C}">
+                <a14:useLocalDpi xmlns:a14="http://schemas.microsoft.com/office/drawing/2010/main" val="0"/>
+              </a:ext>
+            </a:extLst>
+          </a:blip>
+          <a:stretch>
+            <a:fillRect/>
+          </a:stretch>
+        </p:blipFill>
+        <p:spPr>
+          <a:xfrm>
+            <a:off x="8052306" y="612519"/>
+            <a:ext cx="2880000" cy="690817"/>
+          </a:xfrm>
+          <a:prstGeom prst="rect">
+            <a:avLst/>
+          </a:prstGeom>
+        </p:spPr>
+      </p:pic>
+    </p:spTree>
+    <p:extLst>
+      <p:ext uri="{BB962C8B-B14F-4D97-AF65-F5344CB8AC3E}">
+        <p14:creationId xmlns:p14="http://schemas.microsoft.com/office/powerpoint/2010/main" val="3887468163"/>
       </p:ext>
     </p:extLst>
   </p:cSld>
@@ -7469,74 +9604,57 @@
           <a:chExt cx="0" cy="0"/>
         </a:xfrm>
       </p:grpSpPr>
-      <p:sp>
-        <p:nvSpPr>
-          <p:cNvPr id="2" name="Rectangle 1"/>
-          <p:cNvSpPr/>
-          <p:nvPr/>
-        </p:nvSpPr>
-        <p:spPr>
-          <a:xfrm>
-            <a:off x="3176771" y="1851645"/>
-            <a:ext cx="5838458" cy="3154710"/>
-          </a:xfrm>
-          <a:prstGeom prst="rect">
-            <a:avLst/>
-          </a:prstGeom>
-        </p:spPr>
-        <p:txBody>
-          <a:bodyPr wrap="none">
-            <a:spAutoFit/>
-          </a:bodyPr>
-          <a:lstStyle/>
-          <a:p>
-            <a:r>
-              <a:rPr lang="en-US" sz="19900" dirty="0">
-                <a:solidFill>
-                  <a:schemeClr val="accent2"/>
-                </a:solidFill>
-                <a:latin typeface="Yanone Kaffeesatz Regular" panose="02000000000000000000" pitchFamily="2" charset="0"/>
-              </a:rPr>
-              <a:t>Thanks</a:t>
-            </a:r>
-            <a:endParaRPr lang="de-CH" sz="2000" dirty="0"/>
-          </a:p>
-        </p:txBody>
-      </p:sp>
       <p:pic>
         <p:nvPicPr>
-          <p:cNvPr id="3" name="Picture 2"/>
+          <p:cNvPr id="2052" name="Picture 4" descr="Image result for nuget logo">
+            <a:extLst>
+              <a:ext uri="{FF2B5EF4-FFF2-40B4-BE49-F238E27FC236}">
+                <a16:creationId xmlns:a16="http://schemas.microsoft.com/office/drawing/2014/main" id="{7B3357EE-97AF-4AF7-AB3A-719D9C3872CE}"/>
+              </a:ext>
+            </a:extLst>
+          </p:cNvPr>
           <p:cNvPicPr>
-            <a:picLocks noChangeAspect="1"/>
+            <a:picLocks noChangeAspect="1" noChangeArrowheads="1"/>
           </p:cNvPicPr>
           <p:nvPr/>
         </p:nvPicPr>
         <p:blipFill>
-          <a:blip r:embed="rId3" cstate="print">
+          <a:blip r:embed="rId3">
             <a:extLst>
               <a:ext uri="{28A0092B-C50C-407E-A947-70E740481C1C}">
                 <a14:useLocalDpi xmlns:a14="http://schemas.microsoft.com/office/drawing/2010/main" val="0"/>
               </a:ext>
             </a:extLst>
           </a:blip>
+          <a:srcRect/>
           <a:stretch>
             <a:fillRect/>
           </a:stretch>
         </p:blipFill>
-        <p:spPr>
+        <p:spPr bwMode="auto">
           <a:xfrm>
-            <a:off x="8052306" y="612519"/>
-            <a:ext cx="2880000" cy="690817"/>
+            <a:off x="2567765" y="2192288"/>
+            <a:ext cx="7414790" cy="2254497"/>
           </a:xfrm>
           <a:prstGeom prst="rect">
             <a:avLst/>
           </a:prstGeom>
+          <a:noFill/>
+          <a:extLst>
+            <a:ext uri="{909E8E84-426E-40DD-AFC4-6F175D3DCCD1}">
+              <a14:hiddenFill xmlns:a14="http://schemas.microsoft.com/office/drawing/2010/main">
+                <a:solidFill>
+                  <a:srgbClr val="FFFFFF"/>
+                </a:solidFill>
+              </a14:hiddenFill>
+            </a:ext>
+          </a:extLst>
         </p:spPr>
       </p:pic>
     </p:spTree>
     <p:extLst>
       <p:ext uri="{BB962C8B-B14F-4D97-AF65-F5344CB8AC3E}">
-        <p14:creationId xmlns:p14="http://schemas.microsoft.com/office/powerpoint/2010/main" val="697477994"/>
+        <p14:creationId xmlns:p14="http://schemas.microsoft.com/office/powerpoint/2010/main" val="2503517104"/>
       </p:ext>
     </p:extLst>
   </p:cSld>
@@ -7563,110 +9681,40 @@
           <a:chExt cx="0" cy="0"/>
         </a:xfrm>
       </p:grpSpPr>
-      <p:sp>
-        <p:nvSpPr>
-          <p:cNvPr id="2" name="Rectangle 1"/>
-          <p:cNvSpPr/>
+      <p:pic>
+        <p:nvPicPr>
+          <p:cNvPr id="2" name="Picture 1">
+            <a:extLst>
+              <a:ext uri="{FF2B5EF4-FFF2-40B4-BE49-F238E27FC236}">
+                <a16:creationId xmlns:a16="http://schemas.microsoft.com/office/drawing/2014/main" id="{B7F84CF3-60B7-4AC0-9ECA-131AE8996B2C}"/>
+              </a:ext>
+            </a:extLst>
+          </p:cNvPr>
+          <p:cNvPicPr>
+            <a:picLocks noChangeAspect="1"/>
+          </p:cNvPicPr>
           <p:nvPr/>
-        </p:nvSpPr>
+        </p:nvPicPr>
+        <p:blipFill>
+          <a:blip r:embed="rId3"/>
+          <a:stretch>
+            <a:fillRect/>
+          </a:stretch>
+        </p:blipFill>
         <p:spPr>
           <a:xfrm>
-            <a:off x="1064014" y="3127733"/>
-            <a:ext cx="9685665" cy="923330"/>
+            <a:off x="1169831" y="0"/>
+            <a:ext cx="9852338" cy="6858000"/>
           </a:xfrm>
           <a:prstGeom prst="rect">
             <a:avLst/>
           </a:prstGeom>
         </p:spPr>
-        <p:txBody>
-          <a:bodyPr wrap="none">
-            <a:spAutoFit/>
-          </a:bodyPr>
-          <a:lstStyle/>
-          <a:p>
-            <a:r>
-              <a:rPr lang="en-US" sz="3600" dirty="0">
-                <a:solidFill>
-                  <a:schemeClr val="tx2"/>
-                </a:solidFill>
-                <a:latin typeface="Yanone Kaffeesatz Regular" panose="02000000000000000000" pitchFamily="2" charset="0"/>
-              </a:rPr>
-              <a:t>github.com/</a:t>
-            </a:r>
-            <a:r>
-              <a:rPr lang="en-US" sz="3600" dirty="0" err="1">
-                <a:solidFill>
-                  <a:schemeClr val="tx2"/>
-                </a:solidFill>
-                <a:latin typeface="Yanone Kaffeesatz Regular" panose="02000000000000000000" pitchFamily="2" charset="0"/>
-              </a:rPr>
-              <a:t>danielmarbach</a:t>
-            </a:r>
-            <a:r>
-              <a:rPr lang="en-US" sz="3600" dirty="0">
-                <a:solidFill>
-                  <a:schemeClr val="tx2"/>
-                </a:solidFill>
-                <a:latin typeface="Yanone Kaffeesatz Regular" panose="02000000000000000000" pitchFamily="2" charset="0"/>
-              </a:rPr>
-              <a:t>/</a:t>
-            </a:r>
-            <a:r>
-              <a:rPr lang="en-US" sz="5400" dirty="0" err="1">
-                <a:solidFill>
-                  <a:schemeClr val="accent4"/>
-                </a:solidFill>
-                <a:latin typeface="Yanone Kaffeesatz Regular" panose="02000000000000000000" pitchFamily="2" charset="0"/>
-              </a:rPr>
-              <a:t>AzureServiceBus.DeepDive</a:t>
-            </a:r>
-            <a:endParaRPr lang="de-CH" sz="5400" dirty="0">
-              <a:solidFill>
-                <a:schemeClr val="accent4"/>
-              </a:solidFill>
-              <a:latin typeface="Yanone Kaffeesatz Regular" panose="02000000000000000000" pitchFamily="2" charset="0"/>
-            </a:endParaRPr>
-          </a:p>
-        </p:txBody>
-      </p:sp>
-      <p:sp>
-        <p:nvSpPr>
-          <p:cNvPr id="4" name="Rectangle 3"/>
-          <p:cNvSpPr/>
-          <p:nvPr/>
-        </p:nvSpPr>
-        <p:spPr>
-          <a:xfrm>
-            <a:off x="1064014" y="1124536"/>
-            <a:ext cx="6463629" cy="1862048"/>
-          </a:xfrm>
-          <a:prstGeom prst="rect">
-            <a:avLst/>
-          </a:prstGeom>
-        </p:spPr>
-        <p:txBody>
-          <a:bodyPr wrap="none">
-            <a:spAutoFit/>
-          </a:bodyPr>
-          <a:lstStyle/>
-          <a:p>
-            <a:r>
-              <a:rPr lang="en-US" sz="11500" dirty="0">
-                <a:solidFill>
-                  <a:schemeClr val="accent2"/>
-                </a:solidFill>
-                <a:latin typeface="Yanone Kaffeesatz Regular" panose="02000000000000000000" pitchFamily="2" charset="0"/>
-              </a:rPr>
-              <a:t>Slides, Links…</a:t>
-            </a:r>
-            <a:endParaRPr lang="de-CH" sz="1400" dirty="0"/>
-          </a:p>
-        </p:txBody>
-      </p:sp>
+      </p:pic>
     </p:spTree>
     <p:extLst>
       <p:ext uri="{BB962C8B-B14F-4D97-AF65-F5344CB8AC3E}">
-        <p14:creationId xmlns:p14="http://schemas.microsoft.com/office/powerpoint/2010/main" val="1581449120"/>
+        <p14:creationId xmlns:p14="http://schemas.microsoft.com/office/powerpoint/2010/main" val="3509871313"/>
       </p:ext>
     </p:extLst>
   </p:cSld>
@@ -7693,80 +9741,486 @@
           <a:chExt cx="0" cy="0"/>
         </a:xfrm>
       </p:grpSpPr>
-      <p:sp>
-        <p:nvSpPr>
-          <p:cNvPr id="2" name="Rectangle 1"/>
-          <p:cNvSpPr/>
-          <p:nvPr/>
-        </p:nvSpPr>
-        <p:spPr>
-          <a:xfrm>
-            <a:off x="3858849" y="1851645"/>
-            <a:ext cx="4474302" cy="3154710"/>
-          </a:xfrm>
-          <a:prstGeom prst="rect">
-            <a:avLst/>
-          </a:prstGeom>
-        </p:spPr>
-        <p:txBody>
-          <a:bodyPr wrap="none">
-            <a:spAutoFit/>
-          </a:bodyPr>
-          <a:lstStyle/>
-          <a:p>
-            <a:r>
-              <a:rPr lang="en-US" sz="19900" dirty="0">
-                <a:solidFill>
-                  <a:schemeClr val="accent2"/>
-                </a:solidFill>
-                <a:latin typeface="Yanone Kaffeesatz Regular" panose="02000000000000000000" pitchFamily="2" charset="0"/>
-              </a:rPr>
-              <a:t>Q &amp; A</a:t>
-            </a:r>
-            <a:endParaRPr lang="de-CH" sz="2000" dirty="0"/>
-          </a:p>
-        </p:txBody>
-      </p:sp>
       <p:pic>
         <p:nvPicPr>
-          <p:cNvPr id="4" name="Picture 3"/>
+          <p:cNvPr id="2" name="Picture 1">
+            <a:extLst>
+              <a:ext uri="{FF2B5EF4-FFF2-40B4-BE49-F238E27FC236}">
+                <a16:creationId xmlns:a16="http://schemas.microsoft.com/office/drawing/2014/main" id="{54275BE7-AD12-425C-A833-09FBF4D4C0DF}"/>
+              </a:ext>
+            </a:extLst>
+          </p:cNvPr>
           <p:cNvPicPr>
             <a:picLocks noChangeAspect="1"/>
           </p:cNvPicPr>
           <p:nvPr/>
         </p:nvPicPr>
         <p:blipFill>
-          <a:blip r:embed="rId3" cstate="print">
+          <a:blip r:embed="rId3"/>
+          <a:stretch>
+            <a:fillRect/>
+          </a:stretch>
+        </p:blipFill>
+        <p:spPr>
+          <a:xfrm>
+            <a:off x="647420" y="1291536"/>
+            <a:ext cx="10897160" cy="1435174"/>
+          </a:xfrm>
+          <a:prstGeom prst="rect">
+            <a:avLst/>
+          </a:prstGeom>
+        </p:spPr>
+        <p:style>
+          <a:lnRef idx="2">
+            <a:schemeClr val="accent3"/>
+          </a:lnRef>
+          <a:fillRef idx="1">
+            <a:schemeClr val="lt1"/>
+          </a:fillRef>
+          <a:effectRef idx="0">
+            <a:schemeClr val="accent3"/>
+          </a:effectRef>
+          <a:fontRef idx="minor">
+            <a:schemeClr val="dk1"/>
+          </a:fontRef>
+        </p:style>
+      </p:pic>
+      <p:pic>
+        <p:nvPicPr>
+          <p:cNvPr id="4" name="Picture 3">
+            <a:extLst>
+              <a:ext uri="{FF2B5EF4-FFF2-40B4-BE49-F238E27FC236}">
+                <a16:creationId xmlns:a16="http://schemas.microsoft.com/office/drawing/2014/main" id="{AD358E59-4356-47FF-9C37-0BE324AD6913}"/>
+              </a:ext>
+            </a:extLst>
+          </p:cNvPr>
+          <p:cNvPicPr>
+            <a:picLocks noChangeAspect="1"/>
+          </p:cNvPicPr>
+          <p:nvPr/>
+        </p:nvPicPr>
+        <p:blipFill>
+          <a:blip r:embed="rId4"/>
+          <a:stretch>
+            <a:fillRect/>
+          </a:stretch>
+        </p:blipFill>
+        <p:spPr>
+          <a:xfrm>
+            <a:off x="828404" y="4019576"/>
+            <a:ext cx="10535191" cy="1111307"/>
+          </a:xfrm>
+          <a:prstGeom prst="rect">
+            <a:avLst/>
+          </a:prstGeom>
+        </p:spPr>
+        <p:style>
+          <a:lnRef idx="2">
+            <a:schemeClr val="accent3"/>
+          </a:lnRef>
+          <a:fillRef idx="1">
+            <a:schemeClr val="lt1"/>
+          </a:fillRef>
+          <a:effectRef idx="0">
+            <a:schemeClr val="accent3"/>
+          </a:effectRef>
+          <a:fontRef idx="minor">
+            <a:schemeClr val="dk1"/>
+          </a:fontRef>
+        </p:style>
+      </p:pic>
+      <p:sp>
+        <p:nvSpPr>
+          <p:cNvPr id="6" name="Oval 5">
+            <a:extLst>
+              <a:ext uri="{FF2B5EF4-FFF2-40B4-BE49-F238E27FC236}">
+                <a16:creationId xmlns:a16="http://schemas.microsoft.com/office/drawing/2014/main" id="{7224F07F-0BA3-4FDF-95A2-313170E3F416}"/>
+              </a:ext>
+            </a:extLst>
+          </p:cNvPr>
+          <p:cNvSpPr/>
+          <p:nvPr/>
+        </p:nvSpPr>
+        <p:spPr>
+          <a:xfrm>
+            <a:off x="141987" y="1821699"/>
+            <a:ext cx="380527" cy="374847"/>
+          </a:xfrm>
+          <a:prstGeom prst="ellipse">
+            <a:avLst/>
+          </a:prstGeom>
+        </p:spPr>
+        <p:style>
+          <a:lnRef idx="2">
+            <a:schemeClr val="accent3"/>
+          </a:lnRef>
+          <a:fillRef idx="1">
+            <a:schemeClr val="lt1"/>
+          </a:fillRef>
+          <a:effectRef idx="0">
+            <a:schemeClr val="accent3"/>
+          </a:effectRef>
+          <a:fontRef idx="minor">
+            <a:schemeClr val="dk1"/>
+          </a:fontRef>
+        </p:style>
+        <p:txBody>
+          <a:bodyPr rtlCol="0" anchor="ctr"/>
+          <a:lstStyle/>
+          <a:p>
+            <a:pPr algn="ctr"/>
+            <a:r>
+              <a:rPr lang="en-CA" sz="2800" b="1" dirty="0">
+                <a:solidFill>
+                  <a:schemeClr val="bg1">
+                    <a:lumMod val="50000"/>
+                  </a:schemeClr>
+                </a:solidFill>
+              </a:rPr>
+              <a:t>1</a:t>
+            </a:r>
+            <a:endParaRPr lang="en-CA" b="1" dirty="0">
+              <a:solidFill>
+                <a:schemeClr val="bg1">
+                  <a:lumMod val="50000"/>
+                </a:schemeClr>
+              </a:solidFill>
+            </a:endParaRPr>
+          </a:p>
+        </p:txBody>
+      </p:sp>
+      <p:sp>
+        <p:nvSpPr>
+          <p:cNvPr id="7" name="Oval 6">
+            <a:extLst>
+              <a:ext uri="{FF2B5EF4-FFF2-40B4-BE49-F238E27FC236}">
+                <a16:creationId xmlns:a16="http://schemas.microsoft.com/office/drawing/2014/main" id="{04919381-26B5-404B-96BA-0BB8505A764C}"/>
+              </a:ext>
+            </a:extLst>
+          </p:cNvPr>
+          <p:cNvSpPr/>
+          <p:nvPr/>
+        </p:nvSpPr>
+        <p:spPr>
+          <a:xfrm>
+            <a:off x="141987" y="4387805"/>
+            <a:ext cx="380527" cy="374847"/>
+          </a:xfrm>
+          <a:prstGeom prst="ellipse">
+            <a:avLst/>
+          </a:prstGeom>
+        </p:spPr>
+        <p:style>
+          <a:lnRef idx="2">
+            <a:schemeClr val="accent3"/>
+          </a:lnRef>
+          <a:fillRef idx="1">
+            <a:schemeClr val="lt1"/>
+          </a:fillRef>
+          <a:effectRef idx="0">
+            <a:schemeClr val="accent3"/>
+          </a:effectRef>
+          <a:fontRef idx="minor">
+            <a:schemeClr val="dk1"/>
+          </a:fontRef>
+        </p:style>
+        <p:txBody>
+          <a:bodyPr rtlCol="0" anchor="ctr"/>
+          <a:lstStyle/>
+          <a:p>
+            <a:pPr algn="ctr"/>
+            <a:r>
+              <a:rPr lang="en-CA" sz="2800" b="1" dirty="0">
+                <a:solidFill>
+                  <a:schemeClr val="bg1">
+                    <a:lumMod val="50000"/>
+                  </a:schemeClr>
+                </a:solidFill>
+              </a:rPr>
+              <a:t>2</a:t>
+            </a:r>
+            <a:endParaRPr lang="en-CA" b="1" dirty="0">
+              <a:solidFill>
+                <a:schemeClr val="bg1">
+                  <a:lumMod val="50000"/>
+                </a:schemeClr>
+              </a:solidFill>
+            </a:endParaRPr>
+          </a:p>
+        </p:txBody>
+      </p:sp>
+      <p:pic>
+        <p:nvPicPr>
+          <p:cNvPr id="15362" name="Picture 2" descr="File:But-why-meme-generator-but-why-84103d.jpg">
+            <a:extLst>
+              <a:ext uri="{FF2B5EF4-FFF2-40B4-BE49-F238E27FC236}">
+                <a16:creationId xmlns:a16="http://schemas.microsoft.com/office/drawing/2014/main" id="{3C6EBFE1-B372-4AE4-998B-D46D4EEE3DA5}"/>
+              </a:ext>
+            </a:extLst>
+          </p:cNvPr>
+          <p:cNvPicPr>
+            <a:picLocks noChangeAspect="1" noChangeArrowheads="1"/>
+          </p:cNvPicPr>
+          <p:nvPr/>
+        </p:nvPicPr>
+        <p:blipFill>
+          <a:blip r:embed="rId5">
             <a:extLst>
               <a:ext uri="{28A0092B-C50C-407E-A947-70E740481C1C}">
                 <a14:useLocalDpi xmlns:a14="http://schemas.microsoft.com/office/drawing/2010/main" val="0"/>
               </a:ext>
             </a:extLst>
           </a:blip>
+          <a:srcRect/>
           <a:stretch>
             <a:fillRect/>
           </a:stretch>
         </p:blipFill>
-        <p:spPr>
+        <p:spPr bwMode="auto">
           <a:xfrm>
-            <a:off x="8052306" y="612519"/>
-            <a:ext cx="2880000" cy="690817"/>
+            <a:off x="2002447" y="1216270"/>
+            <a:ext cx="7562321" cy="3914613"/>
           </a:xfrm>
           <a:prstGeom prst="rect">
             <a:avLst/>
           </a:prstGeom>
+          <a:noFill/>
+          <a:extLst>
+            <a:ext uri="{909E8E84-426E-40DD-AFC4-6F175D3DCCD1}">
+              <a14:hiddenFill xmlns:a14="http://schemas.microsoft.com/office/drawing/2010/main">
+                <a:solidFill>
+                  <a:srgbClr val="FFFFFF"/>
+                </a:solidFill>
+              </a14:hiddenFill>
+            </a:ext>
+          </a:extLst>
         </p:spPr>
       </p:pic>
+      <p:cxnSp>
+        <p:nvCxnSpPr>
+          <p:cNvPr id="8" name="Straight Connector 7">
+            <a:extLst>
+              <a:ext uri="{FF2B5EF4-FFF2-40B4-BE49-F238E27FC236}">
+                <a16:creationId xmlns:a16="http://schemas.microsoft.com/office/drawing/2014/main" id="{F0752EAC-7284-4E61-BABF-82C3847F7F77}"/>
+              </a:ext>
+            </a:extLst>
+          </p:cNvPr>
+          <p:cNvCxnSpPr/>
+          <p:nvPr/>
+        </p:nvCxnSpPr>
+        <p:spPr>
+          <a:xfrm>
+            <a:off x="2448232" y="4843370"/>
+            <a:ext cx="979293" cy="0"/>
+          </a:xfrm>
+          <a:prstGeom prst="line">
+            <a:avLst/>
+          </a:prstGeom>
+          <a:ln w="57150">
+            <a:solidFill>
+              <a:srgbClr val="C00000"/>
+            </a:solidFill>
+          </a:ln>
+        </p:spPr>
+        <p:style>
+          <a:lnRef idx="1">
+            <a:schemeClr val="accent1"/>
+          </a:lnRef>
+          <a:fillRef idx="0">
+            <a:schemeClr val="accent1"/>
+          </a:fillRef>
+          <a:effectRef idx="0">
+            <a:schemeClr val="accent1"/>
+          </a:effectRef>
+          <a:fontRef idx="minor">
+            <a:schemeClr val="tx1"/>
+          </a:fontRef>
+        </p:style>
+      </p:cxnSp>
     </p:spTree>
     <p:extLst>
       <p:ext uri="{BB962C8B-B14F-4D97-AF65-F5344CB8AC3E}">
-        <p14:creationId xmlns:p14="http://schemas.microsoft.com/office/powerpoint/2010/main" val="4241321608"/>
+        <p14:creationId xmlns:p14="http://schemas.microsoft.com/office/powerpoint/2010/main" val="4279211630"/>
       </p:ext>
     </p:extLst>
   </p:cSld>
   <p:clrMapOvr>
     <a:masterClrMapping/>
   </p:clrMapOvr>
+  <p:timing>
+    <p:tnLst>
+      <p:par>
+        <p:cTn id="1" dur="indefinite" restart="never" nodeType="tmRoot">
+          <p:childTnLst>
+            <p:seq concurrent="1" nextAc="seek">
+              <p:cTn id="2" dur="indefinite" nodeType="mainSeq">
+                <p:childTnLst>
+                  <p:par>
+                    <p:cTn id="3" fill="hold">
+                      <p:stCondLst>
+                        <p:cond delay="indefinite"/>
+                      </p:stCondLst>
+                      <p:childTnLst>
+                        <p:par>
+                          <p:cTn id="4" fill="hold">
+                            <p:stCondLst>
+                              <p:cond delay="0"/>
+                            </p:stCondLst>
+                            <p:childTnLst>
+                              <p:par>
+                                <p:cTn id="5" presetID="1" presetClass="entr" presetSubtype="0" fill="hold" nodeType="clickEffect">
+                                  <p:stCondLst>
+                                    <p:cond delay="0"/>
+                                  </p:stCondLst>
+                                  <p:childTnLst>
+                                    <p:set>
+                                      <p:cBhvr>
+                                        <p:cTn id="6" dur="1" fill="hold">
+                                          <p:stCondLst>
+                                            <p:cond delay="0"/>
+                                          </p:stCondLst>
+                                        </p:cTn>
+                                        <p:tgtEl>
+                                          <p:spTgt spid="8"/>
+                                        </p:tgtEl>
+                                        <p:attrNameLst>
+                                          <p:attrName>style.visibility</p:attrName>
+                                        </p:attrNameLst>
+                                      </p:cBhvr>
+                                      <p:to>
+                                        <p:strVal val="visible"/>
+                                      </p:to>
+                                    </p:set>
+                                  </p:childTnLst>
+                                </p:cTn>
+                              </p:par>
+                            </p:childTnLst>
+                          </p:cTn>
+                        </p:par>
+                      </p:childTnLst>
+                    </p:cTn>
+                  </p:par>
+                  <p:par>
+                    <p:cTn id="7" fill="hold">
+                      <p:stCondLst>
+                        <p:cond delay="indefinite"/>
+                      </p:stCondLst>
+                      <p:childTnLst>
+                        <p:par>
+                          <p:cTn id="8" fill="hold">
+                            <p:stCondLst>
+                              <p:cond delay="0"/>
+                            </p:stCondLst>
+                            <p:childTnLst>
+                              <p:par>
+                                <p:cTn id="9" presetID="53" presetClass="entr" presetSubtype="16" fill="hold" nodeType="clickEffect">
+                                  <p:stCondLst>
+                                    <p:cond delay="0"/>
+                                  </p:stCondLst>
+                                  <p:childTnLst>
+                                    <p:set>
+                                      <p:cBhvr>
+                                        <p:cTn id="10" dur="1" fill="hold">
+                                          <p:stCondLst>
+                                            <p:cond delay="0"/>
+                                          </p:stCondLst>
+                                        </p:cTn>
+                                        <p:tgtEl>
+                                          <p:spTgt spid="15362"/>
+                                        </p:tgtEl>
+                                        <p:attrNameLst>
+                                          <p:attrName>style.visibility</p:attrName>
+                                        </p:attrNameLst>
+                                      </p:cBhvr>
+                                      <p:to>
+                                        <p:strVal val="visible"/>
+                                      </p:to>
+                                    </p:set>
+                                    <p:anim calcmode="lin" valueType="num">
+                                      <p:cBhvr>
+                                        <p:cTn id="11" dur="500" fill="hold"/>
+                                        <p:tgtEl>
+                                          <p:spTgt spid="15362"/>
+                                        </p:tgtEl>
+                                        <p:attrNameLst>
+                                          <p:attrName>ppt_w</p:attrName>
+                                        </p:attrNameLst>
+                                      </p:cBhvr>
+                                      <p:tavLst>
+                                        <p:tav tm="0">
+                                          <p:val>
+                                            <p:fltVal val="0"/>
+                                          </p:val>
+                                        </p:tav>
+                                        <p:tav tm="100000">
+                                          <p:val>
+                                            <p:strVal val="#ppt_w"/>
+                                          </p:val>
+                                        </p:tav>
+                                      </p:tavLst>
+                                    </p:anim>
+                                    <p:anim calcmode="lin" valueType="num">
+                                      <p:cBhvr>
+                                        <p:cTn id="12" dur="500" fill="hold"/>
+                                        <p:tgtEl>
+                                          <p:spTgt spid="15362"/>
+                                        </p:tgtEl>
+                                        <p:attrNameLst>
+                                          <p:attrName>ppt_h</p:attrName>
+                                        </p:attrNameLst>
+                                      </p:cBhvr>
+                                      <p:tavLst>
+                                        <p:tav tm="0">
+                                          <p:val>
+                                            <p:fltVal val="0"/>
+                                          </p:val>
+                                        </p:tav>
+                                        <p:tav tm="100000">
+                                          <p:val>
+                                            <p:strVal val="#ppt_h"/>
+                                          </p:val>
+                                        </p:tav>
+                                      </p:tavLst>
+                                    </p:anim>
+                                    <p:animEffect transition="in" filter="fade">
+                                      <p:cBhvr>
+                                        <p:cTn id="13" dur="500"/>
+                                        <p:tgtEl>
+                                          <p:spTgt spid="15362"/>
+                                        </p:tgtEl>
+                                      </p:cBhvr>
+                                    </p:animEffect>
+                                  </p:childTnLst>
+                                </p:cTn>
+                              </p:par>
+                            </p:childTnLst>
+                          </p:cTn>
+                        </p:par>
+                      </p:childTnLst>
+                    </p:cTn>
+                  </p:par>
+                </p:childTnLst>
+              </p:cTn>
+              <p:prevCondLst>
+                <p:cond evt="onPrev" delay="0">
+                  <p:tgtEl>
+                    <p:sldTgt/>
+                  </p:tgtEl>
+                </p:cond>
+              </p:prevCondLst>
+              <p:nextCondLst>
+                <p:cond evt="onNext" delay="0">
+                  <p:tgtEl>
+                    <p:sldTgt/>
+                  </p:tgtEl>
+                </p:cond>
+              </p:nextCondLst>
+            </p:seq>
+          </p:childTnLst>
+        </p:cTn>
+      </p:par>
+    </p:tnLst>
+  </p:timing>
 </p:sld>
 </file>
 
@@ -7789,14 +10243,20 @@
       </p:grpSpPr>
       <p:pic>
         <p:nvPicPr>
-          <p:cNvPr id="3" name="Picture 2"/>
+          <p:cNvPr id="6" name="Picture 5">
+            <a:extLst>
+              <a:ext uri="{FF2B5EF4-FFF2-40B4-BE49-F238E27FC236}">
+                <a16:creationId xmlns:a16="http://schemas.microsoft.com/office/drawing/2014/main" id="{E3721C01-DE9B-4972-B0A3-C43E74523A7C}"/>
+              </a:ext>
+            </a:extLst>
+          </p:cNvPr>
           <p:cNvPicPr>
             <a:picLocks noChangeAspect="1"/>
           </p:cNvPicPr>
           <p:nvPr/>
         </p:nvPicPr>
         <p:blipFill>
-          <a:blip r:embed="rId3" cstate="print">
+          <a:blip r:embed="rId3">
             <a:extLst>
               <a:ext uri="{28A0092B-C50C-407E-A947-70E740481C1C}">
                 <a14:useLocalDpi xmlns:a14="http://schemas.microsoft.com/office/drawing/2010/main" val="0"/>
@@ -7809,109 +10269,30 @@
         </p:blipFill>
         <p:spPr>
           <a:xfrm>
-            <a:off x="8052306" y="612519"/>
-            <a:ext cx="2880000" cy="690817"/>
+            <a:off x="2198542" y="3110998"/>
+            <a:ext cx="2143125" cy="2143125"/>
           </a:xfrm>
           <a:prstGeom prst="rect">
             <a:avLst/>
           </a:prstGeom>
         </p:spPr>
       </p:pic>
-      <p:sp>
-        <p:nvSpPr>
-          <p:cNvPr id="2" name="Rectangle 1"/>
-          <p:cNvSpPr/>
-          <p:nvPr/>
-        </p:nvSpPr>
-        <p:spPr>
-          <a:xfrm>
-            <a:off x="5723694" y="2090172"/>
-            <a:ext cx="6096000" cy="2677656"/>
-          </a:xfrm>
-          <a:prstGeom prst="rect">
-            <a:avLst/>
-          </a:prstGeom>
-        </p:spPr>
-        <p:txBody>
-          <a:bodyPr>
-            <a:spAutoFit/>
-          </a:bodyPr>
-          <a:lstStyle/>
-          <a:p>
-            <a:r>
-              <a:rPr lang="en-US" sz="2800" dirty="0">
-                <a:solidFill>
-                  <a:schemeClr val="tx2"/>
-                </a:solidFill>
-                <a:latin typeface="Yanone Kaffeesatz Regular" panose="02000000000000000000" pitchFamily="2" charset="0"/>
-              </a:rPr>
-              <a:t>Software Engineer</a:t>
-            </a:r>
-          </a:p>
-          <a:p>
-            <a:r>
-              <a:rPr lang="en-US" sz="2800" dirty="0">
-                <a:solidFill>
-                  <a:schemeClr val="tx2"/>
-                </a:solidFill>
-                <a:latin typeface="Yanone Kaffeesatz Regular" panose="02000000000000000000" pitchFamily="2" charset="0"/>
-              </a:rPr>
-              <a:t>Microsoft MVP</a:t>
-            </a:r>
-          </a:p>
-          <a:p>
-            <a:endParaRPr lang="en-US" sz="2800" dirty="0">
-              <a:solidFill>
-                <a:schemeClr val="tx2"/>
-              </a:solidFill>
-              <a:latin typeface="Yanone Kaffeesatz Regular" panose="02000000000000000000" pitchFamily="2" charset="0"/>
-            </a:endParaRPr>
-          </a:p>
-          <a:p>
-            <a:r>
-              <a:rPr lang="en-US" sz="2800" dirty="0">
-                <a:solidFill>
-                  <a:schemeClr val="accent4"/>
-                </a:solidFill>
-                <a:latin typeface="Yanone Kaffeesatz Regular" panose="02000000000000000000" pitchFamily="2" charset="0"/>
-              </a:rPr>
-              <a:t>@danielmarbach</a:t>
-            </a:r>
-          </a:p>
-          <a:p>
-            <a:r>
-              <a:rPr lang="en-US" sz="2800" dirty="0">
-                <a:solidFill>
-                  <a:schemeClr val="accent4"/>
-                </a:solidFill>
-                <a:latin typeface="Yanone Kaffeesatz Regular" panose="02000000000000000000" pitchFamily="2" charset="0"/>
-              </a:rPr>
-              <a:t>particular.net/blog</a:t>
-            </a:r>
-          </a:p>
-          <a:p>
-            <a:r>
-              <a:rPr lang="en-US" sz="2800" dirty="0">
-                <a:solidFill>
-                  <a:schemeClr val="accent4"/>
-                </a:solidFill>
-                <a:latin typeface="Yanone Kaffeesatz Regular" panose="02000000000000000000" pitchFamily="2" charset="0"/>
-              </a:rPr>
-              <a:t>planetgeek.ch</a:t>
-            </a:r>
-          </a:p>
-        </p:txBody>
-      </p:sp>
       <p:pic>
         <p:nvPicPr>
-          <p:cNvPr id="6" name="Picture 5"/>
+          <p:cNvPr id="9" name="Picture 8">
+            <a:extLst>
+              <a:ext uri="{FF2B5EF4-FFF2-40B4-BE49-F238E27FC236}">
+                <a16:creationId xmlns:a16="http://schemas.microsoft.com/office/drawing/2014/main" id="{BFEA759B-20CA-4652-B153-CF641615214A}"/>
+              </a:ext>
+            </a:extLst>
+          </p:cNvPr>
           <p:cNvPicPr>
             <a:picLocks noChangeAspect="1"/>
           </p:cNvPicPr>
           <p:nvPr/>
         </p:nvPicPr>
         <p:blipFill>
-          <a:blip r:embed="rId4" cstate="print">
+          <a:blip r:embed="rId4">
             <a:extLst>
               <a:ext uri="{28A0092B-C50C-407E-A947-70E740481C1C}">
                 <a14:useLocalDpi xmlns:a14="http://schemas.microsoft.com/office/drawing/2010/main" val="0"/>
@@ -7924,24 +10305,369 @@
         </p:blipFill>
         <p:spPr>
           <a:xfrm>
-            <a:off x="1852348" y="1768017"/>
-            <a:ext cx="2558625" cy="3837938"/>
+            <a:off x="7326900" y="3112811"/>
+            <a:ext cx="3189990" cy="2141312"/>
           </a:xfrm>
           <a:prstGeom prst="rect">
             <a:avLst/>
           </a:prstGeom>
         </p:spPr>
       </p:pic>
+      <p:pic>
+        <p:nvPicPr>
+          <p:cNvPr id="11" name="Picture 10">
+            <a:extLst>
+              <a:ext uri="{FF2B5EF4-FFF2-40B4-BE49-F238E27FC236}">
+                <a16:creationId xmlns:a16="http://schemas.microsoft.com/office/drawing/2014/main" id="{56F4A560-C1BA-4B37-B4A8-F725F6B0D335}"/>
+              </a:ext>
+            </a:extLst>
+          </p:cNvPr>
+          <p:cNvPicPr>
+            <a:picLocks noChangeAspect="1"/>
+          </p:cNvPicPr>
+          <p:nvPr/>
+        </p:nvPicPr>
+        <p:blipFill>
+          <a:blip r:embed="rId5"/>
+          <a:stretch>
+            <a:fillRect/>
+          </a:stretch>
+        </p:blipFill>
+        <p:spPr>
+          <a:xfrm>
+            <a:off x="3270105" y="963019"/>
+            <a:ext cx="5651790" cy="1955901"/>
+          </a:xfrm>
+          <a:prstGeom prst="rect">
+            <a:avLst/>
+          </a:prstGeom>
+        </p:spPr>
+      </p:pic>
+      <p:sp>
+        <p:nvSpPr>
+          <p:cNvPr id="12" name="TextBox 11">
+            <a:extLst>
+              <a:ext uri="{FF2B5EF4-FFF2-40B4-BE49-F238E27FC236}">
+                <a16:creationId xmlns:a16="http://schemas.microsoft.com/office/drawing/2014/main" id="{C1ED6AE7-0AF0-43C6-A7F9-FCC9A80DC7F5}"/>
+              </a:ext>
+            </a:extLst>
+          </p:cNvPr>
+          <p:cNvSpPr txBox="1"/>
+          <p:nvPr/>
+        </p:nvSpPr>
+        <p:spPr>
+          <a:xfrm>
+            <a:off x="2073019" y="5401208"/>
+            <a:ext cx="2731841" cy="369332"/>
+          </a:xfrm>
+          <a:prstGeom prst="rect">
+            <a:avLst/>
+          </a:prstGeom>
+          <a:noFill/>
+        </p:spPr>
+        <p:txBody>
+          <a:bodyPr wrap="square" rtlCol="0">
+            <a:spAutoFit/>
+          </a:bodyPr>
+          <a:lstStyle/>
+          <a:p>
+            <a:r>
+              <a:rPr lang="en-CA" b="1" dirty="0" err="1">
+                <a:solidFill>
+                  <a:srgbClr val="004880"/>
+                </a:solidFill>
+              </a:rPr>
+              <a:t>WindowsAzure.ServiceBus</a:t>
+            </a:r>
+            <a:endParaRPr lang="en-CA" b="1" dirty="0">
+              <a:solidFill>
+                <a:srgbClr val="004880"/>
+              </a:solidFill>
+            </a:endParaRPr>
+          </a:p>
+        </p:txBody>
+      </p:sp>
+      <p:sp>
+        <p:nvSpPr>
+          <p:cNvPr id="13" name="TextBox 12">
+            <a:extLst>
+              <a:ext uri="{FF2B5EF4-FFF2-40B4-BE49-F238E27FC236}">
+                <a16:creationId xmlns:a16="http://schemas.microsoft.com/office/drawing/2014/main" id="{D1B8248B-13E8-441A-9702-00703E94B3B8}"/>
+              </a:ext>
+            </a:extLst>
+          </p:cNvPr>
+          <p:cNvSpPr txBox="1"/>
+          <p:nvPr/>
+        </p:nvSpPr>
+        <p:spPr>
+          <a:xfrm>
+            <a:off x="4646779" y="520145"/>
+            <a:ext cx="2898441" cy="461665"/>
+          </a:xfrm>
+          <a:prstGeom prst="rect">
+            <a:avLst/>
+          </a:prstGeom>
+          <a:noFill/>
+        </p:spPr>
+        <p:txBody>
+          <a:bodyPr wrap="square" rtlCol="0">
+            <a:spAutoFit/>
+          </a:bodyPr>
+          <a:lstStyle/>
+          <a:p>
+            <a:r>
+              <a:rPr lang="en-CA" sz="2400" b="1" dirty="0" err="1">
+                <a:solidFill>
+                  <a:srgbClr val="004880"/>
+                </a:solidFill>
+                <a:latin typeface="Yanone Kaffeesatz Regular" panose="02000000000000000000" pitchFamily="2" charset="0"/>
+              </a:rPr>
+              <a:t>Microsoft.Azure.ServiceBus</a:t>
+            </a:r>
+            <a:endParaRPr lang="en-CA" sz="2400" b="1" dirty="0">
+              <a:solidFill>
+                <a:srgbClr val="004880"/>
+              </a:solidFill>
+              <a:latin typeface="Yanone Kaffeesatz Regular" panose="02000000000000000000" pitchFamily="2" charset="0"/>
+            </a:endParaRPr>
+          </a:p>
+        </p:txBody>
+      </p:sp>
+      <p:pic>
+        <p:nvPicPr>
+          <p:cNvPr id="1026" name="Picture 2" descr="Image result for microsoft loves oss">
+            <a:extLst>
+              <a:ext uri="{FF2B5EF4-FFF2-40B4-BE49-F238E27FC236}">
+                <a16:creationId xmlns:a16="http://schemas.microsoft.com/office/drawing/2014/main" id="{07D8A092-0D22-4C7D-844E-7FA26A2CECA3}"/>
+              </a:ext>
+            </a:extLst>
+          </p:cNvPr>
+          <p:cNvPicPr>
+            <a:picLocks noChangeAspect="1" noChangeArrowheads="1"/>
+          </p:cNvPicPr>
+          <p:nvPr/>
+        </p:nvPicPr>
+        <p:blipFill>
+          <a:blip r:embed="rId6">
+            <a:extLst>
+              <a:ext uri="{28A0092B-C50C-407E-A947-70E740481C1C}">
+                <a14:useLocalDpi xmlns:a14="http://schemas.microsoft.com/office/drawing/2010/main" val="0"/>
+              </a:ext>
+            </a:extLst>
+          </a:blip>
+          <a:srcRect/>
+          <a:stretch>
+            <a:fillRect/>
+          </a:stretch>
+        </p:blipFill>
+        <p:spPr bwMode="auto">
+          <a:xfrm rot="20245220">
+            <a:off x="-489025" y="448199"/>
+            <a:ext cx="5715000" cy="1066800"/>
+          </a:xfrm>
+          <a:prstGeom prst="rect">
+            <a:avLst/>
+          </a:prstGeom>
+          <a:ln>
+            <a:noFill/>
+          </a:ln>
+          <a:effectLst>
+            <a:outerShdw blurRad="292100" dist="139700" dir="2700000" algn="tl" rotWithShape="0">
+              <a:srgbClr val="333333">
+                <a:alpha val="65000"/>
+              </a:srgbClr>
+            </a:outerShdw>
+          </a:effectLst>
+          <a:extLst>
+            <a:ext uri="{909E8E84-426E-40DD-AFC4-6F175D3DCCD1}">
+              <a14:hiddenFill xmlns:a14="http://schemas.microsoft.com/office/drawing/2010/main">
+                <a:solidFill>
+                  <a:srgbClr val="FFFFFF"/>
+                </a:solidFill>
+              </a14:hiddenFill>
+            </a:ext>
+          </a:extLst>
+        </p:spPr>
+      </p:pic>
     </p:spTree>
     <p:extLst>
       <p:ext uri="{BB962C8B-B14F-4D97-AF65-F5344CB8AC3E}">
-        <p14:creationId xmlns:p14="http://schemas.microsoft.com/office/powerpoint/2010/main" val="3601279917"/>
+        <p14:creationId xmlns:p14="http://schemas.microsoft.com/office/powerpoint/2010/main" val="2742703165"/>
       </p:ext>
     </p:extLst>
   </p:cSld>
   <p:clrMapOvr>
     <a:masterClrMapping/>
   </p:clrMapOvr>
+  <p:timing>
+    <p:tnLst>
+      <p:par>
+        <p:cTn id="1" dur="indefinite" restart="never" nodeType="tmRoot">
+          <p:childTnLst>
+            <p:seq concurrent="1" nextAc="seek">
+              <p:cTn id="2" dur="indefinite" nodeType="mainSeq">
+                <p:childTnLst>
+                  <p:par>
+                    <p:cTn id="3" fill="hold">
+                      <p:stCondLst>
+                        <p:cond delay="indefinite"/>
+                      </p:stCondLst>
+                      <p:childTnLst>
+                        <p:par>
+                          <p:cTn id="4" fill="hold">
+                            <p:stCondLst>
+                              <p:cond delay="0"/>
+                            </p:stCondLst>
+                            <p:childTnLst>
+                              <p:par>
+                                <p:cTn id="5" presetID="1" presetClass="entr" presetSubtype="0" fill="hold" grpId="0" nodeType="clickEffect">
+                                  <p:stCondLst>
+                                    <p:cond delay="0"/>
+                                  </p:stCondLst>
+                                  <p:childTnLst>
+                                    <p:set>
+                                      <p:cBhvr>
+                                        <p:cTn id="6" dur="1" fill="hold">
+                                          <p:stCondLst>
+                                            <p:cond delay="0"/>
+                                          </p:stCondLst>
+                                        </p:cTn>
+                                        <p:tgtEl>
+                                          <p:spTgt spid="12"/>
+                                        </p:tgtEl>
+                                        <p:attrNameLst>
+                                          <p:attrName>style.visibility</p:attrName>
+                                        </p:attrNameLst>
+                                      </p:cBhvr>
+                                      <p:to>
+                                        <p:strVal val="visible"/>
+                                      </p:to>
+                                    </p:set>
+                                  </p:childTnLst>
+                                </p:cTn>
+                              </p:par>
+                            </p:childTnLst>
+                          </p:cTn>
+                        </p:par>
+                      </p:childTnLst>
+                    </p:cTn>
+                  </p:par>
+                  <p:par>
+                    <p:cTn id="7" fill="hold">
+                      <p:stCondLst>
+                        <p:cond delay="indefinite"/>
+                      </p:stCondLst>
+                      <p:childTnLst>
+                        <p:par>
+                          <p:cTn id="8" fill="hold">
+                            <p:stCondLst>
+                              <p:cond delay="0"/>
+                            </p:stCondLst>
+                            <p:childTnLst>
+                              <p:par>
+                                <p:cTn id="9" presetID="1" presetClass="entr" presetSubtype="0" fill="hold" grpId="0" nodeType="clickEffect">
+                                  <p:stCondLst>
+                                    <p:cond delay="0"/>
+                                  </p:stCondLst>
+                                  <p:childTnLst>
+                                    <p:set>
+                                      <p:cBhvr>
+                                        <p:cTn id="10" dur="1" fill="hold">
+                                          <p:stCondLst>
+                                            <p:cond delay="0"/>
+                                          </p:stCondLst>
+                                        </p:cTn>
+                                        <p:tgtEl>
+                                          <p:spTgt spid="13"/>
+                                        </p:tgtEl>
+                                        <p:attrNameLst>
+                                          <p:attrName>style.visibility</p:attrName>
+                                        </p:attrNameLst>
+                                      </p:cBhvr>
+                                      <p:to>
+                                        <p:strVal val="visible"/>
+                                      </p:to>
+                                    </p:set>
+                                  </p:childTnLst>
+                                </p:cTn>
+                              </p:par>
+                            </p:childTnLst>
+                          </p:cTn>
+                        </p:par>
+                      </p:childTnLst>
+                    </p:cTn>
+                  </p:par>
+                  <p:par>
+                    <p:cTn id="11" fill="hold">
+                      <p:stCondLst>
+                        <p:cond delay="indefinite"/>
+                      </p:stCondLst>
+                      <p:childTnLst>
+                        <p:par>
+                          <p:cTn id="12" fill="hold">
+                            <p:stCondLst>
+                              <p:cond delay="0"/>
+                            </p:stCondLst>
+                            <p:childTnLst>
+                              <p:par>
+                                <p:cTn id="13" presetID="1" presetClass="entr" presetSubtype="0" fill="hold" nodeType="clickEffect">
+                                  <p:stCondLst>
+                                    <p:cond delay="0"/>
+                                  </p:stCondLst>
+                                  <p:childTnLst>
+                                    <p:set>
+                                      <p:cBhvr>
+                                        <p:cTn id="14" dur="1" fill="hold">
+                                          <p:stCondLst>
+                                            <p:cond delay="0"/>
+                                          </p:stCondLst>
+                                        </p:cTn>
+                                        <p:tgtEl>
+                                          <p:spTgt spid="1026"/>
+                                        </p:tgtEl>
+                                        <p:attrNameLst>
+                                          <p:attrName>style.visibility</p:attrName>
+                                        </p:attrNameLst>
+                                      </p:cBhvr>
+                                      <p:to>
+                                        <p:strVal val="visible"/>
+                                      </p:to>
+                                    </p:set>
+                                  </p:childTnLst>
+                                </p:cTn>
+                              </p:par>
+                            </p:childTnLst>
+                          </p:cTn>
+                        </p:par>
+                      </p:childTnLst>
+                    </p:cTn>
+                  </p:par>
+                </p:childTnLst>
+              </p:cTn>
+              <p:prevCondLst>
+                <p:cond evt="onPrev" delay="0">
+                  <p:tgtEl>
+                    <p:sldTgt/>
+                  </p:tgtEl>
+                </p:cond>
+              </p:prevCondLst>
+              <p:nextCondLst>
+                <p:cond evt="onNext" delay="0">
+                  <p:tgtEl>
+                    <p:sldTgt/>
+                  </p:tgtEl>
+                </p:cond>
+              </p:nextCondLst>
+            </p:seq>
+          </p:childTnLst>
+        </p:cTn>
+      </p:par>
+    </p:tnLst>
+    <p:bldLst>
+      <p:bldP spid="12" grpId="0"/>
+      <p:bldP spid="13" grpId="0"/>
+    </p:bldLst>
+  </p:timing>
 </p:sld>
 </file>
 
@@ -7962,21 +10688,87 @@
           <a:chExt cx="0" cy="0"/>
         </a:xfrm>
       </p:grpSpPr>
-      <p:sp>
-        <p:nvSpPr>
-          <p:cNvPr id="2" name="Rectangle 1"/>
-          <p:cNvSpPr/>
+      <p:pic>
+        <p:nvPicPr>
+          <p:cNvPr id="2" name="Picture 1">
+            <a:extLst>
+              <a:ext uri="{FF2B5EF4-FFF2-40B4-BE49-F238E27FC236}">
+                <a16:creationId xmlns:a16="http://schemas.microsoft.com/office/drawing/2014/main" id="{49FB2ADA-AB17-49BE-8767-15F49E7E3C89}"/>
+              </a:ext>
+            </a:extLst>
+          </p:cNvPr>
+          <p:cNvPicPr>
+            <a:picLocks noChangeAspect="1"/>
+          </p:cNvPicPr>
           <p:nvPr/>
-        </p:nvSpPr>
+        </p:nvPicPr>
+        <p:blipFill>
+          <a:blip r:embed="rId3"/>
+          <a:stretch>
+            <a:fillRect/>
+          </a:stretch>
+        </p:blipFill>
         <p:spPr>
           <a:xfrm>
-            <a:off x="3176771" y="1851645"/>
-            <a:ext cx="5838458" cy="3154710"/>
+            <a:off x="0" y="341529"/>
+            <a:ext cx="12192000" cy="6174941"/>
           </a:xfrm>
           <a:prstGeom prst="rect">
             <a:avLst/>
           </a:prstGeom>
         </p:spPr>
+      </p:pic>
+    </p:spTree>
+    <p:extLst>
+      <p:ext uri="{BB962C8B-B14F-4D97-AF65-F5344CB8AC3E}">
+        <p14:creationId xmlns:p14="http://schemas.microsoft.com/office/powerpoint/2010/main" val="2140755531"/>
+      </p:ext>
+    </p:extLst>
+  </p:cSld>
+  <p:clrMapOvr>
+    <a:masterClrMapping/>
+  </p:clrMapOvr>
+</p:sld>
+</file>
+
+<file path=ppt/slides/slide9.xml><?xml version="1.0" encoding="utf-8"?>
+<p:sld xmlns:a="http://schemas.openxmlformats.org/drawingml/2006/main" xmlns:r="http://schemas.openxmlformats.org/officeDocument/2006/relationships" xmlns:p="http://schemas.openxmlformats.org/presentationml/2006/main">
+  <p:cSld>
+    <p:spTree>
+      <p:nvGrpSpPr>
+        <p:cNvPr id="1" name=""/>
+        <p:cNvGrpSpPr/>
+        <p:nvPr/>
+      </p:nvGrpSpPr>
+      <p:grpSpPr>
+        <a:xfrm>
+          <a:off x="0" y="0"/>
+          <a:ext cx="0" cy="0"/>
+          <a:chOff x="0" y="0"/>
+          <a:chExt cx="0" cy="0"/>
+        </a:xfrm>
+      </p:grpSpPr>
+      <p:sp>
+        <p:nvSpPr>
+          <p:cNvPr id="2" name="Rectangle 1">
+            <a:extLst>
+              <a:ext uri="{FF2B5EF4-FFF2-40B4-BE49-F238E27FC236}">
+                <a16:creationId xmlns:a16="http://schemas.microsoft.com/office/drawing/2014/main" id="{F66DE266-C764-411A-9473-EBA9CC3DB1E5}"/>
+              </a:ext>
+            </a:extLst>
+          </p:cNvPr>
+          <p:cNvSpPr/>
+          <p:nvPr/>
+        </p:nvSpPr>
+        <p:spPr>
+          <a:xfrm>
+            <a:off x="2735944" y="3598987"/>
+            <a:ext cx="6720109" cy="923330"/>
+          </a:xfrm>
+          <a:prstGeom prst="rect">
+            <a:avLst/>
+          </a:prstGeom>
+        </p:spPr>
         <p:txBody>
           <a:bodyPr wrap="none">
             <a:spAutoFit/>
@@ -7984,23 +10776,61 @@
           <a:lstStyle/>
           <a:p>
             <a:r>
-              <a:rPr lang="en-US" sz="19900" dirty="0">
+              <a:rPr lang="en-US" sz="3600" dirty="0">
                 <a:solidFill>
-                  <a:schemeClr val="accent2"/>
+                  <a:schemeClr val="tx2"/>
                 </a:solidFill>
                 <a:latin typeface="Yanone Kaffeesatz Regular" panose="02000000000000000000" pitchFamily="2" charset="0"/>
               </a:rPr>
-              <a:t>Thanks</a:t>
-            </a:r>
-            <a:endParaRPr lang="de-CH" sz="2000" dirty="0"/>
+              <a:t>github.com/azure/</a:t>
+            </a:r>
+            <a:r>
+              <a:rPr lang="en-US" sz="5400" dirty="0">
+                <a:solidFill>
+                  <a:schemeClr val="accent4"/>
+                </a:solidFill>
+                <a:latin typeface="Yanone Kaffeesatz Regular" panose="02000000000000000000" pitchFamily="2" charset="0"/>
+              </a:rPr>
+              <a:t>azure-</a:t>
+            </a:r>
+            <a:r>
+              <a:rPr lang="en-US" sz="5400" dirty="0" err="1">
+                <a:solidFill>
+                  <a:schemeClr val="accent4"/>
+                </a:solidFill>
+                <a:latin typeface="Yanone Kaffeesatz Regular" panose="02000000000000000000" pitchFamily="2" charset="0"/>
+              </a:rPr>
+              <a:t>sdk</a:t>
+            </a:r>
+            <a:r>
+              <a:rPr lang="en-US" sz="5400" dirty="0">
+                <a:solidFill>
+                  <a:schemeClr val="accent4"/>
+                </a:solidFill>
+                <a:latin typeface="Yanone Kaffeesatz Regular" panose="02000000000000000000" pitchFamily="2" charset="0"/>
+              </a:rPr>
+              <a:t>-for-net</a:t>
+            </a:r>
+            <a:endParaRPr lang="de-CH" sz="5400" dirty="0">
+              <a:solidFill>
+                <a:schemeClr val="accent4"/>
+              </a:solidFill>
+              <a:latin typeface="Yanone Kaffeesatz Regular" panose="02000000000000000000" pitchFamily="2" charset="0"/>
+            </a:endParaRPr>
           </a:p>
         </p:txBody>
       </p:sp>
       <p:pic>
         <p:nvPicPr>
-          <p:cNvPr id="3" name="Picture 2"/>
+          <p:cNvPr id="1026" name="Picture 2" descr="the Octobi Wan Catnobi">
+            <a:extLst>
+              <a:ext uri="{FF2B5EF4-FFF2-40B4-BE49-F238E27FC236}">
+                <a16:creationId xmlns:a16="http://schemas.microsoft.com/office/drawing/2014/main" id="{4B32D527-79EC-4580-AF79-AE67BED457F2}"/>
+              </a:ext>
+            </a:extLst>
+          </p:cNvPr>
           <p:cNvPicPr>
-            <a:picLocks noChangeAspect="1"/>
+            <a:picLocks noChangeAspect="1" noChangeArrowheads="1"/>
           </p:cNvPicPr>
           <p:nvPr/>
         </p:nvPicPr>
@@ -8012,24 +10842,88 @@
               </a:ext>
             </a:extLst>
           </a:blip>
+          <a:srcRect/>
           <a:stretch>
             <a:fillRect/>
           </a:stretch>
         </p:blipFill>
-        <p:spPr>
+        <p:spPr bwMode="auto">
           <a:xfrm>
-            <a:off x="8052306" y="612519"/>
-            <a:ext cx="2880000" cy="690817"/>
+            <a:off x="4539761" y="146537"/>
+            <a:ext cx="3112477" cy="3112477"/>
           </a:xfrm>
           <a:prstGeom prst="rect">
             <a:avLst/>
           </a:prstGeom>
+          <a:noFill/>
+          <a:extLst>
+            <a:ext uri="{909E8E84-426E-40DD-AFC4-6F175D3DCCD1}">
+              <a14:hiddenFill xmlns:a14="http://schemas.microsoft.com/office/drawing/2010/main">
+                <a:solidFill>
+                  <a:srgbClr val="FFFFFF"/>
+                </a:solidFill>
+              </a14:hiddenFill>
+            </a:ext>
+          </a:extLst>
         </p:spPr>
       </p:pic>
+      <p:sp>
+        <p:nvSpPr>
+          <p:cNvPr id="3" name="TextBox 2">
+            <a:extLst>
+              <a:ext uri="{FF2B5EF4-FFF2-40B4-BE49-F238E27FC236}">
+                <a16:creationId xmlns:a16="http://schemas.microsoft.com/office/drawing/2014/main" id="{A499C352-3B36-4C53-865C-87D8BDA9C775}"/>
+              </a:ext>
+            </a:extLst>
+          </p:cNvPr>
+          <p:cNvSpPr txBox="1"/>
+          <p:nvPr/>
+        </p:nvSpPr>
+        <p:spPr>
+          <a:xfrm>
+            <a:off x="9198873" y="6488668"/>
+            <a:ext cx="2993127" cy="369332"/>
+          </a:xfrm>
+          <a:prstGeom prst="rect">
+            <a:avLst/>
+          </a:prstGeom>
+          <a:noFill/>
+        </p:spPr>
+        <p:txBody>
+          <a:bodyPr wrap="none" rtlCol="0">
+            <a:spAutoFit/>
+          </a:bodyPr>
+          <a:lstStyle/>
+          <a:p>
+            <a:r>
+              <a:rPr lang="en-US" dirty="0">
+                <a:solidFill>
+                  <a:schemeClr val="accent3"/>
+                </a:solidFill>
+                <a:latin typeface="Yanone Kaffeesatz Regular" panose="02000000000000000000" pitchFamily="2" charset="0"/>
+                <a:hlinkClick r:id="rId4">
+                  <a:extLst>
+                    <a:ext uri="{A12FA001-AC4F-418D-AE19-62706E023703}">
+                      <ahyp:hlinkClr xmlns:ahyp="http://schemas.microsoft.com/office/drawing/2018/hyperlinkcolor" val="tx"/>
+                    </a:ext>
+                  </a:extLst>
+                </a:hlinkClick>
+              </a:rPr>
+              <a:t>https://octodex.github.com/octobiwan</a:t>
+            </a:r>
+            <a:endParaRPr lang="en-US" dirty="0">
+              <a:solidFill>
+                <a:schemeClr val="accent3"/>
+              </a:solidFill>
+              <a:latin typeface="Yanone Kaffeesatz Regular" panose="02000000000000000000" pitchFamily="2" charset="0"/>
+            </a:endParaRPr>
+          </a:p>
+        </p:txBody>
+      </p:sp>
     </p:spTree>
     <p:extLst>
       <p:ext uri="{BB962C8B-B14F-4D97-AF65-F5344CB8AC3E}">
-        <p14:creationId xmlns:p14="http://schemas.microsoft.com/office/powerpoint/2010/main" val="3887468163"/>
+        <p14:creationId xmlns:p14="http://schemas.microsoft.com/office/powerpoint/2010/main" val="3106064596"/>
       </p:ext>
     </p:extLst>
   </p:cSld>

--- a/presentation.pptx
+++ b/presentation.pptx
@@ -5,7 +5,7 @@
     <p:sldMasterId id="2147483684" r:id="rId1"/>
   </p:sldMasterIdLst>
   <p:notesMasterIdLst>
-    <p:notesMasterId r:id="rId20"/>
+    <p:notesMasterId r:id="rId22"/>
   </p:notesMasterIdLst>
   <p:sldIdLst>
     <p:sldId id="278" r:id="rId2"/>
@@ -21,11 +21,13 @@
     <p:sldId id="495" r:id="rId12"/>
     <p:sldId id="496" r:id="rId13"/>
     <p:sldId id="497" r:id="rId14"/>
-    <p:sldId id="489" r:id="rId15"/>
-    <p:sldId id="267" r:id="rId16"/>
-    <p:sldId id="275" r:id="rId17"/>
-    <p:sldId id="268" r:id="rId18"/>
-    <p:sldId id="279" r:id="rId19"/>
+    <p:sldId id="498" r:id="rId15"/>
+    <p:sldId id="499" r:id="rId16"/>
+    <p:sldId id="489" r:id="rId17"/>
+    <p:sldId id="267" r:id="rId18"/>
+    <p:sldId id="275" r:id="rId19"/>
+    <p:sldId id="268" r:id="rId20"/>
+    <p:sldId id="279" r:id="rId21"/>
   </p:sldIdLst>
   <p:sldSz cx="12192000" cy="6858000"/>
   <p:notesSz cx="6858000" cy="9144000"/>
@@ -142,6 +144,8 @@
             <p14:sldId id="495"/>
             <p14:sldId id="496"/>
             <p14:sldId id="497"/>
+            <p14:sldId id="498"/>
+            <p14:sldId id="499"/>
           </p14:sldIdLst>
         </p14:section>
         <p14:section name="Wrap up" id="{BCD9F38D-60DF-4459-9684-4C9C9939E42E}">
@@ -1278,10 +1282,13 @@
           <a:lstStyle/>
           <a:p>
             <a:r>
-              <a:rPr lang="de-CH" dirty="0" err="1"/>
-              <a:t>Thanks</a:t>
-            </a:r>
-            <a:endParaRPr lang="de-CH" dirty="0"/>
+              <a:rPr lang="en-CA" dirty="0"/>
+              <a:t>No matter what way you’ll be connecting to the broker to send and receive messages, there’s something to keep in mind – </a:t>
+            </a:r>
+            <a:r>
+              <a:rPr lang="en-CA" b="1" dirty="0"/>
+              <a:t>connections</a:t>
+            </a:r>
           </a:p>
         </p:txBody>
       </p:sp>
@@ -1300,18 +1307,18 @@
           <a:bodyPr/>
           <a:lstStyle/>
           <a:p>
-            <a:fld id="{9BCA07FD-5BD5-4529-84B0-48DD2C561176}" type="slidenum">
-              <a:rPr lang="de-CH" smtClean="0"/>
+            <a:fld id="{8DF7B682-A23C-4AC9-A63F-72C4BE33EF59}" type="slidenum">
+              <a:rPr lang="en-CA" smtClean="0"/>
               <a:t>14</a:t>
             </a:fld>
-            <a:endParaRPr lang="de-CH"/>
+            <a:endParaRPr lang="en-CA"/>
           </a:p>
         </p:txBody>
       </p:sp>
     </p:spTree>
     <p:extLst>
       <p:ext uri="{BB962C8B-B14F-4D97-AF65-F5344CB8AC3E}">
-        <p14:creationId xmlns:p14="http://schemas.microsoft.com/office/powerpoint/2010/main" val="1171336995"/>
+        <p14:creationId xmlns:p14="http://schemas.microsoft.com/office/powerpoint/2010/main" val="1533180749"/>
       </p:ext>
     </p:extLst>
   </p:cSld>
@@ -1365,7 +1372,36 @@
           <a:bodyPr/>
           <a:lstStyle/>
           <a:p>
-            <a:endParaRPr lang="de-CH" dirty="0"/>
+            <a:pPr marL="0" marR="0" lvl="0" indent="0" algn="l" defTabSz="914400" rtl="0" eaLnBrk="1" fontAlgn="auto" latinLnBrk="0" hangingPunct="1">
+              <a:lnSpc>
+                <a:spcPct val="100000"/>
+              </a:lnSpc>
+              <a:spcBef>
+                <a:spcPts val="0"/>
+              </a:spcBef>
+              <a:spcAft>
+                <a:spcPts val="0"/>
+              </a:spcAft>
+              <a:buClrTx/>
+              <a:buSzTx/>
+              <a:buFontTx/>
+              <a:buNone/>
+              <a:tabLst/>
+              <a:defRPr/>
+            </a:pPr>
+            <a:r>
+              <a:rPr lang="en-US" dirty="0"/>
+              <a:t>netstat -</a:t>
+            </a:r>
+            <a:r>
+              <a:rPr lang="en-US" dirty="0" err="1"/>
+              <a:t>na</a:t>
+            </a:r>
+            <a:r>
+              <a:rPr lang="en-US"/>
+              <a:t> | find "5671"</a:t>
+            </a:r>
+            <a:endParaRPr lang="en-US" dirty="0"/>
           </a:p>
         </p:txBody>
       </p:sp>
@@ -1376,7 +1412,7 @@
             <a:spLocks noGrp="1"/>
           </p:cNvSpPr>
           <p:nvPr>
-            <p:ph type="sldNum" sz="quarter" idx="10"/>
+            <p:ph type="sldNum" sz="quarter" idx="5"/>
           </p:nvPr>
         </p:nvSpPr>
         <p:spPr/>
@@ -1395,7 +1431,7 @@
     </p:spTree>
     <p:extLst>
       <p:ext uri="{BB962C8B-B14F-4D97-AF65-F5344CB8AC3E}">
-        <p14:creationId xmlns:p14="http://schemas.microsoft.com/office/powerpoint/2010/main" val="3670487613"/>
+        <p14:creationId xmlns:p14="http://schemas.microsoft.com/office/powerpoint/2010/main" val="1892296655"/>
       </p:ext>
     </p:extLst>
   </p:cSld>
@@ -1449,6 +1485,10 @@
           <a:bodyPr/>
           <a:lstStyle/>
           <a:p>
+            <a:r>
+              <a:rPr lang="de-CH" dirty="0" err="1"/>
+              <a:t>Thanks</a:t>
+            </a:r>
             <a:endParaRPr lang="de-CH" dirty="0"/>
           </a:p>
         </p:txBody>
@@ -1479,7 +1519,7 @@
     </p:spTree>
     <p:extLst>
       <p:ext uri="{BB962C8B-B14F-4D97-AF65-F5344CB8AC3E}">
-        <p14:creationId xmlns:p14="http://schemas.microsoft.com/office/powerpoint/2010/main" val="978782014"/>
+        <p14:creationId xmlns:p14="http://schemas.microsoft.com/office/powerpoint/2010/main" val="1171336995"/>
       </p:ext>
     </p:extLst>
   </p:cSld>
@@ -1563,7 +1603,7 @@
     </p:spTree>
     <p:extLst>
       <p:ext uri="{BB962C8B-B14F-4D97-AF65-F5344CB8AC3E}">
-        <p14:creationId xmlns:p14="http://schemas.microsoft.com/office/powerpoint/2010/main" val="88145516"/>
+        <p14:creationId xmlns:p14="http://schemas.microsoft.com/office/powerpoint/2010/main" val="3670487613"/>
       </p:ext>
     </p:extLst>
   </p:cSld>
@@ -1617,14 +1657,6 @@
           <a:bodyPr/>
           <a:lstStyle/>
           <a:p>
-            <a:r>
-              <a:rPr lang="de-CH" dirty="0"/>
-              <a:t>Thank you very much</a:t>
-            </a:r>
-            <a:r>
-              <a:rPr lang="de-CH" baseline="0" dirty="0"/>
-              <a:t> for listening and see you next time</a:t>
-            </a:r>
             <a:endParaRPr lang="de-CH" dirty="0"/>
           </a:p>
         </p:txBody>
@@ -1655,7 +1687,91 @@
     </p:spTree>
     <p:extLst>
       <p:ext uri="{BB962C8B-B14F-4D97-AF65-F5344CB8AC3E}">
-        <p14:creationId xmlns:p14="http://schemas.microsoft.com/office/powerpoint/2010/main" val="3949593976"/>
+        <p14:creationId xmlns:p14="http://schemas.microsoft.com/office/powerpoint/2010/main" val="978782014"/>
+      </p:ext>
+    </p:extLst>
+  </p:cSld>
+  <p:clrMapOvr>
+    <a:masterClrMapping/>
+  </p:clrMapOvr>
+</p:notes>
+</file>
+
+<file path=ppt/notesSlides/notesSlide19.xml><?xml version="1.0" encoding="utf-8"?>
+<p:notes xmlns:a="http://schemas.openxmlformats.org/drawingml/2006/main" xmlns:r="http://schemas.openxmlformats.org/officeDocument/2006/relationships" xmlns:p="http://schemas.openxmlformats.org/presentationml/2006/main">
+  <p:cSld>
+    <p:spTree>
+      <p:nvGrpSpPr>
+        <p:cNvPr id="1" name=""/>
+        <p:cNvGrpSpPr/>
+        <p:nvPr/>
+      </p:nvGrpSpPr>
+      <p:grpSpPr>
+        <a:xfrm>
+          <a:off x="0" y="0"/>
+          <a:ext cx="0" cy="0"/>
+          <a:chOff x="0" y="0"/>
+          <a:chExt cx="0" cy="0"/>
+        </a:xfrm>
+      </p:grpSpPr>
+      <p:sp>
+        <p:nvSpPr>
+          <p:cNvPr id="2" name="Slide Image Placeholder 1"/>
+          <p:cNvSpPr>
+            <a:spLocks noGrp="1" noRot="1" noChangeAspect="1"/>
+          </p:cNvSpPr>
+          <p:nvPr>
+            <p:ph type="sldImg"/>
+          </p:nvPr>
+        </p:nvSpPr>
+        <p:spPr/>
+      </p:sp>
+      <p:sp>
+        <p:nvSpPr>
+          <p:cNvPr id="3" name="Notes Placeholder 2"/>
+          <p:cNvSpPr>
+            <a:spLocks noGrp="1"/>
+          </p:cNvSpPr>
+          <p:nvPr>
+            <p:ph type="body" idx="1"/>
+          </p:nvPr>
+        </p:nvSpPr>
+        <p:spPr/>
+        <p:txBody>
+          <a:bodyPr/>
+          <a:lstStyle/>
+          <a:p>
+            <a:endParaRPr lang="de-CH" dirty="0"/>
+          </a:p>
+        </p:txBody>
+      </p:sp>
+      <p:sp>
+        <p:nvSpPr>
+          <p:cNvPr id="4" name="Slide Number Placeholder 3"/>
+          <p:cNvSpPr>
+            <a:spLocks noGrp="1"/>
+          </p:cNvSpPr>
+          <p:nvPr>
+            <p:ph type="sldNum" sz="quarter" idx="10"/>
+          </p:nvPr>
+        </p:nvSpPr>
+        <p:spPr/>
+        <p:txBody>
+          <a:bodyPr/>
+          <a:lstStyle/>
+          <a:p>
+            <a:fld id="{9BCA07FD-5BD5-4529-84B0-48DD2C561176}" type="slidenum">
+              <a:rPr lang="de-CH" smtClean="0"/>
+              <a:t>19</a:t>
+            </a:fld>
+            <a:endParaRPr lang="de-CH"/>
+          </a:p>
+        </p:txBody>
+      </p:sp>
+    </p:spTree>
+    <p:extLst>
+      <p:ext uri="{BB962C8B-B14F-4D97-AF65-F5344CB8AC3E}">
+        <p14:creationId xmlns:p14="http://schemas.microsoft.com/office/powerpoint/2010/main" val="88145516"/>
       </p:ext>
     </p:extLst>
   </p:cSld>
@@ -2263,6 +2379,98 @@
     <p:extLst>
       <p:ext uri="{BB962C8B-B14F-4D97-AF65-F5344CB8AC3E}">
         <p14:creationId xmlns:p14="http://schemas.microsoft.com/office/powerpoint/2010/main" val="722291703"/>
+      </p:ext>
+    </p:extLst>
+  </p:cSld>
+  <p:clrMapOvr>
+    <a:masterClrMapping/>
+  </p:clrMapOvr>
+</p:notes>
+</file>
+
+<file path=ppt/notesSlides/notesSlide20.xml><?xml version="1.0" encoding="utf-8"?>
+<p:notes xmlns:a="http://schemas.openxmlformats.org/drawingml/2006/main" xmlns:r="http://schemas.openxmlformats.org/officeDocument/2006/relationships" xmlns:p="http://schemas.openxmlformats.org/presentationml/2006/main">
+  <p:cSld>
+    <p:spTree>
+      <p:nvGrpSpPr>
+        <p:cNvPr id="1" name=""/>
+        <p:cNvGrpSpPr/>
+        <p:nvPr/>
+      </p:nvGrpSpPr>
+      <p:grpSpPr>
+        <a:xfrm>
+          <a:off x="0" y="0"/>
+          <a:ext cx="0" cy="0"/>
+          <a:chOff x="0" y="0"/>
+          <a:chExt cx="0" cy="0"/>
+        </a:xfrm>
+      </p:grpSpPr>
+      <p:sp>
+        <p:nvSpPr>
+          <p:cNvPr id="2" name="Slide Image Placeholder 1"/>
+          <p:cNvSpPr>
+            <a:spLocks noGrp="1" noRot="1" noChangeAspect="1"/>
+          </p:cNvSpPr>
+          <p:nvPr>
+            <p:ph type="sldImg"/>
+          </p:nvPr>
+        </p:nvSpPr>
+        <p:spPr/>
+      </p:sp>
+      <p:sp>
+        <p:nvSpPr>
+          <p:cNvPr id="3" name="Notes Placeholder 2"/>
+          <p:cNvSpPr>
+            <a:spLocks noGrp="1"/>
+          </p:cNvSpPr>
+          <p:nvPr>
+            <p:ph type="body" idx="1"/>
+          </p:nvPr>
+        </p:nvSpPr>
+        <p:spPr/>
+        <p:txBody>
+          <a:bodyPr/>
+          <a:lstStyle/>
+          <a:p>
+            <a:r>
+              <a:rPr lang="de-CH" dirty="0"/>
+              <a:t>Thank you very much</a:t>
+            </a:r>
+            <a:r>
+              <a:rPr lang="de-CH" baseline="0" dirty="0"/>
+              <a:t> for listening and see you next time</a:t>
+            </a:r>
+            <a:endParaRPr lang="de-CH" dirty="0"/>
+          </a:p>
+        </p:txBody>
+      </p:sp>
+      <p:sp>
+        <p:nvSpPr>
+          <p:cNvPr id="4" name="Slide Number Placeholder 3"/>
+          <p:cNvSpPr>
+            <a:spLocks noGrp="1"/>
+          </p:cNvSpPr>
+          <p:nvPr>
+            <p:ph type="sldNum" sz="quarter" idx="10"/>
+          </p:nvPr>
+        </p:nvSpPr>
+        <p:spPr/>
+        <p:txBody>
+          <a:bodyPr/>
+          <a:lstStyle/>
+          <a:p>
+            <a:fld id="{9BCA07FD-5BD5-4529-84B0-48DD2C561176}" type="slidenum">
+              <a:rPr lang="de-CH" smtClean="0"/>
+              <a:t>20</a:t>
+            </a:fld>
+            <a:endParaRPr lang="de-CH"/>
+          </a:p>
+        </p:txBody>
+      </p:sp>
+    </p:spTree>
+    <p:extLst>
+      <p:ext uri="{BB962C8B-B14F-4D97-AF65-F5344CB8AC3E}">
+        <p14:creationId xmlns:p14="http://schemas.microsoft.com/office/powerpoint/2010/main" val="3949593976"/>
       </p:ext>
     </p:extLst>
   </p:cSld>
@@ -6467,6 +6675,221 @@
           <a:chExt cx="0" cy="0"/>
         </a:xfrm>
       </p:grpSpPr>
+      <p:pic>
+        <p:nvPicPr>
+          <p:cNvPr id="17410" name="Picture 2" descr="Related image">
+            <a:extLst>
+              <a:ext uri="{FF2B5EF4-FFF2-40B4-BE49-F238E27FC236}">
+                <a16:creationId xmlns:a16="http://schemas.microsoft.com/office/drawing/2014/main" id="{DCBBC7E2-9904-4887-ACC6-0C8B1A40D519}"/>
+              </a:ext>
+            </a:extLst>
+          </p:cNvPr>
+          <p:cNvPicPr>
+            <a:picLocks noChangeAspect="1" noChangeArrowheads="1"/>
+          </p:cNvPicPr>
+          <p:nvPr/>
+        </p:nvPicPr>
+        <p:blipFill>
+          <a:blip r:embed="rId3">
+            <a:extLst>
+              <a:ext uri="{28A0092B-C50C-407E-A947-70E740481C1C}">
+                <a14:useLocalDpi xmlns:a14="http://schemas.microsoft.com/office/drawing/2010/main" val="0"/>
+              </a:ext>
+            </a:extLst>
+          </a:blip>
+          <a:srcRect/>
+          <a:stretch>
+            <a:fillRect/>
+          </a:stretch>
+        </p:blipFill>
+        <p:spPr bwMode="auto">
+          <a:xfrm>
+            <a:off x="2137081" y="1959845"/>
+            <a:ext cx="7917839" cy="2938311"/>
+          </a:xfrm>
+          <a:prstGeom prst="rect">
+            <a:avLst/>
+          </a:prstGeom>
+          <a:solidFill>
+            <a:schemeClr val="bg1"/>
+          </a:solidFill>
+        </p:spPr>
+      </p:pic>
+    </p:spTree>
+    <p:extLst>
+      <p:ext uri="{BB962C8B-B14F-4D97-AF65-F5344CB8AC3E}">
+        <p14:creationId xmlns:p14="http://schemas.microsoft.com/office/powerpoint/2010/main" val="2416820899"/>
+      </p:ext>
+    </p:extLst>
+  </p:cSld>
+  <p:clrMapOvr>
+    <a:masterClrMapping/>
+  </p:clrMapOvr>
+  <p:timing>
+    <p:tnLst>
+      <p:par>
+        <p:cTn id="1" dur="indefinite" restart="never" nodeType="tmRoot">
+          <p:childTnLst>
+            <p:seq concurrent="1" nextAc="seek">
+              <p:cTn id="2" dur="indefinite" nodeType="mainSeq">
+                <p:childTnLst>
+                  <p:par>
+                    <p:cTn id="3" fill="hold">
+                      <p:stCondLst>
+                        <p:cond delay="indefinite"/>
+                      </p:stCondLst>
+                      <p:childTnLst>
+                        <p:par>
+                          <p:cTn id="4" fill="hold">
+                            <p:stCondLst>
+                              <p:cond delay="0"/>
+                            </p:stCondLst>
+                            <p:childTnLst>
+                              <p:par>
+                                <p:cTn id="5" presetID="1" presetClass="entr" presetSubtype="0" fill="hold" nodeType="clickEffect">
+                                  <p:stCondLst>
+                                    <p:cond delay="0"/>
+                                  </p:stCondLst>
+                                  <p:childTnLst>
+                                    <p:set>
+                                      <p:cBhvr>
+                                        <p:cTn id="6" dur="1" fill="hold">
+                                          <p:stCondLst>
+                                            <p:cond delay="0"/>
+                                          </p:stCondLst>
+                                        </p:cTn>
+                                        <p:tgtEl>
+                                          <p:spTgt spid="17410"/>
+                                        </p:tgtEl>
+                                        <p:attrNameLst>
+                                          <p:attrName>style.visibility</p:attrName>
+                                        </p:attrNameLst>
+                                      </p:cBhvr>
+                                      <p:to>
+                                        <p:strVal val="visible"/>
+                                      </p:to>
+                                    </p:set>
+                                  </p:childTnLst>
+                                </p:cTn>
+                              </p:par>
+                            </p:childTnLst>
+                          </p:cTn>
+                        </p:par>
+                      </p:childTnLst>
+                    </p:cTn>
+                  </p:par>
+                </p:childTnLst>
+              </p:cTn>
+              <p:prevCondLst>
+                <p:cond evt="onPrev" delay="0">
+                  <p:tgtEl>
+                    <p:sldTgt/>
+                  </p:tgtEl>
+                </p:cond>
+              </p:prevCondLst>
+              <p:nextCondLst>
+                <p:cond evt="onNext" delay="0">
+                  <p:tgtEl>
+                    <p:sldTgt/>
+                  </p:tgtEl>
+                </p:cond>
+              </p:nextCondLst>
+            </p:seq>
+          </p:childTnLst>
+        </p:cTn>
+      </p:par>
+    </p:tnLst>
+  </p:timing>
+</p:sld>
+</file>
+
+<file path=ppt/slides/slide15.xml><?xml version="1.0" encoding="utf-8"?>
+<p:sld xmlns:a="http://schemas.openxmlformats.org/drawingml/2006/main" xmlns:r="http://schemas.openxmlformats.org/officeDocument/2006/relationships" xmlns:p="http://schemas.openxmlformats.org/presentationml/2006/main">
+  <p:cSld>
+    <p:spTree>
+      <p:nvGrpSpPr>
+        <p:cNvPr id="1" name=""/>
+        <p:cNvGrpSpPr/>
+        <p:nvPr/>
+      </p:nvGrpSpPr>
+      <p:grpSpPr>
+        <a:xfrm>
+          <a:off x="0" y="0"/>
+          <a:ext cx="0" cy="0"/>
+          <a:chOff x="0" y="0"/>
+          <a:chExt cx="0" cy="0"/>
+        </a:xfrm>
+      </p:grpSpPr>
+      <p:sp>
+        <p:nvSpPr>
+          <p:cNvPr id="2" name="Rectangle 1">
+            <a:extLst>
+              <a:ext uri="{FF2B5EF4-FFF2-40B4-BE49-F238E27FC236}">
+                <a16:creationId xmlns:a16="http://schemas.microsoft.com/office/drawing/2014/main" id="{45492B21-1F47-4942-92F0-0B7ACD27004B}"/>
+              </a:ext>
+            </a:extLst>
+          </p:cNvPr>
+          <p:cNvSpPr/>
+          <p:nvPr/>
+        </p:nvSpPr>
+        <p:spPr>
+          <a:xfrm>
+            <a:off x="1274809" y="1851645"/>
+            <a:ext cx="9642383" cy="3154710"/>
+          </a:xfrm>
+          <a:prstGeom prst="rect">
+            <a:avLst/>
+          </a:prstGeom>
+        </p:spPr>
+        <p:txBody>
+          <a:bodyPr wrap="none">
+            <a:spAutoFit/>
+          </a:bodyPr>
+          <a:lstStyle/>
+          <a:p>
+            <a:r>
+              <a:rPr lang="en-US" sz="19900" dirty="0">
+                <a:solidFill>
+                  <a:schemeClr val="accent2"/>
+                </a:solidFill>
+                <a:latin typeface="Yanone Kaffeesatz Regular" panose="02000000000000000000" pitchFamily="2" charset="0"/>
+              </a:rPr>
+              <a:t>Connections</a:t>
+            </a:r>
+            <a:endParaRPr lang="de-CH" sz="2000" dirty="0"/>
+          </a:p>
+        </p:txBody>
+      </p:sp>
+    </p:spTree>
+    <p:extLst>
+      <p:ext uri="{BB962C8B-B14F-4D97-AF65-F5344CB8AC3E}">
+        <p14:creationId xmlns:p14="http://schemas.microsoft.com/office/powerpoint/2010/main" val="4182938605"/>
+      </p:ext>
+    </p:extLst>
+  </p:cSld>
+  <p:clrMapOvr>
+    <a:masterClrMapping/>
+  </p:clrMapOvr>
+</p:sld>
+</file>
+
+<file path=ppt/slides/slide16.xml><?xml version="1.0" encoding="utf-8"?>
+<p:sld xmlns:a="http://schemas.openxmlformats.org/drawingml/2006/main" xmlns:r="http://schemas.openxmlformats.org/officeDocument/2006/relationships" xmlns:p="http://schemas.openxmlformats.org/presentationml/2006/main">
+  <p:cSld>
+    <p:spTree>
+      <p:nvGrpSpPr>
+        <p:cNvPr id="1" name=""/>
+        <p:cNvGrpSpPr/>
+        <p:nvPr/>
+      </p:nvGrpSpPr>
+      <p:grpSpPr>
+        <a:xfrm>
+          <a:off x="0" y="0"/>
+          <a:ext cx="0" cy="0"/>
+          <a:chOff x="0" y="0"/>
+          <a:chExt cx="0" cy="0"/>
+        </a:xfrm>
+      </p:grpSpPr>
       <p:sp>
         <p:nvSpPr>
           <p:cNvPr id="2" name="Rectangle 1"/>
@@ -6544,7 +6967,7 @@
 </p:sld>
 </file>
 
-<file path=ppt/slides/slide15.xml><?xml version="1.0" encoding="utf-8"?>
+<file path=ppt/slides/slide17.xml><?xml version="1.0" encoding="utf-8"?>
 <p:sld xmlns:a="http://schemas.openxmlformats.org/drawingml/2006/main" xmlns:r="http://schemas.openxmlformats.org/officeDocument/2006/relationships" xmlns:p="http://schemas.openxmlformats.org/presentationml/2006/main">
   <p:cSld>
     <p:spTree>
@@ -6674,7 +7097,7 @@
 </p:sld>
 </file>
 
-<file path=ppt/slides/slide16.xml><?xml version="1.0" encoding="utf-8"?>
+<file path=ppt/slides/slide18.xml><?xml version="1.0" encoding="utf-8"?>
 <p:sld xmlns:a="http://schemas.openxmlformats.org/drawingml/2006/main" xmlns:r="http://schemas.openxmlformats.org/officeDocument/2006/relationships" xmlns:p="http://schemas.openxmlformats.org/presentationml/2006/main">
   <p:cSld>
     <p:spTree>
@@ -6768,7 +7191,7 @@
 </p:sld>
 </file>
 
-<file path=ppt/slides/slide17.xml><?xml version="1.0" encoding="utf-8"?>
+<file path=ppt/slides/slide19.xml><?xml version="1.0" encoding="utf-8"?>
 <p:sld xmlns:a="http://schemas.openxmlformats.org/drawingml/2006/main" xmlns:r="http://schemas.openxmlformats.org/officeDocument/2006/relationships" xmlns:p="http://schemas.openxmlformats.org/presentationml/2006/main">
   <p:cSld>
     <p:spTree>
@@ -6934,100 +7357,6 @@
     <p:extLst>
       <p:ext uri="{BB962C8B-B14F-4D97-AF65-F5344CB8AC3E}">
         <p14:creationId xmlns:p14="http://schemas.microsoft.com/office/powerpoint/2010/main" val="3601279917"/>
-      </p:ext>
-    </p:extLst>
-  </p:cSld>
-  <p:clrMapOvr>
-    <a:masterClrMapping/>
-  </p:clrMapOvr>
-</p:sld>
-</file>
-
-<file path=ppt/slides/slide18.xml><?xml version="1.0" encoding="utf-8"?>
-<p:sld xmlns:a="http://schemas.openxmlformats.org/drawingml/2006/main" xmlns:r="http://schemas.openxmlformats.org/officeDocument/2006/relationships" xmlns:p="http://schemas.openxmlformats.org/presentationml/2006/main">
-  <p:cSld>
-    <p:spTree>
-      <p:nvGrpSpPr>
-        <p:cNvPr id="1" name=""/>
-        <p:cNvGrpSpPr/>
-        <p:nvPr/>
-      </p:nvGrpSpPr>
-      <p:grpSpPr>
-        <a:xfrm>
-          <a:off x="0" y="0"/>
-          <a:ext cx="0" cy="0"/>
-          <a:chOff x="0" y="0"/>
-          <a:chExt cx="0" cy="0"/>
-        </a:xfrm>
-      </p:grpSpPr>
-      <p:sp>
-        <p:nvSpPr>
-          <p:cNvPr id="2" name="Rectangle 1"/>
-          <p:cNvSpPr/>
-          <p:nvPr/>
-        </p:nvSpPr>
-        <p:spPr>
-          <a:xfrm>
-            <a:off x="3176771" y="1851645"/>
-            <a:ext cx="5838458" cy="3154710"/>
-          </a:xfrm>
-          <a:prstGeom prst="rect">
-            <a:avLst/>
-          </a:prstGeom>
-        </p:spPr>
-        <p:txBody>
-          <a:bodyPr wrap="none">
-            <a:spAutoFit/>
-          </a:bodyPr>
-          <a:lstStyle/>
-          <a:p>
-            <a:r>
-              <a:rPr lang="en-US" sz="19900" dirty="0">
-                <a:solidFill>
-                  <a:schemeClr val="accent2"/>
-                </a:solidFill>
-                <a:latin typeface="Yanone Kaffeesatz Regular" panose="02000000000000000000" pitchFamily="2" charset="0"/>
-              </a:rPr>
-              <a:t>Thanks</a:t>
-            </a:r>
-            <a:endParaRPr lang="de-CH" sz="2000" dirty="0"/>
-          </a:p>
-        </p:txBody>
-      </p:sp>
-      <p:pic>
-        <p:nvPicPr>
-          <p:cNvPr id="3" name="Picture 2"/>
-          <p:cNvPicPr>
-            <a:picLocks noChangeAspect="1"/>
-          </p:cNvPicPr>
-          <p:nvPr/>
-        </p:nvPicPr>
-        <p:blipFill>
-          <a:blip r:embed="rId3" cstate="print">
-            <a:extLst>
-              <a:ext uri="{28A0092B-C50C-407E-A947-70E740481C1C}">
-                <a14:useLocalDpi xmlns:a14="http://schemas.microsoft.com/office/drawing/2010/main" val="0"/>
-              </a:ext>
-            </a:extLst>
-          </a:blip>
-          <a:stretch>
-            <a:fillRect/>
-          </a:stretch>
-        </p:blipFill>
-        <p:spPr>
-          <a:xfrm>
-            <a:off x="8052306" y="612519"/>
-            <a:ext cx="2880000" cy="690817"/>
-          </a:xfrm>
-          <a:prstGeom prst="rect">
-            <a:avLst/>
-          </a:prstGeom>
-        </p:spPr>
-      </p:pic>
-    </p:spTree>
-    <p:extLst>
-      <p:ext uri="{BB962C8B-B14F-4D97-AF65-F5344CB8AC3E}">
-        <p14:creationId xmlns:p14="http://schemas.microsoft.com/office/powerpoint/2010/main" val="3887468163"/>
       </p:ext>
     </p:extLst>
   </p:cSld>
@@ -8461,6 +8790,100 @@
 </p:sld>
 </file>
 
+<file path=ppt/slides/slide20.xml><?xml version="1.0" encoding="utf-8"?>
+<p:sld xmlns:a="http://schemas.openxmlformats.org/drawingml/2006/main" xmlns:r="http://schemas.openxmlformats.org/officeDocument/2006/relationships" xmlns:p="http://schemas.openxmlformats.org/presentationml/2006/main">
+  <p:cSld>
+    <p:spTree>
+      <p:nvGrpSpPr>
+        <p:cNvPr id="1" name=""/>
+        <p:cNvGrpSpPr/>
+        <p:nvPr/>
+      </p:nvGrpSpPr>
+      <p:grpSpPr>
+        <a:xfrm>
+          <a:off x="0" y="0"/>
+          <a:ext cx="0" cy="0"/>
+          <a:chOff x="0" y="0"/>
+          <a:chExt cx="0" cy="0"/>
+        </a:xfrm>
+      </p:grpSpPr>
+      <p:sp>
+        <p:nvSpPr>
+          <p:cNvPr id="2" name="Rectangle 1"/>
+          <p:cNvSpPr/>
+          <p:nvPr/>
+        </p:nvSpPr>
+        <p:spPr>
+          <a:xfrm>
+            <a:off x="3176771" y="1851645"/>
+            <a:ext cx="5838458" cy="3154710"/>
+          </a:xfrm>
+          <a:prstGeom prst="rect">
+            <a:avLst/>
+          </a:prstGeom>
+        </p:spPr>
+        <p:txBody>
+          <a:bodyPr wrap="none">
+            <a:spAutoFit/>
+          </a:bodyPr>
+          <a:lstStyle/>
+          <a:p>
+            <a:r>
+              <a:rPr lang="en-US" sz="19900" dirty="0">
+                <a:solidFill>
+                  <a:schemeClr val="accent2"/>
+                </a:solidFill>
+                <a:latin typeface="Yanone Kaffeesatz Regular" panose="02000000000000000000" pitchFamily="2" charset="0"/>
+              </a:rPr>
+              <a:t>Thanks</a:t>
+            </a:r>
+            <a:endParaRPr lang="de-CH" sz="2000" dirty="0"/>
+          </a:p>
+        </p:txBody>
+      </p:sp>
+      <p:pic>
+        <p:nvPicPr>
+          <p:cNvPr id="3" name="Picture 2"/>
+          <p:cNvPicPr>
+            <a:picLocks noChangeAspect="1"/>
+          </p:cNvPicPr>
+          <p:nvPr/>
+        </p:nvPicPr>
+        <p:blipFill>
+          <a:blip r:embed="rId3" cstate="print">
+            <a:extLst>
+              <a:ext uri="{28A0092B-C50C-407E-A947-70E740481C1C}">
+                <a14:useLocalDpi xmlns:a14="http://schemas.microsoft.com/office/drawing/2010/main" val="0"/>
+              </a:ext>
+            </a:extLst>
+          </a:blip>
+          <a:stretch>
+            <a:fillRect/>
+          </a:stretch>
+        </p:blipFill>
+        <p:spPr>
+          <a:xfrm>
+            <a:off x="8052306" y="612519"/>
+            <a:ext cx="2880000" cy="690817"/>
+          </a:xfrm>
+          <a:prstGeom prst="rect">
+            <a:avLst/>
+          </a:prstGeom>
+        </p:spPr>
+      </p:pic>
+    </p:spTree>
+    <p:extLst>
+      <p:ext uri="{BB962C8B-B14F-4D97-AF65-F5344CB8AC3E}">
+        <p14:creationId xmlns:p14="http://schemas.microsoft.com/office/powerpoint/2010/main" val="3887468163"/>
+      </p:ext>
+    </p:extLst>
+  </p:cSld>
+  <p:clrMapOvr>
+    <a:masterClrMapping/>
+  </p:clrMapOvr>
+</p:sld>
+</file>
+
 <file path=ppt/slides/slide3.xml><?xml version="1.0" encoding="utf-8"?>
 <p:sld xmlns:a="http://schemas.openxmlformats.org/drawingml/2006/main" xmlns:r="http://schemas.openxmlformats.org/officeDocument/2006/relationships" xmlns:p="http://schemas.openxmlformats.org/presentationml/2006/main">
   <p:cSld>

--- a/presentation.pptx
+++ b/presentation.pptx
@@ -5,7 +5,7 @@
     <p:sldMasterId id="2147483684" r:id="rId1"/>
   </p:sldMasterIdLst>
   <p:notesMasterIdLst>
-    <p:notesMasterId r:id="rId22"/>
+    <p:notesMasterId r:id="rId23"/>
   </p:notesMasterIdLst>
   <p:sldIdLst>
     <p:sldId id="278" r:id="rId2"/>
@@ -23,11 +23,12 @@
     <p:sldId id="497" r:id="rId14"/>
     <p:sldId id="498" r:id="rId15"/>
     <p:sldId id="499" r:id="rId16"/>
-    <p:sldId id="489" r:id="rId17"/>
-    <p:sldId id="267" r:id="rId18"/>
-    <p:sldId id="275" r:id="rId19"/>
-    <p:sldId id="268" r:id="rId20"/>
-    <p:sldId id="279" r:id="rId21"/>
+    <p:sldId id="500" r:id="rId17"/>
+    <p:sldId id="489" r:id="rId18"/>
+    <p:sldId id="267" r:id="rId19"/>
+    <p:sldId id="275" r:id="rId20"/>
+    <p:sldId id="268" r:id="rId21"/>
+    <p:sldId id="279" r:id="rId22"/>
   </p:sldIdLst>
   <p:sldSz cx="12192000" cy="6858000"/>
   <p:notesSz cx="6858000" cy="9144000"/>
@@ -146,6 +147,7 @@
             <p14:sldId id="497"/>
             <p14:sldId id="498"/>
             <p14:sldId id="499"/>
+            <p14:sldId id="500"/>
           </p14:sldIdLst>
         </p14:section>
         <p14:section name="Wrap up" id="{BCD9F38D-60DF-4459-9684-4C9C9939E42E}">
@@ -254,7 +256,7 @@
           <a:p>
             <a:fld id="{D987070D-87AF-4443-8990-425EA27CC244}" type="datetimeFigureOut">
               <a:rPr lang="de-CH" smtClean="0"/>
-              <a:t>03.06.2019</a:t>
+              <a:t>04.06.2019</a:t>
             </a:fld>
             <a:endParaRPr lang="de-CH"/>
           </a:p>
@@ -413,7 +415,7 @@
           <a:p>
             <a:fld id="{9BCA07FD-5BD5-4529-84B0-48DD2C561176}" type="slidenum">
               <a:rPr lang="de-CH" smtClean="0"/>
-              <a:t>‹#›</a:t>
+              <a:t>‹Nr.›</a:t>
             </a:fld>
             <a:endParaRPr lang="de-CH"/>
           </a:p>
@@ -1042,8 +1044,46 @@
             </a:r>
             <a:r>
               <a:rPr lang="en-CA" dirty="0"/>
-              <a:t> (defaults to 5mins)</a:t>
-            </a:r>
+              <a:t> (defaults to 5mins) </a:t>
+            </a:r>
+          </a:p>
+          <a:p>
+            <a:pPr marL="171450" indent="-171450">
+              <a:buFontTx/>
+              <a:buChar char="-"/>
+            </a:pPr>
+            <a:endParaRPr lang="en-CA" dirty="0"/>
+          </a:p>
+          <a:p>
+            <a:pPr marL="0" indent="0">
+              <a:buFontTx/>
+              <a:buNone/>
+            </a:pPr>
+            <a:r>
+              <a:rPr lang="en-CA" dirty="0"/>
+              <a:t>Talk about </a:t>
+            </a:r>
+            <a:r>
+              <a:rPr lang="en-CA" dirty="0" err="1"/>
+              <a:t>PeekLock</a:t>
+            </a:r>
+            <a:r>
+              <a:rPr lang="en-CA" dirty="0"/>
+              <a:t> and </a:t>
+            </a:r>
+            <a:r>
+              <a:rPr lang="de-CH" sz="1200" b="0" i="0" kern="1200" dirty="0" err="1">
+                <a:solidFill>
+                  <a:schemeClr val="tx1"/>
+                </a:solidFill>
+                <a:effectLst/>
+                <a:latin typeface="+mn-lt"/>
+                <a:ea typeface="+mn-ea"/>
+                <a:cs typeface="+mn-cs"/>
+              </a:rPr>
+              <a:t>ReceiveAndDelete</a:t>
+            </a:r>
+            <a:endParaRPr lang="en-CA" dirty="0"/>
           </a:p>
           <a:p>
             <a:pPr marL="171450" indent="-171450">
@@ -1398,10 +1438,32 @@
               <a:t>na</a:t>
             </a:r>
             <a:r>
-              <a:rPr lang="en-US"/>
-              <a:t> | find "5671"</a:t>
-            </a:r>
-            <a:endParaRPr lang="en-US" dirty="0"/>
+              <a:rPr lang="en-US" dirty="0"/>
+              <a:t> | find "5671“</a:t>
+            </a:r>
+          </a:p>
+          <a:p>
+            <a:pPr marL="0" marR="0" lvl="0" indent="0" algn="l" defTabSz="914400" rtl="0" eaLnBrk="1" fontAlgn="auto" latinLnBrk="0" hangingPunct="1">
+              <a:lnSpc>
+                <a:spcPct val="100000"/>
+              </a:lnSpc>
+              <a:spcBef>
+                <a:spcPts val="0"/>
+              </a:spcBef>
+              <a:spcAft>
+                <a:spcPts val="0"/>
+              </a:spcAft>
+              <a:buClrTx/>
+              <a:buSzTx/>
+              <a:buFontTx/>
+              <a:buNone/>
+              <a:tabLst/>
+              <a:defRPr/>
+            </a:pPr>
+            <a:r>
+              <a:rPr lang="en-US" dirty="0"/>
+              <a:t>Demo</a:t>
+            </a:r>
           </a:p>
         </p:txBody>
       </p:sp>
@@ -1485,11 +1547,28 @@
           <a:bodyPr/>
           <a:lstStyle/>
           <a:p>
-            <a:r>
-              <a:rPr lang="de-CH" dirty="0" err="1"/>
-              <a:t>Thanks</a:t>
-            </a:r>
-            <a:endParaRPr lang="de-CH" dirty="0"/>
+            <a:pPr marL="0" marR="0" lvl="0" indent="0" algn="l" defTabSz="914400" rtl="0" eaLnBrk="1" fontAlgn="auto" latinLnBrk="0" hangingPunct="1">
+              <a:lnSpc>
+                <a:spcPct val="100000"/>
+              </a:lnSpc>
+              <a:spcBef>
+                <a:spcPts val="0"/>
+              </a:spcBef>
+              <a:spcAft>
+                <a:spcPts val="0"/>
+              </a:spcAft>
+              <a:buClrTx/>
+              <a:buSzTx/>
+              <a:buFontTx/>
+              <a:buNone/>
+              <a:tabLst/>
+              <a:defRPr/>
+            </a:pPr>
+            <a:r>
+              <a:rPr lang="en-US"/>
+              <a:t>Demo</a:t>
+            </a:r>
+            <a:endParaRPr lang="en-US" dirty="0"/>
           </a:p>
         </p:txBody>
       </p:sp>
@@ -1500,7 +1579,7 @@
             <a:spLocks noGrp="1"/>
           </p:cNvSpPr>
           <p:nvPr>
-            <p:ph type="sldNum" sz="quarter" idx="10"/>
+            <p:ph type="sldNum" sz="quarter" idx="5"/>
           </p:nvPr>
         </p:nvSpPr>
         <p:spPr/>
@@ -1519,7 +1598,7 @@
     </p:spTree>
     <p:extLst>
       <p:ext uri="{BB962C8B-B14F-4D97-AF65-F5344CB8AC3E}">
-        <p14:creationId xmlns:p14="http://schemas.microsoft.com/office/powerpoint/2010/main" val="1171336995"/>
+        <p14:creationId xmlns:p14="http://schemas.microsoft.com/office/powerpoint/2010/main" val="667473150"/>
       </p:ext>
     </p:extLst>
   </p:cSld>
@@ -1573,6 +1652,10 @@
           <a:bodyPr/>
           <a:lstStyle/>
           <a:p>
+            <a:r>
+              <a:rPr lang="de-CH" dirty="0" err="1"/>
+              <a:t>Thanks</a:t>
+            </a:r>
             <a:endParaRPr lang="de-CH" dirty="0"/>
           </a:p>
         </p:txBody>
@@ -1603,7 +1686,7 @@
     </p:spTree>
     <p:extLst>
       <p:ext uri="{BB962C8B-B14F-4D97-AF65-F5344CB8AC3E}">
-        <p14:creationId xmlns:p14="http://schemas.microsoft.com/office/powerpoint/2010/main" val="3670487613"/>
+        <p14:creationId xmlns:p14="http://schemas.microsoft.com/office/powerpoint/2010/main" val="1171336995"/>
       </p:ext>
     </p:extLst>
   </p:cSld>
@@ -1687,7 +1770,7 @@
     </p:spTree>
     <p:extLst>
       <p:ext uri="{BB962C8B-B14F-4D97-AF65-F5344CB8AC3E}">
-        <p14:creationId xmlns:p14="http://schemas.microsoft.com/office/powerpoint/2010/main" val="978782014"/>
+        <p14:creationId xmlns:p14="http://schemas.microsoft.com/office/powerpoint/2010/main" val="3670487613"/>
       </p:ext>
     </p:extLst>
   </p:cSld>
@@ -1771,7 +1854,7 @@
     </p:spTree>
     <p:extLst>
       <p:ext uri="{BB962C8B-B14F-4D97-AF65-F5344CB8AC3E}">
-        <p14:creationId xmlns:p14="http://schemas.microsoft.com/office/powerpoint/2010/main" val="88145516"/>
+        <p14:creationId xmlns:p14="http://schemas.microsoft.com/office/powerpoint/2010/main" val="978782014"/>
       </p:ext>
     </p:extLst>
   </p:cSld>
@@ -2432,14 +2515,6 @@
           <a:bodyPr/>
           <a:lstStyle/>
           <a:p>
-            <a:r>
-              <a:rPr lang="de-CH" dirty="0"/>
-              <a:t>Thank you very much</a:t>
-            </a:r>
-            <a:r>
-              <a:rPr lang="de-CH" baseline="0" dirty="0"/>
-              <a:t> for listening and see you next time</a:t>
-            </a:r>
             <a:endParaRPr lang="de-CH" dirty="0"/>
           </a:p>
         </p:txBody>
@@ -2462,6 +2537,98 @@
             <a:fld id="{9BCA07FD-5BD5-4529-84B0-48DD2C561176}" type="slidenum">
               <a:rPr lang="de-CH" smtClean="0"/>
               <a:t>20</a:t>
+            </a:fld>
+            <a:endParaRPr lang="de-CH"/>
+          </a:p>
+        </p:txBody>
+      </p:sp>
+    </p:spTree>
+    <p:extLst>
+      <p:ext uri="{BB962C8B-B14F-4D97-AF65-F5344CB8AC3E}">
+        <p14:creationId xmlns:p14="http://schemas.microsoft.com/office/powerpoint/2010/main" val="88145516"/>
+      </p:ext>
+    </p:extLst>
+  </p:cSld>
+  <p:clrMapOvr>
+    <a:masterClrMapping/>
+  </p:clrMapOvr>
+</p:notes>
+</file>
+
+<file path=ppt/notesSlides/notesSlide21.xml><?xml version="1.0" encoding="utf-8"?>
+<p:notes xmlns:a="http://schemas.openxmlformats.org/drawingml/2006/main" xmlns:r="http://schemas.openxmlformats.org/officeDocument/2006/relationships" xmlns:p="http://schemas.openxmlformats.org/presentationml/2006/main">
+  <p:cSld>
+    <p:spTree>
+      <p:nvGrpSpPr>
+        <p:cNvPr id="1" name=""/>
+        <p:cNvGrpSpPr/>
+        <p:nvPr/>
+      </p:nvGrpSpPr>
+      <p:grpSpPr>
+        <a:xfrm>
+          <a:off x="0" y="0"/>
+          <a:ext cx="0" cy="0"/>
+          <a:chOff x="0" y="0"/>
+          <a:chExt cx="0" cy="0"/>
+        </a:xfrm>
+      </p:grpSpPr>
+      <p:sp>
+        <p:nvSpPr>
+          <p:cNvPr id="2" name="Slide Image Placeholder 1"/>
+          <p:cNvSpPr>
+            <a:spLocks noGrp="1" noRot="1" noChangeAspect="1"/>
+          </p:cNvSpPr>
+          <p:nvPr>
+            <p:ph type="sldImg"/>
+          </p:nvPr>
+        </p:nvSpPr>
+        <p:spPr/>
+      </p:sp>
+      <p:sp>
+        <p:nvSpPr>
+          <p:cNvPr id="3" name="Notes Placeholder 2"/>
+          <p:cNvSpPr>
+            <a:spLocks noGrp="1"/>
+          </p:cNvSpPr>
+          <p:nvPr>
+            <p:ph type="body" idx="1"/>
+          </p:nvPr>
+        </p:nvSpPr>
+        <p:spPr/>
+        <p:txBody>
+          <a:bodyPr/>
+          <a:lstStyle/>
+          <a:p>
+            <a:r>
+              <a:rPr lang="de-CH" dirty="0"/>
+              <a:t>Thank you very much</a:t>
+            </a:r>
+            <a:r>
+              <a:rPr lang="de-CH" baseline="0" dirty="0"/>
+              <a:t> for listening and see you next time</a:t>
+            </a:r>
+            <a:endParaRPr lang="de-CH" dirty="0"/>
+          </a:p>
+        </p:txBody>
+      </p:sp>
+      <p:sp>
+        <p:nvSpPr>
+          <p:cNvPr id="4" name="Slide Number Placeholder 3"/>
+          <p:cNvSpPr>
+            <a:spLocks noGrp="1"/>
+          </p:cNvSpPr>
+          <p:nvPr>
+            <p:ph type="sldNum" sz="quarter" idx="10"/>
+          </p:nvPr>
+        </p:nvSpPr>
+        <p:spPr/>
+        <p:txBody>
+          <a:bodyPr/>
+          <a:lstStyle/>
+          <a:p>
+            <a:fld id="{9BCA07FD-5BD5-4529-84B0-48DD2C561176}" type="slidenum">
+              <a:rPr lang="de-CH" smtClean="0"/>
+              <a:t>21</a:t>
             </a:fld>
             <a:endParaRPr lang="de-CH"/>
           </a:p>
@@ -3420,7 +3587,7 @@
           <a:p>
             <a:fld id="{A2EAEABE-1D59-4413-813E-803E21872067}" type="datetimeFigureOut">
               <a:rPr lang="de-CH" smtClean="0"/>
-              <a:t>03.06.2019</a:t>
+              <a:t>04.06.2019</a:t>
             </a:fld>
             <a:endParaRPr lang="de-CH"/>
           </a:p>
@@ -3462,7 +3629,7 @@
           <a:p>
             <a:fld id="{213CF880-6CB5-48AB-8FAF-28C50F70DB25}" type="slidenum">
               <a:rPr lang="de-CH" smtClean="0"/>
-              <a:t>‹#›</a:t>
+              <a:t>‹Nr.›</a:t>
             </a:fld>
             <a:endParaRPr lang="de-CH"/>
           </a:p>
@@ -3590,7 +3757,7 @@
           <a:p>
             <a:fld id="{A2EAEABE-1D59-4413-813E-803E21872067}" type="datetimeFigureOut">
               <a:rPr lang="de-CH" smtClean="0"/>
-              <a:t>03.06.2019</a:t>
+              <a:t>04.06.2019</a:t>
             </a:fld>
             <a:endParaRPr lang="de-CH"/>
           </a:p>
@@ -3632,7 +3799,7 @@
           <a:p>
             <a:fld id="{213CF880-6CB5-48AB-8FAF-28C50F70DB25}" type="slidenum">
               <a:rPr lang="de-CH" smtClean="0"/>
-              <a:t>‹#›</a:t>
+              <a:t>‹Nr.›</a:t>
             </a:fld>
             <a:endParaRPr lang="de-CH"/>
           </a:p>
@@ -3770,7 +3937,7 @@
           <a:p>
             <a:fld id="{A2EAEABE-1D59-4413-813E-803E21872067}" type="datetimeFigureOut">
               <a:rPr lang="de-CH" smtClean="0"/>
-              <a:t>03.06.2019</a:t>
+              <a:t>04.06.2019</a:t>
             </a:fld>
             <a:endParaRPr lang="de-CH"/>
           </a:p>
@@ -3812,7 +3979,7 @@
           <a:p>
             <a:fld id="{213CF880-6CB5-48AB-8FAF-28C50F70DB25}" type="slidenum">
               <a:rPr lang="de-CH" smtClean="0"/>
-              <a:t>‹#›</a:t>
+              <a:t>‹Nr.›</a:t>
             </a:fld>
             <a:endParaRPr lang="de-CH"/>
           </a:p>
@@ -3939,7 +4106,7 @@
           <a:p>
             <a:fld id="{A2EAEABE-1D59-4413-813E-803E21872067}" type="datetimeFigureOut">
               <a:rPr lang="de-CH" smtClean="0"/>
-              <a:t>03.06.2019</a:t>
+              <a:t>04.06.2019</a:t>
             </a:fld>
             <a:endParaRPr lang="de-CH"/>
           </a:p>
@@ -3981,7 +4148,7 @@
           <a:p>
             <a:fld id="{213CF880-6CB5-48AB-8FAF-28C50F70DB25}" type="slidenum">
               <a:rPr lang="de-CH" smtClean="0"/>
-              <a:t>‹#›</a:t>
+              <a:t>‹Nr.›</a:t>
             </a:fld>
             <a:endParaRPr lang="de-CH"/>
           </a:p>
@@ -4185,7 +4352,7 @@
           <a:p>
             <a:fld id="{A2EAEABE-1D59-4413-813E-803E21872067}" type="datetimeFigureOut">
               <a:rPr lang="de-CH" smtClean="0"/>
-              <a:t>03.06.2019</a:t>
+              <a:t>04.06.2019</a:t>
             </a:fld>
             <a:endParaRPr lang="de-CH"/>
           </a:p>
@@ -4227,7 +4394,7 @@
           <a:p>
             <a:fld id="{213CF880-6CB5-48AB-8FAF-28C50F70DB25}" type="slidenum">
               <a:rPr lang="de-CH" smtClean="0"/>
-              <a:t>‹#›</a:t>
+              <a:t>‹Nr.›</a:t>
             </a:fld>
             <a:endParaRPr lang="de-CH"/>
           </a:p>
@@ -4417,7 +4584,7 @@
           <a:p>
             <a:fld id="{A2EAEABE-1D59-4413-813E-803E21872067}" type="datetimeFigureOut">
               <a:rPr lang="de-CH" smtClean="0"/>
-              <a:t>03.06.2019</a:t>
+              <a:t>04.06.2019</a:t>
             </a:fld>
             <a:endParaRPr lang="de-CH"/>
           </a:p>
@@ -4459,7 +4626,7 @@
           <a:p>
             <a:fld id="{213CF880-6CB5-48AB-8FAF-28C50F70DB25}" type="slidenum">
               <a:rPr lang="de-CH" smtClean="0"/>
-              <a:t>‹#›</a:t>
+              <a:t>‹Nr.›</a:t>
             </a:fld>
             <a:endParaRPr lang="de-CH"/>
           </a:p>
@@ -4784,7 +4951,7 @@
           <a:p>
             <a:fld id="{A2EAEABE-1D59-4413-813E-803E21872067}" type="datetimeFigureOut">
               <a:rPr lang="de-CH" smtClean="0"/>
-              <a:t>03.06.2019</a:t>
+              <a:t>04.06.2019</a:t>
             </a:fld>
             <a:endParaRPr lang="de-CH"/>
           </a:p>
@@ -4826,7 +4993,7 @@
           <a:p>
             <a:fld id="{213CF880-6CB5-48AB-8FAF-28C50F70DB25}" type="slidenum">
               <a:rPr lang="de-CH" smtClean="0"/>
-              <a:t>‹#›</a:t>
+              <a:t>‹Nr.›</a:t>
             </a:fld>
             <a:endParaRPr lang="de-CH"/>
           </a:p>
@@ -4902,7 +5069,7 @@
           <a:p>
             <a:fld id="{A2EAEABE-1D59-4413-813E-803E21872067}" type="datetimeFigureOut">
               <a:rPr lang="de-CH" smtClean="0"/>
-              <a:t>03.06.2019</a:t>
+              <a:t>04.06.2019</a:t>
             </a:fld>
             <a:endParaRPr lang="de-CH"/>
           </a:p>
@@ -4944,7 +5111,7 @@
           <a:p>
             <a:fld id="{213CF880-6CB5-48AB-8FAF-28C50F70DB25}" type="slidenum">
               <a:rPr lang="de-CH" smtClean="0"/>
-              <a:t>‹#›</a:t>
+              <a:t>‹Nr.›</a:t>
             </a:fld>
             <a:endParaRPr lang="de-CH"/>
           </a:p>
@@ -4997,7 +5164,7 @@
           <a:p>
             <a:fld id="{A2EAEABE-1D59-4413-813E-803E21872067}" type="datetimeFigureOut">
               <a:rPr lang="de-CH" smtClean="0"/>
-              <a:t>03.06.2019</a:t>
+              <a:t>04.06.2019</a:t>
             </a:fld>
             <a:endParaRPr lang="de-CH"/>
           </a:p>
@@ -5039,7 +5206,7 @@
           <a:p>
             <a:fld id="{213CF880-6CB5-48AB-8FAF-28C50F70DB25}" type="slidenum">
               <a:rPr lang="de-CH" smtClean="0"/>
-              <a:t>‹#›</a:t>
+              <a:t>‹Nr.›</a:t>
             </a:fld>
             <a:endParaRPr lang="de-CH"/>
           </a:p>
@@ -5274,7 +5441,7 @@
           <a:p>
             <a:fld id="{A2EAEABE-1D59-4413-813E-803E21872067}" type="datetimeFigureOut">
               <a:rPr lang="de-CH" smtClean="0"/>
-              <a:t>03.06.2019</a:t>
+              <a:t>04.06.2019</a:t>
             </a:fld>
             <a:endParaRPr lang="de-CH"/>
           </a:p>
@@ -5316,7 +5483,7 @@
           <a:p>
             <a:fld id="{213CF880-6CB5-48AB-8FAF-28C50F70DB25}" type="slidenum">
               <a:rPr lang="de-CH" smtClean="0"/>
-              <a:t>‹#›</a:t>
+              <a:t>‹Nr.›</a:t>
             </a:fld>
             <a:endParaRPr lang="de-CH"/>
           </a:p>
@@ -5531,7 +5698,7 @@
           <a:p>
             <a:fld id="{A2EAEABE-1D59-4413-813E-803E21872067}" type="datetimeFigureOut">
               <a:rPr lang="de-CH" smtClean="0"/>
-              <a:t>03.06.2019</a:t>
+              <a:t>04.06.2019</a:t>
             </a:fld>
             <a:endParaRPr lang="de-CH"/>
           </a:p>
@@ -5573,7 +5740,7 @@
           <a:p>
             <a:fld id="{213CF880-6CB5-48AB-8FAF-28C50F70DB25}" type="slidenum">
               <a:rPr lang="de-CH" smtClean="0"/>
-              <a:t>‹#›</a:t>
+              <a:t>‹Nr.›</a:t>
             </a:fld>
             <a:endParaRPr lang="de-CH"/>
           </a:p>
@@ -5742,7 +5909,7 @@
           <a:p>
             <a:fld id="{A2EAEABE-1D59-4413-813E-803E21872067}" type="datetimeFigureOut">
               <a:rPr lang="de-CH" smtClean="0"/>
-              <a:t>03.06.2019</a:t>
+              <a:t>04.06.2019</a:t>
             </a:fld>
             <a:endParaRPr lang="de-CH"/>
           </a:p>
@@ -5820,7 +5987,7 @@
           <a:p>
             <a:fld id="{213CF880-6CB5-48AB-8FAF-28C50F70DB25}" type="slidenum">
               <a:rPr lang="de-CH" smtClean="0"/>
-              <a:t>‹#›</a:t>
+              <a:t>‹Nr.›</a:t>
             </a:fld>
             <a:endParaRPr lang="de-CH"/>
           </a:p>
@@ -6892,6 +7059,76 @@
       </p:grpSpPr>
       <p:sp>
         <p:nvSpPr>
+          <p:cNvPr id="2" name="Rectangle 1">
+            <a:extLst>
+              <a:ext uri="{FF2B5EF4-FFF2-40B4-BE49-F238E27FC236}">
+                <a16:creationId xmlns:a16="http://schemas.microsoft.com/office/drawing/2014/main" id="{45492B21-1F47-4942-92F0-0B7ACD27004B}"/>
+              </a:ext>
+            </a:extLst>
+          </p:cNvPr>
+          <p:cNvSpPr/>
+          <p:nvPr/>
+        </p:nvSpPr>
+        <p:spPr>
+          <a:xfrm>
+            <a:off x="1778152" y="1851645"/>
+            <a:ext cx="8635697" cy="3154710"/>
+          </a:xfrm>
+          <a:prstGeom prst="rect">
+            <a:avLst/>
+          </a:prstGeom>
+        </p:spPr>
+        <p:txBody>
+          <a:bodyPr wrap="none">
+            <a:spAutoFit/>
+          </a:bodyPr>
+          <a:lstStyle/>
+          <a:p>
+            <a:r>
+              <a:rPr lang="en-US" sz="19900" dirty="0">
+                <a:solidFill>
+                  <a:schemeClr val="accent2"/>
+                </a:solidFill>
+                <a:latin typeface="Yanone Kaffeesatz Regular" panose="02000000000000000000" pitchFamily="2" charset="0"/>
+              </a:rPr>
+              <a:t>Scheduling</a:t>
+            </a:r>
+            <a:endParaRPr lang="de-CH" sz="2000" dirty="0"/>
+          </a:p>
+        </p:txBody>
+      </p:sp>
+    </p:spTree>
+    <p:extLst>
+      <p:ext uri="{BB962C8B-B14F-4D97-AF65-F5344CB8AC3E}">
+        <p14:creationId xmlns:p14="http://schemas.microsoft.com/office/powerpoint/2010/main" val="2578205857"/>
+      </p:ext>
+    </p:extLst>
+  </p:cSld>
+  <p:clrMapOvr>
+    <a:masterClrMapping/>
+  </p:clrMapOvr>
+</p:sld>
+</file>
+
+<file path=ppt/slides/slide17.xml><?xml version="1.0" encoding="utf-8"?>
+<p:sld xmlns:a="http://schemas.openxmlformats.org/drawingml/2006/main" xmlns:r="http://schemas.openxmlformats.org/officeDocument/2006/relationships" xmlns:p="http://schemas.openxmlformats.org/presentationml/2006/main">
+  <p:cSld>
+    <p:spTree>
+      <p:nvGrpSpPr>
+        <p:cNvPr id="1" name=""/>
+        <p:cNvGrpSpPr/>
+        <p:nvPr/>
+      </p:nvGrpSpPr>
+      <p:grpSpPr>
+        <a:xfrm>
+          <a:off x="0" y="0"/>
+          <a:ext cx="0" cy="0"/>
+          <a:chOff x="0" y="0"/>
+          <a:chExt cx="0" cy="0"/>
+        </a:xfrm>
+      </p:grpSpPr>
+      <p:sp>
+        <p:nvSpPr>
           <p:cNvPr id="2" name="Rectangle 1"/>
           <p:cNvSpPr/>
           <p:nvPr/>
@@ -6967,7 +7204,7 @@
 </p:sld>
 </file>
 
-<file path=ppt/slides/slide17.xml><?xml version="1.0" encoding="utf-8"?>
+<file path=ppt/slides/slide18.xml><?xml version="1.0" encoding="utf-8"?>
 <p:sld xmlns:a="http://schemas.openxmlformats.org/drawingml/2006/main" xmlns:r="http://schemas.openxmlformats.org/officeDocument/2006/relationships" xmlns:p="http://schemas.openxmlformats.org/presentationml/2006/main">
   <p:cSld>
     <p:spTree>
@@ -7097,7 +7334,7 @@
 </p:sld>
 </file>
 
-<file path=ppt/slides/slide18.xml><?xml version="1.0" encoding="utf-8"?>
+<file path=ppt/slides/slide19.xml><?xml version="1.0" encoding="utf-8"?>
 <p:sld xmlns:a="http://schemas.openxmlformats.org/drawingml/2006/main" xmlns:r="http://schemas.openxmlformats.org/officeDocument/2006/relationships" xmlns:p="http://schemas.openxmlformats.org/presentationml/2006/main">
   <p:cSld>
     <p:spTree>
@@ -7182,181 +7419,6 @@
     <p:extLst>
       <p:ext uri="{BB962C8B-B14F-4D97-AF65-F5344CB8AC3E}">
         <p14:creationId xmlns:p14="http://schemas.microsoft.com/office/powerpoint/2010/main" val="4241321608"/>
-      </p:ext>
-    </p:extLst>
-  </p:cSld>
-  <p:clrMapOvr>
-    <a:masterClrMapping/>
-  </p:clrMapOvr>
-</p:sld>
-</file>
-
-<file path=ppt/slides/slide19.xml><?xml version="1.0" encoding="utf-8"?>
-<p:sld xmlns:a="http://schemas.openxmlformats.org/drawingml/2006/main" xmlns:r="http://schemas.openxmlformats.org/officeDocument/2006/relationships" xmlns:p="http://schemas.openxmlformats.org/presentationml/2006/main">
-  <p:cSld>
-    <p:spTree>
-      <p:nvGrpSpPr>
-        <p:cNvPr id="1" name=""/>
-        <p:cNvGrpSpPr/>
-        <p:nvPr/>
-      </p:nvGrpSpPr>
-      <p:grpSpPr>
-        <a:xfrm>
-          <a:off x="0" y="0"/>
-          <a:ext cx="0" cy="0"/>
-          <a:chOff x="0" y="0"/>
-          <a:chExt cx="0" cy="0"/>
-        </a:xfrm>
-      </p:grpSpPr>
-      <p:pic>
-        <p:nvPicPr>
-          <p:cNvPr id="3" name="Picture 2"/>
-          <p:cNvPicPr>
-            <a:picLocks noChangeAspect="1"/>
-          </p:cNvPicPr>
-          <p:nvPr/>
-        </p:nvPicPr>
-        <p:blipFill>
-          <a:blip r:embed="rId3" cstate="print">
-            <a:extLst>
-              <a:ext uri="{28A0092B-C50C-407E-A947-70E740481C1C}">
-                <a14:useLocalDpi xmlns:a14="http://schemas.microsoft.com/office/drawing/2010/main" val="0"/>
-              </a:ext>
-            </a:extLst>
-          </a:blip>
-          <a:stretch>
-            <a:fillRect/>
-          </a:stretch>
-        </p:blipFill>
-        <p:spPr>
-          <a:xfrm>
-            <a:off x="8052306" y="612519"/>
-            <a:ext cx="2880000" cy="690817"/>
-          </a:xfrm>
-          <a:prstGeom prst="rect">
-            <a:avLst/>
-          </a:prstGeom>
-        </p:spPr>
-      </p:pic>
-      <p:sp>
-        <p:nvSpPr>
-          <p:cNvPr id="2" name="Rectangle 1"/>
-          <p:cNvSpPr/>
-          <p:nvPr/>
-        </p:nvSpPr>
-        <p:spPr>
-          <a:xfrm>
-            <a:off x="5723694" y="2090172"/>
-            <a:ext cx="6096000" cy="2677656"/>
-          </a:xfrm>
-          <a:prstGeom prst="rect">
-            <a:avLst/>
-          </a:prstGeom>
-        </p:spPr>
-        <p:txBody>
-          <a:bodyPr>
-            <a:spAutoFit/>
-          </a:bodyPr>
-          <a:lstStyle/>
-          <a:p>
-            <a:r>
-              <a:rPr lang="en-US" sz="2800" dirty="0">
-                <a:solidFill>
-                  <a:schemeClr val="tx2"/>
-                </a:solidFill>
-                <a:latin typeface="Yanone Kaffeesatz Regular" panose="02000000000000000000" pitchFamily="2" charset="0"/>
-              </a:rPr>
-              <a:t>Software Engineer</a:t>
-            </a:r>
-          </a:p>
-          <a:p>
-            <a:r>
-              <a:rPr lang="en-US" sz="2800" dirty="0">
-                <a:solidFill>
-                  <a:schemeClr val="tx2"/>
-                </a:solidFill>
-                <a:latin typeface="Yanone Kaffeesatz Regular" panose="02000000000000000000" pitchFamily="2" charset="0"/>
-              </a:rPr>
-              <a:t>Microsoft MVP</a:t>
-            </a:r>
-          </a:p>
-          <a:p>
-            <a:endParaRPr lang="en-US" sz="2800" dirty="0">
-              <a:solidFill>
-                <a:schemeClr val="tx2"/>
-              </a:solidFill>
-              <a:latin typeface="Yanone Kaffeesatz Regular" panose="02000000000000000000" pitchFamily="2" charset="0"/>
-            </a:endParaRPr>
-          </a:p>
-          <a:p>
-            <a:r>
-              <a:rPr lang="en-US" sz="2800" dirty="0">
-                <a:solidFill>
-                  <a:schemeClr val="accent4"/>
-                </a:solidFill>
-                <a:latin typeface="Yanone Kaffeesatz Regular" panose="02000000000000000000" pitchFamily="2" charset="0"/>
-              </a:rPr>
-              <a:t>@danielmarbach</a:t>
-            </a:r>
-          </a:p>
-          <a:p>
-            <a:r>
-              <a:rPr lang="en-US" sz="2800" dirty="0">
-                <a:solidFill>
-                  <a:schemeClr val="accent4"/>
-                </a:solidFill>
-                <a:latin typeface="Yanone Kaffeesatz Regular" panose="02000000000000000000" pitchFamily="2" charset="0"/>
-              </a:rPr>
-              <a:t>particular.net/blog</a:t>
-            </a:r>
-          </a:p>
-          <a:p>
-            <a:r>
-              <a:rPr lang="en-US" sz="2800" dirty="0">
-                <a:solidFill>
-                  <a:schemeClr val="accent4"/>
-                </a:solidFill>
-                <a:latin typeface="Yanone Kaffeesatz Regular" panose="02000000000000000000" pitchFamily="2" charset="0"/>
-              </a:rPr>
-              <a:t>planetgeek.ch</a:t>
-            </a:r>
-          </a:p>
-        </p:txBody>
-      </p:sp>
-      <p:pic>
-        <p:nvPicPr>
-          <p:cNvPr id="6" name="Picture 5"/>
-          <p:cNvPicPr>
-            <a:picLocks noChangeAspect="1"/>
-          </p:cNvPicPr>
-          <p:nvPr/>
-        </p:nvPicPr>
-        <p:blipFill>
-          <a:blip r:embed="rId4" cstate="print">
-            <a:extLst>
-              <a:ext uri="{28A0092B-C50C-407E-A947-70E740481C1C}">
-                <a14:useLocalDpi xmlns:a14="http://schemas.microsoft.com/office/drawing/2010/main" val="0"/>
-              </a:ext>
-            </a:extLst>
-          </a:blip>
-          <a:stretch>
-            <a:fillRect/>
-          </a:stretch>
-        </p:blipFill>
-        <p:spPr>
-          <a:xfrm>
-            <a:off x="1852348" y="1768017"/>
-            <a:ext cx="2558625" cy="3837938"/>
-          </a:xfrm>
-          <a:prstGeom prst="rect">
-            <a:avLst/>
-          </a:prstGeom>
-        </p:spPr>
-      </p:pic>
-    </p:spTree>
-    <p:extLst>
-      <p:ext uri="{BB962C8B-B14F-4D97-AF65-F5344CB8AC3E}">
-        <p14:creationId xmlns:p14="http://schemas.microsoft.com/office/powerpoint/2010/main" val="3601279917"/>
       </p:ext>
     </p:extLst>
   </p:cSld>
@@ -8807,6 +8869,181 @@
           <a:chExt cx="0" cy="0"/>
         </a:xfrm>
       </p:grpSpPr>
+      <p:pic>
+        <p:nvPicPr>
+          <p:cNvPr id="3" name="Picture 2"/>
+          <p:cNvPicPr>
+            <a:picLocks noChangeAspect="1"/>
+          </p:cNvPicPr>
+          <p:nvPr/>
+        </p:nvPicPr>
+        <p:blipFill>
+          <a:blip r:embed="rId3" cstate="print">
+            <a:extLst>
+              <a:ext uri="{28A0092B-C50C-407E-A947-70E740481C1C}">
+                <a14:useLocalDpi xmlns:a14="http://schemas.microsoft.com/office/drawing/2010/main" val="0"/>
+              </a:ext>
+            </a:extLst>
+          </a:blip>
+          <a:stretch>
+            <a:fillRect/>
+          </a:stretch>
+        </p:blipFill>
+        <p:spPr>
+          <a:xfrm>
+            <a:off x="8052306" y="612519"/>
+            <a:ext cx="2880000" cy="690817"/>
+          </a:xfrm>
+          <a:prstGeom prst="rect">
+            <a:avLst/>
+          </a:prstGeom>
+        </p:spPr>
+      </p:pic>
+      <p:sp>
+        <p:nvSpPr>
+          <p:cNvPr id="2" name="Rectangle 1"/>
+          <p:cNvSpPr/>
+          <p:nvPr/>
+        </p:nvSpPr>
+        <p:spPr>
+          <a:xfrm>
+            <a:off x="5723694" y="2090172"/>
+            <a:ext cx="6096000" cy="2677656"/>
+          </a:xfrm>
+          <a:prstGeom prst="rect">
+            <a:avLst/>
+          </a:prstGeom>
+        </p:spPr>
+        <p:txBody>
+          <a:bodyPr>
+            <a:spAutoFit/>
+          </a:bodyPr>
+          <a:lstStyle/>
+          <a:p>
+            <a:r>
+              <a:rPr lang="en-US" sz="2800" dirty="0">
+                <a:solidFill>
+                  <a:schemeClr val="tx2"/>
+                </a:solidFill>
+                <a:latin typeface="Yanone Kaffeesatz Regular" panose="02000000000000000000" pitchFamily="2" charset="0"/>
+              </a:rPr>
+              <a:t>Software Engineer</a:t>
+            </a:r>
+          </a:p>
+          <a:p>
+            <a:r>
+              <a:rPr lang="en-US" sz="2800" dirty="0">
+                <a:solidFill>
+                  <a:schemeClr val="tx2"/>
+                </a:solidFill>
+                <a:latin typeface="Yanone Kaffeesatz Regular" panose="02000000000000000000" pitchFamily="2" charset="0"/>
+              </a:rPr>
+              <a:t>Microsoft MVP</a:t>
+            </a:r>
+          </a:p>
+          <a:p>
+            <a:endParaRPr lang="en-US" sz="2800" dirty="0">
+              <a:solidFill>
+                <a:schemeClr val="tx2"/>
+              </a:solidFill>
+              <a:latin typeface="Yanone Kaffeesatz Regular" panose="02000000000000000000" pitchFamily="2" charset="0"/>
+            </a:endParaRPr>
+          </a:p>
+          <a:p>
+            <a:r>
+              <a:rPr lang="en-US" sz="2800" dirty="0">
+                <a:solidFill>
+                  <a:schemeClr val="accent4"/>
+                </a:solidFill>
+                <a:latin typeface="Yanone Kaffeesatz Regular" panose="02000000000000000000" pitchFamily="2" charset="0"/>
+              </a:rPr>
+              <a:t>@danielmarbach</a:t>
+            </a:r>
+          </a:p>
+          <a:p>
+            <a:r>
+              <a:rPr lang="en-US" sz="2800" dirty="0">
+                <a:solidFill>
+                  <a:schemeClr val="accent4"/>
+                </a:solidFill>
+                <a:latin typeface="Yanone Kaffeesatz Regular" panose="02000000000000000000" pitchFamily="2" charset="0"/>
+              </a:rPr>
+              <a:t>particular.net/blog</a:t>
+            </a:r>
+          </a:p>
+          <a:p>
+            <a:r>
+              <a:rPr lang="en-US" sz="2800" dirty="0">
+                <a:solidFill>
+                  <a:schemeClr val="accent4"/>
+                </a:solidFill>
+                <a:latin typeface="Yanone Kaffeesatz Regular" panose="02000000000000000000" pitchFamily="2" charset="0"/>
+              </a:rPr>
+              <a:t>planetgeek.ch</a:t>
+            </a:r>
+          </a:p>
+        </p:txBody>
+      </p:sp>
+      <p:pic>
+        <p:nvPicPr>
+          <p:cNvPr id="6" name="Picture 5"/>
+          <p:cNvPicPr>
+            <a:picLocks noChangeAspect="1"/>
+          </p:cNvPicPr>
+          <p:nvPr/>
+        </p:nvPicPr>
+        <p:blipFill>
+          <a:blip r:embed="rId4" cstate="print">
+            <a:extLst>
+              <a:ext uri="{28A0092B-C50C-407E-A947-70E740481C1C}">
+                <a14:useLocalDpi xmlns:a14="http://schemas.microsoft.com/office/drawing/2010/main" val="0"/>
+              </a:ext>
+            </a:extLst>
+          </a:blip>
+          <a:stretch>
+            <a:fillRect/>
+          </a:stretch>
+        </p:blipFill>
+        <p:spPr>
+          <a:xfrm>
+            <a:off x="1852348" y="1768017"/>
+            <a:ext cx="2558625" cy="3837938"/>
+          </a:xfrm>
+          <a:prstGeom prst="rect">
+            <a:avLst/>
+          </a:prstGeom>
+        </p:spPr>
+      </p:pic>
+    </p:spTree>
+    <p:extLst>
+      <p:ext uri="{BB962C8B-B14F-4D97-AF65-F5344CB8AC3E}">
+        <p14:creationId xmlns:p14="http://schemas.microsoft.com/office/powerpoint/2010/main" val="3601279917"/>
+      </p:ext>
+    </p:extLst>
+  </p:cSld>
+  <p:clrMapOvr>
+    <a:masterClrMapping/>
+  </p:clrMapOvr>
+</p:sld>
+</file>
+
+<file path=ppt/slides/slide21.xml><?xml version="1.0" encoding="utf-8"?>
+<p:sld xmlns:a="http://schemas.openxmlformats.org/drawingml/2006/main" xmlns:r="http://schemas.openxmlformats.org/officeDocument/2006/relationships" xmlns:p="http://schemas.openxmlformats.org/presentationml/2006/main">
+  <p:cSld>
+    <p:spTree>
+      <p:nvGrpSpPr>
+        <p:cNvPr id="1" name=""/>
+        <p:cNvGrpSpPr/>
+        <p:nvPr/>
+      </p:nvGrpSpPr>
+      <p:grpSpPr>
+        <a:xfrm>
+          <a:off x="0" y="0"/>
+          <a:ext cx="0" cy="0"/>
+          <a:chOff x="0" y="0"/>
+          <a:chExt cx="0" cy="0"/>
+        </a:xfrm>
+      </p:grpSpPr>
       <p:sp>
         <p:nvSpPr>
           <p:cNvPr id="2" name="Rectangle 1"/>

--- a/presentation.pptx
+++ b/presentation.pptx
@@ -1565,10 +1565,67 @@
               <a:defRPr/>
             </a:pPr>
             <a:r>
-              <a:rPr lang="en-US"/>
+              <a:rPr lang="en-US" dirty="0"/>
               <a:t>Demo</a:t>
             </a:r>
+          </a:p>
+          <a:p>
+            <a:pPr marL="0" marR="0" lvl="0" indent="0" algn="l" defTabSz="914400" rtl="0" eaLnBrk="1" fontAlgn="auto" latinLnBrk="0" hangingPunct="1">
+              <a:lnSpc>
+                <a:spcPct val="100000"/>
+              </a:lnSpc>
+              <a:spcBef>
+                <a:spcPts val="0"/>
+              </a:spcBef>
+              <a:spcAft>
+                <a:spcPts val="0"/>
+              </a:spcAft>
+              <a:buClrTx/>
+              <a:buSzTx/>
+              <a:buFontTx/>
+              <a:buNone/>
+              <a:tabLst/>
+              <a:defRPr/>
+            </a:pPr>
             <a:endParaRPr lang="en-US" dirty="0"/>
+          </a:p>
+          <a:p>
+            <a:r>
+              <a:rPr lang="en-CA" dirty="0"/>
+              <a:t>So when a message is scheduled, how can it be received earlier or cancelled? </a:t>
+            </a:r>
+          </a:p>
+          <a:p>
+            <a:r>
+              <a:rPr lang="en-CA" dirty="0"/>
+              <a:t>To retrieve a specific message, </a:t>
+            </a:r>
+            <a:r>
+              <a:rPr lang="en-CA" dirty="0" err="1"/>
+              <a:t>SequenceNumber</a:t>
+            </a:r>
+            <a:r>
+              <a:rPr lang="en-CA" dirty="0"/>
+              <a:t> is required. But we got no sequence number until a message is received.</a:t>
+            </a:r>
+          </a:p>
+          <a:p>
+            <a:r>
+              <a:rPr lang="en-CA" dirty="0"/>
+              <a:t>A bit of a chicken and an egg situation.</a:t>
+            </a:r>
+          </a:p>
+          <a:p>
+            <a:r>
+              <a:rPr lang="en-CA" dirty="0"/>
+              <a:t>To solve this, we could peek for a message to find out its sequence number and retrieve it. Works for a single scheduled message, not when there are multiple ones…</a:t>
+            </a:r>
+          </a:p>
+          <a:p>
+            <a:r>
+              <a:rPr lang="en-CA"/>
+              <a:t>That’s why scheduling using a client / message sender is a better option.</a:t>
+            </a:r>
           </a:p>
         </p:txBody>
       </p:sp>

--- a/presentation.pptx
+++ b/presentation.pptx
@@ -5,7 +5,7 @@
     <p:sldMasterId id="2147483684" r:id="rId1"/>
   </p:sldMasterIdLst>
   <p:notesMasterIdLst>
-    <p:notesMasterId r:id="rId23"/>
+    <p:notesMasterId r:id="rId26"/>
   </p:notesMasterIdLst>
   <p:sldIdLst>
     <p:sldId id="278" r:id="rId2"/>
@@ -24,11 +24,14 @@
     <p:sldId id="498" r:id="rId15"/>
     <p:sldId id="499" r:id="rId16"/>
     <p:sldId id="500" r:id="rId17"/>
-    <p:sldId id="489" r:id="rId18"/>
-    <p:sldId id="267" r:id="rId19"/>
-    <p:sldId id="275" r:id="rId20"/>
-    <p:sldId id="268" r:id="rId21"/>
-    <p:sldId id="279" r:id="rId22"/>
+    <p:sldId id="503" r:id="rId18"/>
+    <p:sldId id="502" r:id="rId19"/>
+    <p:sldId id="501" r:id="rId20"/>
+    <p:sldId id="489" r:id="rId21"/>
+    <p:sldId id="267" r:id="rId22"/>
+    <p:sldId id="275" r:id="rId23"/>
+    <p:sldId id="268" r:id="rId24"/>
+    <p:sldId id="279" r:id="rId25"/>
   </p:sldIdLst>
   <p:sldSz cx="12192000" cy="6858000"/>
   <p:notesSz cx="6858000" cy="9144000"/>
@@ -148,6 +151,9 @@
             <p14:sldId id="498"/>
             <p14:sldId id="499"/>
             <p14:sldId id="500"/>
+            <p14:sldId id="503"/>
+            <p14:sldId id="502"/>
+            <p14:sldId id="501"/>
           </p14:sldIdLst>
         </p14:section>
         <p14:section name="Wrap up" id="{BCD9F38D-60DF-4459-9684-4C9C9939E42E}">
@@ -256,7 +262,7 @@
           <a:p>
             <a:fld id="{D987070D-87AF-4443-8990-425EA27CC244}" type="datetimeFigureOut">
               <a:rPr lang="de-CH" smtClean="0"/>
-              <a:t>04.06.2019</a:t>
+              <a:t>05.06.2019</a:t>
             </a:fld>
             <a:endParaRPr lang="de-CH"/>
           </a:p>
@@ -415,7 +421,7 @@
           <a:p>
             <a:fld id="{9BCA07FD-5BD5-4529-84B0-48DD2C561176}" type="slidenum">
               <a:rPr lang="de-CH" smtClean="0"/>
-              <a:t>‹Nr.›</a:t>
+              <a:t>‹#›</a:t>
             </a:fld>
             <a:endParaRPr lang="de-CH"/>
           </a:p>
@@ -1710,10 +1716,64 @@
           <a:lstStyle/>
           <a:p>
             <a:r>
-              <a:rPr lang="de-CH" dirty="0" err="1"/>
-              <a:t>Thanks</a:t>
-            </a:r>
-            <a:endParaRPr lang="de-CH" dirty="0"/>
+              <a:rPr lang="en-US" dirty="0"/>
+              <a:t>If messages need to be marked as short lived it is possible to give it a </a:t>
+            </a:r>
+            <a:r>
+              <a:rPr lang="en-US" dirty="0" err="1"/>
+              <a:t>TimeToLive</a:t>
+            </a:r>
+            <a:r>
+              <a:rPr lang="en-US" dirty="0"/>
+              <a:t>. </a:t>
+            </a:r>
+            <a:r>
+              <a:rPr lang="en-US" dirty="0" err="1"/>
+              <a:t>TimeToLive</a:t>
+            </a:r>
+            <a:r>
+              <a:rPr lang="en-US" dirty="0"/>
+              <a:t> can be set on the message or on the entity. Setting a longer TTL on the message than on the entity adjusts the TTL to the entity TTL.</a:t>
+            </a:r>
+          </a:p>
+          <a:p>
+            <a:endParaRPr lang="en-US" dirty="0"/>
+          </a:p>
+          <a:p>
+            <a:r>
+              <a:rPr lang="en-US" dirty="0"/>
+              <a:t>Where does the message go?</a:t>
+            </a:r>
+          </a:p>
+          <a:p>
+            <a:endParaRPr lang="en-US" dirty="0"/>
+          </a:p>
+          <a:p>
+            <a:r>
+              <a:rPr lang="en-US" dirty="0"/>
+              <a:t>By default messages will be discarded that exceeded the time to live. It is possible to set </a:t>
+            </a:r>
+            <a:r>
+              <a:rPr lang="en-US" dirty="0" err="1"/>
+              <a:t>QueueDescription.EnableDeadLetteringOnMessageExpiration</a:t>
+            </a:r>
+            <a:r>
+              <a:rPr lang="en-US" dirty="0"/>
+              <a:t> or </a:t>
+            </a:r>
+            <a:r>
+              <a:rPr lang="en-US" dirty="0" err="1"/>
+              <a:t>SubscriptionDescription.EnableDeadLetteringOnMessageExpiration</a:t>
+            </a:r>
+            <a:r>
+              <a:rPr lang="en-US" dirty="0"/>
+              <a:t> and then they will be </a:t>
+            </a:r>
+            <a:r>
+              <a:rPr lang="en-US" dirty="0" err="1"/>
+              <a:t>deadlettered</a:t>
+            </a:r>
+            <a:endParaRPr lang="en-US" dirty="0"/>
           </a:p>
         </p:txBody>
       </p:sp>
@@ -1724,7 +1784,7 @@
             <a:spLocks noGrp="1"/>
           </p:cNvSpPr>
           <p:nvPr>
-            <p:ph type="sldNum" sz="quarter" idx="10"/>
+            <p:ph type="sldNum" sz="quarter" idx="5"/>
           </p:nvPr>
         </p:nvSpPr>
         <p:spPr/>
@@ -1743,7 +1803,7 @@
     </p:spTree>
     <p:extLst>
       <p:ext uri="{BB962C8B-B14F-4D97-AF65-F5344CB8AC3E}">
-        <p14:creationId xmlns:p14="http://schemas.microsoft.com/office/powerpoint/2010/main" val="1171336995"/>
+        <p14:creationId xmlns:p14="http://schemas.microsoft.com/office/powerpoint/2010/main" val="1421529050"/>
       </p:ext>
     </p:extLst>
   </p:cSld>
@@ -1797,7 +1857,144 @@
           <a:bodyPr/>
           <a:lstStyle/>
           <a:p>
-            <a:endParaRPr lang="de-CH" dirty="0"/>
+            <a:r>
+              <a:rPr lang="en-US" dirty="0"/>
+              <a:t>Reasons for </a:t>
+            </a:r>
+            <a:r>
+              <a:rPr lang="en-US" dirty="0" err="1"/>
+              <a:t>deadlettering</a:t>
+            </a:r>
+            <a:endParaRPr lang="en-US" dirty="0"/>
+          </a:p>
+          <a:p>
+            <a:pPr marL="171450" indent="-171450">
+              <a:buFontTx/>
+              <a:buChar char="-"/>
+            </a:pPr>
+            <a:r>
+              <a:rPr lang="en-US" dirty="0"/>
+              <a:t>Exceeded </a:t>
+            </a:r>
+            <a:r>
+              <a:rPr lang="en-US" dirty="0" err="1"/>
+              <a:t>TimeToLive</a:t>
+            </a:r>
+            <a:endParaRPr lang="en-US" dirty="0"/>
+          </a:p>
+          <a:p>
+            <a:pPr marL="171450" indent="-171450">
+              <a:buFontTx/>
+              <a:buChar char="-"/>
+            </a:pPr>
+            <a:r>
+              <a:rPr lang="en-US" dirty="0"/>
+              <a:t>Exceeded </a:t>
+            </a:r>
+            <a:r>
+              <a:rPr lang="en-US" dirty="0" err="1"/>
+              <a:t>MaxDeliveryCount</a:t>
+            </a:r>
+            <a:endParaRPr lang="en-US" dirty="0"/>
+          </a:p>
+          <a:p>
+            <a:pPr marL="171450" indent="-171450">
+              <a:buFontTx/>
+              <a:buChar char="-"/>
+            </a:pPr>
+            <a:r>
+              <a:rPr lang="en-US" dirty="0"/>
+              <a:t>Errors while processing subscription rules when SubscriptionDescription.EnableDeadLetteringOnFilterEvaluationExceptions is set</a:t>
+            </a:r>
+          </a:p>
+          <a:p>
+            <a:pPr marL="171450" indent="-171450">
+              <a:buFontTx/>
+              <a:buChar char="-"/>
+            </a:pPr>
+            <a:r>
+              <a:rPr lang="en-US" dirty="0"/>
+              <a:t>In Forwarding or </a:t>
+            </a:r>
+            <a:r>
+              <a:rPr lang="en-US" dirty="0" err="1"/>
+              <a:t>SendVia</a:t>
+            </a:r>
+            <a:r>
+              <a:rPr lang="en-US" dirty="0"/>
+              <a:t> scenarios which we’ll talk about later</a:t>
+            </a:r>
+          </a:p>
+          <a:p>
+            <a:endParaRPr lang="en-US" dirty="0"/>
+          </a:p>
+          <a:p>
+            <a:r>
+              <a:rPr lang="en-US" dirty="0"/>
+              <a:t>Every queue has essentially 4 queues</a:t>
+            </a:r>
+          </a:p>
+          <a:p>
+            <a:endParaRPr lang="en-US" dirty="0"/>
+          </a:p>
+          <a:p>
+            <a:r>
+              <a:rPr lang="fr-FR" sz="1200" b="0" i="0" kern="1200" dirty="0">
+                <a:solidFill>
+                  <a:schemeClr val="tx1"/>
+                </a:solidFill>
+                <a:effectLst/>
+                <a:latin typeface="+mn-lt"/>
+                <a:ea typeface="+mn-ea"/>
+                <a:cs typeface="+mn-cs"/>
+              </a:rPr>
+              <a:t>queue</a:t>
+            </a:r>
+          </a:p>
+          <a:p>
+            <a:r>
+              <a:rPr lang="fr-FR" sz="1200" b="0" i="0" kern="1200" dirty="0">
+                <a:solidFill>
+                  <a:schemeClr val="tx1"/>
+                </a:solidFill>
+                <a:effectLst/>
+                <a:latin typeface="+mn-lt"/>
+                <a:ea typeface="+mn-ea"/>
+                <a:cs typeface="+mn-cs"/>
+              </a:rPr>
+              <a:t>queue/$DeadLetterQueue</a:t>
+            </a:r>
+          </a:p>
+          <a:p>
+            <a:r>
+              <a:rPr lang="fr-FR" sz="1200" b="0" i="0" kern="1200" dirty="0">
+                <a:solidFill>
+                  <a:schemeClr val="tx1"/>
+                </a:solidFill>
+                <a:effectLst/>
+                <a:latin typeface="+mn-lt"/>
+                <a:ea typeface="+mn-ea"/>
+                <a:cs typeface="+mn-cs"/>
+              </a:rPr>
+              <a:t>queue/$Transfer</a:t>
+            </a:r>
+          </a:p>
+          <a:p>
+            <a:r>
+              <a:rPr lang="fr-FR" sz="1200" b="0" i="0" kern="1200" dirty="0">
+                <a:solidFill>
+                  <a:schemeClr val="tx1"/>
+                </a:solidFill>
+                <a:effectLst/>
+                <a:latin typeface="+mn-lt"/>
+                <a:ea typeface="+mn-ea"/>
+                <a:cs typeface="+mn-cs"/>
+              </a:rPr>
+              <a:t>queue/$Transfer/$DeadLetterQueue</a:t>
+            </a:r>
+          </a:p>
+          <a:p>
+            <a:endParaRPr lang="en-US" dirty="0"/>
           </a:p>
         </p:txBody>
       </p:sp>
@@ -1808,7 +2005,7 @@
             <a:spLocks noGrp="1"/>
           </p:cNvSpPr>
           <p:nvPr>
-            <p:ph type="sldNum" sz="quarter" idx="10"/>
+            <p:ph type="sldNum" sz="quarter" idx="5"/>
           </p:nvPr>
         </p:nvSpPr>
         <p:spPr/>
@@ -1827,7 +2024,7 @@
     </p:spTree>
     <p:extLst>
       <p:ext uri="{BB962C8B-B14F-4D97-AF65-F5344CB8AC3E}">
-        <p14:creationId xmlns:p14="http://schemas.microsoft.com/office/powerpoint/2010/main" val="3670487613"/>
+        <p14:creationId xmlns:p14="http://schemas.microsoft.com/office/powerpoint/2010/main" val="4282974714"/>
       </p:ext>
     </p:extLst>
   </p:cSld>
@@ -1881,7 +2078,82 @@
           <a:bodyPr/>
           <a:lstStyle/>
           <a:p>
-            <a:endParaRPr lang="de-CH" dirty="0"/>
+            <a:r>
+              <a:rPr lang="en-US" dirty="0"/>
+              <a:t>Messages will be sent to the transfer dead-letter queue under the following conditions:</a:t>
+            </a:r>
+          </a:p>
+          <a:p>
+            <a:endParaRPr lang="en-US" dirty="0"/>
+          </a:p>
+          <a:p>
+            <a:r>
+              <a:rPr lang="en-US" dirty="0"/>
+              <a:t>- A message passes through more than 4 queues or topics that are chained together.</a:t>
+            </a:r>
+          </a:p>
+          <a:p>
+            <a:r>
+              <a:rPr lang="en-US" dirty="0"/>
+              <a:t>- The destination queue or topic is disabled or deleted.</a:t>
+            </a:r>
+          </a:p>
+          <a:p>
+            <a:pPr marL="171450" indent="-171450">
+              <a:buFontTx/>
+              <a:buChar char="-"/>
+            </a:pPr>
+            <a:r>
+              <a:rPr lang="en-US" dirty="0"/>
+              <a:t>The destination queue or topic exceeds the maximum entity size.</a:t>
+            </a:r>
+          </a:p>
+          <a:p>
+            <a:pPr marL="171450" indent="-171450">
+              <a:buFontTx/>
+              <a:buChar char="-"/>
+            </a:pPr>
+            <a:endParaRPr lang="en-US" dirty="0"/>
+          </a:p>
+          <a:p>
+            <a:pPr marL="0" indent="0">
+              <a:buFontTx/>
+              <a:buNone/>
+            </a:pPr>
+            <a:r>
+              <a:rPr lang="en-US" dirty="0"/>
+              <a:t>Very powerful in combination with subscriptions to </a:t>
+            </a:r>
+            <a:r>
+              <a:rPr lang="en-US"/>
+              <a:t>build hierarchies.</a:t>
+            </a:r>
+          </a:p>
+          <a:p>
+            <a:pPr marL="0" indent="0">
+              <a:buFontTx/>
+              <a:buNone/>
+            </a:pPr>
+            <a:endParaRPr lang="en-US" dirty="0"/>
+          </a:p>
+          <a:p>
+            <a:pPr marL="0" indent="0">
+              <a:buFontTx/>
+              <a:buNone/>
+            </a:pPr>
+            <a:r>
+              <a:rPr lang="en-US" sz="1200" b="0" i="0" kern="1200" dirty="0">
+                <a:solidFill>
+                  <a:schemeClr val="tx1"/>
+                </a:solidFill>
+                <a:effectLst/>
+                <a:latin typeface="+mn-lt"/>
+                <a:ea typeface="+mn-ea"/>
+                <a:cs typeface="+mn-cs"/>
+              </a:rPr>
+              <a:t>Service Bus bills one operation for each forwarded message.</a:t>
+            </a:r>
+            <a:endParaRPr lang="en-US" dirty="0"/>
           </a:p>
         </p:txBody>
       </p:sp>
@@ -1892,7 +2164,7 @@
             <a:spLocks noGrp="1"/>
           </p:cNvSpPr>
           <p:nvPr>
-            <p:ph type="sldNum" sz="quarter" idx="10"/>
+            <p:ph type="sldNum" sz="quarter" idx="5"/>
           </p:nvPr>
         </p:nvSpPr>
         <p:spPr/>
@@ -1911,7 +2183,7 @@
     </p:spTree>
     <p:extLst>
       <p:ext uri="{BB962C8B-B14F-4D97-AF65-F5344CB8AC3E}">
-        <p14:creationId xmlns:p14="http://schemas.microsoft.com/office/powerpoint/2010/main" val="978782014"/>
+        <p14:creationId xmlns:p14="http://schemas.microsoft.com/office/powerpoint/2010/main" val="3847899160"/>
       </p:ext>
     </p:extLst>
   </p:cSld>
@@ -2572,6 +2844,10 @@
           <a:bodyPr/>
           <a:lstStyle/>
           <a:p>
+            <a:r>
+              <a:rPr lang="de-CH" dirty="0" err="1"/>
+              <a:t>Thanks</a:t>
+            </a:r>
             <a:endParaRPr lang="de-CH" dirty="0"/>
           </a:p>
         </p:txBody>
@@ -2602,7 +2878,7 @@
     </p:spTree>
     <p:extLst>
       <p:ext uri="{BB962C8B-B14F-4D97-AF65-F5344CB8AC3E}">
-        <p14:creationId xmlns:p14="http://schemas.microsoft.com/office/powerpoint/2010/main" val="88145516"/>
+        <p14:creationId xmlns:p14="http://schemas.microsoft.com/office/powerpoint/2010/main" val="1171336995"/>
       </p:ext>
     </p:extLst>
   </p:cSld>
@@ -2656,14 +2932,6 @@
           <a:bodyPr/>
           <a:lstStyle/>
           <a:p>
-            <a:r>
-              <a:rPr lang="de-CH" dirty="0"/>
-              <a:t>Thank you very much</a:t>
-            </a:r>
-            <a:r>
-              <a:rPr lang="de-CH" baseline="0" dirty="0"/>
-              <a:t> for listening and see you next time</a:t>
-            </a:r>
             <a:endParaRPr lang="de-CH" dirty="0"/>
           </a:p>
         </p:txBody>
@@ -2686,6 +2954,266 @@
             <a:fld id="{9BCA07FD-5BD5-4529-84B0-48DD2C561176}" type="slidenum">
               <a:rPr lang="de-CH" smtClean="0"/>
               <a:t>21</a:t>
+            </a:fld>
+            <a:endParaRPr lang="de-CH"/>
+          </a:p>
+        </p:txBody>
+      </p:sp>
+    </p:spTree>
+    <p:extLst>
+      <p:ext uri="{BB962C8B-B14F-4D97-AF65-F5344CB8AC3E}">
+        <p14:creationId xmlns:p14="http://schemas.microsoft.com/office/powerpoint/2010/main" val="3670487613"/>
+      </p:ext>
+    </p:extLst>
+  </p:cSld>
+  <p:clrMapOvr>
+    <a:masterClrMapping/>
+  </p:clrMapOvr>
+</p:notes>
+</file>
+
+<file path=ppt/notesSlides/notesSlide22.xml><?xml version="1.0" encoding="utf-8"?>
+<p:notes xmlns:a="http://schemas.openxmlformats.org/drawingml/2006/main" xmlns:r="http://schemas.openxmlformats.org/officeDocument/2006/relationships" xmlns:p="http://schemas.openxmlformats.org/presentationml/2006/main">
+  <p:cSld>
+    <p:spTree>
+      <p:nvGrpSpPr>
+        <p:cNvPr id="1" name=""/>
+        <p:cNvGrpSpPr/>
+        <p:nvPr/>
+      </p:nvGrpSpPr>
+      <p:grpSpPr>
+        <a:xfrm>
+          <a:off x="0" y="0"/>
+          <a:ext cx="0" cy="0"/>
+          <a:chOff x="0" y="0"/>
+          <a:chExt cx="0" cy="0"/>
+        </a:xfrm>
+      </p:grpSpPr>
+      <p:sp>
+        <p:nvSpPr>
+          <p:cNvPr id="2" name="Slide Image Placeholder 1"/>
+          <p:cNvSpPr>
+            <a:spLocks noGrp="1" noRot="1" noChangeAspect="1"/>
+          </p:cNvSpPr>
+          <p:nvPr>
+            <p:ph type="sldImg"/>
+          </p:nvPr>
+        </p:nvSpPr>
+        <p:spPr/>
+      </p:sp>
+      <p:sp>
+        <p:nvSpPr>
+          <p:cNvPr id="3" name="Notes Placeholder 2"/>
+          <p:cNvSpPr>
+            <a:spLocks noGrp="1"/>
+          </p:cNvSpPr>
+          <p:nvPr>
+            <p:ph type="body" idx="1"/>
+          </p:nvPr>
+        </p:nvSpPr>
+        <p:spPr/>
+        <p:txBody>
+          <a:bodyPr/>
+          <a:lstStyle/>
+          <a:p>
+            <a:endParaRPr lang="de-CH" dirty="0"/>
+          </a:p>
+        </p:txBody>
+      </p:sp>
+      <p:sp>
+        <p:nvSpPr>
+          <p:cNvPr id="4" name="Slide Number Placeholder 3"/>
+          <p:cNvSpPr>
+            <a:spLocks noGrp="1"/>
+          </p:cNvSpPr>
+          <p:nvPr>
+            <p:ph type="sldNum" sz="quarter" idx="10"/>
+          </p:nvPr>
+        </p:nvSpPr>
+        <p:spPr/>
+        <p:txBody>
+          <a:bodyPr/>
+          <a:lstStyle/>
+          <a:p>
+            <a:fld id="{9BCA07FD-5BD5-4529-84B0-48DD2C561176}" type="slidenum">
+              <a:rPr lang="de-CH" smtClean="0"/>
+              <a:t>22</a:t>
+            </a:fld>
+            <a:endParaRPr lang="de-CH"/>
+          </a:p>
+        </p:txBody>
+      </p:sp>
+    </p:spTree>
+    <p:extLst>
+      <p:ext uri="{BB962C8B-B14F-4D97-AF65-F5344CB8AC3E}">
+        <p14:creationId xmlns:p14="http://schemas.microsoft.com/office/powerpoint/2010/main" val="978782014"/>
+      </p:ext>
+    </p:extLst>
+  </p:cSld>
+  <p:clrMapOvr>
+    <a:masterClrMapping/>
+  </p:clrMapOvr>
+</p:notes>
+</file>
+
+<file path=ppt/notesSlides/notesSlide23.xml><?xml version="1.0" encoding="utf-8"?>
+<p:notes xmlns:a="http://schemas.openxmlformats.org/drawingml/2006/main" xmlns:r="http://schemas.openxmlformats.org/officeDocument/2006/relationships" xmlns:p="http://schemas.openxmlformats.org/presentationml/2006/main">
+  <p:cSld>
+    <p:spTree>
+      <p:nvGrpSpPr>
+        <p:cNvPr id="1" name=""/>
+        <p:cNvGrpSpPr/>
+        <p:nvPr/>
+      </p:nvGrpSpPr>
+      <p:grpSpPr>
+        <a:xfrm>
+          <a:off x="0" y="0"/>
+          <a:ext cx="0" cy="0"/>
+          <a:chOff x="0" y="0"/>
+          <a:chExt cx="0" cy="0"/>
+        </a:xfrm>
+      </p:grpSpPr>
+      <p:sp>
+        <p:nvSpPr>
+          <p:cNvPr id="2" name="Slide Image Placeholder 1"/>
+          <p:cNvSpPr>
+            <a:spLocks noGrp="1" noRot="1" noChangeAspect="1"/>
+          </p:cNvSpPr>
+          <p:nvPr>
+            <p:ph type="sldImg"/>
+          </p:nvPr>
+        </p:nvSpPr>
+        <p:spPr/>
+      </p:sp>
+      <p:sp>
+        <p:nvSpPr>
+          <p:cNvPr id="3" name="Notes Placeholder 2"/>
+          <p:cNvSpPr>
+            <a:spLocks noGrp="1"/>
+          </p:cNvSpPr>
+          <p:nvPr>
+            <p:ph type="body" idx="1"/>
+          </p:nvPr>
+        </p:nvSpPr>
+        <p:spPr/>
+        <p:txBody>
+          <a:bodyPr/>
+          <a:lstStyle/>
+          <a:p>
+            <a:endParaRPr lang="de-CH" dirty="0"/>
+          </a:p>
+        </p:txBody>
+      </p:sp>
+      <p:sp>
+        <p:nvSpPr>
+          <p:cNvPr id="4" name="Slide Number Placeholder 3"/>
+          <p:cNvSpPr>
+            <a:spLocks noGrp="1"/>
+          </p:cNvSpPr>
+          <p:nvPr>
+            <p:ph type="sldNum" sz="quarter" idx="10"/>
+          </p:nvPr>
+        </p:nvSpPr>
+        <p:spPr/>
+        <p:txBody>
+          <a:bodyPr/>
+          <a:lstStyle/>
+          <a:p>
+            <a:fld id="{9BCA07FD-5BD5-4529-84B0-48DD2C561176}" type="slidenum">
+              <a:rPr lang="de-CH" smtClean="0"/>
+              <a:t>23</a:t>
+            </a:fld>
+            <a:endParaRPr lang="de-CH"/>
+          </a:p>
+        </p:txBody>
+      </p:sp>
+    </p:spTree>
+    <p:extLst>
+      <p:ext uri="{BB962C8B-B14F-4D97-AF65-F5344CB8AC3E}">
+        <p14:creationId xmlns:p14="http://schemas.microsoft.com/office/powerpoint/2010/main" val="88145516"/>
+      </p:ext>
+    </p:extLst>
+  </p:cSld>
+  <p:clrMapOvr>
+    <a:masterClrMapping/>
+  </p:clrMapOvr>
+</p:notes>
+</file>
+
+<file path=ppt/notesSlides/notesSlide24.xml><?xml version="1.0" encoding="utf-8"?>
+<p:notes xmlns:a="http://schemas.openxmlformats.org/drawingml/2006/main" xmlns:r="http://schemas.openxmlformats.org/officeDocument/2006/relationships" xmlns:p="http://schemas.openxmlformats.org/presentationml/2006/main">
+  <p:cSld>
+    <p:spTree>
+      <p:nvGrpSpPr>
+        <p:cNvPr id="1" name=""/>
+        <p:cNvGrpSpPr/>
+        <p:nvPr/>
+      </p:nvGrpSpPr>
+      <p:grpSpPr>
+        <a:xfrm>
+          <a:off x="0" y="0"/>
+          <a:ext cx="0" cy="0"/>
+          <a:chOff x="0" y="0"/>
+          <a:chExt cx="0" cy="0"/>
+        </a:xfrm>
+      </p:grpSpPr>
+      <p:sp>
+        <p:nvSpPr>
+          <p:cNvPr id="2" name="Slide Image Placeholder 1"/>
+          <p:cNvSpPr>
+            <a:spLocks noGrp="1" noRot="1" noChangeAspect="1"/>
+          </p:cNvSpPr>
+          <p:nvPr>
+            <p:ph type="sldImg"/>
+          </p:nvPr>
+        </p:nvSpPr>
+        <p:spPr/>
+      </p:sp>
+      <p:sp>
+        <p:nvSpPr>
+          <p:cNvPr id="3" name="Notes Placeholder 2"/>
+          <p:cNvSpPr>
+            <a:spLocks noGrp="1"/>
+          </p:cNvSpPr>
+          <p:nvPr>
+            <p:ph type="body" idx="1"/>
+          </p:nvPr>
+        </p:nvSpPr>
+        <p:spPr/>
+        <p:txBody>
+          <a:bodyPr/>
+          <a:lstStyle/>
+          <a:p>
+            <a:r>
+              <a:rPr lang="de-CH" dirty="0"/>
+              <a:t>Thank you very much</a:t>
+            </a:r>
+            <a:r>
+              <a:rPr lang="de-CH" baseline="0" dirty="0"/>
+              <a:t> for listening and see you next time</a:t>
+            </a:r>
+            <a:endParaRPr lang="de-CH" dirty="0"/>
+          </a:p>
+        </p:txBody>
+      </p:sp>
+      <p:sp>
+        <p:nvSpPr>
+          <p:cNvPr id="4" name="Slide Number Placeholder 3"/>
+          <p:cNvSpPr>
+            <a:spLocks noGrp="1"/>
+          </p:cNvSpPr>
+          <p:nvPr>
+            <p:ph type="sldNum" sz="quarter" idx="10"/>
+          </p:nvPr>
+        </p:nvSpPr>
+        <p:spPr/>
+        <p:txBody>
+          <a:bodyPr/>
+          <a:lstStyle/>
+          <a:p>
+            <a:fld id="{9BCA07FD-5BD5-4529-84B0-48DD2C561176}" type="slidenum">
+              <a:rPr lang="de-CH" smtClean="0"/>
+              <a:t>24</a:t>
             </a:fld>
             <a:endParaRPr lang="de-CH"/>
           </a:p>
@@ -3644,7 +4172,7 @@
           <a:p>
             <a:fld id="{A2EAEABE-1D59-4413-813E-803E21872067}" type="datetimeFigureOut">
               <a:rPr lang="de-CH" smtClean="0"/>
-              <a:t>04.06.2019</a:t>
+              <a:t>05.06.2019</a:t>
             </a:fld>
             <a:endParaRPr lang="de-CH"/>
           </a:p>
@@ -3686,7 +4214,7 @@
           <a:p>
             <a:fld id="{213CF880-6CB5-48AB-8FAF-28C50F70DB25}" type="slidenum">
               <a:rPr lang="de-CH" smtClean="0"/>
-              <a:t>‹Nr.›</a:t>
+              <a:t>‹#›</a:t>
             </a:fld>
             <a:endParaRPr lang="de-CH"/>
           </a:p>
@@ -3814,7 +4342,7 @@
           <a:p>
             <a:fld id="{A2EAEABE-1D59-4413-813E-803E21872067}" type="datetimeFigureOut">
               <a:rPr lang="de-CH" smtClean="0"/>
-              <a:t>04.06.2019</a:t>
+              <a:t>05.06.2019</a:t>
             </a:fld>
             <a:endParaRPr lang="de-CH"/>
           </a:p>
@@ -3856,7 +4384,7 @@
           <a:p>
             <a:fld id="{213CF880-6CB5-48AB-8FAF-28C50F70DB25}" type="slidenum">
               <a:rPr lang="de-CH" smtClean="0"/>
-              <a:t>‹Nr.›</a:t>
+              <a:t>‹#›</a:t>
             </a:fld>
             <a:endParaRPr lang="de-CH"/>
           </a:p>
@@ -3994,7 +4522,7 @@
           <a:p>
             <a:fld id="{A2EAEABE-1D59-4413-813E-803E21872067}" type="datetimeFigureOut">
               <a:rPr lang="de-CH" smtClean="0"/>
-              <a:t>04.06.2019</a:t>
+              <a:t>05.06.2019</a:t>
             </a:fld>
             <a:endParaRPr lang="de-CH"/>
           </a:p>
@@ -4036,7 +4564,7 @@
           <a:p>
             <a:fld id="{213CF880-6CB5-48AB-8FAF-28C50F70DB25}" type="slidenum">
               <a:rPr lang="de-CH" smtClean="0"/>
-              <a:t>‹Nr.›</a:t>
+              <a:t>‹#›</a:t>
             </a:fld>
             <a:endParaRPr lang="de-CH"/>
           </a:p>
@@ -4163,7 +4691,7 @@
           <a:p>
             <a:fld id="{A2EAEABE-1D59-4413-813E-803E21872067}" type="datetimeFigureOut">
               <a:rPr lang="de-CH" smtClean="0"/>
-              <a:t>04.06.2019</a:t>
+              <a:t>05.06.2019</a:t>
             </a:fld>
             <a:endParaRPr lang="de-CH"/>
           </a:p>
@@ -4205,7 +4733,7 @@
           <a:p>
             <a:fld id="{213CF880-6CB5-48AB-8FAF-28C50F70DB25}" type="slidenum">
               <a:rPr lang="de-CH" smtClean="0"/>
-              <a:t>‹Nr.›</a:t>
+              <a:t>‹#›</a:t>
             </a:fld>
             <a:endParaRPr lang="de-CH"/>
           </a:p>
@@ -4409,7 +4937,7 @@
           <a:p>
             <a:fld id="{A2EAEABE-1D59-4413-813E-803E21872067}" type="datetimeFigureOut">
               <a:rPr lang="de-CH" smtClean="0"/>
-              <a:t>04.06.2019</a:t>
+              <a:t>05.06.2019</a:t>
             </a:fld>
             <a:endParaRPr lang="de-CH"/>
           </a:p>
@@ -4451,7 +4979,7 @@
           <a:p>
             <a:fld id="{213CF880-6CB5-48AB-8FAF-28C50F70DB25}" type="slidenum">
               <a:rPr lang="de-CH" smtClean="0"/>
-              <a:t>‹Nr.›</a:t>
+              <a:t>‹#›</a:t>
             </a:fld>
             <a:endParaRPr lang="de-CH"/>
           </a:p>
@@ -4641,7 +5169,7 @@
           <a:p>
             <a:fld id="{A2EAEABE-1D59-4413-813E-803E21872067}" type="datetimeFigureOut">
               <a:rPr lang="de-CH" smtClean="0"/>
-              <a:t>04.06.2019</a:t>
+              <a:t>05.06.2019</a:t>
             </a:fld>
             <a:endParaRPr lang="de-CH"/>
           </a:p>
@@ -4683,7 +5211,7 @@
           <a:p>
             <a:fld id="{213CF880-6CB5-48AB-8FAF-28C50F70DB25}" type="slidenum">
               <a:rPr lang="de-CH" smtClean="0"/>
-              <a:t>‹Nr.›</a:t>
+              <a:t>‹#›</a:t>
             </a:fld>
             <a:endParaRPr lang="de-CH"/>
           </a:p>
@@ -5008,7 +5536,7 @@
           <a:p>
             <a:fld id="{A2EAEABE-1D59-4413-813E-803E21872067}" type="datetimeFigureOut">
               <a:rPr lang="de-CH" smtClean="0"/>
-              <a:t>04.06.2019</a:t>
+              <a:t>05.06.2019</a:t>
             </a:fld>
             <a:endParaRPr lang="de-CH"/>
           </a:p>
@@ -5050,7 +5578,7 @@
           <a:p>
             <a:fld id="{213CF880-6CB5-48AB-8FAF-28C50F70DB25}" type="slidenum">
               <a:rPr lang="de-CH" smtClean="0"/>
-              <a:t>‹Nr.›</a:t>
+              <a:t>‹#›</a:t>
             </a:fld>
             <a:endParaRPr lang="de-CH"/>
           </a:p>
@@ -5126,7 +5654,7 @@
           <a:p>
             <a:fld id="{A2EAEABE-1D59-4413-813E-803E21872067}" type="datetimeFigureOut">
               <a:rPr lang="de-CH" smtClean="0"/>
-              <a:t>04.06.2019</a:t>
+              <a:t>05.06.2019</a:t>
             </a:fld>
             <a:endParaRPr lang="de-CH"/>
           </a:p>
@@ -5168,7 +5696,7 @@
           <a:p>
             <a:fld id="{213CF880-6CB5-48AB-8FAF-28C50F70DB25}" type="slidenum">
               <a:rPr lang="de-CH" smtClean="0"/>
-              <a:t>‹Nr.›</a:t>
+              <a:t>‹#›</a:t>
             </a:fld>
             <a:endParaRPr lang="de-CH"/>
           </a:p>
@@ -5221,7 +5749,7 @@
           <a:p>
             <a:fld id="{A2EAEABE-1D59-4413-813E-803E21872067}" type="datetimeFigureOut">
               <a:rPr lang="de-CH" smtClean="0"/>
-              <a:t>04.06.2019</a:t>
+              <a:t>05.06.2019</a:t>
             </a:fld>
             <a:endParaRPr lang="de-CH"/>
           </a:p>
@@ -5263,7 +5791,7 @@
           <a:p>
             <a:fld id="{213CF880-6CB5-48AB-8FAF-28C50F70DB25}" type="slidenum">
               <a:rPr lang="de-CH" smtClean="0"/>
-              <a:t>‹Nr.›</a:t>
+              <a:t>‹#›</a:t>
             </a:fld>
             <a:endParaRPr lang="de-CH"/>
           </a:p>
@@ -5498,7 +6026,7 @@
           <a:p>
             <a:fld id="{A2EAEABE-1D59-4413-813E-803E21872067}" type="datetimeFigureOut">
               <a:rPr lang="de-CH" smtClean="0"/>
-              <a:t>04.06.2019</a:t>
+              <a:t>05.06.2019</a:t>
             </a:fld>
             <a:endParaRPr lang="de-CH"/>
           </a:p>
@@ -5540,7 +6068,7 @@
           <a:p>
             <a:fld id="{213CF880-6CB5-48AB-8FAF-28C50F70DB25}" type="slidenum">
               <a:rPr lang="de-CH" smtClean="0"/>
-              <a:t>‹Nr.›</a:t>
+              <a:t>‹#›</a:t>
             </a:fld>
             <a:endParaRPr lang="de-CH"/>
           </a:p>
@@ -5755,7 +6283,7 @@
           <a:p>
             <a:fld id="{A2EAEABE-1D59-4413-813E-803E21872067}" type="datetimeFigureOut">
               <a:rPr lang="de-CH" smtClean="0"/>
-              <a:t>04.06.2019</a:t>
+              <a:t>05.06.2019</a:t>
             </a:fld>
             <a:endParaRPr lang="de-CH"/>
           </a:p>
@@ -5797,7 +6325,7 @@
           <a:p>
             <a:fld id="{213CF880-6CB5-48AB-8FAF-28C50F70DB25}" type="slidenum">
               <a:rPr lang="de-CH" smtClean="0"/>
-              <a:t>‹Nr.›</a:t>
+              <a:t>‹#›</a:t>
             </a:fld>
             <a:endParaRPr lang="de-CH"/>
           </a:p>
@@ -5966,7 +6494,7 @@
           <a:p>
             <a:fld id="{A2EAEABE-1D59-4413-813E-803E21872067}" type="datetimeFigureOut">
               <a:rPr lang="de-CH" smtClean="0"/>
-              <a:t>04.06.2019</a:t>
+              <a:t>05.06.2019</a:t>
             </a:fld>
             <a:endParaRPr lang="de-CH"/>
           </a:p>
@@ -6044,7 +6572,7 @@
           <a:p>
             <a:fld id="{213CF880-6CB5-48AB-8FAF-28C50F70DB25}" type="slidenum">
               <a:rPr lang="de-CH" smtClean="0"/>
-              <a:t>‹Nr.›</a:t>
+              <a:t>‹#›</a:t>
             </a:fld>
             <a:endParaRPr lang="de-CH"/>
           </a:p>
@@ -7186,14 +7714,20 @@
       </p:grpSpPr>
       <p:sp>
         <p:nvSpPr>
-          <p:cNvPr id="2" name="Rectangle 1"/>
+          <p:cNvPr id="2" name="Rectangle 1">
+            <a:extLst>
+              <a:ext uri="{FF2B5EF4-FFF2-40B4-BE49-F238E27FC236}">
+                <a16:creationId xmlns:a16="http://schemas.microsoft.com/office/drawing/2014/main" id="{BCB8211C-26D3-4CD2-B965-4A9389FCE291}"/>
+              </a:ext>
+            </a:extLst>
+          </p:cNvPr>
           <p:cNvSpPr/>
           <p:nvPr/>
         </p:nvSpPr>
         <p:spPr>
           <a:xfrm>
-            <a:off x="3176771" y="1851645"/>
-            <a:ext cx="5838458" cy="3154710"/>
+            <a:off x="3569507" y="1851645"/>
+            <a:ext cx="5052986" cy="3154710"/>
           </a:xfrm>
           <a:prstGeom prst="rect">
             <a:avLst/>
@@ -7212,46 +7746,16 @@
                 </a:solidFill>
                 <a:latin typeface="Yanone Kaffeesatz Regular" panose="02000000000000000000" pitchFamily="2" charset="0"/>
               </a:rPr>
-              <a:t>Thanks</a:t>
+              <a:t>Expiry</a:t>
             </a:r>
             <a:endParaRPr lang="de-CH" sz="2000" dirty="0"/>
           </a:p>
         </p:txBody>
       </p:sp>
-      <p:pic>
-        <p:nvPicPr>
-          <p:cNvPr id="3" name="Picture 2"/>
-          <p:cNvPicPr>
-            <a:picLocks noChangeAspect="1"/>
-          </p:cNvPicPr>
-          <p:nvPr/>
-        </p:nvPicPr>
-        <p:blipFill>
-          <a:blip r:embed="rId3" cstate="print">
-            <a:extLst>
-              <a:ext uri="{28A0092B-C50C-407E-A947-70E740481C1C}">
-                <a14:useLocalDpi xmlns:a14="http://schemas.microsoft.com/office/drawing/2010/main" val="0"/>
-              </a:ext>
-            </a:extLst>
-          </a:blip>
-          <a:stretch>
-            <a:fillRect/>
-          </a:stretch>
-        </p:blipFill>
-        <p:spPr>
-          <a:xfrm>
-            <a:off x="8052306" y="612519"/>
-            <a:ext cx="2880000" cy="690817"/>
-          </a:xfrm>
-          <a:prstGeom prst="rect">
-            <a:avLst/>
-          </a:prstGeom>
-        </p:spPr>
-      </p:pic>
     </p:spTree>
     <p:extLst>
       <p:ext uri="{BB962C8B-B14F-4D97-AF65-F5344CB8AC3E}">
-        <p14:creationId xmlns:p14="http://schemas.microsoft.com/office/powerpoint/2010/main" val="697477994"/>
+        <p14:creationId xmlns:p14="http://schemas.microsoft.com/office/powerpoint/2010/main" val="2325852558"/>
       </p:ext>
     </p:extLst>
   </p:cSld>
@@ -7280,14 +7784,20 @@
       </p:grpSpPr>
       <p:sp>
         <p:nvSpPr>
-          <p:cNvPr id="2" name="Rectangle 1"/>
+          <p:cNvPr id="2" name="Rectangle 1">
+            <a:extLst>
+              <a:ext uri="{FF2B5EF4-FFF2-40B4-BE49-F238E27FC236}">
+                <a16:creationId xmlns:a16="http://schemas.microsoft.com/office/drawing/2014/main" id="{D9D014D6-D95B-49FC-A419-B2E06D1650FF}"/>
+              </a:ext>
+            </a:extLst>
+          </p:cNvPr>
           <p:cNvSpPr/>
           <p:nvPr/>
         </p:nvSpPr>
         <p:spPr>
           <a:xfrm>
-            <a:off x="1064014" y="3127733"/>
-            <a:ext cx="9685665" cy="923330"/>
+            <a:off x="663263" y="1851645"/>
+            <a:ext cx="10865475" cy="3154710"/>
           </a:xfrm>
           <a:prstGeom prst="rect">
             <a:avLst/>
@@ -7300,88 +7810,22 @@
           <a:lstStyle/>
           <a:p>
             <a:r>
-              <a:rPr lang="en-US" sz="3600" dirty="0">
-                <a:solidFill>
-                  <a:schemeClr val="tx2"/>
-                </a:solidFill>
-                <a:latin typeface="Yanone Kaffeesatz Regular" panose="02000000000000000000" pitchFamily="2" charset="0"/>
-              </a:rPr>
-              <a:t>github.com/</a:t>
-            </a:r>
-            <a:r>
-              <a:rPr lang="en-US" sz="3600" dirty="0" err="1">
-                <a:solidFill>
-                  <a:schemeClr val="tx2"/>
-                </a:solidFill>
-                <a:latin typeface="Yanone Kaffeesatz Regular" panose="02000000000000000000" pitchFamily="2" charset="0"/>
-              </a:rPr>
-              <a:t>danielmarbach</a:t>
-            </a:r>
-            <a:r>
-              <a:rPr lang="en-US" sz="3600" dirty="0">
-                <a:solidFill>
-                  <a:schemeClr val="tx2"/>
-                </a:solidFill>
-                <a:latin typeface="Yanone Kaffeesatz Regular" panose="02000000000000000000" pitchFamily="2" charset="0"/>
-              </a:rPr>
-              <a:t>/</a:t>
-            </a:r>
-            <a:r>
-              <a:rPr lang="en-US" sz="5400" dirty="0" err="1">
-                <a:solidFill>
-                  <a:schemeClr val="accent4"/>
-                </a:solidFill>
-                <a:latin typeface="Yanone Kaffeesatz Regular" panose="02000000000000000000" pitchFamily="2" charset="0"/>
-              </a:rPr>
-              <a:t>AzureServiceBus.DeepDive</a:t>
-            </a:r>
-            <a:endParaRPr lang="de-CH" sz="5400" dirty="0">
-              <a:solidFill>
-                <a:schemeClr val="accent4"/>
-              </a:solidFill>
-              <a:latin typeface="Yanone Kaffeesatz Regular" panose="02000000000000000000" pitchFamily="2" charset="0"/>
-            </a:endParaRPr>
-          </a:p>
-        </p:txBody>
-      </p:sp>
-      <p:sp>
-        <p:nvSpPr>
-          <p:cNvPr id="4" name="Rectangle 3"/>
-          <p:cNvSpPr/>
-          <p:nvPr/>
-        </p:nvSpPr>
-        <p:spPr>
-          <a:xfrm>
-            <a:off x="1064014" y="1124536"/>
-            <a:ext cx="6463629" cy="1862048"/>
-          </a:xfrm>
-          <a:prstGeom prst="rect">
-            <a:avLst/>
-          </a:prstGeom>
-        </p:spPr>
-        <p:txBody>
-          <a:bodyPr wrap="none">
-            <a:spAutoFit/>
-          </a:bodyPr>
-          <a:lstStyle/>
-          <a:p>
-            <a:r>
-              <a:rPr lang="en-US" sz="11500" dirty="0">
+              <a:rPr lang="en-US" sz="19900" dirty="0" err="1">
                 <a:solidFill>
                   <a:schemeClr val="accent2"/>
                 </a:solidFill>
                 <a:latin typeface="Yanone Kaffeesatz Regular" panose="02000000000000000000" pitchFamily="2" charset="0"/>
               </a:rPr>
-              <a:t>Slides, Links…</a:t>
-            </a:r>
-            <a:endParaRPr lang="de-CH" sz="1400" dirty="0"/>
+              <a:t>Deadlettering</a:t>
+            </a:r>
+            <a:endParaRPr lang="de-CH" sz="2000" dirty="0"/>
           </a:p>
         </p:txBody>
       </p:sp>
     </p:spTree>
     <p:extLst>
       <p:ext uri="{BB962C8B-B14F-4D97-AF65-F5344CB8AC3E}">
-        <p14:creationId xmlns:p14="http://schemas.microsoft.com/office/powerpoint/2010/main" val="1581449120"/>
+        <p14:creationId xmlns:p14="http://schemas.microsoft.com/office/powerpoint/2010/main" val="3905447284"/>
       </p:ext>
     </p:extLst>
   </p:cSld>
@@ -7410,14 +7854,20 @@
       </p:grpSpPr>
       <p:sp>
         <p:nvSpPr>
-          <p:cNvPr id="2" name="Rectangle 1"/>
+          <p:cNvPr id="2" name="Rectangle 1">
+            <a:extLst>
+              <a:ext uri="{FF2B5EF4-FFF2-40B4-BE49-F238E27FC236}">
+                <a16:creationId xmlns:a16="http://schemas.microsoft.com/office/drawing/2014/main" id="{D9D014D6-D95B-49FC-A419-B2E06D1650FF}"/>
+              </a:ext>
+            </a:extLst>
+          </p:cNvPr>
           <p:cNvSpPr/>
           <p:nvPr/>
         </p:nvSpPr>
         <p:spPr>
           <a:xfrm>
-            <a:off x="3858849" y="1851645"/>
-            <a:ext cx="4474302" cy="3154710"/>
+            <a:off x="1617050" y="1851645"/>
+            <a:ext cx="8957901" cy="3154710"/>
           </a:xfrm>
           <a:prstGeom prst="rect">
             <a:avLst/>
@@ -7436,46 +7886,16 @@
                 </a:solidFill>
                 <a:latin typeface="Yanone Kaffeesatz Regular" panose="02000000000000000000" pitchFamily="2" charset="0"/>
               </a:rPr>
-              <a:t>Q &amp; A</a:t>
+              <a:t>Forwarding</a:t>
             </a:r>
             <a:endParaRPr lang="de-CH" sz="2000" dirty="0"/>
           </a:p>
         </p:txBody>
       </p:sp>
-      <p:pic>
-        <p:nvPicPr>
-          <p:cNvPr id="4" name="Picture 3"/>
-          <p:cNvPicPr>
-            <a:picLocks noChangeAspect="1"/>
-          </p:cNvPicPr>
-          <p:nvPr/>
-        </p:nvPicPr>
-        <p:blipFill>
-          <a:blip r:embed="rId3" cstate="print">
-            <a:extLst>
-              <a:ext uri="{28A0092B-C50C-407E-A947-70E740481C1C}">
-                <a14:useLocalDpi xmlns:a14="http://schemas.microsoft.com/office/drawing/2010/main" val="0"/>
-              </a:ext>
-            </a:extLst>
-          </a:blip>
-          <a:stretch>
-            <a:fillRect/>
-          </a:stretch>
-        </p:blipFill>
-        <p:spPr>
-          <a:xfrm>
-            <a:off x="8052306" y="612519"/>
-            <a:ext cx="2880000" cy="690817"/>
-          </a:xfrm>
-          <a:prstGeom prst="rect">
-            <a:avLst/>
-          </a:prstGeom>
-        </p:spPr>
-      </p:pic>
     </p:spTree>
     <p:extLst>
       <p:ext uri="{BB962C8B-B14F-4D97-AF65-F5344CB8AC3E}">
-        <p14:creationId xmlns:p14="http://schemas.microsoft.com/office/powerpoint/2010/main" val="4241321608"/>
+        <p14:creationId xmlns:p14="http://schemas.microsoft.com/office/powerpoint/2010/main" val="1079070950"/>
       </p:ext>
     </p:extLst>
   </p:cSld>
@@ -8926,6 +9346,324 @@
           <a:chExt cx="0" cy="0"/>
         </a:xfrm>
       </p:grpSpPr>
+      <p:sp>
+        <p:nvSpPr>
+          <p:cNvPr id="2" name="Rectangle 1"/>
+          <p:cNvSpPr/>
+          <p:nvPr/>
+        </p:nvSpPr>
+        <p:spPr>
+          <a:xfrm>
+            <a:off x="3176771" y="1851645"/>
+            <a:ext cx="5838458" cy="3154710"/>
+          </a:xfrm>
+          <a:prstGeom prst="rect">
+            <a:avLst/>
+          </a:prstGeom>
+        </p:spPr>
+        <p:txBody>
+          <a:bodyPr wrap="none">
+            <a:spAutoFit/>
+          </a:bodyPr>
+          <a:lstStyle/>
+          <a:p>
+            <a:r>
+              <a:rPr lang="en-US" sz="19900" dirty="0">
+                <a:solidFill>
+                  <a:schemeClr val="accent2"/>
+                </a:solidFill>
+                <a:latin typeface="Yanone Kaffeesatz Regular" panose="02000000000000000000" pitchFamily="2" charset="0"/>
+              </a:rPr>
+              <a:t>Thanks</a:t>
+            </a:r>
+            <a:endParaRPr lang="de-CH" sz="2000" dirty="0"/>
+          </a:p>
+        </p:txBody>
+      </p:sp>
+      <p:pic>
+        <p:nvPicPr>
+          <p:cNvPr id="3" name="Picture 2"/>
+          <p:cNvPicPr>
+            <a:picLocks noChangeAspect="1"/>
+          </p:cNvPicPr>
+          <p:nvPr/>
+        </p:nvPicPr>
+        <p:blipFill>
+          <a:blip r:embed="rId3" cstate="print">
+            <a:extLst>
+              <a:ext uri="{28A0092B-C50C-407E-A947-70E740481C1C}">
+                <a14:useLocalDpi xmlns:a14="http://schemas.microsoft.com/office/drawing/2010/main" val="0"/>
+              </a:ext>
+            </a:extLst>
+          </a:blip>
+          <a:stretch>
+            <a:fillRect/>
+          </a:stretch>
+        </p:blipFill>
+        <p:spPr>
+          <a:xfrm>
+            <a:off x="8052306" y="612519"/>
+            <a:ext cx="2880000" cy="690817"/>
+          </a:xfrm>
+          <a:prstGeom prst="rect">
+            <a:avLst/>
+          </a:prstGeom>
+        </p:spPr>
+      </p:pic>
+    </p:spTree>
+    <p:extLst>
+      <p:ext uri="{BB962C8B-B14F-4D97-AF65-F5344CB8AC3E}">
+        <p14:creationId xmlns:p14="http://schemas.microsoft.com/office/powerpoint/2010/main" val="697477994"/>
+      </p:ext>
+    </p:extLst>
+  </p:cSld>
+  <p:clrMapOvr>
+    <a:masterClrMapping/>
+  </p:clrMapOvr>
+</p:sld>
+</file>
+
+<file path=ppt/slides/slide21.xml><?xml version="1.0" encoding="utf-8"?>
+<p:sld xmlns:a="http://schemas.openxmlformats.org/drawingml/2006/main" xmlns:r="http://schemas.openxmlformats.org/officeDocument/2006/relationships" xmlns:p="http://schemas.openxmlformats.org/presentationml/2006/main">
+  <p:cSld>
+    <p:spTree>
+      <p:nvGrpSpPr>
+        <p:cNvPr id="1" name=""/>
+        <p:cNvGrpSpPr/>
+        <p:nvPr/>
+      </p:nvGrpSpPr>
+      <p:grpSpPr>
+        <a:xfrm>
+          <a:off x="0" y="0"/>
+          <a:ext cx="0" cy="0"/>
+          <a:chOff x="0" y="0"/>
+          <a:chExt cx="0" cy="0"/>
+        </a:xfrm>
+      </p:grpSpPr>
+      <p:sp>
+        <p:nvSpPr>
+          <p:cNvPr id="2" name="Rectangle 1"/>
+          <p:cNvSpPr/>
+          <p:nvPr/>
+        </p:nvSpPr>
+        <p:spPr>
+          <a:xfrm>
+            <a:off x="1064014" y="3127733"/>
+            <a:ext cx="9685665" cy="923330"/>
+          </a:xfrm>
+          <a:prstGeom prst="rect">
+            <a:avLst/>
+          </a:prstGeom>
+        </p:spPr>
+        <p:txBody>
+          <a:bodyPr wrap="none">
+            <a:spAutoFit/>
+          </a:bodyPr>
+          <a:lstStyle/>
+          <a:p>
+            <a:r>
+              <a:rPr lang="en-US" sz="3600" dirty="0">
+                <a:solidFill>
+                  <a:schemeClr val="tx2"/>
+                </a:solidFill>
+                <a:latin typeface="Yanone Kaffeesatz Regular" panose="02000000000000000000" pitchFamily="2" charset="0"/>
+              </a:rPr>
+              <a:t>github.com/</a:t>
+            </a:r>
+            <a:r>
+              <a:rPr lang="en-US" sz="3600" dirty="0" err="1">
+                <a:solidFill>
+                  <a:schemeClr val="tx2"/>
+                </a:solidFill>
+                <a:latin typeface="Yanone Kaffeesatz Regular" panose="02000000000000000000" pitchFamily="2" charset="0"/>
+              </a:rPr>
+              <a:t>danielmarbach</a:t>
+            </a:r>
+            <a:r>
+              <a:rPr lang="en-US" sz="3600" dirty="0">
+                <a:solidFill>
+                  <a:schemeClr val="tx2"/>
+                </a:solidFill>
+                <a:latin typeface="Yanone Kaffeesatz Regular" panose="02000000000000000000" pitchFamily="2" charset="0"/>
+              </a:rPr>
+              <a:t>/</a:t>
+            </a:r>
+            <a:r>
+              <a:rPr lang="en-US" sz="5400" dirty="0" err="1">
+                <a:solidFill>
+                  <a:schemeClr val="accent4"/>
+                </a:solidFill>
+                <a:latin typeface="Yanone Kaffeesatz Regular" panose="02000000000000000000" pitchFamily="2" charset="0"/>
+              </a:rPr>
+              <a:t>AzureServiceBus.DeepDive</a:t>
+            </a:r>
+            <a:endParaRPr lang="de-CH" sz="5400" dirty="0">
+              <a:solidFill>
+                <a:schemeClr val="accent4"/>
+              </a:solidFill>
+              <a:latin typeface="Yanone Kaffeesatz Regular" panose="02000000000000000000" pitchFamily="2" charset="0"/>
+            </a:endParaRPr>
+          </a:p>
+        </p:txBody>
+      </p:sp>
+      <p:sp>
+        <p:nvSpPr>
+          <p:cNvPr id="4" name="Rectangle 3"/>
+          <p:cNvSpPr/>
+          <p:nvPr/>
+        </p:nvSpPr>
+        <p:spPr>
+          <a:xfrm>
+            <a:off x="1064014" y="1124536"/>
+            <a:ext cx="6463629" cy="1862048"/>
+          </a:xfrm>
+          <a:prstGeom prst="rect">
+            <a:avLst/>
+          </a:prstGeom>
+        </p:spPr>
+        <p:txBody>
+          <a:bodyPr wrap="none">
+            <a:spAutoFit/>
+          </a:bodyPr>
+          <a:lstStyle/>
+          <a:p>
+            <a:r>
+              <a:rPr lang="en-US" sz="11500" dirty="0">
+                <a:solidFill>
+                  <a:schemeClr val="accent2"/>
+                </a:solidFill>
+                <a:latin typeface="Yanone Kaffeesatz Regular" panose="02000000000000000000" pitchFamily="2" charset="0"/>
+              </a:rPr>
+              <a:t>Slides, Links…</a:t>
+            </a:r>
+            <a:endParaRPr lang="de-CH" sz="1400" dirty="0"/>
+          </a:p>
+        </p:txBody>
+      </p:sp>
+    </p:spTree>
+    <p:extLst>
+      <p:ext uri="{BB962C8B-B14F-4D97-AF65-F5344CB8AC3E}">
+        <p14:creationId xmlns:p14="http://schemas.microsoft.com/office/powerpoint/2010/main" val="1581449120"/>
+      </p:ext>
+    </p:extLst>
+  </p:cSld>
+  <p:clrMapOvr>
+    <a:masterClrMapping/>
+  </p:clrMapOvr>
+</p:sld>
+</file>
+
+<file path=ppt/slides/slide22.xml><?xml version="1.0" encoding="utf-8"?>
+<p:sld xmlns:a="http://schemas.openxmlformats.org/drawingml/2006/main" xmlns:r="http://schemas.openxmlformats.org/officeDocument/2006/relationships" xmlns:p="http://schemas.openxmlformats.org/presentationml/2006/main">
+  <p:cSld>
+    <p:spTree>
+      <p:nvGrpSpPr>
+        <p:cNvPr id="1" name=""/>
+        <p:cNvGrpSpPr/>
+        <p:nvPr/>
+      </p:nvGrpSpPr>
+      <p:grpSpPr>
+        <a:xfrm>
+          <a:off x="0" y="0"/>
+          <a:ext cx="0" cy="0"/>
+          <a:chOff x="0" y="0"/>
+          <a:chExt cx="0" cy="0"/>
+        </a:xfrm>
+      </p:grpSpPr>
+      <p:sp>
+        <p:nvSpPr>
+          <p:cNvPr id="2" name="Rectangle 1"/>
+          <p:cNvSpPr/>
+          <p:nvPr/>
+        </p:nvSpPr>
+        <p:spPr>
+          <a:xfrm>
+            <a:off x="3858849" y="1851645"/>
+            <a:ext cx="4474302" cy="3154710"/>
+          </a:xfrm>
+          <a:prstGeom prst="rect">
+            <a:avLst/>
+          </a:prstGeom>
+        </p:spPr>
+        <p:txBody>
+          <a:bodyPr wrap="none">
+            <a:spAutoFit/>
+          </a:bodyPr>
+          <a:lstStyle/>
+          <a:p>
+            <a:r>
+              <a:rPr lang="en-US" sz="19900" dirty="0">
+                <a:solidFill>
+                  <a:schemeClr val="accent2"/>
+                </a:solidFill>
+                <a:latin typeface="Yanone Kaffeesatz Regular" panose="02000000000000000000" pitchFamily="2" charset="0"/>
+              </a:rPr>
+              <a:t>Q &amp; A</a:t>
+            </a:r>
+            <a:endParaRPr lang="de-CH" sz="2000" dirty="0"/>
+          </a:p>
+        </p:txBody>
+      </p:sp>
+      <p:pic>
+        <p:nvPicPr>
+          <p:cNvPr id="4" name="Picture 3"/>
+          <p:cNvPicPr>
+            <a:picLocks noChangeAspect="1"/>
+          </p:cNvPicPr>
+          <p:nvPr/>
+        </p:nvPicPr>
+        <p:blipFill>
+          <a:blip r:embed="rId3" cstate="print">
+            <a:extLst>
+              <a:ext uri="{28A0092B-C50C-407E-A947-70E740481C1C}">
+                <a14:useLocalDpi xmlns:a14="http://schemas.microsoft.com/office/drawing/2010/main" val="0"/>
+              </a:ext>
+            </a:extLst>
+          </a:blip>
+          <a:stretch>
+            <a:fillRect/>
+          </a:stretch>
+        </p:blipFill>
+        <p:spPr>
+          <a:xfrm>
+            <a:off x="8052306" y="612519"/>
+            <a:ext cx="2880000" cy="690817"/>
+          </a:xfrm>
+          <a:prstGeom prst="rect">
+            <a:avLst/>
+          </a:prstGeom>
+        </p:spPr>
+      </p:pic>
+    </p:spTree>
+    <p:extLst>
+      <p:ext uri="{BB962C8B-B14F-4D97-AF65-F5344CB8AC3E}">
+        <p14:creationId xmlns:p14="http://schemas.microsoft.com/office/powerpoint/2010/main" val="4241321608"/>
+      </p:ext>
+    </p:extLst>
+  </p:cSld>
+  <p:clrMapOvr>
+    <a:masterClrMapping/>
+  </p:clrMapOvr>
+</p:sld>
+</file>
+
+<file path=ppt/slides/slide23.xml><?xml version="1.0" encoding="utf-8"?>
+<p:sld xmlns:a="http://schemas.openxmlformats.org/drawingml/2006/main" xmlns:r="http://schemas.openxmlformats.org/officeDocument/2006/relationships" xmlns:p="http://schemas.openxmlformats.org/presentationml/2006/main">
+  <p:cSld>
+    <p:spTree>
+      <p:nvGrpSpPr>
+        <p:cNvPr id="1" name=""/>
+        <p:cNvGrpSpPr/>
+        <p:nvPr/>
+      </p:nvGrpSpPr>
+      <p:grpSpPr>
+        <a:xfrm>
+          <a:off x="0" y="0"/>
+          <a:ext cx="0" cy="0"/>
+          <a:chOff x="0" y="0"/>
+          <a:chExt cx="0" cy="0"/>
+        </a:xfrm>
+      </p:grpSpPr>
       <p:pic>
         <p:nvPicPr>
           <p:cNvPr id="3" name="Picture 2"/>
@@ -9084,7 +9822,7 @@
 </p:sld>
 </file>
 
-<file path=ppt/slides/slide21.xml><?xml version="1.0" encoding="utf-8"?>
+<file path=ppt/slides/slide24.xml><?xml version="1.0" encoding="utf-8"?>
 <p:sld xmlns:a="http://schemas.openxmlformats.org/drawingml/2006/main" xmlns:r="http://schemas.openxmlformats.org/officeDocument/2006/relationships" xmlns:p="http://schemas.openxmlformats.org/presentationml/2006/main">
   <p:cSld>
     <p:spTree>

--- a/presentation.pptx
+++ b/presentation.pptx
@@ -5,7 +5,7 @@
     <p:sldMasterId id="2147483684" r:id="rId1"/>
   </p:sldMasterIdLst>
   <p:notesMasterIdLst>
-    <p:notesMasterId r:id="rId26"/>
+    <p:notesMasterId r:id="rId32"/>
   </p:notesMasterIdLst>
   <p:sldIdLst>
     <p:sldId id="278" r:id="rId2"/>
@@ -27,11 +27,17 @@
     <p:sldId id="503" r:id="rId18"/>
     <p:sldId id="502" r:id="rId19"/>
     <p:sldId id="501" r:id="rId20"/>
-    <p:sldId id="489" r:id="rId21"/>
-    <p:sldId id="267" r:id="rId22"/>
-    <p:sldId id="275" r:id="rId23"/>
-    <p:sldId id="268" r:id="rId24"/>
-    <p:sldId id="279" r:id="rId25"/>
+    <p:sldId id="504" r:id="rId21"/>
+    <p:sldId id="505" r:id="rId22"/>
+    <p:sldId id="506" r:id="rId23"/>
+    <p:sldId id="507" r:id="rId24"/>
+    <p:sldId id="508" r:id="rId25"/>
+    <p:sldId id="509" r:id="rId26"/>
+    <p:sldId id="489" r:id="rId27"/>
+    <p:sldId id="267" r:id="rId28"/>
+    <p:sldId id="275" r:id="rId29"/>
+    <p:sldId id="268" r:id="rId30"/>
+    <p:sldId id="279" r:id="rId31"/>
   </p:sldIdLst>
   <p:sldSz cx="12192000" cy="6858000"/>
   <p:notesSz cx="6858000" cy="9144000"/>
@@ -154,6 +160,12 @@
             <p14:sldId id="503"/>
             <p14:sldId id="502"/>
             <p14:sldId id="501"/>
+            <p14:sldId id="504"/>
+            <p14:sldId id="505"/>
+            <p14:sldId id="506"/>
+            <p14:sldId id="507"/>
+            <p14:sldId id="508"/>
+            <p14:sldId id="509"/>
           </p14:sldIdLst>
         </p14:section>
         <p14:section name="Wrap up" id="{BCD9F38D-60DF-4459-9684-4C9C9939E42E}">
@@ -262,7 +274,7 @@
           <a:p>
             <a:fld id="{D987070D-87AF-4443-8990-425EA27CC244}" type="datetimeFigureOut">
               <a:rPr lang="de-CH" smtClean="0"/>
-              <a:t>05.06.2019</a:t>
+              <a:t>06.06.2019</a:t>
             </a:fld>
             <a:endParaRPr lang="de-CH"/>
           </a:p>
@@ -421,7 +433,7 @@
           <a:p>
             <a:fld id="{9BCA07FD-5BD5-4529-84B0-48DD2C561176}" type="slidenum">
               <a:rPr lang="de-CH" smtClean="0"/>
-              <a:t>‹#›</a:t>
+              <a:t>‹Nr.›</a:t>
             </a:fld>
             <a:endParaRPr lang="de-CH"/>
           </a:p>
@@ -2845,10 +2857,143 @@
           <a:lstStyle/>
           <a:p>
             <a:r>
-              <a:rPr lang="de-CH" dirty="0" err="1"/>
-              <a:t>Thanks</a:t>
-            </a:r>
-            <a:endParaRPr lang="de-CH" dirty="0"/>
+              <a:rPr lang="en-GB" sz="1200" b="0" i="0" kern="1200" dirty="0">
+                <a:solidFill>
+                  <a:schemeClr val="tx1"/>
+                </a:solidFill>
+                <a:effectLst/>
+                <a:latin typeface="+mn-lt"/>
+                <a:ea typeface="+mn-ea"/>
+                <a:cs typeface="+mn-cs"/>
+              </a:rPr>
+              <a:t>In contrast to queues, in which each message is processed by a single consumer, </a:t>
+            </a:r>
+            <a:r>
+              <a:rPr lang="en-GB" sz="1200" b="0" i="1" kern="1200" dirty="0">
+                <a:solidFill>
+                  <a:schemeClr val="tx1"/>
+                </a:solidFill>
+                <a:effectLst/>
+                <a:latin typeface="+mn-lt"/>
+                <a:ea typeface="+mn-ea"/>
+                <a:cs typeface="+mn-cs"/>
+              </a:rPr>
+              <a:t>topics</a:t>
+            </a:r>
+            <a:r>
+              <a:rPr lang="en-GB" sz="1200" b="0" i="0" kern="1200" dirty="0">
+                <a:solidFill>
+                  <a:schemeClr val="tx1"/>
+                </a:solidFill>
+                <a:effectLst/>
+                <a:latin typeface="+mn-lt"/>
+                <a:ea typeface="+mn-ea"/>
+                <a:cs typeface="+mn-cs"/>
+              </a:rPr>
+              <a:t> and </a:t>
+            </a:r>
+            <a:r>
+              <a:rPr lang="en-GB" sz="1200" b="0" i="1" kern="1200" dirty="0">
+                <a:solidFill>
+                  <a:schemeClr val="tx1"/>
+                </a:solidFill>
+                <a:effectLst/>
+                <a:latin typeface="+mn-lt"/>
+                <a:ea typeface="+mn-ea"/>
+                <a:cs typeface="+mn-cs"/>
+              </a:rPr>
+              <a:t>subscriptions</a:t>
+            </a:r>
+            <a:r>
+              <a:rPr lang="en-GB" sz="1200" b="0" i="0" kern="1200" dirty="0">
+                <a:solidFill>
+                  <a:schemeClr val="tx1"/>
+                </a:solidFill>
+                <a:effectLst/>
+                <a:latin typeface="+mn-lt"/>
+                <a:ea typeface="+mn-ea"/>
+                <a:cs typeface="+mn-cs"/>
+              </a:rPr>
+              <a:t> provide a one-to-many form of communication, in a </a:t>
+            </a:r>
+            <a:r>
+              <a:rPr lang="en-GB" sz="1200" b="0" i="1" kern="1200" dirty="0">
+                <a:solidFill>
+                  <a:schemeClr val="tx1"/>
+                </a:solidFill>
+                <a:effectLst/>
+                <a:latin typeface="+mn-lt"/>
+                <a:ea typeface="+mn-ea"/>
+                <a:cs typeface="+mn-cs"/>
+              </a:rPr>
+              <a:t>publish/subscribe</a:t>
+            </a:r>
+            <a:r>
+              <a:rPr lang="en-GB" sz="1200" b="0" i="0" kern="1200" dirty="0">
+                <a:solidFill>
+                  <a:schemeClr val="tx1"/>
+                </a:solidFill>
+                <a:effectLst/>
+                <a:latin typeface="+mn-lt"/>
+                <a:ea typeface="+mn-ea"/>
+                <a:cs typeface="+mn-cs"/>
+              </a:rPr>
+              <a:t> pattern. Useful for scaling to large numbers of recipients, each published message is made available to each subscription registered with the topic. </a:t>
+            </a:r>
+          </a:p>
+          <a:p>
+            <a:endParaRPr lang="en-GB" sz="1200" b="0" i="0" kern="1200" dirty="0">
+              <a:solidFill>
+                <a:schemeClr val="tx1"/>
+              </a:solidFill>
+              <a:effectLst/>
+              <a:latin typeface="+mn-lt"/>
+              <a:ea typeface="+mn-ea"/>
+              <a:cs typeface="+mn-cs"/>
+            </a:endParaRPr>
+          </a:p>
+          <a:p>
+            <a:pPr marL="285750" indent="-285750">
+              <a:buFont typeface="Arial" panose="020B0604020202020204" pitchFamily="34" charset="0"/>
+              <a:buChar char="•"/>
+            </a:pPr>
+            <a:r>
+              <a:rPr lang="en-CA" sz="1200" dirty="0"/>
+              <a:t>Senders only knows Topics</a:t>
+            </a:r>
+          </a:p>
+          <a:p>
+            <a:pPr marL="285750" indent="-285750">
+              <a:buFont typeface="Arial" panose="020B0604020202020204" pitchFamily="34" charset="0"/>
+              <a:buChar char="•"/>
+            </a:pPr>
+            <a:r>
+              <a:rPr lang="en-CA" sz="1200" dirty="0"/>
+              <a:t>Receivers only know about Subscriptions</a:t>
+            </a:r>
+          </a:p>
+          <a:p>
+            <a:pPr marL="285750" indent="-285750">
+              <a:buFont typeface="Arial" panose="020B0604020202020204" pitchFamily="34" charset="0"/>
+              <a:buChar char="•"/>
+            </a:pPr>
+            <a:r>
+              <a:rPr lang="en-CA" sz="1200" dirty="0"/>
+              <a:t>Subscriptions have Filters (rules) and Actions</a:t>
+            </a:r>
+          </a:p>
+          <a:p>
+            <a:pPr marL="285750" indent="-285750">
+              <a:buFont typeface="Arial" panose="020B0604020202020204" pitchFamily="34" charset="0"/>
+              <a:buChar char="•"/>
+            </a:pPr>
+            <a:r>
+              <a:rPr lang="en-CA" sz="1200" dirty="0"/>
+              <a:t>Rules evaluated using OR logic</a:t>
+            </a:r>
+          </a:p>
+          <a:p>
+            <a:endParaRPr lang="en-US" dirty="0"/>
           </a:p>
         </p:txBody>
       </p:sp>
@@ -2859,7 +3004,7 @@
             <a:spLocks noGrp="1"/>
           </p:cNvSpPr>
           <p:nvPr>
-            <p:ph type="sldNum" sz="quarter" idx="10"/>
+            <p:ph type="sldNum" sz="quarter" idx="5"/>
           </p:nvPr>
         </p:nvSpPr>
         <p:spPr/>
@@ -2878,7 +3023,7 @@
     </p:spTree>
     <p:extLst>
       <p:ext uri="{BB962C8B-B14F-4D97-AF65-F5344CB8AC3E}">
-        <p14:creationId xmlns:p14="http://schemas.microsoft.com/office/powerpoint/2010/main" val="1171336995"/>
+        <p14:creationId xmlns:p14="http://schemas.microsoft.com/office/powerpoint/2010/main" val="3027252653"/>
       </p:ext>
     </p:extLst>
   </p:cSld>
@@ -2907,7 +3052,7 @@
       </p:grpSpPr>
       <p:sp>
         <p:nvSpPr>
-          <p:cNvPr id="2" name="Slide Image Placeholder 1"/>
+          <p:cNvPr id="2" name="Folienbildplatzhalter 1"/>
           <p:cNvSpPr>
             <a:spLocks noGrp="1" noRot="1" noChangeAspect="1"/>
           </p:cNvSpPr>
@@ -2919,7 +3064,7 @@
       </p:sp>
       <p:sp>
         <p:nvSpPr>
-          <p:cNvPr id="3" name="Notes Placeholder 2"/>
+          <p:cNvPr id="3" name="Notizenplatzhalter 2"/>
           <p:cNvSpPr>
             <a:spLocks noGrp="1"/>
           </p:cNvSpPr>
@@ -2932,18 +3077,30 @@
           <a:bodyPr/>
           <a:lstStyle/>
           <a:p>
+            <a:r>
+              <a:rPr lang="en-GB" sz="1200" b="0" i="0" kern="1200" dirty="0">
+                <a:solidFill>
+                  <a:schemeClr val="tx1"/>
+                </a:solidFill>
+                <a:effectLst/>
+                <a:latin typeface="+mn-lt"/>
+                <a:ea typeface="+mn-ea"/>
+                <a:cs typeface="+mn-cs"/>
+              </a:rPr>
+              <a:t>Messages are sent to a topic and delivered to one or more associated subscriptions, depending on filter rules that can be set on a per-subscription basis. The subscriptions can use additional filters to restrict the messages that they want to receive. Messages are sent to a topic in the same way they are sent to a queue, but messages are not received from the topic directly. Instead, they are received from subscriptions. A topic subscription resembles a virtual queue that receives copies of the messages that are sent to the topic. Messages are received from a subscription identically to the way they are received from a queue.</a:t>
+            </a:r>
             <a:endParaRPr lang="de-CH" dirty="0"/>
           </a:p>
         </p:txBody>
       </p:sp>
       <p:sp>
         <p:nvSpPr>
-          <p:cNvPr id="4" name="Slide Number Placeholder 3"/>
+          <p:cNvPr id="4" name="Foliennummernplatzhalter 3"/>
           <p:cNvSpPr>
             <a:spLocks noGrp="1"/>
           </p:cNvSpPr>
           <p:nvPr>
-            <p:ph type="sldNum" sz="quarter" idx="10"/>
+            <p:ph type="sldNum" sz="quarter" idx="5"/>
           </p:nvPr>
         </p:nvSpPr>
         <p:spPr/>
@@ -2962,7 +3119,7 @@
     </p:spTree>
     <p:extLst>
       <p:ext uri="{BB962C8B-B14F-4D97-AF65-F5344CB8AC3E}">
-        <p14:creationId xmlns:p14="http://schemas.microsoft.com/office/powerpoint/2010/main" val="3670487613"/>
+        <p14:creationId xmlns:p14="http://schemas.microsoft.com/office/powerpoint/2010/main" val="185496670"/>
       </p:ext>
     </p:extLst>
   </p:cSld>
@@ -2991,7 +3148,7 @@
       </p:grpSpPr>
       <p:sp>
         <p:nvSpPr>
-          <p:cNvPr id="2" name="Slide Image Placeholder 1"/>
+          <p:cNvPr id="2" name="Folienbildplatzhalter 1"/>
           <p:cNvSpPr>
             <a:spLocks noGrp="1" noRot="1" noChangeAspect="1"/>
           </p:cNvSpPr>
@@ -3003,7 +3160,7 @@
       </p:sp>
       <p:sp>
         <p:nvSpPr>
-          <p:cNvPr id="3" name="Notes Placeholder 2"/>
+          <p:cNvPr id="3" name="Notizenplatzhalter 2"/>
           <p:cNvSpPr>
             <a:spLocks noGrp="1"/>
           </p:cNvSpPr>
@@ -3016,18 +3173,129 @@
           <a:bodyPr/>
           <a:lstStyle/>
           <a:p>
+            <a:r>
+              <a:rPr lang="en-GB" dirty="0"/>
+              <a:t>Boolean filters - The </a:t>
+            </a:r>
+            <a:r>
+              <a:rPr lang="en-GB" dirty="0" err="1"/>
+              <a:t>TrueFilter</a:t>
+            </a:r>
+            <a:r>
+              <a:rPr lang="en-GB" dirty="0"/>
+              <a:t> and </a:t>
+            </a:r>
+            <a:r>
+              <a:rPr lang="en-GB" dirty="0" err="1"/>
+              <a:t>FalseFilter</a:t>
+            </a:r>
+            <a:r>
+              <a:rPr lang="en-GB" dirty="0"/>
+              <a:t> either cause all arriving messages (true) or none of the arriving messages (false) to be selected for the subscription.</a:t>
+            </a:r>
+          </a:p>
+          <a:p>
+            <a:endParaRPr lang="en-GB" dirty="0"/>
+          </a:p>
+          <a:p>
+            <a:r>
+              <a:rPr lang="en-GB" dirty="0"/>
+              <a:t>SQL Filters - A </a:t>
+            </a:r>
+            <a:r>
+              <a:rPr lang="en-GB" dirty="0" err="1"/>
+              <a:t>SqlFilter</a:t>
+            </a:r>
+            <a:r>
+              <a:rPr lang="en-GB" dirty="0"/>
+              <a:t> holds a SQL-like conditional expression that is evaluated in the broker against the arriving messages' user-defined properties and system properties. All system properties must be prefixed with sys. in the conditional expression. The SQL-language subset for filter conditions tests for the existence of properties (EXISTS), as well as for null-values (IS NULL), logical NOT/AND/OR, relational operators, simple numeric arithmetic, and simple text pattern matching with LIKE.</a:t>
+            </a:r>
+          </a:p>
+          <a:p>
+            <a:endParaRPr lang="en-GB" dirty="0"/>
+          </a:p>
+          <a:p>
+            <a:r>
+              <a:rPr lang="en-GB" dirty="0"/>
+              <a:t>Correlation Filters - A </a:t>
+            </a:r>
+            <a:r>
+              <a:rPr lang="en-GB" dirty="0" err="1"/>
+              <a:t>CorrelationFilter</a:t>
+            </a:r>
+            <a:r>
+              <a:rPr lang="en-GB" dirty="0"/>
+              <a:t> holds a set of conditions that are matched against one or more of an arriving message's user and system properties. A common use is to match against the </a:t>
+            </a:r>
+            <a:r>
+              <a:rPr lang="en-GB" dirty="0" err="1"/>
+              <a:t>CorrelationId</a:t>
+            </a:r>
+            <a:r>
+              <a:rPr lang="en-GB" dirty="0"/>
+              <a:t> property, but the application can also choose to match against </a:t>
+            </a:r>
+            <a:r>
+              <a:rPr lang="en-GB" dirty="0" err="1"/>
+              <a:t>ContentType</a:t>
+            </a:r>
+            <a:r>
+              <a:rPr lang="en-GB" dirty="0"/>
+              <a:t>, Label, </a:t>
+            </a:r>
+            <a:r>
+              <a:rPr lang="en-GB" dirty="0" err="1"/>
+              <a:t>MessageId</a:t>
+            </a:r>
+            <a:r>
+              <a:rPr lang="en-GB" dirty="0"/>
+              <a:t>, </a:t>
+            </a:r>
+            <a:r>
+              <a:rPr lang="en-GB" dirty="0" err="1"/>
+              <a:t>ReplyTo</a:t>
+            </a:r>
+            <a:r>
+              <a:rPr lang="en-GB" dirty="0"/>
+              <a:t>, </a:t>
+            </a:r>
+            <a:r>
+              <a:rPr lang="en-GB" dirty="0" err="1"/>
+              <a:t>ReplyToSessionId</a:t>
+            </a:r>
+            <a:r>
+              <a:rPr lang="en-GB" dirty="0"/>
+              <a:t>, </a:t>
+            </a:r>
+            <a:r>
+              <a:rPr lang="en-GB" dirty="0" err="1"/>
+              <a:t>SessionId</a:t>
+            </a:r>
+            <a:r>
+              <a:rPr lang="en-GB" dirty="0"/>
+              <a:t>, To, and any user-defined properties. A match exists when an arriving message's value for a property is equal to the value specified in the correlation filter. For string expressions, the comparison is case-sensitive. When specifying multiple match properties, the filter combines them as a logical AND condition, meaning for the filter to match, all conditions must match.</a:t>
+            </a:r>
+          </a:p>
+          <a:p>
+            <a:endParaRPr lang="en-GB" dirty="0"/>
+          </a:p>
+          <a:p>
+            <a:r>
+              <a:rPr lang="en-GB" dirty="0"/>
+              <a:t>Actions: With SQL filter conditions, you can define an action that can annotate the message by adding, removing, or replacing properties and their values. The action uses a SQL-like expression that loosely leans on the SQL UPDATE statement syntax. The action is performed on the message after it has been matched and before the message is selected into the subscription. The changes to the message properties are private to the message copied into the subscription.</a:t>
+            </a:r>
             <a:endParaRPr lang="de-CH" dirty="0"/>
           </a:p>
         </p:txBody>
       </p:sp>
       <p:sp>
         <p:nvSpPr>
-          <p:cNvPr id="4" name="Slide Number Placeholder 3"/>
+          <p:cNvPr id="4" name="Foliennummernplatzhalter 3"/>
           <p:cNvSpPr>
             <a:spLocks noGrp="1"/>
           </p:cNvSpPr>
           <p:nvPr>
-            <p:ph type="sldNum" sz="quarter" idx="10"/>
+            <p:ph type="sldNum" sz="quarter" idx="5"/>
           </p:nvPr>
         </p:nvSpPr>
         <p:spPr/>
@@ -3046,7 +3314,7 @@
     </p:spTree>
     <p:extLst>
       <p:ext uri="{BB962C8B-B14F-4D97-AF65-F5344CB8AC3E}">
-        <p14:creationId xmlns:p14="http://schemas.microsoft.com/office/powerpoint/2010/main" val="978782014"/>
+        <p14:creationId xmlns:p14="http://schemas.microsoft.com/office/powerpoint/2010/main" val="2433797984"/>
       </p:ext>
     </p:extLst>
   </p:cSld>
@@ -3075,7 +3343,7 @@
       </p:grpSpPr>
       <p:sp>
         <p:nvSpPr>
-          <p:cNvPr id="2" name="Slide Image Placeholder 1"/>
+          <p:cNvPr id="2" name="Folienbildplatzhalter 1"/>
           <p:cNvSpPr>
             <a:spLocks noGrp="1" noRot="1" noChangeAspect="1"/>
           </p:cNvSpPr>
@@ -3087,7 +3355,7 @@
       </p:sp>
       <p:sp>
         <p:nvSpPr>
-          <p:cNvPr id="3" name="Notes Placeholder 2"/>
+          <p:cNvPr id="3" name="Notizenplatzhalter 2"/>
           <p:cNvSpPr>
             <a:spLocks noGrp="1"/>
           </p:cNvSpPr>
@@ -3100,18 +3368,46 @@
           <a:bodyPr/>
           <a:lstStyle/>
           <a:p>
+            <a:r>
+              <a:rPr lang="en-GB" sz="1200" b="0" i="0" kern="1200" dirty="0">
+                <a:solidFill>
+                  <a:schemeClr val="tx1"/>
+                </a:solidFill>
+                <a:effectLst/>
+                <a:latin typeface="+mn-lt"/>
+                <a:ea typeface="+mn-ea"/>
+                <a:cs typeface="+mn-cs"/>
+              </a:rPr>
+              <a:t>All filters evaluate message properties. Filters cannot evaluate the message body.</a:t>
+            </a:r>
+          </a:p>
+          <a:p>
+            <a:r>
+              <a:rPr lang="en-GB" sz="1200" b="0" i="0" kern="1200" dirty="0">
+                <a:solidFill>
+                  <a:schemeClr val="tx1"/>
+                </a:solidFill>
+                <a:effectLst/>
+                <a:latin typeface="+mn-lt"/>
+                <a:ea typeface="+mn-ea"/>
+                <a:cs typeface="+mn-cs"/>
+              </a:rPr>
+              <a:t>Complex filter rules require processing capacity. In particular, the use of SQL filter rules results in lower overall message throughput at the subscription, topic, and namespace level. Whenever possible, applications should choose correlation filters over SQL-like filters, since they are much more efficient in processing and therefore have less impact on throughput.</a:t>
+            </a:r>
+          </a:p>
+          <a:p>
             <a:endParaRPr lang="de-CH" dirty="0"/>
           </a:p>
         </p:txBody>
       </p:sp>
       <p:sp>
         <p:nvSpPr>
-          <p:cNvPr id="4" name="Slide Number Placeholder 3"/>
+          <p:cNvPr id="4" name="Foliennummernplatzhalter 3"/>
           <p:cNvSpPr>
             <a:spLocks noGrp="1"/>
           </p:cNvSpPr>
           <p:nvPr>
-            <p:ph type="sldNum" sz="quarter" idx="10"/>
+            <p:ph type="sldNum" sz="quarter" idx="5"/>
           </p:nvPr>
         </p:nvSpPr>
         <p:spPr/>
@@ -3130,7 +3426,7 @@
     </p:spTree>
     <p:extLst>
       <p:ext uri="{BB962C8B-B14F-4D97-AF65-F5344CB8AC3E}">
-        <p14:creationId xmlns:p14="http://schemas.microsoft.com/office/powerpoint/2010/main" val="88145516"/>
+        <p14:creationId xmlns:p14="http://schemas.microsoft.com/office/powerpoint/2010/main" val="625529338"/>
       </p:ext>
     </p:extLst>
   </p:cSld>
@@ -3159,6 +3455,102 @@
       </p:grpSpPr>
       <p:sp>
         <p:nvSpPr>
+          <p:cNvPr id="2" name="Folienbildplatzhalter 1"/>
+          <p:cNvSpPr>
+            <a:spLocks noGrp="1" noRot="1" noChangeAspect="1"/>
+          </p:cNvSpPr>
+          <p:nvPr>
+            <p:ph type="sldImg"/>
+          </p:nvPr>
+        </p:nvSpPr>
+        <p:spPr/>
+      </p:sp>
+      <p:sp>
+        <p:nvSpPr>
+          <p:cNvPr id="3" name="Notizenplatzhalter 2"/>
+          <p:cNvSpPr>
+            <a:spLocks noGrp="1"/>
+          </p:cNvSpPr>
+          <p:nvPr>
+            <p:ph type="body" idx="1"/>
+          </p:nvPr>
+        </p:nvSpPr>
+        <p:spPr/>
+        <p:txBody>
+          <a:bodyPr/>
+          <a:lstStyle/>
+          <a:p>
+            <a:r>
+              <a:rPr lang="en-US" dirty="0"/>
+              <a:t>Unless you combine </a:t>
+            </a:r>
+            <a:r>
+              <a:rPr lang="en-US" dirty="0" err="1"/>
+              <a:t>pubsub</a:t>
+            </a:r>
+            <a:r>
+              <a:rPr lang="en-US" dirty="0"/>
+              <a:t> with forwarding to create rich topologies!</a:t>
+            </a:r>
+            <a:endParaRPr lang="de-CH" dirty="0"/>
+          </a:p>
+        </p:txBody>
+      </p:sp>
+      <p:sp>
+        <p:nvSpPr>
+          <p:cNvPr id="4" name="Foliennummernplatzhalter 3"/>
+          <p:cNvSpPr>
+            <a:spLocks noGrp="1"/>
+          </p:cNvSpPr>
+          <p:nvPr>
+            <p:ph type="sldNum" sz="quarter" idx="5"/>
+          </p:nvPr>
+        </p:nvSpPr>
+        <p:spPr/>
+        <p:txBody>
+          <a:bodyPr/>
+          <a:lstStyle/>
+          <a:p>
+            <a:fld id="{9BCA07FD-5BD5-4529-84B0-48DD2C561176}" type="slidenum">
+              <a:rPr lang="de-CH" smtClean="0"/>
+              <a:t>24</a:t>
+            </a:fld>
+            <a:endParaRPr lang="de-CH"/>
+          </a:p>
+        </p:txBody>
+      </p:sp>
+    </p:spTree>
+    <p:extLst>
+      <p:ext uri="{BB962C8B-B14F-4D97-AF65-F5344CB8AC3E}">
+        <p14:creationId xmlns:p14="http://schemas.microsoft.com/office/powerpoint/2010/main" val="3888428812"/>
+      </p:ext>
+    </p:extLst>
+  </p:cSld>
+  <p:clrMapOvr>
+    <a:masterClrMapping/>
+  </p:clrMapOvr>
+</p:notes>
+</file>
+
+<file path=ppt/notesSlides/notesSlide25.xml><?xml version="1.0" encoding="utf-8"?>
+<p:notes xmlns:a="http://schemas.openxmlformats.org/drawingml/2006/main" xmlns:r="http://schemas.openxmlformats.org/officeDocument/2006/relationships" xmlns:p="http://schemas.openxmlformats.org/presentationml/2006/main">
+  <p:cSld>
+    <p:spTree>
+      <p:nvGrpSpPr>
+        <p:cNvPr id="1" name=""/>
+        <p:cNvGrpSpPr/>
+        <p:nvPr/>
+      </p:nvGrpSpPr>
+      <p:grpSpPr>
+        <a:xfrm>
+          <a:off x="0" y="0"/>
+          <a:ext cx="0" cy="0"/>
+          <a:chOff x="0" y="0"/>
+          <a:chExt cx="0" cy="0"/>
+        </a:xfrm>
+      </p:grpSpPr>
+      <p:sp>
+        <p:nvSpPr>
           <p:cNvPr id="2" name="Slide Image Placeholder 1"/>
           <p:cNvSpPr>
             <a:spLocks noGrp="1" noRot="1" noChangeAspect="1"/>
@@ -3184,13 +3576,93 @@
           <a:bodyPr/>
           <a:lstStyle/>
           <a:p>
-            <a:r>
-              <a:rPr lang="de-CH" dirty="0"/>
-              <a:t>Thank you very much</a:t>
-            </a:r>
-            <a:r>
-              <a:rPr lang="de-CH" baseline="0" dirty="0"/>
-              <a:t> for listening and see you next time</a:t>
+            <a:endParaRPr lang="en-US" dirty="0"/>
+          </a:p>
+        </p:txBody>
+      </p:sp>
+      <p:sp>
+        <p:nvSpPr>
+          <p:cNvPr id="4" name="Slide Number Placeholder 3"/>
+          <p:cNvSpPr>
+            <a:spLocks noGrp="1"/>
+          </p:cNvSpPr>
+          <p:nvPr>
+            <p:ph type="sldNum" sz="quarter" idx="5"/>
+          </p:nvPr>
+        </p:nvSpPr>
+        <p:spPr/>
+        <p:txBody>
+          <a:bodyPr/>
+          <a:lstStyle/>
+          <a:p>
+            <a:fld id="{9BCA07FD-5BD5-4529-84B0-48DD2C561176}" type="slidenum">
+              <a:rPr lang="de-CH" smtClean="0"/>
+              <a:t>25</a:t>
+            </a:fld>
+            <a:endParaRPr lang="de-CH"/>
+          </a:p>
+        </p:txBody>
+      </p:sp>
+    </p:spTree>
+    <p:extLst>
+      <p:ext uri="{BB962C8B-B14F-4D97-AF65-F5344CB8AC3E}">
+        <p14:creationId xmlns:p14="http://schemas.microsoft.com/office/powerpoint/2010/main" val="3120830437"/>
+      </p:ext>
+    </p:extLst>
+  </p:cSld>
+  <p:clrMapOvr>
+    <a:masterClrMapping/>
+  </p:clrMapOvr>
+</p:notes>
+</file>
+
+<file path=ppt/notesSlides/notesSlide26.xml><?xml version="1.0" encoding="utf-8"?>
+<p:notes xmlns:a="http://schemas.openxmlformats.org/drawingml/2006/main" xmlns:r="http://schemas.openxmlformats.org/officeDocument/2006/relationships" xmlns:p="http://schemas.openxmlformats.org/presentationml/2006/main">
+  <p:cSld>
+    <p:spTree>
+      <p:nvGrpSpPr>
+        <p:cNvPr id="1" name=""/>
+        <p:cNvGrpSpPr/>
+        <p:nvPr/>
+      </p:nvGrpSpPr>
+      <p:grpSpPr>
+        <a:xfrm>
+          <a:off x="0" y="0"/>
+          <a:ext cx="0" cy="0"/>
+          <a:chOff x="0" y="0"/>
+          <a:chExt cx="0" cy="0"/>
+        </a:xfrm>
+      </p:grpSpPr>
+      <p:sp>
+        <p:nvSpPr>
+          <p:cNvPr id="2" name="Slide Image Placeholder 1"/>
+          <p:cNvSpPr>
+            <a:spLocks noGrp="1" noRot="1" noChangeAspect="1"/>
+          </p:cNvSpPr>
+          <p:nvPr>
+            <p:ph type="sldImg"/>
+          </p:nvPr>
+        </p:nvSpPr>
+        <p:spPr/>
+      </p:sp>
+      <p:sp>
+        <p:nvSpPr>
+          <p:cNvPr id="3" name="Notes Placeholder 2"/>
+          <p:cNvSpPr>
+            <a:spLocks noGrp="1"/>
+          </p:cNvSpPr>
+          <p:nvPr>
+            <p:ph type="body" idx="1"/>
+          </p:nvPr>
+        </p:nvSpPr>
+        <p:spPr/>
+        <p:txBody>
+          <a:bodyPr/>
+          <a:lstStyle/>
+          <a:p>
+            <a:r>
+              <a:rPr lang="de-CH" dirty="0" err="1"/>
+              <a:t>Thanks</a:t>
             </a:r>
             <a:endParaRPr lang="de-CH" dirty="0"/>
           </a:p>
@@ -3213,7 +3685,7 @@
           <a:p>
             <a:fld id="{9BCA07FD-5BD5-4529-84B0-48DD2C561176}" type="slidenum">
               <a:rPr lang="de-CH" smtClean="0"/>
-              <a:t>24</a:t>
+              <a:t>26</a:t>
             </a:fld>
             <a:endParaRPr lang="de-CH"/>
           </a:p>
@@ -3222,7 +3694,259 @@
     </p:spTree>
     <p:extLst>
       <p:ext uri="{BB962C8B-B14F-4D97-AF65-F5344CB8AC3E}">
-        <p14:creationId xmlns:p14="http://schemas.microsoft.com/office/powerpoint/2010/main" val="3949593976"/>
+        <p14:creationId xmlns:p14="http://schemas.microsoft.com/office/powerpoint/2010/main" val="1171336995"/>
+      </p:ext>
+    </p:extLst>
+  </p:cSld>
+  <p:clrMapOvr>
+    <a:masterClrMapping/>
+  </p:clrMapOvr>
+</p:notes>
+</file>
+
+<file path=ppt/notesSlides/notesSlide27.xml><?xml version="1.0" encoding="utf-8"?>
+<p:notes xmlns:a="http://schemas.openxmlformats.org/drawingml/2006/main" xmlns:r="http://schemas.openxmlformats.org/officeDocument/2006/relationships" xmlns:p="http://schemas.openxmlformats.org/presentationml/2006/main">
+  <p:cSld>
+    <p:spTree>
+      <p:nvGrpSpPr>
+        <p:cNvPr id="1" name=""/>
+        <p:cNvGrpSpPr/>
+        <p:nvPr/>
+      </p:nvGrpSpPr>
+      <p:grpSpPr>
+        <a:xfrm>
+          <a:off x="0" y="0"/>
+          <a:ext cx="0" cy="0"/>
+          <a:chOff x="0" y="0"/>
+          <a:chExt cx="0" cy="0"/>
+        </a:xfrm>
+      </p:grpSpPr>
+      <p:sp>
+        <p:nvSpPr>
+          <p:cNvPr id="2" name="Slide Image Placeholder 1"/>
+          <p:cNvSpPr>
+            <a:spLocks noGrp="1" noRot="1" noChangeAspect="1"/>
+          </p:cNvSpPr>
+          <p:nvPr>
+            <p:ph type="sldImg"/>
+          </p:nvPr>
+        </p:nvSpPr>
+        <p:spPr/>
+      </p:sp>
+      <p:sp>
+        <p:nvSpPr>
+          <p:cNvPr id="3" name="Notes Placeholder 2"/>
+          <p:cNvSpPr>
+            <a:spLocks noGrp="1"/>
+          </p:cNvSpPr>
+          <p:nvPr>
+            <p:ph type="body" idx="1"/>
+          </p:nvPr>
+        </p:nvSpPr>
+        <p:spPr/>
+        <p:txBody>
+          <a:bodyPr/>
+          <a:lstStyle/>
+          <a:p>
+            <a:endParaRPr lang="de-CH" dirty="0"/>
+          </a:p>
+        </p:txBody>
+      </p:sp>
+      <p:sp>
+        <p:nvSpPr>
+          <p:cNvPr id="4" name="Slide Number Placeholder 3"/>
+          <p:cNvSpPr>
+            <a:spLocks noGrp="1"/>
+          </p:cNvSpPr>
+          <p:nvPr>
+            <p:ph type="sldNum" sz="quarter" idx="10"/>
+          </p:nvPr>
+        </p:nvSpPr>
+        <p:spPr/>
+        <p:txBody>
+          <a:bodyPr/>
+          <a:lstStyle/>
+          <a:p>
+            <a:fld id="{9BCA07FD-5BD5-4529-84B0-48DD2C561176}" type="slidenum">
+              <a:rPr lang="de-CH" smtClean="0"/>
+              <a:t>27</a:t>
+            </a:fld>
+            <a:endParaRPr lang="de-CH"/>
+          </a:p>
+        </p:txBody>
+      </p:sp>
+    </p:spTree>
+    <p:extLst>
+      <p:ext uri="{BB962C8B-B14F-4D97-AF65-F5344CB8AC3E}">
+        <p14:creationId xmlns:p14="http://schemas.microsoft.com/office/powerpoint/2010/main" val="3670487613"/>
+      </p:ext>
+    </p:extLst>
+  </p:cSld>
+  <p:clrMapOvr>
+    <a:masterClrMapping/>
+  </p:clrMapOvr>
+</p:notes>
+</file>
+
+<file path=ppt/notesSlides/notesSlide28.xml><?xml version="1.0" encoding="utf-8"?>
+<p:notes xmlns:a="http://schemas.openxmlformats.org/drawingml/2006/main" xmlns:r="http://schemas.openxmlformats.org/officeDocument/2006/relationships" xmlns:p="http://schemas.openxmlformats.org/presentationml/2006/main">
+  <p:cSld>
+    <p:spTree>
+      <p:nvGrpSpPr>
+        <p:cNvPr id="1" name=""/>
+        <p:cNvGrpSpPr/>
+        <p:nvPr/>
+      </p:nvGrpSpPr>
+      <p:grpSpPr>
+        <a:xfrm>
+          <a:off x="0" y="0"/>
+          <a:ext cx="0" cy="0"/>
+          <a:chOff x="0" y="0"/>
+          <a:chExt cx="0" cy="0"/>
+        </a:xfrm>
+      </p:grpSpPr>
+      <p:sp>
+        <p:nvSpPr>
+          <p:cNvPr id="2" name="Slide Image Placeholder 1"/>
+          <p:cNvSpPr>
+            <a:spLocks noGrp="1" noRot="1" noChangeAspect="1"/>
+          </p:cNvSpPr>
+          <p:nvPr>
+            <p:ph type="sldImg"/>
+          </p:nvPr>
+        </p:nvSpPr>
+        <p:spPr/>
+      </p:sp>
+      <p:sp>
+        <p:nvSpPr>
+          <p:cNvPr id="3" name="Notes Placeholder 2"/>
+          <p:cNvSpPr>
+            <a:spLocks noGrp="1"/>
+          </p:cNvSpPr>
+          <p:nvPr>
+            <p:ph type="body" idx="1"/>
+          </p:nvPr>
+        </p:nvSpPr>
+        <p:spPr/>
+        <p:txBody>
+          <a:bodyPr/>
+          <a:lstStyle/>
+          <a:p>
+            <a:endParaRPr lang="de-CH" dirty="0"/>
+          </a:p>
+        </p:txBody>
+      </p:sp>
+      <p:sp>
+        <p:nvSpPr>
+          <p:cNvPr id="4" name="Slide Number Placeholder 3"/>
+          <p:cNvSpPr>
+            <a:spLocks noGrp="1"/>
+          </p:cNvSpPr>
+          <p:nvPr>
+            <p:ph type="sldNum" sz="quarter" idx="10"/>
+          </p:nvPr>
+        </p:nvSpPr>
+        <p:spPr/>
+        <p:txBody>
+          <a:bodyPr/>
+          <a:lstStyle/>
+          <a:p>
+            <a:fld id="{9BCA07FD-5BD5-4529-84B0-48DD2C561176}" type="slidenum">
+              <a:rPr lang="de-CH" smtClean="0"/>
+              <a:t>28</a:t>
+            </a:fld>
+            <a:endParaRPr lang="de-CH"/>
+          </a:p>
+        </p:txBody>
+      </p:sp>
+    </p:spTree>
+    <p:extLst>
+      <p:ext uri="{BB962C8B-B14F-4D97-AF65-F5344CB8AC3E}">
+        <p14:creationId xmlns:p14="http://schemas.microsoft.com/office/powerpoint/2010/main" val="978782014"/>
+      </p:ext>
+    </p:extLst>
+  </p:cSld>
+  <p:clrMapOvr>
+    <a:masterClrMapping/>
+  </p:clrMapOvr>
+</p:notes>
+</file>
+
+<file path=ppt/notesSlides/notesSlide29.xml><?xml version="1.0" encoding="utf-8"?>
+<p:notes xmlns:a="http://schemas.openxmlformats.org/drawingml/2006/main" xmlns:r="http://schemas.openxmlformats.org/officeDocument/2006/relationships" xmlns:p="http://schemas.openxmlformats.org/presentationml/2006/main">
+  <p:cSld>
+    <p:spTree>
+      <p:nvGrpSpPr>
+        <p:cNvPr id="1" name=""/>
+        <p:cNvGrpSpPr/>
+        <p:nvPr/>
+      </p:nvGrpSpPr>
+      <p:grpSpPr>
+        <a:xfrm>
+          <a:off x="0" y="0"/>
+          <a:ext cx="0" cy="0"/>
+          <a:chOff x="0" y="0"/>
+          <a:chExt cx="0" cy="0"/>
+        </a:xfrm>
+      </p:grpSpPr>
+      <p:sp>
+        <p:nvSpPr>
+          <p:cNvPr id="2" name="Slide Image Placeholder 1"/>
+          <p:cNvSpPr>
+            <a:spLocks noGrp="1" noRot="1" noChangeAspect="1"/>
+          </p:cNvSpPr>
+          <p:nvPr>
+            <p:ph type="sldImg"/>
+          </p:nvPr>
+        </p:nvSpPr>
+        <p:spPr/>
+      </p:sp>
+      <p:sp>
+        <p:nvSpPr>
+          <p:cNvPr id="3" name="Notes Placeholder 2"/>
+          <p:cNvSpPr>
+            <a:spLocks noGrp="1"/>
+          </p:cNvSpPr>
+          <p:nvPr>
+            <p:ph type="body" idx="1"/>
+          </p:nvPr>
+        </p:nvSpPr>
+        <p:spPr/>
+        <p:txBody>
+          <a:bodyPr/>
+          <a:lstStyle/>
+          <a:p>
+            <a:endParaRPr lang="de-CH" dirty="0"/>
+          </a:p>
+        </p:txBody>
+      </p:sp>
+      <p:sp>
+        <p:nvSpPr>
+          <p:cNvPr id="4" name="Slide Number Placeholder 3"/>
+          <p:cNvSpPr>
+            <a:spLocks noGrp="1"/>
+          </p:cNvSpPr>
+          <p:nvPr>
+            <p:ph type="sldNum" sz="quarter" idx="10"/>
+          </p:nvPr>
+        </p:nvSpPr>
+        <p:spPr/>
+        <p:txBody>
+          <a:bodyPr/>
+          <a:lstStyle/>
+          <a:p>
+            <a:fld id="{9BCA07FD-5BD5-4529-84B0-48DD2C561176}" type="slidenum">
+              <a:rPr lang="de-CH" smtClean="0"/>
+              <a:t>29</a:t>
+            </a:fld>
+            <a:endParaRPr lang="de-CH"/>
+          </a:p>
+        </p:txBody>
+      </p:sp>
+    </p:spTree>
+    <p:extLst>
+      <p:ext uri="{BB962C8B-B14F-4D97-AF65-F5344CB8AC3E}">
+        <p14:creationId xmlns:p14="http://schemas.microsoft.com/office/powerpoint/2010/main" val="88145516"/>
       </p:ext>
     </p:extLst>
   </p:cSld>
@@ -3514,6 +4238,98 @@
     <p:extLst>
       <p:ext uri="{BB962C8B-B14F-4D97-AF65-F5344CB8AC3E}">
         <p14:creationId xmlns:p14="http://schemas.microsoft.com/office/powerpoint/2010/main" val="252336286"/>
+      </p:ext>
+    </p:extLst>
+  </p:cSld>
+  <p:clrMapOvr>
+    <a:masterClrMapping/>
+  </p:clrMapOvr>
+</p:notes>
+</file>
+
+<file path=ppt/notesSlides/notesSlide30.xml><?xml version="1.0" encoding="utf-8"?>
+<p:notes xmlns:a="http://schemas.openxmlformats.org/drawingml/2006/main" xmlns:r="http://schemas.openxmlformats.org/officeDocument/2006/relationships" xmlns:p="http://schemas.openxmlformats.org/presentationml/2006/main">
+  <p:cSld>
+    <p:spTree>
+      <p:nvGrpSpPr>
+        <p:cNvPr id="1" name=""/>
+        <p:cNvGrpSpPr/>
+        <p:nvPr/>
+      </p:nvGrpSpPr>
+      <p:grpSpPr>
+        <a:xfrm>
+          <a:off x="0" y="0"/>
+          <a:ext cx="0" cy="0"/>
+          <a:chOff x="0" y="0"/>
+          <a:chExt cx="0" cy="0"/>
+        </a:xfrm>
+      </p:grpSpPr>
+      <p:sp>
+        <p:nvSpPr>
+          <p:cNvPr id="2" name="Slide Image Placeholder 1"/>
+          <p:cNvSpPr>
+            <a:spLocks noGrp="1" noRot="1" noChangeAspect="1"/>
+          </p:cNvSpPr>
+          <p:nvPr>
+            <p:ph type="sldImg"/>
+          </p:nvPr>
+        </p:nvSpPr>
+        <p:spPr/>
+      </p:sp>
+      <p:sp>
+        <p:nvSpPr>
+          <p:cNvPr id="3" name="Notes Placeholder 2"/>
+          <p:cNvSpPr>
+            <a:spLocks noGrp="1"/>
+          </p:cNvSpPr>
+          <p:nvPr>
+            <p:ph type="body" idx="1"/>
+          </p:nvPr>
+        </p:nvSpPr>
+        <p:spPr/>
+        <p:txBody>
+          <a:bodyPr/>
+          <a:lstStyle/>
+          <a:p>
+            <a:r>
+              <a:rPr lang="de-CH" dirty="0"/>
+              <a:t>Thank you very much</a:t>
+            </a:r>
+            <a:r>
+              <a:rPr lang="de-CH" baseline="0" dirty="0"/>
+              <a:t> for listening and see you next time</a:t>
+            </a:r>
+            <a:endParaRPr lang="de-CH" dirty="0"/>
+          </a:p>
+        </p:txBody>
+      </p:sp>
+      <p:sp>
+        <p:nvSpPr>
+          <p:cNvPr id="4" name="Slide Number Placeholder 3"/>
+          <p:cNvSpPr>
+            <a:spLocks noGrp="1"/>
+          </p:cNvSpPr>
+          <p:nvPr>
+            <p:ph type="sldNum" sz="quarter" idx="10"/>
+          </p:nvPr>
+        </p:nvSpPr>
+        <p:spPr/>
+        <p:txBody>
+          <a:bodyPr/>
+          <a:lstStyle/>
+          <a:p>
+            <a:fld id="{9BCA07FD-5BD5-4529-84B0-48DD2C561176}" type="slidenum">
+              <a:rPr lang="de-CH" smtClean="0"/>
+              <a:t>30</a:t>
+            </a:fld>
+            <a:endParaRPr lang="de-CH"/>
+          </a:p>
+        </p:txBody>
+      </p:sp>
+    </p:spTree>
+    <p:extLst>
+      <p:ext uri="{BB962C8B-B14F-4D97-AF65-F5344CB8AC3E}">
+        <p14:creationId xmlns:p14="http://schemas.microsoft.com/office/powerpoint/2010/main" val="3949593976"/>
       </p:ext>
     </p:extLst>
   </p:cSld>
@@ -4172,7 +4988,7 @@
           <a:p>
             <a:fld id="{A2EAEABE-1D59-4413-813E-803E21872067}" type="datetimeFigureOut">
               <a:rPr lang="de-CH" smtClean="0"/>
-              <a:t>05.06.2019</a:t>
+              <a:t>06.06.2019</a:t>
             </a:fld>
             <a:endParaRPr lang="de-CH"/>
           </a:p>
@@ -4214,7 +5030,7 @@
           <a:p>
             <a:fld id="{213CF880-6CB5-48AB-8FAF-28C50F70DB25}" type="slidenum">
               <a:rPr lang="de-CH" smtClean="0"/>
-              <a:t>‹#›</a:t>
+              <a:t>‹Nr.›</a:t>
             </a:fld>
             <a:endParaRPr lang="de-CH"/>
           </a:p>
@@ -4342,7 +5158,7 @@
           <a:p>
             <a:fld id="{A2EAEABE-1D59-4413-813E-803E21872067}" type="datetimeFigureOut">
               <a:rPr lang="de-CH" smtClean="0"/>
-              <a:t>05.06.2019</a:t>
+              <a:t>06.06.2019</a:t>
             </a:fld>
             <a:endParaRPr lang="de-CH"/>
           </a:p>
@@ -4384,7 +5200,7 @@
           <a:p>
             <a:fld id="{213CF880-6CB5-48AB-8FAF-28C50F70DB25}" type="slidenum">
               <a:rPr lang="de-CH" smtClean="0"/>
-              <a:t>‹#›</a:t>
+              <a:t>‹Nr.›</a:t>
             </a:fld>
             <a:endParaRPr lang="de-CH"/>
           </a:p>
@@ -4522,7 +5338,7 @@
           <a:p>
             <a:fld id="{A2EAEABE-1D59-4413-813E-803E21872067}" type="datetimeFigureOut">
               <a:rPr lang="de-CH" smtClean="0"/>
-              <a:t>05.06.2019</a:t>
+              <a:t>06.06.2019</a:t>
             </a:fld>
             <a:endParaRPr lang="de-CH"/>
           </a:p>
@@ -4564,7 +5380,7 @@
           <a:p>
             <a:fld id="{213CF880-6CB5-48AB-8FAF-28C50F70DB25}" type="slidenum">
               <a:rPr lang="de-CH" smtClean="0"/>
-              <a:t>‹#›</a:t>
+              <a:t>‹Nr.›</a:t>
             </a:fld>
             <a:endParaRPr lang="de-CH"/>
           </a:p>
@@ -4691,7 +5507,7 @@
           <a:p>
             <a:fld id="{A2EAEABE-1D59-4413-813E-803E21872067}" type="datetimeFigureOut">
               <a:rPr lang="de-CH" smtClean="0"/>
-              <a:t>05.06.2019</a:t>
+              <a:t>06.06.2019</a:t>
             </a:fld>
             <a:endParaRPr lang="de-CH"/>
           </a:p>
@@ -4733,7 +5549,7 @@
           <a:p>
             <a:fld id="{213CF880-6CB5-48AB-8FAF-28C50F70DB25}" type="slidenum">
               <a:rPr lang="de-CH" smtClean="0"/>
-              <a:t>‹#›</a:t>
+              <a:t>‹Nr.›</a:t>
             </a:fld>
             <a:endParaRPr lang="de-CH"/>
           </a:p>
@@ -4937,7 +5753,7 @@
           <a:p>
             <a:fld id="{A2EAEABE-1D59-4413-813E-803E21872067}" type="datetimeFigureOut">
               <a:rPr lang="de-CH" smtClean="0"/>
-              <a:t>05.06.2019</a:t>
+              <a:t>06.06.2019</a:t>
             </a:fld>
             <a:endParaRPr lang="de-CH"/>
           </a:p>
@@ -4979,7 +5795,7 @@
           <a:p>
             <a:fld id="{213CF880-6CB5-48AB-8FAF-28C50F70DB25}" type="slidenum">
               <a:rPr lang="de-CH" smtClean="0"/>
-              <a:t>‹#›</a:t>
+              <a:t>‹Nr.›</a:t>
             </a:fld>
             <a:endParaRPr lang="de-CH"/>
           </a:p>
@@ -5169,7 +5985,7 @@
           <a:p>
             <a:fld id="{A2EAEABE-1D59-4413-813E-803E21872067}" type="datetimeFigureOut">
               <a:rPr lang="de-CH" smtClean="0"/>
-              <a:t>05.06.2019</a:t>
+              <a:t>06.06.2019</a:t>
             </a:fld>
             <a:endParaRPr lang="de-CH"/>
           </a:p>
@@ -5211,7 +6027,7 @@
           <a:p>
             <a:fld id="{213CF880-6CB5-48AB-8FAF-28C50F70DB25}" type="slidenum">
               <a:rPr lang="de-CH" smtClean="0"/>
-              <a:t>‹#›</a:t>
+              <a:t>‹Nr.›</a:t>
             </a:fld>
             <a:endParaRPr lang="de-CH"/>
           </a:p>
@@ -5536,7 +6352,7 @@
           <a:p>
             <a:fld id="{A2EAEABE-1D59-4413-813E-803E21872067}" type="datetimeFigureOut">
               <a:rPr lang="de-CH" smtClean="0"/>
-              <a:t>05.06.2019</a:t>
+              <a:t>06.06.2019</a:t>
             </a:fld>
             <a:endParaRPr lang="de-CH"/>
           </a:p>
@@ -5578,7 +6394,7 @@
           <a:p>
             <a:fld id="{213CF880-6CB5-48AB-8FAF-28C50F70DB25}" type="slidenum">
               <a:rPr lang="de-CH" smtClean="0"/>
-              <a:t>‹#›</a:t>
+              <a:t>‹Nr.›</a:t>
             </a:fld>
             <a:endParaRPr lang="de-CH"/>
           </a:p>
@@ -5654,7 +6470,7 @@
           <a:p>
             <a:fld id="{A2EAEABE-1D59-4413-813E-803E21872067}" type="datetimeFigureOut">
               <a:rPr lang="de-CH" smtClean="0"/>
-              <a:t>05.06.2019</a:t>
+              <a:t>06.06.2019</a:t>
             </a:fld>
             <a:endParaRPr lang="de-CH"/>
           </a:p>
@@ -5696,7 +6512,7 @@
           <a:p>
             <a:fld id="{213CF880-6CB5-48AB-8FAF-28C50F70DB25}" type="slidenum">
               <a:rPr lang="de-CH" smtClean="0"/>
-              <a:t>‹#›</a:t>
+              <a:t>‹Nr.›</a:t>
             </a:fld>
             <a:endParaRPr lang="de-CH"/>
           </a:p>
@@ -5749,7 +6565,7 @@
           <a:p>
             <a:fld id="{A2EAEABE-1D59-4413-813E-803E21872067}" type="datetimeFigureOut">
               <a:rPr lang="de-CH" smtClean="0"/>
-              <a:t>05.06.2019</a:t>
+              <a:t>06.06.2019</a:t>
             </a:fld>
             <a:endParaRPr lang="de-CH"/>
           </a:p>
@@ -5791,7 +6607,7 @@
           <a:p>
             <a:fld id="{213CF880-6CB5-48AB-8FAF-28C50F70DB25}" type="slidenum">
               <a:rPr lang="de-CH" smtClean="0"/>
-              <a:t>‹#›</a:t>
+              <a:t>‹Nr.›</a:t>
             </a:fld>
             <a:endParaRPr lang="de-CH"/>
           </a:p>
@@ -6026,7 +6842,7 @@
           <a:p>
             <a:fld id="{A2EAEABE-1D59-4413-813E-803E21872067}" type="datetimeFigureOut">
               <a:rPr lang="de-CH" smtClean="0"/>
-              <a:t>05.06.2019</a:t>
+              <a:t>06.06.2019</a:t>
             </a:fld>
             <a:endParaRPr lang="de-CH"/>
           </a:p>
@@ -6068,7 +6884,7 @@
           <a:p>
             <a:fld id="{213CF880-6CB5-48AB-8FAF-28C50F70DB25}" type="slidenum">
               <a:rPr lang="de-CH" smtClean="0"/>
-              <a:t>‹#›</a:t>
+              <a:t>‹Nr.›</a:t>
             </a:fld>
             <a:endParaRPr lang="de-CH"/>
           </a:p>
@@ -6283,7 +7099,7 @@
           <a:p>
             <a:fld id="{A2EAEABE-1D59-4413-813E-803E21872067}" type="datetimeFigureOut">
               <a:rPr lang="de-CH" smtClean="0"/>
-              <a:t>05.06.2019</a:t>
+              <a:t>06.06.2019</a:t>
             </a:fld>
             <a:endParaRPr lang="de-CH"/>
           </a:p>
@@ -6325,7 +7141,7 @@
           <a:p>
             <a:fld id="{213CF880-6CB5-48AB-8FAF-28C50F70DB25}" type="slidenum">
               <a:rPr lang="de-CH" smtClean="0"/>
-              <a:t>‹#›</a:t>
+              <a:t>‹Nr.›</a:t>
             </a:fld>
             <a:endParaRPr lang="de-CH"/>
           </a:p>
@@ -6494,7 +7310,7 @@
           <a:p>
             <a:fld id="{A2EAEABE-1D59-4413-813E-803E21872067}" type="datetimeFigureOut">
               <a:rPr lang="de-CH" smtClean="0"/>
-              <a:t>05.06.2019</a:t>
+              <a:t>06.06.2019</a:t>
             </a:fld>
             <a:endParaRPr lang="de-CH"/>
           </a:p>
@@ -6572,7 +7388,7 @@
           <a:p>
             <a:fld id="{213CF880-6CB5-48AB-8FAF-28C50F70DB25}" type="slidenum">
               <a:rPr lang="de-CH" smtClean="0"/>
-              <a:t>‹#›</a:t>
+              <a:t>‹Nr.›</a:t>
             </a:fld>
             <a:endParaRPr lang="de-CH"/>
           </a:p>
@@ -9348,6 +10164,2891 @@
       </p:grpSpPr>
       <p:sp>
         <p:nvSpPr>
+          <p:cNvPr id="2" name="Rectangle 1">
+            <a:extLst>
+              <a:ext uri="{FF2B5EF4-FFF2-40B4-BE49-F238E27FC236}">
+                <a16:creationId xmlns:a16="http://schemas.microsoft.com/office/drawing/2014/main" id="{D9D014D6-D95B-49FC-A419-B2E06D1650FF}"/>
+              </a:ext>
+            </a:extLst>
+          </p:cNvPr>
+          <p:cNvSpPr/>
+          <p:nvPr/>
+        </p:nvSpPr>
+        <p:spPr>
+          <a:xfrm>
+            <a:off x="2687054" y="1851645"/>
+            <a:ext cx="6817892" cy="3154710"/>
+          </a:xfrm>
+          <a:prstGeom prst="rect">
+            <a:avLst/>
+          </a:prstGeom>
+        </p:spPr>
+        <p:txBody>
+          <a:bodyPr wrap="none">
+            <a:spAutoFit/>
+          </a:bodyPr>
+          <a:lstStyle/>
+          <a:p>
+            <a:r>
+              <a:rPr lang="en-US" sz="19900" dirty="0">
+                <a:solidFill>
+                  <a:schemeClr val="accent2"/>
+                </a:solidFill>
+                <a:latin typeface="Yanone Kaffeesatz Regular" panose="02000000000000000000" pitchFamily="2" charset="0"/>
+              </a:rPr>
+              <a:t>Pub/Sub</a:t>
+            </a:r>
+            <a:endParaRPr lang="de-CH" sz="2000" dirty="0"/>
+          </a:p>
+        </p:txBody>
+      </p:sp>
+    </p:spTree>
+    <p:extLst>
+      <p:ext uri="{BB962C8B-B14F-4D97-AF65-F5344CB8AC3E}">
+        <p14:creationId xmlns:p14="http://schemas.microsoft.com/office/powerpoint/2010/main" val="2110841383"/>
+      </p:ext>
+    </p:extLst>
+  </p:cSld>
+  <p:clrMapOvr>
+    <a:masterClrMapping/>
+  </p:clrMapOvr>
+</p:sld>
+</file>
+
+<file path=ppt/slides/slide21.xml><?xml version="1.0" encoding="utf-8"?>
+<p:sld xmlns:a="http://schemas.openxmlformats.org/drawingml/2006/main" xmlns:r="http://schemas.openxmlformats.org/officeDocument/2006/relationships" xmlns:p="http://schemas.openxmlformats.org/presentationml/2006/main">
+  <p:cSld>
+    <p:spTree>
+      <p:nvGrpSpPr>
+        <p:cNvPr id="1" name=""/>
+        <p:cNvGrpSpPr/>
+        <p:nvPr/>
+      </p:nvGrpSpPr>
+      <p:grpSpPr>
+        <a:xfrm>
+          <a:off x="0" y="0"/>
+          <a:ext cx="0" cy="0"/>
+          <a:chOff x="0" y="0"/>
+          <a:chExt cx="0" cy="0"/>
+        </a:xfrm>
+      </p:grpSpPr>
+      <p:sp>
+        <p:nvSpPr>
+          <p:cNvPr id="2" name="Zylinder 1">
+            <a:extLst>
+              <a:ext uri="{FF2B5EF4-FFF2-40B4-BE49-F238E27FC236}">
+                <a16:creationId xmlns:a16="http://schemas.microsoft.com/office/drawing/2014/main" id="{2B8D9B60-7A52-4211-A28F-CF4285C6E422}"/>
+              </a:ext>
+            </a:extLst>
+          </p:cNvPr>
+          <p:cNvSpPr/>
+          <p:nvPr/>
+        </p:nvSpPr>
+        <p:spPr>
+          <a:xfrm>
+            <a:off x="2967924" y="3681079"/>
+            <a:ext cx="1549831" cy="2161311"/>
+          </a:xfrm>
+          <a:prstGeom prst="can">
+            <a:avLst/>
+          </a:prstGeom>
+          <a:noFill/>
+          <a:ln>
+            <a:solidFill>
+              <a:schemeClr val="tx2"/>
+            </a:solidFill>
+          </a:ln>
+        </p:spPr>
+        <p:style>
+          <a:lnRef idx="2">
+            <a:schemeClr val="accent1">
+              <a:shade val="50000"/>
+            </a:schemeClr>
+          </a:lnRef>
+          <a:fillRef idx="1">
+            <a:schemeClr val="accent1"/>
+          </a:fillRef>
+          <a:effectRef idx="0">
+            <a:schemeClr val="accent1"/>
+          </a:effectRef>
+          <a:fontRef idx="minor">
+            <a:schemeClr val="lt1"/>
+          </a:fontRef>
+        </p:style>
+        <p:txBody>
+          <a:bodyPr rtlCol="0" anchor="ctr"/>
+          <a:lstStyle/>
+          <a:p>
+            <a:pPr algn="ctr"/>
+            <a:r>
+              <a:rPr lang="en-US" sz="2400" dirty="0">
+                <a:solidFill>
+                  <a:schemeClr val="tx2"/>
+                </a:solidFill>
+                <a:latin typeface="Yanone Kaffeesatz Regular" panose="02000000000000000000" pitchFamily="2" charset="0"/>
+              </a:rPr>
+              <a:t>Subscription1</a:t>
+            </a:r>
+            <a:endParaRPr lang="de-CH" sz="2400" dirty="0">
+              <a:solidFill>
+                <a:schemeClr val="tx2"/>
+              </a:solidFill>
+              <a:latin typeface="Yanone Kaffeesatz Regular" panose="02000000000000000000" pitchFamily="2" charset="0"/>
+            </a:endParaRPr>
+          </a:p>
+        </p:txBody>
+      </p:sp>
+      <p:sp>
+        <p:nvSpPr>
+          <p:cNvPr id="3" name="Flussdiagramm: Vordefinierter Prozess 2">
+            <a:extLst>
+              <a:ext uri="{FF2B5EF4-FFF2-40B4-BE49-F238E27FC236}">
+                <a16:creationId xmlns:a16="http://schemas.microsoft.com/office/drawing/2014/main" id="{01C9883A-6E91-41CD-B78F-A6AC7A8F6490}"/>
+              </a:ext>
+            </a:extLst>
+          </p:cNvPr>
+          <p:cNvSpPr/>
+          <p:nvPr/>
+        </p:nvSpPr>
+        <p:spPr>
+          <a:xfrm>
+            <a:off x="5518687" y="1007390"/>
+            <a:ext cx="1588577" cy="922614"/>
+          </a:xfrm>
+          <a:prstGeom prst="flowChartPredefinedProcess">
+            <a:avLst/>
+          </a:prstGeom>
+          <a:solidFill>
+            <a:schemeClr val="accent4"/>
+          </a:solidFill>
+          <a:ln>
+            <a:solidFill>
+              <a:schemeClr val="bg1"/>
+            </a:solidFill>
+          </a:ln>
+        </p:spPr>
+        <p:style>
+          <a:lnRef idx="2">
+            <a:schemeClr val="accent1">
+              <a:shade val="50000"/>
+            </a:schemeClr>
+          </a:lnRef>
+          <a:fillRef idx="1">
+            <a:schemeClr val="accent1"/>
+          </a:fillRef>
+          <a:effectRef idx="0">
+            <a:schemeClr val="accent1"/>
+          </a:effectRef>
+          <a:fontRef idx="minor">
+            <a:schemeClr val="lt1"/>
+          </a:fontRef>
+        </p:style>
+        <p:txBody>
+          <a:bodyPr rtlCol="0" anchor="ctr"/>
+          <a:lstStyle/>
+          <a:p>
+            <a:pPr algn="ctr"/>
+            <a:r>
+              <a:rPr lang="en-US" sz="2800" dirty="0">
+                <a:latin typeface="Yanone Kaffeesatz Regular" panose="02000000000000000000" pitchFamily="2" charset="0"/>
+              </a:rPr>
+              <a:t>topic</a:t>
+            </a:r>
+            <a:endParaRPr lang="de-CH" dirty="0">
+              <a:latin typeface="Yanone Kaffeesatz Regular" panose="02000000000000000000" pitchFamily="2" charset="0"/>
+            </a:endParaRPr>
+          </a:p>
+        </p:txBody>
+      </p:sp>
+      <p:sp>
+        <p:nvSpPr>
+          <p:cNvPr id="4" name="Zylinder 3">
+            <a:extLst>
+              <a:ext uri="{FF2B5EF4-FFF2-40B4-BE49-F238E27FC236}">
+                <a16:creationId xmlns:a16="http://schemas.microsoft.com/office/drawing/2014/main" id="{9BB09DAB-7323-45A8-BB86-B6DEB5D0F338}"/>
+              </a:ext>
+            </a:extLst>
+          </p:cNvPr>
+          <p:cNvSpPr/>
+          <p:nvPr/>
+        </p:nvSpPr>
+        <p:spPr>
+          <a:xfrm>
+            <a:off x="7674245" y="3681080"/>
+            <a:ext cx="1549831" cy="2161310"/>
+          </a:xfrm>
+          <a:prstGeom prst="can">
+            <a:avLst/>
+          </a:prstGeom>
+          <a:noFill/>
+          <a:ln>
+            <a:solidFill>
+              <a:schemeClr val="tx2"/>
+            </a:solidFill>
+          </a:ln>
+        </p:spPr>
+        <p:style>
+          <a:lnRef idx="2">
+            <a:schemeClr val="accent1">
+              <a:shade val="50000"/>
+            </a:schemeClr>
+          </a:lnRef>
+          <a:fillRef idx="1">
+            <a:schemeClr val="accent1"/>
+          </a:fillRef>
+          <a:effectRef idx="0">
+            <a:schemeClr val="accent1"/>
+          </a:effectRef>
+          <a:fontRef idx="minor">
+            <a:schemeClr val="lt1"/>
+          </a:fontRef>
+        </p:style>
+        <p:txBody>
+          <a:bodyPr rot="0" spcFirstLastPara="0" vertOverflow="overflow" horzOverflow="overflow" vert="horz" wrap="square" lIns="91440" tIns="45720" rIns="91440" bIns="45720" numCol="1" spcCol="0" rtlCol="0" fromWordArt="0" anchor="ctr" anchorCtr="0" forceAA="0" compatLnSpc="1">
+            <a:prstTxWarp prst="textNoShape">
+              <a:avLst/>
+            </a:prstTxWarp>
+            <a:noAutofit/>
+          </a:bodyPr>
+          <a:lstStyle/>
+          <a:p>
+            <a:pPr algn="ctr"/>
+            <a:r>
+              <a:rPr lang="en-US" sz="2400" dirty="0">
+                <a:solidFill>
+                  <a:schemeClr val="tx2"/>
+                </a:solidFill>
+                <a:latin typeface="Yanone Kaffeesatz Regular" panose="02000000000000000000" pitchFamily="2" charset="0"/>
+              </a:rPr>
+              <a:t>Subscription2</a:t>
+            </a:r>
+            <a:endParaRPr lang="de-CH" dirty="0">
+              <a:solidFill>
+                <a:schemeClr val="tx2"/>
+              </a:solidFill>
+              <a:latin typeface="Yanone Kaffeesatz Regular" panose="02000000000000000000" pitchFamily="2" charset="0"/>
+            </a:endParaRPr>
+          </a:p>
+        </p:txBody>
+      </p:sp>
+      <p:sp>
+        <p:nvSpPr>
+          <p:cNvPr id="5" name="Scrollen: horizontal 4">
+            <a:extLst>
+              <a:ext uri="{FF2B5EF4-FFF2-40B4-BE49-F238E27FC236}">
+                <a16:creationId xmlns:a16="http://schemas.microsoft.com/office/drawing/2014/main" id="{1FC0E047-E0B4-4CF9-9059-5FEBD534C07A}"/>
+              </a:ext>
+            </a:extLst>
+          </p:cNvPr>
+          <p:cNvSpPr/>
+          <p:nvPr/>
+        </p:nvSpPr>
+        <p:spPr>
+          <a:xfrm>
+            <a:off x="4096718" y="2445013"/>
+            <a:ext cx="1143000" cy="1033272"/>
+          </a:xfrm>
+          <a:prstGeom prst="horizontalScroll">
+            <a:avLst/>
+          </a:prstGeom>
+          <a:solidFill>
+            <a:schemeClr val="accent4"/>
+          </a:solidFill>
+          <a:ln>
+            <a:solidFill>
+              <a:schemeClr val="bg1"/>
+            </a:solidFill>
+          </a:ln>
+        </p:spPr>
+        <p:style>
+          <a:lnRef idx="2">
+            <a:schemeClr val="accent1">
+              <a:shade val="50000"/>
+            </a:schemeClr>
+          </a:lnRef>
+          <a:fillRef idx="1">
+            <a:schemeClr val="accent1"/>
+          </a:fillRef>
+          <a:effectRef idx="0">
+            <a:schemeClr val="accent1"/>
+          </a:effectRef>
+          <a:fontRef idx="minor">
+            <a:schemeClr val="lt1"/>
+          </a:fontRef>
+        </p:style>
+        <p:txBody>
+          <a:bodyPr rtlCol="0" anchor="ctr"/>
+          <a:lstStyle/>
+          <a:p>
+            <a:pPr algn="ctr"/>
+            <a:r>
+              <a:rPr lang="en-US" sz="2800" dirty="0">
+                <a:latin typeface="Yanone Kaffeesatz Regular" panose="02000000000000000000" pitchFamily="2" charset="0"/>
+              </a:rPr>
+              <a:t>Rule</a:t>
+            </a:r>
+            <a:endParaRPr lang="de-CH" sz="2800" dirty="0">
+              <a:latin typeface="Yanone Kaffeesatz Regular" panose="02000000000000000000" pitchFamily="2" charset="0"/>
+            </a:endParaRPr>
+          </a:p>
+        </p:txBody>
+      </p:sp>
+      <p:sp>
+        <p:nvSpPr>
+          <p:cNvPr id="6" name="Scrollen: horizontal 5">
+            <a:extLst>
+              <a:ext uri="{FF2B5EF4-FFF2-40B4-BE49-F238E27FC236}">
+                <a16:creationId xmlns:a16="http://schemas.microsoft.com/office/drawing/2014/main" id="{ECEC3221-08E4-4007-81FB-02B27FC1EA49}"/>
+              </a:ext>
+            </a:extLst>
+          </p:cNvPr>
+          <p:cNvSpPr/>
+          <p:nvPr/>
+        </p:nvSpPr>
+        <p:spPr>
+          <a:xfrm>
+            <a:off x="7317783" y="2389452"/>
+            <a:ext cx="1143000" cy="1033272"/>
+          </a:xfrm>
+          <a:prstGeom prst="horizontalScroll">
+            <a:avLst/>
+          </a:prstGeom>
+          <a:solidFill>
+            <a:schemeClr val="accent4"/>
+          </a:solidFill>
+          <a:ln>
+            <a:solidFill>
+              <a:schemeClr val="bg1"/>
+            </a:solidFill>
+          </a:ln>
+        </p:spPr>
+        <p:style>
+          <a:lnRef idx="2">
+            <a:schemeClr val="accent1">
+              <a:shade val="50000"/>
+            </a:schemeClr>
+          </a:lnRef>
+          <a:fillRef idx="1">
+            <a:schemeClr val="accent1"/>
+          </a:fillRef>
+          <a:effectRef idx="0">
+            <a:schemeClr val="accent1"/>
+          </a:effectRef>
+          <a:fontRef idx="minor">
+            <a:schemeClr val="lt1"/>
+          </a:fontRef>
+        </p:style>
+        <p:txBody>
+          <a:bodyPr rtlCol="0" anchor="ctr"/>
+          <a:lstStyle/>
+          <a:p>
+            <a:pPr algn="ctr"/>
+            <a:r>
+              <a:rPr lang="en-US" sz="2800" dirty="0">
+                <a:latin typeface="Yanone Kaffeesatz Regular" panose="02000000000000000000" pitchFamily="2" charset="0"/>
+              </a:rPr>
+              <a:t>Rule</a:t>
+            </a:r>
+            <a:endParaRPr lang="de-CH" dirty="0">
+              <a:latin typeface="Yanone Kaffeesatz Regular" panose="02000000000000000000" pitchFamily="2" charset="0"/>
+            </a:endParaRPr>
+          </a:p>
+        </p:txBody>
+      </p:sp>
+      <p:cxnSp>
+        <p:nvCxnSpPr>
+          <p:cNvPr id="8" name="Gerade Verbindung mit Pfeil 7">
+            <a:extLst>
+              <a:ext uri="{FF2B5EF4-FFF2-40B4-BE49-F238E27FC236}">
+                <a16:creationId xmlns:a16="http://schemas.microsoft.com/office/drawing/2014/main" id="{271F8BF5-F645-498C-A007-19512A5BD309}"/>
+              </a:ext>
+            </a:extLst>
+          </p:cNvPr>
+          <p:cNvCxnSpPr>
+            <a:cxnSpLocks/>
+            <a:endCxn id="3" idx="1"/>
+          </p:cNvCxnSpPr>
+          <p:nvPr/>
+        </p:nvCxnSpPr>
+        <p:spPr>
+          <a:xfrm>
+            <a:off x="4037308" y="1468697"/>
+            <a:ext cx="1481379" cy="0"/>
+          </a:xfrm>
+          <a:prstGeom prst="straightConnector1">
+            <a:avLst/>
+          </a:prstGeom>
+          <a:ln w="28575">
+            <a:solidFill>
+              <a:schemeClr val="accent3"/>
+            </a:solidFill>
+            <a:tailEnd type="triangle"/>
+          </a:ln>
+        </p:spPr>
+        <p:style>
+          <a:lnRef idx="1">
+            <a:schemeClr val="accent1"/>
+          </a:lnRef>
+          <a:fillRef idx="0">
+            <a:schemeClr val="accent1"/>
+          </a:fillRef>
+          <a:effectRef idx="0">
+            <a:schemeClr val="accent1"/>
+          </a:effectRef>
+          <a:fontRef idx="minor">
+            <a:schemeClr val="tx1"/>
+          </a:fontRef>
+        </p:style>
+      </p:cxnSp>
+      <p:sp>
+        <p:nvSpPr>
+          <p:cNvPr id="11" name="Rechteck 10">
+            <a:extLst>
+              <a:ext uri="{FF2B5EF4-FFF2-40B4-BE49-F238E27FC236}">
+                <a16:creationId xmlns:a16="http://schemas.microsoft.com/office/drawing/2014/main" id="{DEFC6D9A-3588-4C04-86DF-A2E3A1A6A214}"/>
+              </a:ext>
+            </a:extLst>
+          </p:cNvPr>
+          <p:cNvSpPr/>
+          <p:nvPr/>
+        </p:nvSpPr>
+        <p:spPr>
+          <a:xfrm>
+            <a:off x="3122908" y="1015604"/>
+            <a:ext cx="914400" cy="914400"/>
+          </a:xfrm>
+          <a:prstGeom prst="rect">
+            <a:avLst/>
+          </a:prstGeom>
+          <a:solidFill>
+            <a:schemeClr val="accent3"/>
+          </a:solidFill>
+          <a:ln>
+            <a:solidFill>
+              <a:schemeClr val="bg1"/>
+            </a:solidFill>
+          </a:ln>
+        </p:spPr>
+        <p:style>
+          <a:lnRef idx="2">
+            <a:schemeClr val="accent1">
+              <a:shade val="50000"/>
+            </a:schemeClr>
+          </a:lnRef>
+          <a:fillRef idx="1">
+            <a:schemeClr val="accent1"/>
+          </a:fillRef>
+          <a:effectRef idx="0">
+            <a:schemeClr val="accent1"/>
+          </a:effectRef>
+          <a:fontRef idx="minor">
+            <a:schemeClr val="lt1"/>
+          </a:fontRef>
+        </p:style>
+        <p:txBody>
+          <a:bodyPr rtlCol="0" anchor="ctr"/>
+          <a:lstStyle/>
+          <a:p>
+            <a:pPr algn="ctr"/>
+            <a:r>
+              <a:rPr lang="en-US" sz="2400" dirty="0">
+                <a:latin typeface="Yanone Kaffeesatz Regular" panose="02000000000000000000" pitchFamily="2" charset="0"/>
+              </a:rPr>
+              <a:t>Sender</a:t>
+            </a:r>
+            <a:endParaRPr lang="de-CH" dirty="0">
+              <a:latin typeface="Yanone Kaffeesatz Regular" panose="02000000000000000000" pitchFamily="2" charset="0"/>
+            </a:endParaRPr>
+          </a:p>
+        </p:txBody>
+      </p:sp>
+      <p:cxnSp>
+        <p:nvCxnSpPr>
+          <p:cNvPr id="12" name="Gerade Verbindung mit Pfeil 11">
+            <a:extLst>
+              <a:ext uri="{FF2B5EF4-FFF2-40B4-BE49-F238E27FC236}">
+                <a16:creationId xmlns:a16="http://schemas.microsoft.com/office/drawing/2014/main" id="{1F6047CD-AB6B-4B67-BF49-DE0BEAB67997}"/>
+              </a:ext>
+            </a:extLst>
+          </p:cNvPr>
+          <p:cNvCxnSpPr>
+            <a:cxnSpLocks/>
+            <a:stCxn id="3" idx="2"/>
+            <a:endCxn id="5" idx="0"/>
+          </p:cNvCxnSpPr>
+          <p:nvPr/>
+        </p:nvCxnSpPr>
+        <p:spPr>
+          <a:xfrm flipH="1">
+            <a:off x="4668218" y="1930004"/>
+            <a:ext cx="1644758" cy="644168"/>
+          </a:xfrm>
+          <a:prstGeom prst="straightConnector1">
+            <a:avLst/>
+          </a:prstGeom>
+          <a:ln w="28575">
+            <a:solidFill>
+              <a:schemeClr val="accent3"/>
+            </a:solidFill>
+            <a:tailEnd type="triangle"/>
+          </a:ln>
+        </p:spPr>
+        <p:style>
+          <a:lnRef idx="1">
+            <a:schemeClr val="accent1"/>
+          </a:lnRef>
+          <a:fillRef idx="0">
+            <a:schemeClr val="accent1"/>
+          </a:fillRef>
+          <a:effectRef idx="0">
+            <a:schemeClr val="accent1"/>
+          </a:effectRef>
+          <a:fontRef idx="minor">
+            <a:schemeClr val="tx1"/>
+          </a:fontRef>
+        </p:style>
+      </p:cxnSp>
+      <p:cxnSp>
+        <p:nvCxnSpPr>
+          <p:cNvPr id="15" name="Gerade Verbindung mit Pfeil 14">
+            <a:extLst>
+              <a:ext uri="{FF2B5EF4-FFF2-40B4-BE49-F238E27FC236}">
+                <a16:creationId xmlns:a16="http://schemas.microsoft.com/office/drawing/2014/main" id="{E6396486-CD7B-4836-958C-988A5BA63D5A}"/>
+              </a:ext>
+            </a:extLst>
+          </p:cNvPr>
+          <p:cNvCxnSpPr>
+            <a:cxnSpLocks/>
+            <a:stCxn id="3" idx="2"/>
+            <a:endCxn id="6" idx="0"/>
+          </p:cNvCxnSpPr>
+          <p:nvPr/>
+        </p:nvCxnSpPr>
+        <p:spPr>
+          <a:xfrm>
+            <a:off x="6312976" y="1930004"/>
+            <a:ext cx="1576307" cy="588607"/>
+          </a:xfrm>
+          <a:prstGeom prst="straightConnector1">
+            <a:avLst/>
+          </a:prstGeom>
+          <a:ln w="28575">
+            <a:solidFill>
+              <a:schemeClr val="accent3"/>
+            </a:solidFill>
+            <a:tailEnd type="triangle"/>
+          </a:ln>
+        </p:spPr>
+        <p:style>
+          <a:lnRef idx="1">
+            <a:schemeClr val="accent1"/>
+          </a:lnRef>
+          <a:fillRef idx="0">
+            <a:schemeClr val="accent1"/>
+          </a:fillRef>
+          <a:effectRef idx="0">
+            <a:schemeClr val="accent1"/>
+          </a:effectRef>
+          <a:fontRef idx="minor">
+            <a:schemeClr val="tx1"/>
+          </a:fontRef>
+        </p:style>
+      </p:cxnSp>
+      <p:cxnSp>
+        <p:nvCxnSpPr>
+          <p:cNvPr id="18" name="Gerade Verbindung mit Pfeil 17">
+            <a:extLst>
+              <a:ext uri="{FF2B5EF4-FFF2-40B4-BE49-F238E27FC236}">
+                <a16:creationId xmlns:a16="http://schemas.microsoft.com/office/drawing/2014/main" id="{06F243AB-65AD-4B89-86F3-79B093BE8388}"/>
+              </a:ext>
+            </a:extLst>
+          </p:cNvPr>
+          <p:cNvCxnSpPr>
+            <a:cxnSpLocks/>
+            <a:stCxn id="6" idx="2"/>
+            <a:endCxn id="4" idx="1"/>
+          </p:cNvCxnSpPr>
+          <p:nvPr/>
+        </p:nvCxnSpPr>
+        <p:spPr>
+          <a:xfrm>
+            <a:off x="7889283" y="3293565"/>
+            <a:ext cx="559878" cy="387515"/>
+          </a:xfrm>
+          <a:prstGeom prst="straightConnector1">
+            <a:avLst/>
+          </a:prstGeom>
+          <a:ln w="28575">
+            <a:solidFill>
+              <a:schemeClr val="accent3"/>
+            </a:solidFill>
+            <a:tailEnd type="triangle"/>
+          </a:ln>
+        </p:spPr>
+        <p:style>
+          <a:lnRef idx="1">
+            <a:schemeClr val="accent1"/>
+          </a:lnRef>
+          <a:fillRef idx="0">
+            <a:schemeClr val="accent1"/>
+          </a:fillRef>
+          <a:effectRef idx="0">
+            <a:schemeClr val="accent1"/>
+          </a:effectRef>
+          <a:fontRef idx="minor">
+            <a:schemeClr val="tx1"/>
+          </a:fontRef>
+        </p:style>
+      </p:cxnSp>
+      <p:cxnSp>
+        <p:nvCxnSpPr>
+          <p:cNvPr id="21" name="Gerade Verbindung mit Pfeil 20">
+            <a:extLst>
+              <a:ext uri="{FF2B5EF4-FFF2-40B4-BE49-F238E27FC236}">
+                <a16:creationId xmlns:a16="http://schemas.microsoft.com/office/drawing/2014/main" id="{AED007E7-C802-4740-BECB-7E4DE84CEC34}"/>
+              </a:ext>
+            </a:extLst>
+          </p:cNvPr>
+          <p:cNvCxnSpPr>
+            <a:cxnSpLocks/>
+            <a:stCxn id="5" idx="2"/>
+            <a:endCxn id="2" idx="1"/>
+          </p:cNvCxnSpPr>
+          <p:nvPr/>
+        </p:nvCxnSpPr>
+        <p:spPr>
+          <a:xfrm flipH="1">
+            <a:off x="3742840" y="3349126"/>
+            <a:ext cx="925378" cy="331953"/>
+          </a:xfrm>
+          <a:prstGeom prst="straightConnector1">
+            <a:avLst/>
+          </a:prstGeom>
+          <a:ln w="28575">
+            <a:solidFill>
+              <a:schemeClr val="accent3"/>
+            </a:solidFill>
+            <a:tailEnd type="triangle"/>
+          </a:ln>
+        </p:spPr>
+        <p:style>
+          <a:lnRef idx="1">
+            <a:schemeClr val="accent1"/>
+          </a:lnRef>
+          <a:fillRef idx="0">
+            <a:schemeClr val="accent1"/>
+          </a:fillRef>
+          <a:effectRef idx="0">
+            <a:schemeClr val="accent1"/>
+          </a:effectRef>
+          <a:fontRef idx="minor">
+            <a:schemeClr val="tx1"/>
+          </a:fontRef>
+        </p:style>
+      </p:cxnSp>
+      <p:grpSp>
+        <p:nvGrpSpPr>
+          <p:cNvPr id="32" name="Gruppieren 31">
+            <a:extLst>
+              <a:ext uri="{FF2B5EF4-FFF2-40B4-BE49-F238E27FC236}">
+                <a16:creationId xmlns:a16="http://schemas.microsoft.com/office/drawing/2014/main" id="{32A01FA2-260E-411D-BD1B-288C1A533AEE}"/>
+              </a:ext>
+            </a:extLst>
+          </p:cNvPr>
+          <p:cNvGrpSpPr/>
+          <p:nvPr/>
+        </p:nvGrpSpPr>
+        <p:grpSpPr>
+          <a:xfrm>
+            <a:off x="4096718" y="835457"/>
+            <a:ext cx="571500" cy="471380"/>
+            <a:chOff x="4668218" y="333214"/>
+            <a:chExt cx="571500" cy="471380"/>
+          </a:xfrm>
+        </p:grpSpPr>
+        <p:sp>
+          <p:nvSpPr>
+            <p:cNvPr id="24" name="Rechteck 23">
+              <a:extLst>
+                <a:ext uri="{FF2B5EF4-FFF2-40B4-BE49-F238E27FC236}">
+                  <a16:creationId xmlns:a16="http://schemas.microsoft.com/office/drawing/2014/main" id="{C1D80B33-E923-487F-B4EE-028E40A64050}"/>
+                </a:ext>
+              </a:extLst>
+            </p:cNvPr>
+            <p:cNvSpPr/>
+            <p:nvPr/>
+          </p:nvSpPr>
+          <p:spPr>
+            <a:xfrm>
+              <a:off x="4668218" y="333214"/>
+              <a:ext cx="571500" cy="471380"/>
+            </a:xfrm>
+            <a:prstGeom prst="rect">
+              <a:avLst/>
+            </a:prstGeom>
+            <a:solidFill>
+              <a:schemeClr val="tx2"/>
+            </a:solidFill>
+            <a:ln w="19050">
+              <a:solidFill>
+                <a:schemeClr val="bg1"/>
+              </a:solidFill>
+            </a:ln>
+          </p:spPr>
+          <p:style>
+            <a:lnRef idx="2">
+              <a:schemeClr val="accent1">
+                <a:shade val="50000"/>
+              </a:schemeClr>
+            </a:lnRef>
+            <a:fillRef idx="1">
+              <a:schemeClr val="accent1"/>
+            </a:fillRef>
+            <a:effectRef idx="0">
+              <a:schemeClr val="accent1"/>
+            </a:effectRef>
+            <a:fontRef idx="minor">
+              <a:schemeClr val="lt1"/>
+            </a:fontRef>
+          </p:style>
+          <p:txBody>
+            <a:bodyPr rtlCol="0" anchor="ctr"/>
+            <a:lstStyle/>
+            <a:p>
+              <a:pPr algn="ctr"/>
+              <a:endParaRPr lang="de-CH"/>
+            </a:p>
+          </p:txBody>
+        </p:sp>
+        <p:cxnSp>
+          <p:nvCxnSpPr>
+            <p:cNvPr id="26" name="Gerader Verbinder 25">
+              <a:extLst>
+                <a:ext uri="{FF2B5EF4-FFF2-40B4-BE49-F238E27FC236}">
+                  <a16:creationId xmlns:a16="http://schemas.microsoft.com/office/drawing/2014/main" id="{B421F5B5-B04B-4425-A5C5-0D6731B3CA31}"/>
+                </a:ext>
+              </a:extLst>
+            </p:cNvPr>
+            <p:cNvCxnSpPr/>
+            <p:nvPr/>
+          </p:nvCxnSpPr>
+          <p:spPr>
+            <a:xfrm>
+              <a:off x="4668218" y="333215"/>
+              <a:ext cx="337735" cy="247971"/>
+            </a:xfrm>
+            <a:prstGeom prst="line">
+              <a:avLst/>
+            </a:prstGeom>
+            <a:ln w="12700">
+              <a:solidFill>
+                <a:schemeClr val="bg1"/>
+              </a:solidFill>
+            </a:ln>
+          </p:spPr>
+          <p:style>
+            <a:lnRef idx="1">
+              <a:schemeClr val="accent1"/>
+            </a:lnRef>
+            <a:fillRef idx="0">
+              <a:schemeClr val="accent1"/>
+            </a:fillRef>
+            <a:effectRef idx="0">
+              <a:schemeClr val="accent1"/>
+            </a:effectRef>
+            <a:fontRef idx="minor">
+              <a:schemeClr val="tx1"/>
+            </a:fontRef>
+          </p:style>
+        </p:cxnSp>
+        <p:cxnSp>
+          <p:nvCxnSpPr>
+            <p:cNvPr id="27" name="Gerader Verbinder 26">
+              <a:extLst>
+                <a:ext uri="{FF2B5EF4-FFF2-40B4-BE49-F238E27FC236}">
+                  <a16:creationId xmlns:a16="http://schemas.microsoft.com/office/drawing/2014/main" id="{71B9E89A-4B6C-457D-B727-10853CB4A2EB}"/>
+                </a:ext>
+              </a:extLst>
+            </p:cNvPr>
+            <p:cNvCxnSpPr>
+              <a:cxnSpLocks/>
+            </p:cNvCxnSpPr>
+            <p:nvPr/>
+          </p:nvCxnSpPr>
+          <p:spPr>
+            <a:xfrm flipV="1">
+              <a:off x="4901983" y="333215"/>
+              <a:ext cx="337735" cy="247971"/>
+            </a:xfrm>
+            <a:prstGeom prst="line">
+              <a:avLst/>
+            </a:prstGeom>
+            <a:ln w="12700">
+              <a:solidFill>
+                <a:schemeClr val="bg1"/>
+              </a:solidFill>
+            </a:ln>
+          </p:spPr>
+          <p:style>
+            <a:lnRef idx="1">
+              <a:schemeClr val="accent1"/>
+            </a:lnRef>
+            <a:fillRef idx="0">
+              <a:schemeClr val="accent1"/>
+            </a:fillRef>
+            <a:effectRef idx="0">
+              <a:schemeClr val="accent1"/>
+            </a:effectRef>
+            <a:fontRef idx="minor">
+              <a:schemeClr val="tx1"/>
+            </a:fontRef>
+          </p:style>
+        </p:cxnSp>
+      </p:grpSp>
+      <p:grpSp>
+        <p:nvGrpSpPr>
+          <p:cNvPr id="33" name="Gruppieren 32">
+            <a:extLst>
+              <a:ext uri="{FF2B5EF4-FFF2-40B4-BE49-F238E27FC236}">
+                <a16:creationId xmlns:a16="http://schemas.microsoft.com/office/drawing/2014/main" id="{553BAC8B-15D8-4467-84E4-ED78A617C781}"/>
+              </a:ext>
+            </a:extLst>
+          </p:cNvPr>
+          <p:cNvGrpSpPr/>
+          <p:nvPr/>
+        </p:nvGrpSpPr>
+        <p:grpSpPr>
+          <a:xfrm>
+            <a:off x="5204847" y="1610411"/>
+            <a:ext cx="571500" cy="471380"/>
+            <a:chOff x="4668218" y="333214"/>
+            <a:chExt cx="571500" cy="471380"/>
+          </a:xfrm>
+        </p:grpSpPr>
+        <p:sp>
+          <p:nvSpPr>
+            <p:cNvPr id="34" name="Rechteck 33">
+              <a:extLst>
+                <a:ext uri="{FF2B5EF4-FFF2-40B4-BE49-F238E27FC236}">
+                  <a16:creationId xmlns:a16="http://schemas.microsoft.com/office/drawing/2014/main" id="{8F2C5149-0AB1-49FB-90AA-D77DF91B70DA}"/>
+                </a:ext>
+              </a:extLst>
+            </p:cNvPr>
+            <p:cNvSpPr/>
+            <p:nvPr/>
+          </p:nvSpPr>
+          <p:spPr>
+            <a:xfrm>
+              <a:off x="4668218" y="333214"/>
+              <a:ext cx="571500" cy="471380"/>
+            </a:xfrm>
+            <a:prstGeom prst="rect">
+              <a:avLst/>
+            </a:prstGeom>
+            <a:solidFill>
+              <a:schemeClr val="tx2"/>
+            </a:solidFill>
+            <a:ln w="19050">
+              <a:solidFill>
+                <a:schemeClr val="bg1"/>
+              </a:solidFill>
+            </a:ln>
+          </p:spPr>
+          <p:style>
+            <a:lnRef idx="2">
+              <a:schemeClr val="accent1">
+                <a:shade val="50000"/>
+              </a:schemeClr>
+            </a:lnRef>
+            <a:fillRef idx="1">
+              <a:schemeClr val="accent1"/>
+            </a:fillRef>
+            <a:effectRef idx="0">
+              <a:schemeClr val="accent1"/>
+            </a:effectRef>
+            <a:fontRef idx="minor">
+              <a:schemeClr val="lt1"/>
+            </a:fontRef>
+          </p:style>
+          <p:txBody>
+            <a:bodyPr rtlCol="0" anchor="ctr"/>
+            <a:lstStyle/>
+            <a:p>
+              <a:pPr algn="ctr"/>
+              <a:endParaRPr lang="de-CH"/>
+            </a:p>
+          </p:txBody>
+        </p:sp>
+        <p:cxnSp>
+          <p:nvCxnSpPr>
+            <p:cNvPr id="35" name="Gerader Verbinder 34">
+              <a:extLst>
+                <a:ext uri="{FF2B5EF4-FFF2-40B4-BE49-F238E27FC236}">
+                  <a16:creationId xmlns:a16="http://schemas.microsoft.com/office/drawing/2014/main" id="{DE5C6BBC-7A7F-4BD1-935A-BBDEF20905BA}"/>
+                </a:ext>
+              </a:extLst>
+            </p:cNvPr>
+            <p:cNvCxnSpPr/>
+            <p:nvPr/>
+          </p:nvCxnSpPr>
+          <p:spPr>
+            <a:xfrm>
+              <a:off x="4668218" y="333215"/>
+              <a:ext cx="337735" cy="247971"/>
+            </a:xfrm>
+            <a:prstGeom prst="line">
+              <a:avLst/>
+            </a:prstGeom>
+            <a:ln w="12700">
+              <a:solidFill>
+                <a:schemeClr val="bg1"/>
+              </a:solidFill>
+            </a:ln>
+          </p:spPr>
+          <p:style>
+            <a:lnRef idx="1">
+              <a:schemeClr val="accent1"/>
+            </a:lnRef>
+            <a:fillRef idx="0">
+              <a:schemeClr val="accent1"/>
+            </a:fillRef>
+            <a:effectRef idx="0">
+              <a:schemeClr val="accent1"/>
+            </a:effectRef>
+            <a:fontRef idx="minor">
+              <a:schemeClr val="tx1"/>
+            </a:fontRef>
+          </p:style>
+        </p:cxnSp>
+        <p:cxnSp>
+          <p:nvCxnSpPr>
+            <p:cNvPr id="36" name="Gerader Verbinder 35">
+              <a:extLst>
+                <a:ext uri="{FF2B5EF4-FFF2-40B4-BE49-F238E27FC236}">
+                  <a16:creationId xmlns:a16="http://schemas.microsoft.com/office/drawing/2014/main" id="{AA5F78A3-9E85-49BF-81C3-F6F7B0E4BE52}"/>
+                </a:ext>
+              </a:extLst>
+            </p:cNvPr>
+            <p:cNvCxnSpPr>
+              <a:cxnSpLocks/>
+            </p:cNvCxnSpPr>
+            <p:nvPr/>
+          </p:nvCxnSpPr>
+          <p:spPr>
+            <a:xfrm flipV="1">
+              <a:off x="4901983" y="333215"/>
+              <a:ext cx="337735" cy="247971"/>
+            </a:xfrm>
+            <a:prstGeom prst="line">
+              <a:avLst/>
+            </a:prstGeom>
+            <a:ln w="12700">
+              <a:solidFill>
+                <a:schemeClr val="bg1"/>
+              </a:solidFill>
+            </a:ln>
+          </p:spPr>
+          <p:style>
+            <a:lnRef idx="1">
+              <a:schemeClr val="accent1"/>
+            </a:lnRef>
+            <a:fillRef idx="0">
+              <a:schemeClr val="accent1"/>
+            </a:fillRef>
+            <a:effectRef idx="0">
+              <a:schemeClr val="accent1"/>
+            </a:effectRef>
+            <a:fontRef idx="minor">
+              <a:schemeClr val="tx1"/>
+            </a:fontRef>
+          </p:style>
+        </p:cxnSp>
+      </p:grpSp>
+      <p:grpSp>
+        <p:nvGrpSpPr>
+          <p:cNvPr id="37" name="Gruppieren 36">
+            <a:extLst>
+              <a:ext uri="{FF2B5EF4-FFF2-40B4-BE49-F238E27FC236}">
+                <a16:creationId xmlns:a16="http://schemas.microsoft.com/office/drawing/2014/main" id="{E2F199B3-9EC0-497D-8222-EF854BF2D1CF}"/>
+              </a:ext>
+            </a:extLst>
+          </p:cNvPr>
+          <p:cNvGrpSpPr/>
+          <p:nvPr/>
+        </p:nvGrpSpPr>
+        <p:grpSpPr>
+          <a:xfrm>
+            <a:off x="6815379" y="1622693"/>
+            <a:ext cx="571500" cy="471380"/>
+            <a:chOff x="4668218" y="333214"/>
+            <a:chExt cx="571500" cy="471380"/>
+          </a:xfrm>
+        </p:grpSpPr>
+        <p:sp>
+          <p:nvSpPr>
+            <p:cNvPr id="38" name="Rechteck 37">
+              <a:extLst>
+                <a:ext uri="{FF2B5EF4-FFF2-40B4-BE49-F238E27FC236}">
+                  <a16:creationId xmlns:a16="http://schemas.microsoft.com/office/drawing/2014/main" id="{8BA1A793-4CA9-48A9-B395-632F297E5B82}"/>
+                </a:ext>
+              </a:extLst>
+            </p:cNvPr>
+            <p:cNvSpPr/>
+            <p:nvPr/>
+          </p:nvSpPr>
+          <p:spPr>
+            <a:xfrm>
+              <a:off x="4668218" y="333214"/>
+              <a:ext cx="571500" cy="471380"/>
+            </a:xfrm>
+            <a:prstGeom prst="rect">
+              <a:avLst/>
+            </a:prstGeom>
+            <a:solidFill>
+              <a:schemeClr val="tx2"/>
+            </a:solidFill>
+            <a:ln w="19050">
+              <a:solidFill>
+                <a:schemeClr val="bg1"/>
+              </a:solidFill>
+            </a:ln>
+          </p:spPr>
+          <p:style>
+            <a:lnRef idx="2">
+              <a:schemeClr val="accent1">
+                <a:shade val="50000"/>
+              </a:schemeClr>
+            </a:lnRef>
+            <a:fillRef idx="1">
+              <a:schemeClr val="accent1"/>
+            </a:fillRef>
+            <a:effectRef idx="0">
+              <a:schemeClr val="accent1"/>
+            </a:effectRef>
+            <a:fontRef idx="minor">
+              <a:schemeClr val="lt1"/>
+            </a:fontRef>
+          </p:style>
+          <p:txBody>
+            <a:bodyPr rtlCol="0" anchor="ctr"/>
+            <a:lstStyle/>
+            <a:p>
+              <a:pPr algn="ctr"/>
+              <a:endParaRPr lang="de-CH"/>
+            </a:p>
+          </p:txBody>
+        </p:sp>
+        <p:cxnSp>
+          <p:nvCxnSpPr>
+            <p:cNvPr id="39" name="Gerader Verbinder 38">
+              <a:extLst>
+                <a:ext uri="{FF2B5EF4-FFF2-40B4-BE49-F238E27FC236}">
+                  <a16:creationId xmlns:a16="http://schemas.microsoft.com/office/drawing/2014/main" id="{4DD65B2D-6AEF-469E-9740-919157CFAA40}"/>
+                </a:ext>
+              </a:extLst>
+            </p:cNvPr>
+            <p:cNvCxnSpPr/>
+            <p:nvPr/>
+          </p:nvCxnSpPr>
+          <p:spPr>
+            <a:xfrm>
+              <a:off x="4668218" y="333215"/>
+              <a:ext cx="337735" cy="247971"/>
+            </a:xfrm>
+            <a:prstGeom prst="line">
+              <a:avLst/>
+            </a:prstGeom>
+            <a:ln w="12700">
+              <a:solidFill>
+                <a:schemeClr val="bg1"/>
+              </a:solidFill>
+            </a:ln>
+          </p:spPr>
+          <p:style>
+            <a:lnRef idx="1">
+              <a:schemeClr val="accent1"/>
+            </a:lnRef>
+            <a:fillRef idx="0">
+              <a:schemeClr val="accent1"/>
+            </a:fillRef>
+            <a:effectRef idx="0">
+              <a:schemeClr val="accent1"/>
+            </a:effectRef>
+            <a:fontRef idx="minor">
+              <a:schemeClr val="tx1"/>
+            </a:fontRef>
+          </p:style>
+        </p:cxnSp>
+        <p:cxnSp>
+          <p:nvCxnSpPr>
+            <p:cNvPr id="40" name="Gerader Verbinder 39">
+              <a:extLst>
+                <a:ext uri="{FF2B5EF4-FFF2-40B4-BE49-F238E27FC236}">
+                  <a16:creationId xmlns:a16="http://schemas.microsoft.com/office/drawing/2014/main" id="{96B7468E-9F2C-4760-9847-5FF5A9C663BE}"/>
+                </a:ext>
+              </a:extLst>
+            </p:cNvPr>
+            <p:cNvCxnSpPr>
+              <a:cxnSpLocks/>
+            </p:cNvCxnSpPr>
+            <p:nvPr/>
+          </p:nvCxnSpPr>
+          <p:spPr>
+            <a:xfrm flipV="1">
+              <a:off x="4901983" y="333215"/>
+              <a:ext cx="337735" cy="247971"/>
+            </a:xfrm>
+            <a:prstGeom prst="line">
+              <a:avLst/>
+            </a:prstGeom>
+            <a:ln w="12700">
+              <a:solidFill>
+                <a:schemeClr val="bg1"/>
+              </a:solidFill>
+            </a:ln>
+          </p:spPr>
+          <p:style>
+            <a:lnRef idx="1">
+              <a:schemeClr val="accent1"/>
+            </a:lnRef>
+            <a:fillRef idx="0">
+              <a:schemeClr val="accent1"/>
+            </a:fillRef>
+            <a:effectRef idx="0">
+              <a:schemeClr val="accent1"/>
+            </a:effectRef>
+            <a:fontRef idx="minor">
+              <a:schemeClr val="tx1"/>
+            </a:fontRef>
+          </p:style>
+        </p:cxnSp>
+      </p:grpSp>
+      <p:grpSp>
+        <p:nvGrpSpPr>
+          <p:cNvPr id="41" name="Gruppieren 40">
+            <a:extLst>
+              <a:ext uri="{FF2B5EF4-FFF2-40B4-BE49-F238E27FC236}">
+                <a16:creationId xmlns:a16="http://schemas.microsoft.com/office/drawing/2014/main" id="{E0B559EC-1186-48E3-A233-CA34077842A1}"/>
+              </a:ext>
+            </a:extLst>
+          </p:cNvPr>
+          <p:cNvGrpSpPr/>
+          <p:nvPr/>
+        </p:nvGrpSpPr>
+        <p:grpSpPr>
+          <a:xfrm>
+            <a:off x="4382468" y="2739084"/>
+            <a:ext cx="571500" cy="471380"/>
+            <a:chOff x="4668218" y="333214"/>
+            <a:chExt cx="571500" cy="471380"/>
+          </a:xfrm>
+        </p:grpSpPr>
+        <p:sp>
+          <p:nvSpPr>
+            <p:cNvPr id="42" name="Rechteck 41">
+              <a:extLst>
+                <a:ext uri="{FF2B5EF4-FFF2-40B4-BE49-F238E27FC236}">
+                  <a16:creationId xmlns:a16="http://schemas.microsoft.com/office/drawing/2014/main" id="{5EDA7C2A-E0E2-4F32-807B-0EDC22500F78}"/>
+                </a:ext>
+              </a:extLst>
+            </p:cNvPr>
+            <p:cNvSpPr/>
+            <p:nvPr/>
+          </p:nvSpPr>
+          <p:spPr>
+            <a:xfrm>
+              <a:off x="4668218" y="333214"/>
+              <a:ext cx="571500" cy="471380"/>
+            </a:xfrm>
+            <a:prstGeom prst="rect">
+              <a:avLst/>
+            </a:prstGeom>
+            <a:solidFill>
+              <a:schemeClr val="tx2"/>
+            </a:solidFill>
+            <a:ln w="19050">
+              <a:solidFill>
+                <a:schemeClr val="bg1"/>
+              </a:solidFill>
+            </a:ln>
+          </p:spPr>
+          <p:style>
+            <a:lnRef idx="2">
+              <a:schemeClr val="accent1">
+                <a:shade val="50000"/>
+              </a:schemeClr>
+            </a:lnRef>
+            <a:fillRef idx="1">
+              <a:schemeClr val="accent1"/>
+            </a:fillRef>
+            <a:effectRef idx="0">
+              <a:schemeClr val="accent1"/>
+            </a:effectRef>
+            <a:fontRef idx="minor">
+              <a:schemeClr val="lt1"/>
+            </a:fontRef>
+          </p:style>
+          <p:txBody>
+            <a:bodyPr rtlCol="0" anchor="ctr"/>
+            <a:lstStyle/>
+            <a:p>
+              <a:pPr algn="ctr"/>
+              <a:endParaRPr lang="de-CH"/>
+            </a:p>
+          </p:txBody>
+        </p:sp>
+        <p:cxnSp>
+          <p:nvCxnSpPr>
+            <p:cNvPr id="43" name="Gerader Verbinder 42">
+              <a:extLst>
+                <a:ext uri="{FF2B5EF4-FFF2-40B4-BE49-F238E27FC236}">
+                  <a16:creationId xmlns:a16="http://schemas.microsoft.com/office/drawing/2014/main" id="{C2DB0FE8-AB30-412D-9B86-CFFE9FF9A6AD}"/>
+                </a:ext>
+              </a:extLst>
+            </p:cNvPr>
+            <p:cNvCxnSpPr/>
+            <p:nvPr/>
+          </p:nvCxnSpPr>
+          <p:spPr>
+            <a:xfrm>
+              <a:off x="4668218" y="333215"/>
+              <a:ext cx="337735" cy="247971"/>
+            </a:xfrm>
+            <a:prstGeom prst="line">
+              <a:avLst/>
+            </a:prstGeom>
+            <a:ln w="12700">
+              <a:solidFill>
+                <a:schemeClr val="bg1"/>
+              </a:solidFill>
+            </a:ln>
+          </p:spPr>
+          <p:style>
+            <a:lnRef idx="1">
+              <a:schemeClr val="accent1"/>
+            </a:lnRef>
+            <a:fillRef idx="0">
+              <a:schemeClr val="accent1"/>
+            </a:fillRef>
+            <a:effectRef idx="0">
+              <a:schemeClr val="accent1"/>
+            </a:effectRef>
+            <a:fontRef idx="minor">
+              <a:schemeClr val="tx1"/>
+            </a:fontRef>
+          </p:style>
+        </p:cxnSp>
+        <p:cxnSp>
+          <p:nvCxnSpPr>
+            <p:cNvPr id="44" name="Gerader Verbinder 43">
+              <a:extLst>
+                <a:ext uri="{FF2B5EF4-FFF2-40B4-BE49-F238E27FC236}">
+                  <a16:creationId xmlns:a16="http://schemas.microsoft.com/office/drawing/2014/main" id="{A1F222E2-57AA-4CFC-ACF4-473F20F22287}"/>
+                </a:ext>
+              </a:extLst>
+            </p:cNvPr>
+            <p:cNvCxnSpPr>
+              <a:cxnSpLocks/>
+            </p:cNvCxnSpPr>
+            <p:nvPr/>
+          </p:nvCxnSpPr>
+          <p:spPr>
+            <a:xfrm flipV="1">
+              <a:off x="4901983" y="333215"/>
+              <a:ext cx="337735" cy="247971"/>
+            </a:xfrm>
+            <a:prstGeom prst="line">
+              <a:avLst/>
+            </a:prstGeom>
+            <a:ln w="12700">
+              <a:solidFill>
+                <a:schemeClr val="bg1"/>
+              </a:solidFill>
+            </a:ln>
+          </p:spPr>
+          <p:style>
+            <a:lnRef idx="1">
+              <a:schemeClr val="accent1"/>
+            </a:lnRef>
+            <a:fillRef idx="0">
+              <a:schemeClr val="accent1"/>
+            </a:fillRef>
+            <a:effectRef idx="0">
+              <a:schemeClr val="accent1"/>
+            </a:effectRef>
+            <a:fontRef idx="minor">
+              <a:schemeClr val="tx1"/>
+            </a:fontRef>
+          </p:style>
+        </p:cxnSp>
+      </p:grpSp>
+    </p:spTree>
+    <p:extLst>
+      <p:ext uri="{BB962C8B-B14F-4D97-AF65-F5344CB8AC3E}">
+        <p14:creationId xmlns:p14="http://schemas.microsoft.com/office/powerpoint/2010/main" val="3494311257"/>
+      </p:ext>
+    </p:extLst>
+  </p:cSld>
+  <p:clrMapOvr>
+    <a:masterClrMapping/>
+  </p:clrMapOvr>
+  <p:timing>
+    <p:tnLst>
+      <p:par>
+        <p:cTn id="1" dur="indefinite" restart="never" nodeType="tmRoot">
+          <p:childTnLst>
+            <p:seq concurrent="1" nextAc="seek">
+              <p:cTn id="2" dur="indefinite" nodeType="mainSeq">
+                <p:childTnLst>
+                  <p:par>
+                    <p:cTn id="3" fill="hold">
+                      <p:stCondLst>
+                        <p:cond delay="indefinite"/>
+                      </p:stCondLst>
+                      <p:childTnLst>
+                        <p:par>
+                          <p:cTn id="4" fill="hold">
+                            <p:stCondLst>
+                              <p:cond delay="0"/>
+                            </p:stCondLst>
+                            <p:childTnLst>
+                              <p:par>
+                                <p:cTn id="5" presetID="1" presetClass="entr" presetSubtype="0" fill="hold" nodeType="clickEffect">
+                                  <p:stCondLst>
+                                    <p:cond delay="0"/>
+                                  </p:stCondLst>
+                                  <p:childTnLst>
+                                    <p:set>
+                                      <p:cBhvr>
+                                        <p:cTn id="6" dur="1" fill="hold">
+                                          <p:stCondLst>
+                                            <p:cond delay="0"/>
+                                          </p:stCondLst>
+                                        </p:cTn>
+                                        <p:tgtEl>
+                                          <p:spTgt spid="32"/>
+                                        </p:tgtEl>
+                                        <p:attrNameLst>
+                                          <p:attrName>style.visibility</p:attrName>
+                                        </p:attrNameLst>
+                                      </p:cBhvr>
+                                      <p:to>
+                                        <p:strVal val="visible"/>
+                                      </p:to>
+                                    </p:set>
+                                  </p:childTnLst>
+                                </p:cTn>
+                              </p:par>
+                            </p:childTnLst>
+                          </p:cTn>
+                        </p:par>
+                      </p:childTnLst>
+                    </p:cTn>
+                  </p:par>
+                  <p:par>
+                    <p:cTn id="7" fill="hold">
+                      <p:stCondLst>
+                        <p:cond delay="indefinite"/>
+                      </p:stCondLst>
+                      <p:childTnLst>
+                        <p:par>
+                          <p:cTn id="8" fill="hold">
+                            <p:stCondLst>
+                              <p:cond delay="0"/>
+                            </p:stCondLst>
+                            <p:childTnLst>
+                              <p:par>
+                                <p:cTn id="9" presetID="63" presetClass="path" presetSubtype="0" accel="50000" decel="50000" fill="hold" nodeType="clickEffect">
+                                  <p:stCondLst>
+                                    <p:cond delay="0"/>
+                                  </p:stCondLst>
+                                  <p:childTnLst>
+                                    <p:animMotion origin="layout" path="M 4.79167E-6 0.00023 L 0.15833 0.00023 " pathEditMode="relative" rAng="0" ptsTypes="AA">
+                                      <p:cBhvr>
+                                        <p:cTn id="10" dur="2000" fill="hold"/>
+                                        <p:tgtEl>
+                                          <p:spTgt spid="32"/>
+                                        </p:tgtEl>
+                                        <p:attrNameLst>
+                                          <p:attrName>ppt_x</p:attrName>
+                                          <p:attrName>ppt_y</p:attrName>
+                                        </p:attrNameLst>
+                                      </p:cBhvr>
+                                      <p:rCtr x="7917" y="0"/>
+                                    </p:animMotion>
+                                  </p:childTnLst>
+                                </p:cTn>
+                              </p:par>
+                            </p:childTnLst>
+                          </p:cTn>
+                        </p:par>
+                      </p:childTnLst>
+                    </p:cTn>
+                  </p:par>
+                  <p:par>
+                    <p:cTn id="11" fill="hold">
+                      <p:stCondLst>
+                        <p:cond delay="indefinite"/>
+                      </p:stCondLst>
+                      <p:childTnLst>
+                        <p:par>
+                          <p:cTn id="12" fill="hold">
+                            <p:stCondLst>
+                              <p:cond delay="0"/>
+                            </p:stCondLst>
+                            <p:childTnLst>
+                              <p:par>
+                                <p:cTn id="13" presetID="1" presetClass="exit" presetSubtype="0" fill="hold" nodeType="clickEffect">
+                                  <p:stCondLst>
+                                    <p:cond delay="0"/>
+                                  </p:stCondLst>
+                                  <p:childTnLst>
+                                    <p:set>
+                                      <p:cBhvr>
+                                        <p:cTn id="14" dur="1" fill="hold">
+                                          <p:stCondLst>
+                                            <p:cond delay="0"/>
+                                          </p:stCondLst>
+                                        </p:cTn>
+                                        <p:tgtEl>
+                                          <p:spTgt spid="32"/>
+                                        </p:tgtEl>
+                                        <p:attrNameLst>
+                                          <p:attrName>style.visibility</p:attrName>
+                                        </p:attrNameLst>
+                                      </p:cBhvr>
+                                      <p:to>
+                                        <p:strVal val="hidden"/>
+                                      </p:to>
+                                    </p:set>
+                                  </p:childTnLst>
+                                </p:cTn>
+                              </p:par>
+                              <p:par>
+                                <p:cTn id="15" presetID="1" presetClass="entr" presetSubtype="0" fill="hold" nodeType="withEffect">
+                                  <p:stCondLst>
+                                    <p:cond delay="0"/>
+                                  </p:stCondLst>
+                                  <p:childTnLst>
+                                    <p:set>
+                                      <p:cBhvr>
+                                        <p:cTn id="16" dur="1" fill="hold">
+                                          <p:stCondLst>
+                                            <p:cond delay="0"/>
+                                          </p:stCondLst>
+                                        </p:cTn>
+                                        <p:tgtEl>
+                                          <p:spTgt spid="37"/>
+                                        </p:tgtEl>
+                                        <p:attrNameLst>
+                                          <p:attrName>style.visibility</p:attrName>
+                                        </p:attrNameLst>
+                                      </p:cBhvr>
+                                      <p:to>
+                                        <p:strVal val="visible"/>
+                                      </p:to>
+                                    </p:set>
+                                  </p:childTnLst>
+                                </p:cTn>
+                              </p:par>
+                              <p:par>
+                                <p:cTn id="17" presetID="63" presetClass="path" presetSubtype="0" accel="50000" decel="50000" fill="hold" nodeType="withEffect">
+                                  <p:stCondLst>
+                                    <p:cond delay="0"/>
+                                  </p:stCondLst>
+                                  <p:childTnLst>
+                                    <p:animMotion origin="layout" path="M -1.875E-6 0.00023 L 0.06185 0.15093 " pathEditMode="relative" rAng="0" ptsTypes="AA">
+                                      <p:cBhvr>
+                                        <p:cTn id="18" dur="2000" fill="hold"/>
+                                        <p:tgtEl>
+                                          <p:spTgt spid="37"/>
+                                        </p:tgtEl>
+                                        <p:attrNameLst>
+                                          <p:attrName>ppt_x</p:attrName>
+                                          <p:attrName>ppt_y</p:attrName>
+                                        </p:attrNameLst>
+                                      </p:cBhvr>
+                                      <p:rCtr x="3086" y="7523"/>
+                                    </p:animMotion>
+                                  </p:childTnLst>
+                                </p:cTn>
+                              </p:par>
+                            </p:childTnLst>
+                          </p:cTn>
+                        </p:par>
+                      </p:childTnLst>
+                    </p:cTn>
+                  </p:par>
+                  <p:par>
+                    <p:cTn id="19" fill="hold">
+                      <p:stCondLst>
+                        <p:cond delay="indefinite"/>
+                      </p:stCondLst>
+                      <p:childTnLst>
+                        <p:par>
+                          <p:cTn id="20" fill="hold">
+                            <p:stCondLst>
+                              <p:cond delay="0"/>
+                            </p:stCondLst>
+                            <p:childTnLst>
+                              <p:par>
+                                <p:cTn id="21" presetID="1" presetClass="exit" presetSubtype="0" fill="hold" nodeType="clickEffect">
+                                  <p:stCondLst>
+                                    <p:cond delay="0"/>
+                                  </p:stCondLst>
+                                  <p:childTnLst>
+                                    <p:set>
+                                      <p:cBhvr>
+                                        <p:cTn id="22" dur="1" fill="hold">
+                                          <p:stCondLst>
+                                            <p:cond delay="0"/>
+                                          </p:stCondLst>
+                                        </p:cTn>
+                                        <p:tgtEl>
+                                          <p:spTgt spid="37"/>
+                                        </p:tgtEl>
+                                        <p:attrNameLst>
+                                          <p:attrName>style.visibility</p:attrName>
+                                        </p:attrNameLst>
+                                      </p:cBhvr>
+                                      <p:to>
+                                        <p:strVal val="hidden"/>
+                                      </p:to>
+                                    </p:set>
+                                  </p:childTnLst>
+                                </p:cTn>
+                              </p:par>
+                            </p:childTnLst>
+                          </p:cTn>
+                        </p:par>
+                      </p:childTnLst>
+                    </p:cTn>
+                  </p:par>
+                  <p:par>
+                    <p:cTn id="23" fill="hold">
+                      <p:stCondLst>
+                        <p:cond delay="indefinite"/>
+                      </p:stCondLst>
+                      <p:childTnLst>
+                        <p:par>
+                          <p:cTn id="24" fill="hold">
+                            <p:stCondLst>
+                              <p:cond delay="0"/>
+                            </p:stCondLst>
+                            <p:childTnLst>
+                              <p:par>
+                                <p:cTn id="25" presetID="1" presetClass="entr" presetSubtype="0" fill="hold" nodeType="clickEffect">
+                                  <p:stCondLst>
+                                    <p:cond delay="0"/>
+                                  </p:stCondLst>
+                                  <p:childTnLst>
+                                    <p:set>
+                                      <p:cBhvr>
+                                        <p:cTn id="26" dur="1" fill="hold">
+                                          <p:stCondLst>
+                                            <p:cond delay="0"/>
+                                          </p:stCondLst>
+                                        </p:cTn>
+                                        <p:tgtEl>
+                                          <p:spTgt spid="33"/>
+                                        </p:tgtEl>
+                                        <p:attrNameLst>
+                                          <p:attrName>style.visibility</p:attrName>
+                                        </p:attrNameLst>
+                                      </p:cBhvr>
+                                      <p:to>
+                                        <p:strVal val="visible"/>
+                                      </p:to>
+                                    </p:set>
+                                  </p:childTnLst>
+                                </p:cTn>
+                              </p:par>
+                            </p:childTnLst>
+                          </p:cTn>
+                        </p:par>
+                      </p:childTnLst>
+                    </p:cTn>
+                  </p:par>
+                  <p:par>
+                    <p:cTn id="27" fill="hold">
+                      <p:stCondLst>
+                        <p:cond delay="indefinite"/>
+                      </p:stCondLst>
+                      <p:childTnLst>
+                        <p:par>
+                          <p:cTn id="28" fill="hold">
+                            <p:stCondLst>
+                              <p:cond delay="0"/>
+                            </p:stCondLst>
+                            <p:childTnLst>
+                              <p:par>
+                                <p:cTn id="29" presetID="42" presetClass="path" presetSubtype="0" accel="50000" decel="50000" fill="hold" nodeType="clickEffect">
+                                  <p:stCondLst>
+                                    <p:cond delay="0"/>
+                                  </p:stCondLst>
+                                  <p:childTnLst>
+                                    <p:animMotion origin="layout" path="M -6.25E-7 -1.48148E-6 L -0.06745 0.16459 " pathEditMode="relative" rAng="0" ptsTypes="AA">
+                                      <p:cBhvr>
+                                        <p:cTn id="30" dur="2000" fill="hold"/>
+                                        <p:tgtEl>
+                                          <p:spTgt spid="33"/>
+                                        </p:tgtEl>
+                                        <p:attrNameLst>
+                                          <p:attrName>ppt_x</p:attrName>
+                                          <p:attrName>ppt_y</p:attrName>
+                                        </p:attrNameLst>
+                                      </p:cBhvr>
+                                      <p:rCtr x="-3372" y="8310"/>
+                                    </p:animMotion>
+                                  </p:childTnLst>
+                                </p:cTn>
+                              </p:par>
+                            </p:childTnLst>
+                          </p:cTn>
+                        </p:par>
+                      </p:childTnLst>
+                    </p:cTn>
+                  </p:par>
+                  <p:par>
+                    <p:cTn id="31" fill="hold">
+                      <p:stCondLst>
+                        <p:cond delay="indefinite"/>
+                      </p:stCondLst>
+                      <p:childTnLst>
+                        <p:par>
+                          <p:cTn id="32" fill="hold">
+                            <p:stCondLst>
+                              <p:cond delay="0"/>
+                            </p:stCondLst>
+                            <p:childTnLst>
+                              <p:par>
+                                <p:cTn id="33" presetID="1" presetClass="exit" presetSubtype="0" fill="hold" nodeType="clickEffect">
+                                  <p:stCondLst>
+                                    <p:cond delay="0"/>
+                                  </p:stCondLst>
+                                  <p:childTnLst>
+                                    <p:set>
+                                      <p:cBhvr>
+                                        <p:cTn id="34" dur="1" fill="hold">
+                                          <p:stCondLst>
+                                            <p:cond delay="0"/>
+                                          </p:stCondLst>
+                                        </p:cTn>
+                                        <p:tgtEl>
+                                          <p:spTgt spid="33"/>
+                                        </p:tgtEl>
+                                        <p:attrNameLst>
+                                          <p:attrName>style.visibility</p:attrName>
+                                        </p:attrNameLst>
+                                      </p:cBhvr>
+                                      <p:to>
+                                        <p:strVal val="hidden"/>
+                                      </p:to>
+                                    </p:set>
+                                  </p:childTnLst>
+                                </p:cTn>
+                              </p:par>
+                            </p:childTnLst>
+                          </p:cTn>
+                        </p:par>
+                      </p:childTnLst>
+                    </p:cTn>
+                  </p:par>
+                  <p:par>
+                    <p:cTn id="35" fill="hold">
+                      <p:stCondLst>
+                        <p:cond delay="indefinite"/>
+                      </p:stCondLst>
+                      <p:childTnLst>
+                        <p:par>
+                          <p:cTn id="36" fill="hold">
+                            <p:stCondLst>
+                              <p:cond delay="0"/>
+                            </p:stCondLst>
+                            <p:childTnLst>
+                              <p:par>
+                                <p:cTn id="37" presetID="1" presetClass="entr" presetSubtype="0" fill="hold" nodeType="clickEffect">
+                                  <p:stCondLst>
+                                    <p:cond delay="0"/>
+                                  </p:stCondLst>
+                                  <p:childTnLst>
+                                    <p:set>
+                                      <p:cBhvr>
+                                        <p:cTn id="38" dur="1" fill="hold">
+                                          <p:stCondLst>
+                                            <p:cond delay="0"/>
+                                          </p:stCondLst>
+                                        </p:cTn>
+                                        <p:tgtEl>
+                                          <p:spTgt spid="41"/>
+                                        </p:tgtEl>
+                                        <p:attrNameLst>
+                                          <p:attrName>style.visibility</p:attrName>
+                                        </p:attrNameLst>
+                                      </p:cBhvr>
+                                      <p:to>
+                                        <p:strVal val="visible"/>
+                                      </p:to>
+                                    </p:set>
+                                  </p:childTnLst>
+                                </p:cTn>
+                              </p:par>
+                            </p:childTnLst>
+                          </p:cTn>
+                        </p:par>
+                      </p:childTnLst>
+                    </p:cTn>
+                  </p:par>
+                  <p:par>
+                    <p:cTn id="39" fill="hold">
+                      <p:stCondLst>
+                        <p:cond delay="indefinite"/>
+                      </p:stCondLst>
+                      <p:childTnLst>
+                        <p:par>
+                          <p:cTn id="40" fill="hold">
+                            <p:stCondLst>
+                              <p:cond delay="0"/>
+                            </p:stCondLst>
+                            <p:childTnLst>
+                              <p:par>
+                                <p:cTn id="41" presetID="50" presetClass="path" presetSubtype="0" accel="50000" decel="50000" fill="hold" nodeType="clickEffect">
+                                  <p:stCondLst>
+                                    <p:cond delay="0"/>
+                                  </p:stCondLst>
+                                  <p:childTnLst>
+                                    <p:animMotion origin="layout" path="M -2.70833E-6 -4.81481E-6 L -0.03802 -4.81481E-6 C -0.05508 -4.81481E-6 -0.07591 0.0595 -0.07591 0.10788 L -0.07591 0.21598 " pathEditMode="relative" rAng="0" ptsTypes="AAAA">
+                                      <p:cBhvr>
+                                        <p:cTn id="42" dur="2000" fill="hold"/>
+                                        <p:tgtEl>
+                                          <p:spTgt spid="41"/>
+                                        </p:tgtEl>
+                                        <p:attrNameLst>
+                                          <p:attrName>ppt_x</p:attrName>
+                                          <p:attrName>ppt_y</p:attrName>
+                                        </p:attrNameLst>
+                                      </p:cBhvr>
+                                      <p:rCtr x="-3802" y="10787"/>
+                                    </p:animMotion>
+                                  </p:childTnLst>
+                                </p:cTn>
+                              </p:par>
+                            </p:childTnLst>
+                          </p:cTn>
+                        </p:par>
+                      </p:childTnLst>
+                    </p:cTn>
+                  </p:par>
+                </p:childTnLst>
+              </p:cTn>
+              <p:prevCondLst>
+                <p:cond evt="onPrev" delay="0">
+                  <p:tgtEl>
+                    <p:sldTgt/>
+                  </p:tgtEl>
+                </p:cond>
+              </p:prevCondLst>
+              <p:nextCondLst>
+                <p:cond evt="onNext" delay="0">
+                  <p:tgtEl>
+                    <p:sldTgt/>
+                  </p:tgtEl>
+                </p:cond>
+              </p:nextCondLst>
+            </p:seq>
+          </p:childTnLst>
+        </p:cTn>
+      </p:par>
+    </p:tnLst>
+  </p:timing>
+</p:sld>
+</file>
+
+<file path=ppt/slides/slide22.xml><?xml version="1.0" encoding="utf-8"?>
+<p:sld xmlns:a="http://schemas.openxmlformats.org/drawingml/2006/main" xmlns:r="http://schemas.openxmlformats.org/officeDocument/2006/relationships" xmlns:p="http://schemas.openxmlformats.org/presentationml/2006/main">
+  <p:cSld>
+    <p:spTree>
+      <p:nvGrpSpPr>
+        <p:cNvPr id="1" name=""/>
+        <p:cNvGrpSpPr/>
+        <p:nvPr/>
+      </p:nvGrpSpPr>
+      <p:grpSpPr>
+        <a:xfrm>
+          <a:off x="0" y="0"/>
+          <a:ext cx="0" cy="0"/>
+          <a:chOff x="0" y="0"/>
+          <a:chExt cx="0" cy="0"/>
+        </a:xfrm>
+      </p:grpSpPr>
+      <p:grpSp>
+        <p:nvGrpSpPr>
+          <p:cNvPr id="5" name="Gruppieren 4">
+            <a:extLst>
+              <a:ext uri="{FF2B5EF4-FFF2-40B4-BE49-F238E27FC236}">
+                <a16:creationId xmlns:a16="http://schemas.microsoft.com/office/drawing/2014/main" id="{A87B864D-30FC-4887-BC64-8ABFB9ACA8F4}"/>
+              </a:ext>
+            </a:extLst>
+          </p:cNvPr>
+          <p:cNvGrpSpPr/>
+          <p:nvPr/>
+        </p:nvGrpSpPr>
+        <p:grpSpPr>
+          <a:xfrm>
+            <a:off x="1442276" y="1859631"/>
+            <a:ext cx="2614158" cy="3138738"/>
+            <a:chOff x="1218540" y="1423534"/>
+            <a:chExt cx="2614158" cy="3138738"/>
+          </a:xfrm>
+        </p:grpSpPr>
+        <p:sp>
+          <p:nvSpPr>
+            <p:cNvPr id="2" name="Scrollen: horizontal 1">
+              <a:extLst>
+                <a:ext uri="{FF2B5EF4-FFF2-40B4-BE49-F238E27FC236}">
+                  <a16:creationId xmlns:a16="http://schemas.microsoft.com/office/drawing/2014/main" id="{3C171F82-8131-45AB-A4FB-07D498D8A7F4}"/>
+                </a:ext>
+              </a:extLst>
+            </p:cNvPr>
+            <p:cNvSpPr/>
+            <p:nvPr/>
+          </p:nvSpPr>
+          <p:spPr>
+            <a:xfrm>
+              <a:off x="1218540" y="1423534"/>
+              <a:ext cx="2614158" cy="3138738"/>
+            </a:xfrm>
+            <a:prstGeom prst="horizontalScroll">
+              <a:avLst/>
+            </a:prstGeom>
+            <a:solidFill>
+              <a:schemeClr val="tx2"/>
+            </a:solidFill>
+            <a:ln>
+              <a:solidFill>
+                <a:schemeClr val="bg1"/>
+              </a:solidFill>
+            </a:ln>
+          </p:spPr>
+          <p:style>
+            <a:lnRef idx="2">
+              <a:schemeClr val="accent1">
+                <a:shade val="50000"/>
+              </a:schemeClr>
+            </a:lnRef>
+            <a:fillRef idx="1">
+              <a:schemeClr val="accent1"/>
+            </a:fillRef>
+            <a:effectRef idx="0">
+              <a:schemeClr val="accent1"/>
+            </a:effectRef>
+            <a:fontRef idx="minor">
+              <a:schemeClr val="lt1"/>
+            </a:fontRef>
+          </p:style>
+          <p:txBody>
+            <a:bodyPr rtlCol="0" anchor="ctr"/>
+            <a:lstStyle/>
+            <a:p>
+              <a:pPr algn="ctr"/>
+              <a:r>
+                <a:rPr lang="en-US" sz="3600" dirty="0">
+                  <a:latin typeface="Yanone Kaffeesatz Regular" panose="02000000000000000000" pitchFamily="2" charset="0"/>
+                </a:rPr>
+                <a:t>Rule</a:t>
+              </a:r>
+              <a:endParaRPr lang="de-CH" dirty="0">
+                <a:latin typeface="Yanone Kaffeesatz Regular" panose="02000000000000000000" pitchFamily="2" charset="0"/>
+              </a:endParaRPr>
+            </a:p>
+          </p:txBody>
+        </p:sp>
+        <p:sp>
+          <p:nvSpPr>
+            <p:cNvPr id="3" name="Scrollen: horizontal 2">
+              <a:extLst>
+                <a:ext uri="{FF2B5EF4-FFF2-40B4-BE49-F238E27FC236}">
+                  <a16:creationId xmlns:a16="http://schemas.microsoft.com/office/drawing/2014/main" id="{83E0A71C-94F6-4F33-8CF7-B3A020188AC5}"/>
+                </a:ext>
+              </a:extLst>
+            </p:cNvPr>
+            <p:cNvSpPr/>
+            <p:nvPr/>
+          </p:nvSpPr>
+          <p:spPr>
+            <a:xfrm>
+              <a:off x="1982972" y="1802550"/>
+              <a:ext cx="1143000" cy="1033272"/>
+            </a:xfrm>
+            <a:prstGeom prst="horizontalScroll">
+              <a:avLst/>
+            </a:prstGeom>
+            <a:solidFill>
+              <a:schemeClr val="accent4"/>
+            </a:solidFill>
+            <a:ln>
+              <a:solidFill>
+                <a:schemeClr val="bg1"/>
+              </a:solidFill>
+            </a:ln>
+          </p:spPr>
+          <p:style>
+            <a:lnRef idx="2">
+              <a:schemeClr val="accent1">
+                <a:shade val="50000"/>
+              </a:schemeClr>
+            </a:lnRef>
+            <a:fillRef idx="1">
+              <a:schemeClr val="accent1"/>
+            </a:fillRef>
+            <a:effectRef idx="0">
+              <a:schemeClr val="accent1"/>
+            </a:effectRef>
+            <a:fontRef idx="minor">
+              <a:schemeClr val="lt1"/>
+            </a:fontRef>
+          </p:style>
+          <p:txBody>
+            <a:bodyPr rtlCol="0" anchor="ctr"/>
+            <a:lstStyle/>
+            <a:p>
+              <a:pPr algn="ctr"/>
+              <a:r>
+                <a:rPr lang="en-US" sz="2800" dirty="0">
+                  <a:latin typeface="Yanone Kaffeesatz Regular" panose="02000000000000000000" pitchFamily="2" charset="0"/>
+                </a:rPr>
+                <a:t>Filter</a:t>
+              </a:r>
+              <a:endParaRPr lang="de-CH" dirty="0">
+                <a:latin typeface="Yanone Kaffeesatz Regular" panose="02000000000000000000" pitchFamily="2" charset="0"/>
+              </a:endParaRPr>
+            </a:p>
+          </p:txBody>
+        </p:sp>
+        <p:sp>
+          <p:nvSpPr>
+            <p:cNvPr id="4" name="Scrollen: horizontal 3">
+              <a:extLst>
+                <a:ext uri="{FF2B5EF4-FFF2-40B4-BE49-F238E27FC236}">
+                  <a16:creationId xmlns:a16="http://schemas.microsoft.com/office/drawing/2014/main" id="{AB94B097-FBA3-4DFE-9078-AC0EF492BECB}"/>
+                </a:ext>
+              </a:extLst>
+            </p:cNvPr>
+            <p:cNvSpPr/>
+            <p:nvPr/>
+          </p:nvSpPr>
+          <p:spPr>
+            <a:xfrm>
+              <a:off x="1982972" y="3151788"/>
+              <a:ext cx="1143000" cy="1033272"/>
+            </a:xfrm>
+            <a:prstGeom prst="horizontalScroll">
+              <a:avLst/>
+            </a:prstGeom>
+            <a:solidFill>
+              <a:schemeClr val="accent4"/>
+            </a:solidFill>
+            <a:ln>
+              <a:solidFill>
+                <a:schemeClr val="bg1"/>
+              </a:solidFill>
+            </a:ln>
+          </p:spPr>
+          <p:style>
+            <a:lnRef idx="2">
+              <a:schemeClr val="accent1">
+                <a:shade val="50000"/>
+              </a:schemeClr>
+            </a:lnRef>
+            <a:fillRef idx="1">
+              <a:schemeClr val="accent1"/>
+            </a:fillRef>
+            <a:effectRef idx="0">
+              <a:schemeClr val="accent1"/>
+            </a:effectRef>
+            <a:fontRef idx="minor">
+              <a:schemeClr val="lt1"/>
+            </a:fontRef>
+          </p:style>
+          <p:txBody>
+            <a:bodyPr rtlCol="0" anchor="ctr"/>
+            <a:lstStyle/>
+            <a:p>
+              <a:pPr algn="ctr"/>
+              <a:r>
+                <a:rPr lang="en-US" sz="2800" dirty="0">
+                  <a:latin typeface="Yanone Kaffeesatz Regular" panose="02000000000000000000" pitchFamily="2" charset="0"/>
+                </a:rPr>
+                <a:t>Action</a:t>
+              </a:r>
+              <a:endParaRPr lang="de-CH" sz="1400" dirty="0">
+                <a:latin typeface="Yanone Kaffeesatz Regular" panose="02000000000000000000" pitchFamily="2" charset="0"/>
+              </a:endParaRPr>
+            </a:p>
+          </p:txBody>
+        </p:sp>
+      </p:grpSp>
+      <p:sp>
+        <p:nvSpPr>
+          <p:cNvPr id="6" name="Scrollen: horizontal 5">
+            <a:extLst>
+              <a:ext uri="{FF2B5EF4-FFF2-40B4-BE49-F238E27FC236}">
+                <a16:creationId xmlns:a16="http://schemas.microsoft.com/office/drawing/2014/main" id="{58FA1E1C-3DED-4966-8062-5994650A5AA3}"/>
+              </a:ext>
+            </a:extLst>
+          </p:cNvPr>
+          <p:cNvSpPr/>
+          <p:nvPr/>
+        </p:nvSpPr>
+        <p:spPr>
+          <a:xfrm>
+            <a:off x="6148030" y="912442"/>
+            <a:ext cx="2208029" cy="1033272"/>
+          </a:xfrm>
+          <a:prstGeom prst="horizontalScroll">
+            <a:avLst/>
+          </a:prstGeom>
+          <a:solidFill>
+            <a:schemeClr val="tx2"/>
+          </a:solidFill>
+          <a:ln>
+            <a:solidFill>
+              <a:schemeClr val="bg1"/>
+            </a:solidFill>
+          </a:ln>
+        </p:spPr>
+        <p:style>
+          <a:lnRef idx="2">
+            <a:schemeClr val="accent1">
+              <a:shade val="50000"/>
+            </a:schemeClr>
+          </a:lnRef>
+          <a:fillRef idx="1">
+            <a:schemeClr val="accent1"/>
+          </a:fillRef>
+          <a:effectRef idx="0">
+            <a:schemeClr val="accent1"/>
+          </a:effectRef>
+          <a:fontRef idx="minor">
+            <a:schemeClr val="lt1"/>
+          </a:fontRef>
+        </p:style>
+        <p:txBody>
+          <a:bodyPr rtlCol="0" anchor="ctr"/>
+          <a:lstStyle/>
+          <a:p>
+            <a:pPr algn="ctr"/>
+            <a:r>
+              <a:rPr lang="en-US" sz="2800" dirty="0">
+                <a:latin typeface="Yanone Kaffeesatz Regular" panose="02000000000000000000" pitchFamily="2" charset="0"/>
+              </a:rPr>
+              <a:t>Boolean Filter</a:t>
+            </a:r>
+            <a:endParaRPr lang="de-CH" dirty="0">
+              <a:latin typeface="Yanone Kaffeesatz Regular" panose="02000000000000000000" pitchFamily="2" charset="0"/>
+            </a:endParaRPr>
+          </a:p>
+        </p:txBody>
+      </p:sp>
+      <p:sp>
+        <p:nvSpPr>
+          <p:cNvPr id="7" name="Scrollen: horizontal 6">
+            <a:extLst>
+              <a:ext uri="{FF2B5EF4-FFF2-40B4-BE49-F238E27FC236}">
+                <a16:creationId xmlns:a16="http://schemas.microsoft.com/office/drawing/2014/main" id="{D867A0AF-F663-45D9-A61A-7E1BF656122C}"/>
+              </a:ext>
+            </a:extLst>
+          </p:cNvPr>
+          <p:cNvSpPr/>
+          <p:nvPr/>
+        </p:nvSpPr>
+        <p:spPr>
+          <a:xfrm>
+            <a:off x="6112064" y="1945714"/>
+            <a:ext cx="2208029" cy="1033272"/>
+          </a:xfrm>
+          <a:prstGeom prst="horizontalScroll">
+            <a:avLst/>
+          </a:prstGeom>
+          <a:solidFill>
+            <a:schemeClr val="tx2"/>
+          </a:solidFill>
+          <a:ln>
+            <a:solidFill>
+              <a:schemeClr val="bg1"/>
+            </a:solidFill>
+          </a:ln>
+        </p:spPr>
+        <p:style>
+          <a:lnRef idx="2">
+            <a:schemeClr val="accent1">
+              <a:shade val="50000"/>
+            </a:schemeClr>
+          </a:lnRef>
+          <a:fillRef idx="1">
+            <a:schemeClr val="accent1"/>
+          </a:fillRef>
+          <a:effectRef idx="0">
+            <a:schemeClr val="accent1"/>
+          </a:effectRef>
+          <a:fontRef idx="minor">
+            <a:schemeClr val="lt1"/>
+          </a:fontRef>
+        </p:style>
+        <p:txBody>
+          <a:bodyPr rtlCol="0" anchor="ctr"/>
+          <a:lstStyle/>
+          <a:p>
+            <a:pPr algn="ctr"/>
+            <a:r>
+              <a:rPr lang="en-US" sz="2800" dirty="0">
+                <a:latin typeface="Yanone Kaffeesatz Regular" panose="02000000000000000000" pitchFamily="2" charset="0"/>
+              </a:rPr>
+              <a:t>SQL Filter</a:t>
+            </a:r>
+            <a:endParaRPr lang="de-CH" dirty="0">
+              <a:latin typeface="Yanone Kaffeesatz Regular" panose="02000000000000000000" pitchFamily="2" charset="0"/>
+            </a:endParaRPr>
+          </a:p>
+        </p:txBody>
+      </p:sp>
+      <p:sp>
+        <p:nvSpPr>
+          <p:cNvPr id="8" name="Scrollen: horizontal 7">
+            <a:extLst>
+              <a:ext uri="{FF2B5EF4-FFF2-40B4-BE49-F238E27FC236}">
+                <a16:creationId xmlns:a16="http://schemas.microsoft.com/office/drawing/2014/main" id="{6A1941C6-D95B-4494-BB87-173D89266F47}"/>
+              </a:ext>
+            </a:extLst>
+          </p:cNvPr>
+          <p:cNvSpPr/>
+          <p:nvPr/>
+        </p:nvSpPr>
+        <p:spPr>
+          <a:xfrm>
+            <a:off x="6096000" y="2978986"/>
+            <a:ext cx="2208029" cy="1033272"/>
+          </a:xfrm>
+          <a:prstGeom prst="horizontalScroll">
+            <a:avLst/>
+          </a:prstGeom>
+          <a:solidFill>
+            <a:schemeClr val="tx2"/>
+          </a:solidFill>
+          <a:ln>
+            <a:solidFill>
+              <a:schemeClr val="bg1"/>
+            </a:solidFill>
+          </a:ln>
+        </p:spPr>
+        <p:style>
+          <a:lnRef idx="2">
+            <a:schemeClr val="accent1">
+              <a:shade val="50000"/>
+            </a:schemeClr>
+          </a:lnRef>
+          <a:fillRef idx="1">
+            <a:schemeClr val="accent1"/>
+          </a:fillRef>
+          <a:effectRef idx="0">
+            <a:schemeClr val="accent1"/>
+          </a:effectRef>
+          <a:fontRef idx="minor">
+            <a:schemeClr val="lt1"/>
+          </a:fontRef>
+        </p:style>
+        <p:txBody>
+          <a:bodyPr rtlCol="0" anchor="ctr"/>
+          <a:lstStyle/>
+          <a:p>
+            <a:pPr algn="ctr"/>
+            <a:r>
+              <a:rPr lang="en-US" sz="2800" dirty="0">
+                <a:latin typeface="Yanone Kaffeesatz Regular" panose="02000000000000000000" pitchFamily="2" charset="0"/>
+              </a:rPr>
+              <a:t>Correlation Filter</a:t>
+            </a:r>
+            <a:endParaRPr lang="de-CH" dirty="0">
+              <a:latin typeface="Yanone Kaffeesatz Regular" panose="02000000000000000000" pitchFamily="2" charset="0"/>
+            </a:endParaRPr>
+          </a:p>
+        </p:txBody>
+      </p:sp>
+      <p:grpSp>
+        <p:nvGrpSpPr>
+          <p:cNvPr id="12" name="Gruppieren 11">
+            <a:extLst>
+              <a:ext uri="{FF2B5EF4-FFF2-40B4-BE49-F238E27FC236}">
+                <a16:creationId xmlns:a16="http://schemas.microsoft.com/office/drawing/2014/main" id="{E0D25AF8-AE4F-4368-8F74-E3D686DD5E86}"/>
+              </a:ext>
+            </a:extLst>
+          </p:cNvPr>
+          <p:cNvGrpSpPr/>
+          <p:nvPr/>
+        </p:nvGrpSpPr>
+        <p:grpSpPr>
+          <a:xfrm>
+            <a:off x="3349708" y="369651"/>
+            <a:ext cx="6251492" cy="4251506"/>
+            <a:chOff x="3349708" y="369651"/>
+            <a:chExt cx="6251492" cy="4251506"/>
+          </a:xfrm>
+        </p:grpSpPr>
+        <p:sp>
+          <p:nvSpPr>
+            <p:cNvPr id="9" name="Ellipse 8">
+              <a:extLst>
+                <a:ext uri="{FF2B5EF4-FFF2-40B4-BE49-F238E27FC236}">
+                  <a16:creationId xmlns:a16="http://schemas.microsoft.com/office/drawing/2014/main" id="{B89319A9-E57C-4E80-800B-CF5E7EE798EC}"/>
+                </a:ext>
+              </a:extLst>
+            </p:cNvPr>
+            <p:cNvSpPr/>
+            <p:nvPr/>
+          </p:nvSpPr>
+          <p:spPr>
+            <a:xfrm>
+              <a:off x="4820866" y="369651"/>
+              <a:ext cx="4780334" cy="4251506"/>
+            </a:xfrm>
+            <a:prstGeom prst="ellipse">
+              <a:avLst/>
+            </a:prstGeom>
+            <a:noFill/>
+            <a:ln w="38100">
+              <a:solidFill>
+                <a:schemeClr val="accent3"/>
+              </a:solidFill>
+            </a:ln>
+          </p:spPr>
+          <p:style>
+            <a:lnRef idx="2">
+              <a:schemeClr val="accent1">
+                <a:shade val="50000"/>
+              </a:schemeClr>
+            </a:lnRef>
+            <a:fillRef idx="1">
+              <a:schemeClr val="accent1"/>
+            </a:fillRef>
+            <a:effectRef idx="0">
+              <a:schemeClr val="accent1"/>
+            </a:effectRef>
+            <a:fontRef idx="minor">
+              <a:schemeClr val="lt1"/>
+            </a:fontRef>
+          </p:style>
+          <p:txBody>
+            <a:bodyPr rtlCol="0" anchor="ctr"/>
+            <a:lstStyle/>
+            <a:p>
+              <a:pPr algn="ctr"/>
+              <a:endParaRPr lang="de-CH"/>
+            </a:p>
+          </p:txBody>
+        </p:sp>
+        <p:cxnSp>
+          <p:nvCxnSpPr>
+            <p:cNvPr id="11" name="Gerader Verbinder 10">
+              <a:extLst>
+                <a:ext uri="{FF2B5EF4-FFF2-40B4-BE49-F238E27FC236}">
+                  <a16:creationId xmlns:a16="http://schemas.microsoft.com/office/drawing/2014/main" id="{064F5108-9CA7-42AD-A49E-4515CC43C398}"/>
+                </a:ext>
+              </a:extLst>
+            </p:cNvPr>
+            <p:cNvCxnSpPr>
+              <a:stCxn id="3" idx="3"/>
+              <a:endCxn id="9" idx="2"/>
+            </p:cNvCxnSpPr>
+            <p:nvPr/>
+          </p:nvCxnSpPr>
+          <p:spPr>
+            <a:xfrm flipV="1">
+              <a:off x="3349708" y="2495404"/>
+              <a:ext cx="1471158" cy="259879"/>
+            </a:xfrm>
+            <a:prstGeom prst="line">
+              <a:avLst/>
+            </a:prstGeom>
+            <a:noFill/>
+            <a:ln w="38100">
+              <a:solidFill>
+                <a:schemeClr val="accent3"/>
+              </a:solidFill>
+            </a:ln>
+          </p:spPr>
+          <p:style>
+            <a:lnRef idx="2">
+              <a:schemeClr val="accent1">
+                <a:shade val="50000"/>
+              </a:schemeClr>
+            </a:lnRef>
+            <a:fillRef idx="1">
+              <a:schemeClr val="accent1"/>
+            </a:fillRef>
+            <a:effectRef idx="0">
+              <a:schemeClr val="accent1"/>
+            </a:effectRef>
+            <a:fontRef idx="minor">
+              <a:schemeClr val="lt1"/>
+            </a:fontRef>
+          </p:style>
+        </p:cxnSp>
+      </p:grpSp>
+    </p:spTree>
+    <p:extLst>
+      <p:ext uri="{BB962C8B-B14F-4D97-AF65-F5344CB8AC3E}">
+        <p14:creationId xmlns:p14="http://schemas.microsoft.com/office/powerpoint/2010/main" val="3220488599"/>
+      </p:ext>
+    </p:extLst>
+  </p:cSld>
+  <p:clrMapOvr>
+    <a:masterClrMapping/>
+  </p:clrMapOvr>
+  <p:timing>
+    <p:tnLst>
+      <p:par>
+        <p:cTn id="1" dur="indefinite" restart="never" nodeType="tmRoot">
+          <p:childTnLst>
+            <p:seq concurrent="1" nextAc="seek">
+              <p:cTn id="2" dur="indefinite" nodeType="mainSeq">
+                <p:childTnLst>
+                  <p:par>
+                    <p:cTn id="3" fill="hold">
+                      <p:stCondLst>
+                        <p:cond delay="indefinite"/>
+                      </p:stCondLst>
+                      <p:childTnLst>
+                        <p:par>
+                          <p:cTn id="4" fill="hold">
+                            <p:stCondLst>
+                              <p:cond delay="0"/>
+                            </p:stCondLst>
+                            <p:childTnLst>
+                              <p:par>
+                                <p:cTn id="5" presetID="1" presetClass="entr" presetSubtype="0" fill="hold" nodeType="clickEffect">
+                                  <p:stCondLst>
+                                    <p:cond delay="0"/>
+                                  </p:stCondLst>
+                                  <p:childTnLst>
+                                    <p:set>
+                                      <p:cBhvr>
+                                        <p:cTn id="6" dur="1" fill="hold">
+                                          <p:stCondLst>
+                                            <p:cond delay="0"/>
+                                          </p:stCondLst>
+                                        </p:cTn>
+                                        <p:tgtEl>
+                                          <p:spTgt spid="12"/>
+                                        </p:tgtEl>
+                                        <p:attrNameLst>
+                                          <p:attrName>style.visibility</p:attrName>
+                                        </p:attrNameLst>
+                                      </p:cBhvr>
+                                      <p:to>
+                                        <p:strVal val="visible"/>
+                                      </p:to>
+                                    </p:set>
+                                  </p:childTnLst>
+                                </p:cTn>
+                              </p:par>
+                            </p:childTnLst>
+                          </p:cTn>
+                        </p:par>
+                      </p:childTnLst>
+                    </p:cTn>
+                  </p:par>
+                  <p:par>
+                    <p:cTn id="7" fill="hold">
+                      <p:stCondLst>
+                        <p:cond delay="indefinite"/>
+                      </p:stCondLst>
+                      <p:childTnLst>
+                        <p:par>
+                          <p:cTn id="8" fill="hold">
+                            <p:stCondLst>
+                              <p:cond delay="0"/>
+                            </p:stCondLst>
+                            <p:childTnLst>
+                              <p:par>
+                                <p:cTn id="9" presetID="1" presetClass="entr" presetSubtype="0" fill="hold" grpId="0" nodeType="clickEffect">
+                                  <p:stCondLst>
+                                    <p:cond delay="0"/>
+                                  </p:stCondLst>
+                                  <p:childTnLst>
+                                    <p:set>
+                                      <p:cBhvr>
+                                        <p:cTn id="10" dur="1" fill="hold">
+                                          <p:stCondLst>
+                                            <p:cond delay="0"/>
+                                          </p:stCondLst>
+                                        </p:cTn>
+                                        <p:tgtEl>
+                                          <p:spTgt spid="6"/>
+                                        </p:tgtEl>
+                                        <p:attrNameLst>
+                                          <p:attrName>style.visibility</p:attrName>
+                                        </p:attrNameLst>
+                                      </p:cBhvr>
+                                      <p:to>
+                                        <p:strVal val="visible"/>
+                                      </p:to>
+                                    </p:set>
+                                  </p:childTnLst>
+                                </p:cTn>
+                              </p:par>
+                            </p:childTnLst>
+                          </p:cTn>
+                        </p:par>
+                      </p:childTnLst>
+                    </p:cTn>
+                  </p:par>
+                  <p:par>
+                    <p:cTn id="11" fill="hold">
+                      <p:stCondLst>
+                        <p:cond delay="indefinite"/>
+                      </p:stCondLst>
+                      <p:childTnLst>
+                        <p:par>
+                          <p:cTn id="12" fill="hold">
+                            <p:stCondLst>
+                              <p:cond delay="0"/>
+                            </p:stCondLst>
+                            <p:childTnLst>
+                              <p:par>
+                                <p:cTn id="13" presetID="1" presetClass="entr" presetSubtype="0" fill="hold" grpId="0" nodeType="clickEffect">
+                                  <p:stCondLst>
+                                    <p:cond delay="0"/>
+                                  </p:stCondLst>
+                                  <p:childTnLst>
+                                    <p:set>
+                                      <p:cBhvr>
+                                        <p:cTn id="14" dur="1" fill="hold">
+                                          <p:stCondLst>
+                                            <p:cond delay="0"/>
+                                          </p:stCondLst>
+                                        </p:cTn>
+                                        <p:tgtEl>
+                                          <p:spTgt spid="7"/>
+                                        </p:tgtEl>
+                                        <p:attrNameLst>
+                                          <p:attrName>style.visibility</p:attrName>
+                                        </p:attrNameLst>
+                                      </p:cBhvr>
+                                      <p:to>
+                                        <p:strVal val="visible"/>
+                                      </p:to>
+                                    </p:set>
+                                  </p:childTnLst>
+                                </p:cTn>
+                              </p:par>
+                            </p:childTnLst>
+                          </p:cTn>
+                        </p:par>
+                      </p:childTnLst>
+                    </p:cTn>
+                  </p:par>
+                  <p:par>
+                    <p:cTn id="15" fill="hold">
+                      <p:stCondLst>
+                        <p:cond delay="indefinite"/>
+                      </p:stCondLst>
+                      <p:childTnLst>
+                        <p:par>
+                          <p:cTn id="16" fill="hold">
+                            <p:stCondLst>
+                              <p:cond delay="0"/>
+                            </p:stCondLst>
+                            <p:childTnLst>
+                              <p:par>
+                                <p:cTn id="17" presetID="1" presetClass="entr" presetSubtype="0" fill="hold" grpId="0" nodeType="clickEffect">
+                                  <p:stCondLst>
+                                    <p:cond delay="0"/>
+                                  </p:stCondLst>
+                                  <p:childTnLst>
+                                    <p:set>
+                                      <p:cBhvr>
+                                        <p:cTn id="18" dur="1" fill="hold">
+                                          <p:stCondLst>
+                                            <p:cond delay="0"/>
+                                          </p:stCondLst>
+                                        </p:cTn>
+                                        <p:tgtEl>
+                                          <p:spTgt spid="8"/>
+                                        </p:tgtEl>
+                                        <p:attrNameLst>
+                                          <p:attrName>style.visibility</p:attrName>
+                                        </p:attrNameLst>
+                                      </p:cBhvr>
+                                      <p:to>
+                                        <p:strVal val="visible"/>
+                                      </p:to>
+                                    </p:set>
+                                  </p:childTnLst>
+                                </p:cTn>
+                              </p:par>
+                            </p:childTnLst>
+                          </p:cTn>
+                        </p:par>
+                      </p:childTnLst>
+                    </p:cTn>
+                  </p:par>
+                </p:childTnLst>
+              </p:cTn>
+              <p:prevCondLst>
+                <p:cond evt="onPrev" delay="0">
+                  <p:tgtEl>
+                    <p:sldTgt/>
+                  </p:tgtEl>
+                </p:cond>
+              </p:prevCondLst>
+              <p:nextCondLst>
+                <p:cond evt="onNext" delay="0">
+                  <p:tgtEl>
+                    <p:sldTgt/>
+                  </p:tgtEl>
+                </p:cond>
+              </p:nextCondLst>
+            </p:seq>
+          </p:childTnLst>
+        </p:cTn>
+      </p:par>
+    </p:tnLst>
+    <p:bldLst>
+      <p:bldP spid="6" grpId="0" animBg="1"/>
+      <p:bldP spid="7" grpId="0" animBg="1"/>
+      <p:bldP spid="8" grpId="0" animBg="1"/>
+    </p:bldLst>
+  </p:timing>
+</p:sld>
+</file>
+
+<file path=ppt/slides/slide23.xml><?xml version="1.0" encoding="utf-8"?>
+<p:sld xmlns:a="http://schemas.openxmlformats.org/drawingml/2006/main" xmlns:r="http://schemas.openxmlformats.org/officeDocument/2006/relationships" xmlns:p="http://schemas.openxmlformats.org/presentationml/2006/main">
+  <p:cSld>
+    <p:spTree>
+      <p:nvGrpSpPr>
+        <p:cNvPr id="1" name=""/>
+        <p:cNvGrpSpPr/>
+        <p:nvPr/>
+      </p:nvGrpSpPr>
+      <p:grpSpPr>
+        <a:xfrm>
+          <a:off x="0" y="0"/>
+          <a:ext cx="0" cy="0"/>
+          <a:chOff x="0" y="0"/>
+          <a:chExt cx="0" cy="0"/>
+        </a:xfrm>
+      </p:grpSpPr>
+      <p:sp>
+        <p:nvSpPr>
+          <p:cNvPr id="2" name="Rechteck 1">
+            <a:extLst>
+              <a:ext uri="{FF2B5EF4-FFF2-40B4-BE49-F238E27FC236}">
+                <a16:creationId xmlns:a16="http://schemas.microsoft.com/office/drawing/2014/main" id="{4C095B8A-8455-4FD2-8C35-4E13A07BB5EA}"/>
+              </a:ext>
+            </a:extLst>
+          </p:cNvPr>
+          <p:cNvSpPr/>
+          <p:nvPr/>
+        </p:nvSpPr>
+        <p:spPr>
+          <a:xfrm>
+            <a:off x="816349" y="2828835"/>
+            <a:ext cx="10559301" cy="1200329"/>
+          </a:xfrm>
+          <a:prstGeom prst="rect">
+            <a:avLst/>
+          </a:prstGeom>
+        </p:spPr>
+        <p:txBody>
+          <a:bodyPr wrap="none">
+            <a:spAutoFit/>
+          </a:bodyPr>
+          <a:lstStyle/>
+          <a:p>
+            <a:r>
+              <a:rPr lang="en-US" sz="7200" dirty="0">
+                <a:solidFill>
+                  <a:schemeClr val="tx2"/>
+                </a:solidFill>
+                <a:latin typeface="Yanone Kaffeesatz Regular" panose="02000000000000000000" pitchFamily="2" charset="0"/>
+              </a:rPr>
+              <a:t>Favor </a:t>
+            </a:r>
+            <a:r>
+              <a:rPr lang="en-US" sz="7200" dirty="0">
+                <a:solidFill>
+                  <a:schemeClr val="accent4"/>
+                </a:solidFill>
+                <a:latin typeface="Yanone Kaffeesatz Regular" panose="02000000000000000000" pitchFamily="2" charset="0"/>
+              </a:rPr>
+              <a:t>Correlation</a:t>
+            </a:r>
+            <a:r>
+              <a:rPr lang="en-US" sz="7200" dirty="0">
+                <a:solidFill>
+                  <a:schemeClr val="tx2"/>
+                </a:solidFill>
+                <a:latin typeface="Yanone Kaffeesatz Regular" panose="02000000000000000000" pitchFamily="2" charset="0"/>
+              </a:rPr>
+              <a:t> </a:t>
+            </a:r>
+            <a:r>
+              <a:rPr lang="en-US" sz="7200" dirty="0">
+                <a:solidFill>
+                  <a:schemeClr val="accent4"/>
+                </a:solidFill>
+                <a:latin typeface="Yanone Kaffeesatz Regular" panose="02000000000000000000" pitchFamily="2" charset="0"/>
+              </a:rPr>
+              <a:t>filter</a:t>
+            </a:r>
+            <a:r>
+              <a:rPr lang="en-US" sz="7200" dirty="0">
+                <a:solidFill>
+                  <a:schemeClr val="tx2"/>
+                </a:solidFill>
+                <a:latin typeface="Yanone Kaffeesatz Regular" panose="02000000000000000000" pitchFamily="2" charset="0"/>
+              </a:rPr>
+              <a:t> over SQL filter</a:t>
+            </a:r>
+            <a:endParaRPr lang="de-CH" sz="1200" dirty="0">
+              <a:solidFill>
+                <a:schemeClr val="tx2"/>
+              </a:solidFill>
+            </a:endParaRPr>
+          </a:p>
+        </p:txBody>
+      </p:sp>
+    </p:spTree>
+    <p:extLst>
+      <p:ext uri="{BB962C8B-B14F-4D97-AF65-F5344CB8AC3E}">
+        <p14:creationId xmlns:p14="http://schemas.microsoft.com/office/powerpoint/2010/main" val="1653842053"/>
+      </p:ext>
+    </p:extLst>
+  </p:cSld>
+  <p:clrMapOvr>
+    <a:masterClrMapping/>
+  </p:clrMapOvr>
+</p:sld>
+</file>
+
+<file path=ppt/slides/slide24.xml><?xml version="1.0" encoding="utf-8"?>
+<p:sld xmlns:a="http://schemas.openxmlformats.org/drawingml/2006/main" xmlns:r="http://schemas.openxmlformats.org/officeDocument/2006/relationships" xmlns:p="http://schemas.openxmlformats.org/presentationml/2006/main">
+  <p:cSld>
+    <p:spTree>
+      <p:nvGrpSpPr>
+        <p:cNvPr id="1" name=""/>
+        <p:cNvGrpSpPr/>
+        <p:nvPr/>
+      </p:nvGrpSpPr>
+      <p:grpSpPr>
+        <a:xfrm>
+          <a:off x="0" y="0"/>
+          <a:ext cx="0" cy="0"/>
+          <a:chOff x="0" y="0"/>
+          <a:chExt cx="0" cy="0"/>
+        </a:xfrm>
+      </p:grpSpPr>
+      <p:sp>
+        <p:nvSpPr>
+          <p:cNvPr id="2" name="Rechteck 1">
+            <a:extLst>
+              <a:ext uri="{FF2B5EF4-FFF2-40B4-BE49-F238E27FC236}">
+                <a16:creationId xmlns:a16="http://schemas.microsoft.com/office/drawing/2014/main" id="{4C095B8A-8455-4FD2-8C35-4E13A07BB5EA}"/>
+              </a:ext>
+            </a:extLst>
+          </p:cNvPr>
+          <p:cNvSpPr/>
+          <p:nvPr/>
+        </p:nvSpPr>
+        <p:spPr>
+          <a:xfrm>
+            <a:off x="593532" y="2420273"/>
+            <a:ext cx="11004936" cy="2308324"/>
+          </a:xfrm>
+          <a:prstGeom prst="rect">
+            <a:avLst/>
+          </a:prstGeom>
+        </p:spPr>
+        <p:txBody>
+          <a:bodyPr wrap="none">
+            <a:spAutoFit/>
+          </a:bodyPr>
+          <a:lstStyle/>
+          <a:p>
+            <a:pPr algn="ctr"/>
+            <a:r>
+              <a:rPr lang="en-US" sz="7200" dirty="0">
+                <a:solidFill>
+                  <a:schemeClr val="tx2"/>
+                </a:solidFill>
+                <a:latin typeface="Yanone Kaffeesatz Regular" panose="02000000000000000000" pitchFamily="2" charset="0"/>
+              </a:rPr>
+              <a:t>Subscriptions are </a:t>
+            </a:r>
+            <a:r>
+              <a:rPr lang="en-US" sz="7200" dirty="0">
+                <a:solidFill>
+                  <a:schemeClr val="accent4"/>
+                </a:solidFill>
+                <a:latin typeface="Yanone Kaffeesatz Regular" panose="02000000000000000000" pitchFamily="2" charset="0"/>
+              </a:rPr>
+              <a:t>virtual queues</a:t>
+            </a:r>
+            <a:r>
+              <a:rPr lang="en-US" sz="7200" dirty="0">
+                <a:solidFill>
+                  <a:schemeClr val="tx2"/>
+                </a:solidFill>
+                <a:latin typeface="Yanone Kaffeesatz Regular" panose="02000000000000000000" pitchFamily="2" charset="0"/>
+              </a:rPr>
+              <a:t> and</a:t>
+            </a:r>
+            <a:br>
+              <a:rPr lang="en-US" sz="7200" dirty="0">
+                <a:solidFill>
+                  <a:schemeClr val="tx2"/>
+                </a:solidFill>
+                <a:latin typeface="Yanone Kaffeesatz Regular" panose="02000000000000000000" pitchFamily="2" charset="0"/>
+              </a:rPr>
+            </a:br>
+            <a:r>
+              <a:rPr lang="en-US" sz="7200" dirty="0">
+                <a:solidFill>
+                  <a:schemeClr val="tx2"/>
+                </a:solidFill>
+                <a:latin typeface="Yanone Kaffeesatz Regular" panose="02000000000000000000" pitchFamily="2" charset="0"/>
+              </a:rPr>
+              <a:t>subscribers need to </a:t>
+            </a:r>
+            <a:r>
+              <a:rPr lang="en-US" sz="7200" dirty="0">
+                <a:solidFill>
+                  <a:schemeClr val="accent4"/>
+                </a:solidFill>
+                <a:latin typeface="Yanone Kaffeesatz Regular" panose="02000000000000000000" pitchFamily="2" charset="0"/>
+              </a:rPr>
+              <a:t>receive</a:t>
+            </a:r>
+            <a:r>
+              <a:rPr lang="en-US" sz="7200" dirty="0">
+                <a:solidFill>
+                  <a:schemeClr val="tx2"/>
+                </a:solidFill>
+                <a:latin typeface="Yanone Kaffeesatz Regular" panose="02000000000000000000" pitchFamily="2" charset="0"/>
+              </a:rPr>
+              <a:t> from them</a:t>
+            </a:r>
+            <a:endParaRPr lang="de-CH" sz="1200" dirty="0">
+              <a:solidFill>
+                <a:schemeClr val="tx2"/>
+              </a:solidFill>
+            </a:endParaRPr>
+          </a:p>
+        </p:txBody>
+      </p:sp>
+    </p:spTree>
+    <p:extLst>
+      <p:ext uri="{BB962C8B-B14F-4D97-AF65-F5344CB8AC3E}">
+        <p14:creationId xmlns:p14="http://schemas.microsoft.com/office/powerpoint/2010/main" val="3796458208"/>
+      </p:ext>
+    </p:extLst>
+  </p:cSld>
+  <p:clrMapOvr>
+    <a:masterClrMapping/>
+  </p:clrMapOvr>
+</p:sld>
+</file>
+
+<file path=ppt/slides/slide25.xml><?xml version="1.0" encoding="utf-8"?>
+<p:sld xmlns:a="http://schemas.openxmlformats.org/drawingml/2006/main" xmlns:r="http://schemas.openxmlformats.org/officeDocument/2006/relationships" xmlns:p="http://schemas.openxmlformats.org/presentationml/2006/main">
+  <p:cSld>
+    <p:spTree>
+      <p:nvGrpSpPr>
+        <p:cNvPr id="1" name=""/>
+        <p:cNvGrpSpPr/>
+        <p:nvPr/>
+      </p:nvGrpSpPr>
+      <p:grpSpPr>
+        <a:xfrm>
+          <a:off x="0" y="0"/>
+          <a:ext cx="0" cy="0"/>
+          <a:chOff x="0" y="0"/>
+          <a:chExt cx="0" cy="0"/>
+        </a:xfrm>
+      </p:grpSpPr>
+      <p:sp>
+        <p:nvSpPr>
+          <p:cNvPr id="2" name="Rectangle 1">
+            <a:extLst>
+              <a:ext uri="{FF2B5EF4-FFF2-40B4-BE49-F238E27FC236}">
+                <a16:creationId xmlns:a16="http://schemas.microsoft.com/office/drawing/2014/main" id="{D9D014D6-D95B-49FC-A419-B2E06D1650FF}"/>
+              </a:ext>
+            </a:extLst>
+          </p:cNvPr>
+          <p:cNvSpPr/>
+          <p:nvPr/>
+        </p:nvSpPr>
+        <p:spPr>
+          <a:xfrm>
+            <a:off x="1782961" y="1851645"/>
+            <a:ext cx="8626079" cy="3154710"/>
+          </a:xfrm>
+          <a:prstGeom prst="rect">
+            <a:avLst/>
+          </a:prstGeom>
+        </p:spPr>
+        <p:txBody>
+          <a:bodyPr wrap="none">
+            <a:spAutoFit/>
+          </a:bodyPr>
+          <a:lstStyle/>
+          <a:p>
+            <a:r>
+              <a:rPr lang="en-US" sz="19900" dirty="0">
+                <a:solidFill>
+                  <a:schemeClr val="accent2"/>
+                </a:solidFill>
+                <a:latin typeface="Yanone Kaffeesatz Regular" panose="02000000000000000000" pitchFamily="2" charset="0"/>
+              </a:rPr>
+              <a:t>Topologies</a:t>
+            </a:r>
+            <a:endParaRPr lang="de-CH" sz="2000" dirty="0"/>
+          </a:p>
+        </p:txBody>
+      </p:sp>
+    </p:spTree>
+    <p:extLst>
+      <p:ext uri="{BB962C8B-B14F-4D97-AF65-F5344CB8AC3E}">
+        <p14:creationId xmlns:p14="http://schemas.microsoft.com/office/powerpoint/2010/main" val="2865203720"/>
+      </p:ext>
+    </p:extLst>
+  </p:cSld>
+  <p:clrMapOvr>
+    <a:masterClrMapping/>
+  </p:clrMapOvr>
+</p:sld>
+</file>
+
+<file path=ppt/slides/slide26.xml><?xml version="1.0" encoding="utf-8"?>
+<p:sld xmlns:a="http://schemas.openxmlformats.org/drawingml/2006/main" xmlns:r="http://schemas.openxmlformats.org/officeDocument/2006/relationships" xmlns:p="http://schemas.openxmlformats.org/presentationml/2006/main">
+  <p:cSld>
+    <p:spTree>
+      <p:nvGrpSpPr>
+        <p:cNvPr id="1" name=""/>
+        <p:cNvGrpSpPr/>
+        <p:nvPr/>
+      </p:nvGrpSpPr>
+      <p:grpSpPr>
+        <a:xfrm>
+          <a:off x="0" y="0"/>
+          <a:ext cx="0" cy="0"/>
+          <a:chOff x="0" y="0"/>
+          <a:chExt cx="0" cy="0"/>
+        </a:xfrm>
+      </p:grpSpPr>
+      <p:sp>
+        <p:nvSpPr>
           <p:cNvPr id="2" name="Rectangle 1"/>
           <p:cNvSpPr/>
           <p:nvPr/>
@@ -9423,7 +13124,7 @@
 </p:sld>
 </file>
 
-<file path=ppt/slides/slide21.xml><?xml version="1.0" encoding="utf-8"?>
+<file path=ppt/slides/slide27.xml><?xml version="1.0" encoding="utf-8"?>
 <p:sld xmlns:a="http://schemas.openxmlformats.org/drawingml/2006/main" xmlns:r="http://schemas.openxmlformats.org/officeDocument/2006/relationships" xmlns:p="http://schemas.openxmlformats.org/presentationml/2006/main">
   <p:cSld>
     <p:spTree>
@@ -9553,7 +13254,7 @@
 </p:sld>
 </file>
 
-<file path=ppt/slides/slide22.xml><?xml version="1.0" encoding="utf-8"?>
+<file path=ppt/slides/slide28.xml><?xml version="1.0" encoding="utf-8"?>
 <p:sld xmlns:a="http://schemas.openxmlformats.org/drawingml/2006/main" xmlns:r="http://schemas.openxmlformats.org/officeDocument/2006/relationships" xmlns:p="http://schemas.openxmlformats.org/presentationml/2006/main">
   <p:cSld>
     <p:spTree>
@@ -9647,7 +13348,7 @@
 </p:sld>
 </file>
 
-<file path=ppt/slides/slide23.xml><?xml version="1.0" encoding="utf-8"?>
+<file path=ppt/slides/slide29.xml><?xml version="1.0" encoding="utf-8"?>
 <p:sld xmlns:a="http://schemas.openxmlformats.org/drawingml/2006/main" xmlns:r="http://schemas.openxmlformats.org/officeDocument/2006/relationships" xmlns:p="http://schemas.openxmlformats.org/presentationml/2006/main">
   <p:cSld>
     <p:spTree>
@@ -9813,100 +13514,6 @@
     <p:extLst>
       <p:ext uri="{BB962C8B-B14F-4D97-AF65-F5344CB8AC3E}">
         <p14:creationId xmlns:p14="http://schemas.microsoft.com/office/powerpoint/2010/main" val="3601279917"/>
-      </p:ext>
-    </p:extLst>
-  </p:cSld>
-  <p:clrMapOvr>
-    <a:masterClrMapping/>
-  </p:clrMapOvr>
-</p:sld>
-</file>
-
-<file path=ppt/slides/slide24.xml><?xml version="1.0" encoding="utf-8"?>
-<p:sld xmlns:a="http://schemas.openxmlformats.org/drawingml/2006/main" xmlns:r="http://schemas.openxmlformats.org/officeDocument/2006/relationships" xmlns:p="http://schemas.openxmlformats.org/presentationml/2006/main">
-  <p:cSld>
-    <p:spTree>
-      <p:nvGrpSpPr>
-        <p:cNvPr id="1" name=""/>
-        <p:cNvGrpSpPr/>
-        <p:nvPr/>
-      </p:nvGrpSpPr>
-      <p:grpSpPr>
-        <a:xfrm>
-          <a:off x="0" y="0"/>
-          <a:ext cx="0" cy="0"/>
-          <a:chOff x="0" y="0"/>
-          <a:chExt cx="0" cy="0"/>
-        </a:xfrm>
-      </p:grpSpPr>
-      <p:sp>
-        <p:nvSpPr>
-          <p:cNvPr id="2" name="Rectangle 1"/>
-          <p:cNvSpPr/>
-          <p:nvPr/>
-        </p:nvSpPr>
-        <p:spPr>
-          <a:xfrm>
-            <a:off x="3176771" y="1851645"/>
-            <a:ext cx="5838458" cy="3154710"/>
-          </a:xfrm>
-          <a:prstGeom prst="rect">
-            <a:avLst/>
-          </a:prstGeom>
-        </p:spPr>
-        <p:txBody>
-          <a:bodyPr wrap="none">
-            <a:spAutoFit/>
-          </a:bodyPr>
-          <a:lstStyle/>
-          <a:p>
-            <a:r>
-              <a:rPr lang="en-US" sz="19900" dirty="0">
-                <a:solidFill>
-                  <a:schemeClr val="accent2"/>
-                </a:solidFill>
-                <a:latin typeface="Yanone Kaffeesatz Regular" panose="02000000000000000000" pitchFamily="2" charset="0"/>
-              </a:rPr>
-              <a:t>Thanks</a:t>
-            </a:r>
-            <a:endParaRPr lang="de-CH" sz="2000" dirty="0"/>
-          </a:p>
-        </p:txBody>
-      </p:sp>
-      <p:pic>
-        <p:nvPicPr>
-          <p:cNvPr id="3" name="Picture 2"/>
-          <p:cNvPicPr>
-            <a:picLocks noChangeAspect="1"/>
-          </p:cNvPicPr>
-          <p:nvPr/>
-        </p:nvPicPr>
-        <p:blipFill>
-          <a:blip r:embed="rId3" cstate="print">
-            <a:extLst>
-              <a:ext uri="{28A0092B-C50C-407E-A947-70E740481C1C}">
-                <a14:useLocalDpi xmlns:a14="http://schemas.microsoft.com/office/drawing/2010/main" val="0"/>
-              </a:ext>
-            </a:extLst>
-          </a:blip>
-          <a:stretch>
-            <a:fillRect/>
-          </a:stretch>
-        </p:blipFill>
-        <p:spPr>
-          <a:xfrm>
-            <a:off x="8052306" y="612519"/>
-            <a:ext cx="2880000" cy="690817"/>
-          </a:xfrm>
-          <a:prstGeom prst="rect">
-            <a:avLst/>
-          </a:prstGeom>
-        </p:spPr>
-      </p:pic>
-    </p:spTree>
-    <p:extLst>
-      <p:ext uri="{BB962C8B-B14F-4D97-AF65-F5344CB8AC3E}">
-        <p14:creationId xmlns:p14="http://schemas.microsoft.com/office/powerpoint/2010/main" val="3887468163"/>
       </p:ext>
     </p:extLst>
   </p:cSld>
@@ -11042,6 +14649,100 @@
 </p:sld>
 </file>
 
+<file path=ppt/slides/slide30.xml><?xml version="1.0" encoding="utf-8"?>
+<p:sld xmlns:a="http://schemas.openxmlformats.org/drawingml/2006/main" xmlns:r="http://schemas.openxmlformats.org/officeDocument/2006/relationships" xmlns:p="http://schemas.openxmlformats.org/presentationml/2006/main">
+  <p:cSld>
+    <p:spTree>
+      <p:nvGrpSpPr>
+        <p:cNvPr id="1" name=""/>
+        <p:cNvGrpSpPr/>
+        <p:nvPr/>
+      </p:nvGrpSpPr>
+      <p:grpSpPr>
+        <a:xfrm>
+          <a:off x="0" y="0"/>
+          <a:ext cx="0" cy="0"/>
+          <a:chOff x="0" y="0"/>
+          <a:chExt cx="0" cy="0"/>
+        </a:xfrm>
+      </p:grpSpPr>
+      <p:sp>
+        <p:nvSpPr>
+          <p:cNvPr id="2" name="Rectangle 1"/>
+          <p:cNvSpPr/>
+          <p:nvPr/>
+        </p:nvSpPr>
+        <p:spPr>
+          <a:xfrm>
+            <a:off x="3176771" y="1851645"/>
+            <a:ext cx="5838458" cy="3154710"/>
+          </a:xfrm>
+          <a:prstGeom prst="rect">
+            <a:avLst/>
+          </a:prstGeom>
+        </p:spPr>
+        <p:txBody>
+          <a:bodyPr wrap="none">
+            <a:spAutoFit/>
+          </a:bodyPr>
+          <a:lstStyle/>
+          <a:p>
+            <a:r>
+              <a:rPr lang="en-US" sz="19900" dirty="0">
+                <a:solidFill>
+                  <a:schemeClr val="accent2"/>
+                </a:solidFill>
+                <a:latin typeface="Yanone Kaffeesatz Regular" panose="02000000000000000000" pitchFamily="2" charset="0"/>
+              </a:rPr>
+              <a:t>Thanks</a:t>
+            </a:r>
+            <a:endParaRPr lang="de-CH" sz="2000" dirty="0"/>
+          </a:p>
+        </p:txBody>
+      </p:sp>
+      <p:pic>
+        <p:nvPicPr>
+          <p:cNvPr id="3" name="Picture 2"/>
+          <p:cNvPicPr>
+            <a:picLocks noChangeAspect="1"/>
+          </p:cNvPicPr>
+          <p:nvPr/>
+        </p:nvPicPr>
+        <p:blipFill>
+          <a:blip r:embed="rId3" cstate="print">
+            <a:extLst>
+              <a:ext uri="{28A0092B-C50C-407E-A947-70E740481C1C}">
+                <a14:useLocalDpi xmlns:a14="http://schemas.microsoft.com/office/drawing/2010/main" val="0"/>
+              </a:ext>
+            </a:extLst>
+          </a:blip>
+          <a:stretch>
+            <a:fillRect/>
+          </a:stretch>
+        </p:blipFill>
+        <p:spPr>
+          <a:xfrm>
+            <a:off x="8052306" y="612519"/>
+            <a:ext cx="2880000" cy="690817"/>
+          </a:xfrm>
+          <a:prstGeom prst="rect">
+            <a:avLst/>
+          </a:prstGeom>
+        </p:spPr>
+      </p:pic>
+    </p:spTree>
+    <p:extLst>
+      <p:ext uri="{BB962C8B-B14F-4D97-AF65-F5344CB8AC3E}">
+        <p14:creationId xmlns:p14="http://schemas.microsoft.com/office/powerpoint/2010/main" val="3887468163"/>
+      </p:ext>
+    </p:extLst>
+  </p:cSld>
+  <p:clrMapOvr>
+    <a:masterClrMapping/>
+  </p:clrMapOvr>
+</p:sld>
+</file>
+
 <file path=ppt/slides/slide4.xml><?xml version="1.0" encoding="utf-8"?>
 <p:sld xmlns:a="http://schemas.openxmlformats.org/drawingml/2006/main" xmlns:r="http://schemas.openxmlformats.org/officeDocument/2006/relationships" xmlns:p="http://schemas.openxmlformats.org/presentationml/2006/main">
   <p:cSld>

--- a/presentation.pptx
+++ b/presentation.pptx
@@ -5,7 +5,7 @@
     <p:sldMasterId id="2147483684" r:id="rId1"/>
   </p:sldMasterIdLst>
   <p:notesMasterIdLst>
-    <p:notesMasterId r:id="rId32"/>
+    <p:notesMasterId r:id="rId38"/>
   </p:notesMasterIdLst>
   <p:sldIdLst>
     <p:sldId id="278" r:id="rId2"/>
@@ -33,11 +33,17 @@
     <p:sldId id="507" r:id="rId24"/>
     <p:sldId id="508" r:id="rId25"/>
     <p:sldId id="509" r:id="rId26"/>
-    <p:sldId id="489" r:id="rId27"/>
-    <p:sldId id="267" r:id="rId28"/>
-    <p:sldId id="275" r:id="rId29"/>
-    <p:sldId id="268" r:id="rId30"/>
-    <p:sldId id="279" r:id="rId31"/>
+    <p:sldId id="510" r:id="rId27"/>
+    <p:sldId id="512" r:id="rId28"/>
+    <p:sldId id="511" r:id="rId29"/>
+    <p:sldId id="513" r:id="rId30"/>
+    <p:sldId id="514" r:id="rId31"/>
+    <p:sldId id="515" r:id="rId32"/>
+    <p:sldId id="489" r:id="rId33"/>
+    <p:sldId id="267" r:id="rId34"/>
+    <p:sldId id="275" r:id="rId35"/>
+    <p:sldId id="268" r:id="rId36"/>
+    <p:sldId id="279" r:id="rId37"/>
   </p:sldIdLst>
   <p:sldSz cx="12192000" cy="6858000"/>
   <p:notesSz cx="6858000" cy="9144000"/>
@@ -166,6 +172,12 @@
             <p14:sldId id="507"/>
             <p14:sldId id="508"/>
             <p14:sldId id="509"/>
+            <p14:sldId id="510"/>
+            <p14:sldId id="512"/>
+            <p14:sldId id="511"/>
+            <p14:sldId id="513"/>
+            <p14:sldId id="514"/>
+            <p14:sldId id="515"/>
           </p14:sldIdLst>
         </p14:section>
         <p14:section name="Wrap up" id="{BCD9F38D-60DF-4459-9684-4C9C9939E42E}">
@@ -274,7 +286,7 @@
           <a:p>
             <a:fld id="{D987070D-87AF-4443-8990-425EA27CC244}" type="datetimeFigureOut">
               <a:rPr lang="de-CH" smtClean="0"/>
-              <a:t>06.06.2019</a:t>
+              <a:t>11.06.2019</a:t>
             </a:fld>
             <a:endParaRPr lang="de-CH"/>
           </a:p>
@@ -433,7 +445,7 @@
           <a:p>
             <a:fld id="{9BCA07FD-5BD5-4529-84B0-48DD2C561176}" type="slidenum">
               <a:rPr lang="de-CH" smtClean="0"/>
-              <a:t>‹Nr.›</a:t>
+              <a:t>‹#›</a:t>
             </a:fld>
             <a:endParaRPr lang="de-CH"/>
           </a:p>
@@ -3635,7 +3647,7 @@
       </p:grpSpPr>
       <p:sp>
         <p:nvSpPr>
-          <p:cNvPr id="2" name="Slide Image Placeholder 1"/>
+          <p:cNvPr id="2" name="Folienbildplatzhalter 1"/>
           <p:cNvSpPr>
             <a:spLocks noGrp="1" noRot="1" noChangeAspect="1"/>
           </p:cNvSpPr>
@@ -3647,7 +3659,7 @@
       </p:sp>
       <p:sp>
         <p:nvSpPr>
-          <p:cNvPr id="3" name="Notes Placeholder 2"/>
+          <p:cNvPr id="3" name="Notizenplatzhalter 2"/>
           <p:cNvSpPr>
             <a:spLocks noGrp="1"/>
           </p:cNvSpPr>
@@ -3660,22 +3672,18 @@
           <a:bodyPr/>
           <a:lstStyle/>
           <a:p>
-            <a:r>
-              <a:rPr lang="de-CH" dirty="0" err="1"/>
-              <a:t>Thanks</a:t>
-            </a:r>
             <a:endParaRPr lang="de-CH" dirty="0"/>
           </a:p>
         </p:txBody>
       </p:sp>
       <p:sp>
         <p:nvSpPr>
-          <p:cNvPr id="4" name="Slide Number Placeholder 3"/>
+          <p:cNvPr id="4" name="Foliennummernplatzhalter 3"/>
           <p:cNvSpPr>
             <a:spLocks noGrp="1"/>
           </p:cNvSpPr>
           <p:nvPr>
-            <p:ph type="sldNum" sz="quarter" idx="10"/>
+            <p:ph type="sldNum" sz="quarter" idx="5"/>
           </p:nvPr>
         </p:nvSpPr>
         <p:spPr/>
@@ -3694,7 +3702,7 @@
     </p:spTree>
     <p:extLst>
       <p:ext uri="{BB962C8B-B14F-4D97-AF65-F5344CB8AC3E}">
-        <p14:creationId xmlns:p14="http://schemas.microsoft.com/office/powerpoint/2010/main" val="1171336995"/>
+        <p14:creationId xmlns:p14="http://schemas.microsoft.com/office/powerpoint/2010/main" val="1743233206"/>
       </p:ext>
     </p:extLst>
   </p:cSld>
@@ -3748,7 +3756,19 @@
           <a:bodyPr/>
           <a:lstStyle/>
           <a:p>
-            <a:endParaRPr lang="de-CH" dirty="0"/>
+            <a:r>
+              <a:rPr lang="en-CA" dirty="0"/>
+              <a:t>Unlike a batch, we have a group of messages to send, but not all messages are available as at the same time.</a:t>
+            </a:r>
+          </a:p>
+          <a:p>
+            <a:r>
+              <a:rPr lang="en-CA" dirty="0"/>
+              <a:t>We’d like to send messages in a transactional manner, ensuring that either all messages are sent successfully or they all rolled back</a:t>
+            </a:r>
+          </a:p>
+          <a:p>
+            <a:endParaRPr lang="en-US" dirty="0"/>
           </a:p>
         </p:txBody>
       </p:sp>
@@ -3759,7 +3779,7 @@
             <a:spLocks noGrp="1"/>
           </p:cNvSpPr>
           <p:nvPr>
-            <p:ph type="sldNum" sz="quarter" idx="10"/>
+            <p:ph type="sldNum" sz="quarter" idx="5"/>
           </p:nvPr>
         </p:nvSpPr>
         <p:spPr/>
@@ -3778,7 +3798,7 @@
     </p:spTree>
     <p:extLst>
       <p:ext uri="{BB962C8B-B14F-4D97-AF65-F5344CB8AC3E}">
-        <p14:creationId xmlns:p14="http://schemas.microsoft.com/office/powerpoint/2010/main" val="3670487613"/>
+        <p14:creationId xmlns:p14="http://schemas.microsoft.com/office/powerpoint/2010/main" val="2806490495"/>
       </p:ext>
     </p:extLst>
   </p:cSld>
@@ -3832,7 +3852,7 @@
           <a:bodyPr/>
           <a:lstStyle/>
           <a:p>
-            <a:endParaRPr lang="de-CH" dirty="0"/>
+            <a:endParaRPr lang="en-US" dirty="0"/>
           </a:p>
         </p:txBody>
       </p:sp>
@@ -3843,7 +3863,7 @@
             <a:spLocks noGrp="1"/>
           </p:cNvSpPr>
           <p:nvPr>
-            <p:ph type="sldNum" sz="quarter" idx="10"/>
+            <p:ph type="sldNum" sz="quarter" idx="5"/>
           </p:nvPr>
         </p:nvSpPr>
         <p:spPr/>
@@ -3862,7 +3882,7 @@
     </p:spTree>
     <p:extLst>
       <p:ext uri="{BB962C8B-B14F-4D97-AF65-F5344CB8AC3E}">
-        <p14:creationId xmlns:p14="http://schemas.microsoft.com/office/powerpoint/2010/main" val="978782014"/>
+        <p14:creationId xmlns:p14="http://schemas.microsoft.com/office/powerpoint/2010/main" val="1111467825"/>
       </p:ext>
     </p:extLst>
   </p:cSld>
@@ -3891,7 +3911,7 @@
       </p:grpSpPr>
       <p:sp>
         <p:nvSpPr>
-          <p:cNvPr id="2" name="Slide Image Placeholder 1"/>
+          <p:cNvPr id="2" name="Folienbildplatzhalter 1"/>
           <p:cNvSpPr>
             <a:spLocks noGrp="1" noRot="1" noChangeAspect="1"/>
           </p:cNvSpPr>
@@ -3903,7 +3923,7 @@
       </p:sp>
       <p:sp>
         <p:nvSpPr>
-          <p:cNvPr id="3" name="Notes Placeholder 2"/>
+          <p:cNvPr id="3" name="Notizenplatzhalter 2"/>
           <p:cNvSpPr>
             <a:spLocks noGrp="1"/>
           </p:cNvSpPr>
@@ -3916,18 +3936,50 @@
           <a:bodyPr/>
           <a:lstStyle/>
           <a:p>
+            <a:r>
+              <a:rPr lang="en-CA" dirty="0"/>
+              <a:t>Use Attachment plugin to reduce messages size</a:t>
+            </a:r>
+          </a:p>
+          <a:p>
+            <a:endParaRPr lang="en-CA" dirty="0"/>
+          </a:p>
+          <a:p>
+            <a:pPr marL="0" marR="0" lvl="0" indent="0" algn="l" defTabSz="914400" rtl="0" eaLnBrk="1" fontAlgn="auto" latinLnBrk="0" hangingPunct="1">
+              <a:lnSpc>
+                <a:spcPct val="100000"/>
+              </a:lnSpc>
+              <a:spcBef>
+                <a:spcPts val="0"/>
+              </a:spcBef>
+              <a:spcAft>
+                <a:spcPts val="0"/>
+              </a:spcAft>
+              <a:buClrTx/>
+              <a:buSzTx/>
+              <a:buFontTx/>
+              <a:buNone/>
+              <a:tabLst/>
+              <a:defRPr/>
+            </a:pPr>
+            <a:r>
+              <a:rPr lang="en-CA" dirty="0"/>
+              <a:t>Premium tier – bring a bigger gun</a:t>
+            </a:r>
+          </a:p>
+          <a:p>
             <a:endParaRPr lang="de-CH" dirty="0"/>
           </a:p>
         </p:txBody>
       </p:sp>
       <p:sp>
         <p:nvSpPr>
-          <p:cNvPr id="4" name="Slide Number Placeholder 3"/>
+          <p:cNvPr id="4" name="Foliennummernplatzhalter 3"/>
           <p:cNvSpPr>
             <a:spLocks noGrp="1"/>
           </p:cNvSpPr>
           <p:nvPr>
-            <p:ph type="sldNum" sz="quarter" idx="10"/>
+            <p:ph type="sldNum" sz="quarter" idx="5"/>
           </p:nvPr>
         </p:nvSpPr>
         <p:spPr/>
@@ -3946,7 +3998,7 @@
     </p:spTree>
     <p:extLst>
       <p:ext uri="{BB962C8B-B14F-4D97-AF65-F5344CB8AC3E}">
-        <p14:creationId xmlns:p14="http://schemas.microsoft.com/office/powerpoint/2010/main" val="88145516"/>
+        <p14:creationId xmlns:p14="http://schemas.microsoft.com/office/powerpoint/2010/main" val="1303395668"/>
       </p:ext>
     </p:extLst>
   </p:cSld>
@@ -4292,12 +4344,237 @@
           <a:lstStyle/>
           <a:p>
             <a:r>
-              <a:rPr lang="de-CH" dirty="0"/>
-              <a:t>Thank you very much</a:t>
-            </a:r>
-            <a:r>
-              <a:rPr lang="de-CH" baseline="0" dirty="0"/>
-              <a:t> for listening and see you next time</a:t>
+              <a:rPr lang="en-CA" dirty="0"/>
+              <a:t>In scenarios where a transactional processing is required for an incoming message that would generate some outgoing messages, the incoming and outgoing messages should all succeed or rollback. Failure to do so would either create duplicate processing (failure to complete the incoming message) or ghost messages (failure to revert the outgoing messages).</a:t>
+            </a:r>
+          </a:p>
+          <a:p>
+            <a:endParaRPr lang="en-CA" dirty="0"/>
+          </a:p>
+          <a:p>
+            <a:endParaRPr lang="en-US" dirty="0"/>
+          </a:p>
+        </p:txBody>
+      </p:sp>
+      <p:sp>
+        <p:nvSpPr>
+          <p:cNvPr id="4" name="Slide Number Placeholder 3"/>
+          <p:cNvSpPr>
+            <a:spLocks noGrp="1"/>
+          </p:cNvSpPr>
+          <p:nvPr>
+            <p:ph type="sldNum" sz="quarter" idx="5"/>
+          </p:nvPr>
+        </p:nvSpPr>
+        <p:spPr/>
+        <p:txBody>
+          <a:bodyPr/>
+          <a:lstStyle/>
+          <a:p>
+            <a:fld id="{9BCA07FD-5BD5-4529-84B0-48DD2C561176}" type="slidenum">
+              <a:rPr lang="de-CH" smtClean="0"/>
+              <a:t>30</a:t>
+            </a:fld>
+            <a:endParaRPr lang="de-CH"/>
+          </a:p>
+        </p:txBody>
+      </p:sp>
+    </p:spTree>
+    <p:extLst>
+      <p:ext uri="{BB962C8B-B14F-4D97-AF65-F5344CB8AC3E}">
+        <p14:creationId xmlns:p14="http://schemas.microsoft.com/office/powerpoint/2010/main" val="752629794"/>
+      </p:ext>
+    </p:extLst>
+  </p:cSld>
+  <p:clrMapOvr>
+    <a:masterClrMapping/>
+  </p:clrMapOvr>
+</p:notes>
+</file>
+
+<file path=ppt/notesSlides/notesSlide31.xml><?xml version="1.0" encoding="utf-8"?>
+<p:notes xmlns:a="http://schemas.openxmlformats.org/drawingml/2006/main" xmlns:r="http://schemas.openxmlformats.org/officeDocument/2006/relationships" xmlns:p="http://schemas.openxmlformats.org/presentationml/2006/main">
+  <p:cSld>
+    <p:spTree>
+      <p:nvGrpSpPr>
+        <p:cNvPr id="1" name=""/>
+        <p:cNvGrpSpPr/>
+        <p:nvPr/>
+      </p:nvGrpSpPr>
+      <p:grpSpPr>
+        <a:xfrm>
+          <a:off x="0" y="0"/>
+          <a:ext cx="0" cy="0"/>
+          <a:chOff x="0" y="0"/>
+          <a:chExt cx="0" cy="0"/>
+        </a:xfrm>
+      </p:grpSpPr>
+      <p:sp>
+        <p:nvSpPr>
+          <p:cNvPr id="2" name="Folienbildplatzhalter 1"/>
+          <p:cNvSpPr>
+            <a:spLocks noGrp="1" noRot="1" noChangeAspect="1"/>
+          </p:cNvSpPr>
+          <p:nvPr>
+            <p:ph type="sldImg"/>
+          </p:nvPr>
+        </p:nvSpPr>
+        <p:spPr/>
+      </p:sp>
+      <p:sp>
+        <p:nvSpPr>
+          <p:cNvPr id="3" name="Notizenplatzhalter 2"/>
+          <p:cNvSpPr>
+            <a:spLocks noGrp="1"/>
+          </p:cNvSpPr>
+          <p:nvPr>
+            <p:ph type="body" idx="1"/>
+          </p:nvPr>
+        </p:nvSpPr>
+        <p:spPr/>
+        <p:txBody>
+          <a:bodyPr/>
+          <a:lstStyle/>
+          <a:p>
+            <a:pPr marL="0" marR="0" lvl="0" indent="0" algn="l" defTabSz="914400" rtl="0" eaLnBrk="1" fontAlgn="auto" latinLnBrk="0" hangingPunct="1">
+              <a:lnSpc>
+                <a:spcPct val="100000"/>
+              </a:lnSpc>
+              <a:spcBef>
+                <a:spcPts val="0"/>
+              </a:spcBef>
+              <a:spcAft>
+                <a:spcPts val="0"/>
+              </a:spcAft>
+              <a:buClrTx/>
+              <a:buSzTx/>
+              <a:buFontTx/>
+              <a:buNone/>
+              <a:tabLst/>
+              <a:defRPr/>
+            </a:pPr>
+            <a:r>
+              <a:rPr lang="en-CA" dirty="0"/>
+              <a:t>Similar to shipping something from one point (source) to another point (destination), your package might go through straight to the destination and instead, might go through an intermediary.</a:t>
+            </a:r>
+          </a:p>
+          <a:p>
+            <a:endParaRPr lang="en-CA" dirty="0"/>
+          </a:p>
+          <a:p>
+            <a:pPr marL="0" marR="0" lvl="0" indent="0" algn="l" defTabSz="914400" rtl="0" eaLnBrk="1" fontAlgn="auto" latinLnBrk="0" hangingPunct="1">
+              <a:lnSpc>
+                <a:spcPct val="100000"/>
+              </a:lnSpc>
+              <a:spcBef>
+                <a:spcPts val="0"/>
+              </a:spcBef>
+              <a:spcAft>
+                <a:spcPts val="0"/>
+              </a:spcAft>
+              <a:buClrTx/>
+              <a:buSzTx/>
+              <a:buFontTx/>
+              <a:buNone/>
+              <a:tabLst/>
+              <a:defRPr/>
+            </a:pPr>
+            <a:r>
+              <a:rPr lang="en-CA" dirty="0"/>
+              <a:t>The idea behind Send-via is to create an atomic operation between an incoming message and the outgoing messages.</a:t>
+            </a:r>
+          </a:p>
+          <a:p>
+            <a:endParaRPr lang="en-CA" dirty="0"/>
+          </a:p>
+          <a:p>
+            <a:endParaRPr lang="de-CH" dirty="0"/>
+          </a:p>
+        </p:txBody>
+      </p:sp>
+      <p:sp>
+        <p:nvSpPr>
+          <p:cNvPr id="4" name="Foliennummernplatzhalter 3"/>
+          <p:cNvSpPr>
+            <a:spLocks noGrp="1"/>
+          </p:cNvSpPr>
+          <p:nvPr>
+            <p:ph type="sldNum" sz="quarter" idx="5"/>
+          </p:nvPr>
+        </p:nvSpPr>
+        <p:spPr/>
+        <p:txBody>
+          <a:bodyPr/>
+          <a:lstStyle/>
+          <a:p>
+            <a:fld id="{9BCA07FD-5BD5-4529-84B0-48DD2C561176}" type="slidenum">
+              <a:rPr lang="de-CH" smtClean="0"/>
+              <a:t>31</a:t>
+            </a:fld>
+            <a:endParaRPr lang="de-CH"/>
+          </a:p>
+        </p:txBody>
+      </p:sp>
+    </p:spTree>
+    <p:extLst>
+      <p:ext uri="{BB962C8B-B14F-4D97-AF65-F5344CB8AC3E}">
+        <p14:creationId xmlns:p14="http://schemas.microsoft.com/office/powerpoint/2010/main" val="960527010"/>
+      </p:ext>
+    </p:extLst>
+  </p:cSld>
+  <p:clrMapOvr>
+    <a:masterClrMapping/>
+  </p:clrMapOvr>
+</p:notes>
+</file>
+
+<file path=ppt/notesSlides/notesSlide32.xml><?xml version="1.0" encoding="utf-8"?>
+<p:notes xmlns:a="http://schemas.openxmlformats.org/drawingml/2006/main" xmlns:r="http://schemas.openxmlformats.org/officeDocument/2006/relationships" xmlns:p="http://schemas.openxmlformats.org/presentationml/2006/main">
+  <p:cSld>
+    <p:spTree>
+      <p:nvGrpSpPr>
+        <p:cNvPr id="1" name=""/>
+        <p:cNvGrpSpPr/>
+        <p:nvPr/>
+      </p:nvGrpSpPr>
+      <p:grpSpPr>
+        <a:xfrm>
+          <a:off x="0" y="0"/>
+          <a:ext cx="0" cy="0"/>
+          <a:chOff x="0" y="0"/>
+          <a:chExt cx="0" cy="0"/>
+        </a:xfrm>
+      </p:grpSpPr>
+      <p:sp>
+        <p:nvSpPr>
+          <p:cNvPr id="2" name="Slide Image Placeholder 1"/>
+          <p:cNvSpPr>
+            <a:spLocks noGrp="1" noRot="1" noChangeAspect="1"/>
+          </p:cNvSpPr>
+          <p:nvPr>
+            <p:ph type="sldImg"/>
+          </p:nvPr>
+        </p:nvSpPr>
+        <p:spPr/>
+      </p:sp>
+      <p:sp>
+        <p:nvSpPr>
+          <p:cNvPr id="3" name="Notes Placeholder 2"/>
+          <p:cNvSpPr>
+            <a:spLocks noGrp="1"/>
+          </p:cNvSpPr>
+          <p:nvPr>
+            <p:ph type="body" idx="1"/>
+          </p:nvPr>
+        </p:nvSpPr>
+        <p:spPr/>
+        <p:txBody>
+          <a:bodyPr/>
+          <a:lstStyle/>
+          <a:p>
+            <a:r>
+              <a:rPr lang="de-CH" dirty="0" err="1"/>
+              <a:t>Thanks</a:t>
             </a:r>
             <a:endParaRPr lang="de-CH" dirty="0"/>
           </a:p>
@@ -4320,7 +4597,351 @@
           <a:p>
             <a:fld id="{9BCA07FD-5BD5-4529-84B0-48DD2C561176}" type="slidenum">
               <a:rPr lang="de-CH" smtClean="0"/>
-              <a:t>30</a:t>
+              <a:t>32</a:t>
+            </a:fld>
+            <a:endParaRPr lang="de-CH"/>
+          </a:p>
+        </p:txBody>
+      </p:sp>
+    </p:spTree>
+    <p:extLst>
+      <p:ext uri="{BB962C8B-B14F-4D97-AF65-F5344CB8AC3E}">
+        <p14:creationId xmlns:p14="http://schemas.microsoft.com/office/powerpoint/2010/main" val="1171336995"/>
+      </p:ext>
+    </p:extLst>
+  </p:cSld>
+  <p:clrMapOvr>
+    <a:masterClrMapping/>
+  </p:clrMapOvr>
+</p:notes>
+</file>
+
+<file path=ppt/notesSlides/notesSlide33.xml><?xml version="1.0" encoding="utf-8"?>
+<p:notes xmlns:a="http://schemas.openxmlformats.org/drawingml/2006/main" xmlns:r="http://schemas.openxmlformats.org/officeDocument/2006/relationships" xmlns:p="http://schemas.openxmlformats.org/presentationml/2006/main">
+  <p:cSld>
+    <p:spTree>
+      <p:nvGrpSpPr>
+        <p:cNvPr id="1" name=""/>
+        <p:cNvGrpSpPr/>
+        <p:nvPr/>
+      </p:nvGrpSpPr>
+      <p:grpSpPr>
+        <a:xfrm>
+          <a:off x="0" y="0"/>
+          <a:ext cx="0" cy="0"/>
+          <a:chOff x="0" y="0"/>
+          <a:chExt cx="0" cy="0"/>
+        </a:xfrm>
+      </p:grpSpPr>
+      <p:sp>
+        <p:nvSpPr>
+          <p:cNvPr id="2" name="Slide Image Placeholder 1"/>
+          <p:cNvSpPr>
+            <a:spLocks noGrp="1" noRot="1" noChangeAspect="1"/>
+          </p:cNvSpPr>
+          <p:nvPr>
+            <p:ph type="sldImg"/>
+          </p:nvPr>
+        </p:nvSpPr>
+        <p:spPr/>
+      </p:sp>
+      <p:sp>
+        <p:nvSpPr>
+          <p:cNvPr id="3" name="Notes Placeholder 2"/>
+          <p:cNvSpPr>
+            <a:spLocks noGrp="1"/>
+          </p:cNvSpPr>
+          <p:nvPr>
+            <p:ph type="body" idx="1"/>
+          </p:nvPr>
+        </p:nvSpPr>
+        <p:spPr/>
+        <p:txBody>
+          <a:bodyPr/>
+          <a:lstStyle/>
+          <a:p>
+            <a:endParaRPr lang="de-CH" dirty="0"/>
+          </a:p>
+        </p:txBody>
+      </p:sp>
+      <p:sp>
+        <p:nvSpPr>
+          <p:cNvPr id="4" name="Slide Number Placeholder 3"/>
+          <p:cNvSpPr>
+            <a:spLocks noGrp="1"/>
+          </p:cNvSpPr>
+          <p:nvPr>
+            <p:ph type="sldNum" sz="quarter" idx="10"/>
+          </p:nvPr>
+        </p:nvSpPr>
+        <p:spPr/>
+        <p:txBody>
+          <a:bodyPr/>
+          <a:lstStyle/>
+          <a:p>
+            <a:fld id="{9BCA07FD-5BD5-4529-84B0-48DD2C561176}" type="slidenum">
+              <a:rPr lang="de-CH" smtClean="0"/>
+              <a:t>33</a:t>
+            </a:fld>
+            <a:endParaRPr lang="de-CH"/>
+          </a:p>
+        </p:txBody>
+      </p:sp>
+    </p:spTree>
+    <p:extLst>
+      <p:ext uri="{BB962C8B-B14F-4D97-AF65-F5344CB8AC3E}">
+        <p14:creationId xmlns:p14="http://schemas.microsoft.com/office/powerpoint/2010/main" val="3670487613"/>
+      </p:ext>
+    </p:extLst>
+  </p:cSld>
+  <p:clrMapOvr>
+    <a:masterClrMapping/>
+  </p:clrMapOvr>
+</p:notes>
+</file>
+
+<file path=ppt/notesSlides/notesSlide34.xml><?xml version="1.0" encoding="utf-8"?>
+<p:notes xmlns:a="http://schemas.openxmlformats.org/drawingml/2006/main" xmlns:r="http://schemas.openxmlformats.org/officeDocument/2006/relationships" xmlns:p="http://schemas.openxmlformats.org/presentationml/2006/main">
+  <p:cSld>
+    <p:spTree>
+      <p:nvGrpSpPr>
+        <p:cNvPr id="1" name=""/>
+        <p:cNvGrpSpPr/>
+        <p:nvPr/>
+      </p:nvGrpSpPr>
+      <p:grpSpPr>
+        <a:xfrm>
+          <a:off x="0" y="0"/>
+          <a:ext cx="0" cy="0"/>
+          <a:chOff x="0" y="0"/>
+          <a:chExt cx="0" cy="0"/>
+        </a:xfrm>
+      </p:grpSpPr>
+      <p:sp>
+        <p:nvSpPr>
+          <p:cNvPr id="2" name="Slide Image Placeholder 1"/>
+          <p:cNvSpPr>
+            <a:spLocks noGrp="1" noRot="1" noChangeAspect="1"/>
+          </p:cNvSpPr>
+          <p:nvPr>
+            <p:ph type="sldImg"/>
+          </p:nvPr>
+        </p:nvSpPr>
+        <p:spPr/>
+      </p:sp>
+      <p:sp>
+        <p:nvSpPr>
+          <p:cNvPr id="3" name="Notes Placeholder 2"/>
+          <p:cNvSpPr>
+            <a:spLocks noGrp="1"/>
+          </p:cNvSpPr>
+          <p:nvPr>
+            <p:ph type="body" idx="1"/>
+          </p:nvPr>
+        </p:nvSpPr>
+        <p:spPr/>
+        <p:txBody>
+          <a:bodyPr/>
+          <a:lstStyle/>
+          <a:p>
+            <a:endParaRPr lang="de-CH" dirty="0"/>
+          </a:p>
+        </p:txBody>
+      </p:sp>
+      <p:sp>
+        <p:nvSpPr>
+          <p:cNvPr id="4" name="Slide Number Placeholder 3"/>
+          <p:cNvSpPr>
+            <a:spLocks noGrp="1"/>
+          </p:cNvSpPr>
+          <p:nvPr>
+            <p:ph type="sldNum" sz="quarter" idx="10"/>
+          </p:nvPr>
+        </p:nvSpPr>
+        <p:spPr/>
+        <p:txBody>
+          <a:bodyPr/>
+          <a:lstStyle/>
+          <a:p>
+            <a:fld id="{9BCA07FD-5BD5-4529-84B0-48DD2C561176}" type="slidenum">
+              <a:rPr lang="de-CH" smtClean="0"/>
+              <a:t>34</a:t>
+            </a:fld>
+            <a:endParaRPr lang="de-CH"/>
+          </a:p>
+        </p:txBody>
+      </p:sp>
+    </p:spTree>
+    <p:extLst>
+      <p:ext uri="{BB962C8B-B14F-4D97-AF65-F5344CB8AC3E}">
+        <p14:creationId xmlns:p14="http://schemas.microsoft.com/office/powerpoint/2010/main" val="978782014"/>
+      </p:ext>
+    </p:extLst>
+  </p:cSld>
+  <p:clrMapOvr>
+    <a:masterClrMapping/>
+  </p:clrMapOvr>
+</p:notes>
+</file>
+
+<file path=ppt/notesSlides/notesSlide35.xml><?xml version="1.0" encoding="utf-8"?>
+<p:notes xmlns:a="http://schemas.openxmlformats.org/drawingml/2006/main" xmlns:r="http://schemas.openxmlformats.org/officeDocument/2006/relationships" xmlns:p="http://schemas.openxmlformats.org/presentationml/2006/main">
+  <p:cSld>
+    <p:spTree>
+      <p:nvGrpSpPr>
+        <p:cNvPr id="1" name=""/>
+        <p:cNvGrpSpPr/>
+        <p:nvPr/>
+      </p:nvGrpSpPr>
+      <p:grpSpPr>
+        <a:xfrm>
+          <a:off x="0" y="0"/>
+          <a:ext cx="0" cy="0"/>
+          <a:chOff x="0" y="0"/>
+          <a:chExt cx="0" cy="0"/>
+        </a:xfrm>
+      </p:grpSpPr>
+      <p:sp>
+        <p:nvSpPr>
+          <p:cNvPr id="2" name="Slide Image Placeholder 1"/>
+          <p:cNvSpPr>
+            <a:spLocks noGrp="1" noRot="1" noChangeAspect="1"/>
+          </p:cNvSpPr>
+          <p:nvPr>
+            <p:ph type="sldImg"/>
+          </p:nvPr>
+        </p:nvSpPr>
+        <p:spPr/>
+      </p:sp>
+      <p:sp>
+        <p:nvSpPr>
+          <p:cNvPr id="3" name="Notes Placeholder 2"/>
+          <p:cNvSpPr>
+            <a:spLocks noGrp="1"/>
+          </p:cNvSpPr>
+          <p:nvPr>
+            <p:ph type="body" idx="1"/>
+          </p:nvPr>
+        </p:nvSpPr>
+        <p:spPr/>
+        <p:txBody>
+          <a:bodyPr/>
+          <a:lstStyle/>
+          <a:p>
+            <a:endParaRPr lang="de-CH" dirty="0"/>
+          </a:p>
+        </p:txBody>
+      </p:sp>
+      <p:sp>
+        <p:nvSpPr>
+          <p:cNvPr id="4" name="Slide Number Placeholder 3"/>
+          <p:cNvSpPr>
+            <a:spLocks noGrp="1"/>
+          </p:cNvSpPr>
+          <p:nvPr>
+            <p:ph type="sldNum" sz="quarter" idx="10"/>
+          </p:nvPr>
+        </p:nvSpPr>
+        <p:spPr/>
+        <p:txBody>
+          <a:bodyPr/>
+          <a:lstStyle/>
+          <a:p>
+            <a:fld id="{9BCA07FD-5BD5-4529-84B0-48DD2C561176}" type="slidenum">
+              <a:rPr lang="de-CH" smtClean="0"/>
+              <a:t>35</a:t>
+            </a:fld>
+            <a:endParaRPr lang="de-CH"/>
+          </a:p>
+        </p:txBody>
+      </p:sp>
+    </p:spTree>
+    <p:extLst>
+      <p:ext uri="{BB962C8B-B14F-4D97-AF65-F5344CB8AC3E}">
+        <p14:creationId xmlns:p14="http://schemas.microsoft.com/office/powerpoint/2010/main" val="88145516"/>
+      </p:ext>
+    </p:extLst>
+  </p:cSld>
+  <p:clrMapOvr>
+    <a:masterClrMapping/>
+  </p:clrMapOvr>
+</p:notes>
+</file>
+
+<file path=ppt/notesSlides/notesSlide36.xml><?xml version="1.0" encoding="utf-8"?>
+<p:notes xmlns:a="http://schemas.openxmlformats.org/drawingml/2006/main" xmlns:r="http://schemas.openxmlformats.org/officeDocument/2006/relationships" xmlns:p="http://schemas.openxmlformats.org/presentationml/2006/main">
+  <p:cSld>
+    <p:spTree>
+      <p:nvGrpSpPr>
+        <p:cNvPr id="1" name=""/>
+        <p:cNvGrpSpPr/>
+        <p:nvPr/>
+      </p:nvGrpSpPr>
+      <p:grpSpPr>
+        <a:xfrm>
+          <a:off x="0" y="0"/>
+          <a:ext cx="0" cy="0"/>
+          <a:chOff x="0" y="0"/>
+          <a:chExt cx="0" cy="0"/>
+        </a:xfrm>
+      </p:grpSpPr>
+      <p:sp>
+        <p:nvSpPr>
+          <p:cNvPr id="2" name="Slide Image Placeholder 1"/>
+          <p:cNvSpPr>
+            <a:spLocks noGrp="1" noRot="1" noChangeAspect="1"/>
+          </p:cNvSpPr>
+          <p:nvPr>
+            <p:ph type="sldImg"/>
+          </p:nvPr>
+        </p:nvSpPr>
+        <p:spPr/>
+      </p:sp>
+      <p:sp>
+        <p:nvSpPr>
+          <p:cNvPr id="3" name="Notes Placeholder 2"/>
+          <p:cNvSpPr>
+            <a:spLocks noGrp="1"/>
+          </p:cNvSpPr>
+          <p:nvPr>
+            <p:ph type="body" idx="1"/>
+          </p:nvPr>
+        </p:nvSpPr>
+        <p:spPr/>
+        <p:txBody>
+          <a:bodyPr/>
+          <a:lstStyle/>
+          <a:p>
+            <a:r>
+              <a:rPr lang="de-CH" dirty="0"/>
+              <a:t>Thank you very much</a:t>
+            </a:r>
+            <a:r>
+              <a:rPr lang="de-CH" baseline="0" dirty="0"/>
+              <a:t> for listening and see you next time</a:t>
+            </a:r>
+            <a:endParaRPr lang="de-CH" dirty="0"/>
+          </a:p>
+        </p:txBody>
+      </p:sp>
+      <p:sp>
+        <p:nvSpPr>
+          <p:cNvPr id="4" name="Slide Number Placeholder 3"/>
+          <p:cNvSpPr>
+            <a:spLocks noGrp="1"/>
+          </p:cNvSpPr>
+          <p:nvPr>
+            <p:ph type="sldNum" sz="quarter" idx="10"/>
+          </p:nvPr>
+        </p:nvSpPr>
+        <p:spPr/>
+        <p:txBody>
+          <a:bodyPr/>
+          <a:lstStyle/>
+          <a:p>
+            <a:fld id="{9BCA07FD-5BD5-4529-84B0-48DD2C561176}" type="slidenum">
+              <a:rPr lang="de-CH" smtClean="0"/>
+              <a:t>36</a:t>
             </a:fld>
             <a:endParaRPr lang="de-CH"/>
           </a:p>
@@ -4988,7 +5609,7 @@
           <a:p>
             <a:fld id="{A2EAEABE-1D59-4413-813E-803E21872067}" type="datetimeFigureOut">
               <a:rPr lang="de-CH" smtClean="0"/>
-              <a:t>06.06.2019</a:t>
+              <a:t>11.06.2019</a:t>
             </a:fld>
             <a:endParaRPr lang="de-CH"/>
           </a:p>
@@ -5030,7 +5651,7 @@
           <a:p>
             <a:fld id="{213CF880-6CB5-48AB-8FAF-28C50F70DB25}" type="slidenum">
               <a:rPr lang="de-CH" smtClean="0"/>
-              <a:t>‹Nr.›</a:t>
+              <a:t>‹#›</a:t>
             </a:fld>
             <a:endParaRPr lang="de-CH"/>
           </a:p>
@@ -5158,7 +5779,7 @@
           <a:p>
             <a:fld id="{A2EAEABE-1D59-4413-813E-803E21872067}" type="datetimeFigureOut">
               <a:rPr lang="de-CH" smtClean="0"/>
-              <a:t>06.06.2019</a:t>
+              <a:t>11.06.2019</a:t>
             </a:fld>
             <a:endParaRPr lang="de-CH"/>
           </a:p>
@@ -5200,7 +5821,7 @@
           <a:p>
             <a:fld id="{213CF880-6CB5-48AB-8FAF-28C50F70DB25}" type="slidenum">
               <a:rPr lang="de-CH" smtClean="0"/>
-              <a:t>‹Nr.›</a:t>
+              <a:t>‹#›</a:t>
             </a:fld>
             <a:endParaRPr lang="de-CH"/>
           </a:p>
@@ -5338,7 +5959,7 @@
           <a:p>
             <a:fld id="{A2EAEABE-1D59-4413-813E-803E21872067}" type="datetimeFigureOut">
               <a:rPr lang="de-CH" smtClean="0"/>
-              <a:t>06.06.2019</a:t>
+              <a:t>11.06.2019</a:t>
             </a:fld>
             <a:endParaRPr lang="de-CH"/>
           </a:p>
@@ -5380,7 +6001,7 @@
           <a:p>
             <a:fld id="{213CF880-6CB5-48AB-8FAF-28C50F70DB25}" type="slidenum">
               <a:rPr lang="de-CH" smtClean="0"/>
-              <a:t>‹Nr.›</a:t>
+              <a:t>‹#›</a:t>
             </a:fld>
             <a:endParaRPr lang="de-CH"/>
           </a:p>
@@ -5507,7 +6128,7 @@
           <a:p>
             <a:fld id="{A2EAEABE-1D59-4413-813E-803E21872067}" type="datetimeFigureOut">
               <a:rPr lang="de-CH" smtClean="0"/>
-              <a:t>06.06.2019</a:t>
+              <a:t>11.06.2019</a:t>
             </a:fld>
             <a:endParaRPr lang="de-CH"/>
           </a:p>
@@ -5549,7 +6170,7 @@
           <a:p>
             <a:fld id="{213CF880-6CB5-48AB-8FAF-28C50F70DB25}" type="slidenum">
               <a:rPr lang="de-CH" smtClean="0"/>
-              <a:t>‹Nr.›</a:t>
+              <a:t>‹#›</a:t>
             </a:fld>
             <a:endParaRPr lang="de-CH"/>
           </a:p>
@@ -5753,7 +6374,7 @@
           <a:p>
             <a:fld id="{A2EAEABE-1D59-4413-813E-803E21872067}" type="datetimeFigureOut">
               <a:rPr lang="de-CH" smtClean="0"/>
-              <a:t>06.06.2019</a:t>
+              <a:t>11.06.2019</a:t>
             </a:fld>
             <a:endParaRPr lang="de-CH"/>
           </a:p>
@@ -5795,7 +6416,7 @@
           <a:p>
             <a:fld id="{213CF880-6CB5-48AB-8FAF-28C50F70DB25}" type="slidenum">
               <a:rPr lang="de-CH" smtClean="0"/>
-              <a:t>‹Nr.›</a:t>
+              <a:t>‹#›</a:t>
             </a:fld>
             <a:endParaRPr lang="de-CH"/>
           </a:p>
@@ -5985,7 +6606,7 @@
           <a:p>
             <a:fld id="{A2EAEABE-1D59-4413-813E-803E21872067}" type="datetimeFigureOut">
               <a:rPr lang="de-CH" smtClean="0"/>
-              <a:t>06.06.2019</a:t>
+              <a:t>11.06.2019</a:t>
             </a:fld>
             <a:endParaRPr lang="de-CH"/>
           </a:p>
@@ -6027,7 +6648,7 @@
           <a:p>
             <a:fld id="{213CF880-6CB5-48AB-8FAF-28C50F70DB25}" type="slidenum">
               <a:rPr lang="de-CH" smtClean="0"/>
-              <a:t>‹Nr.›</a:t>
+              <a:t>‹#›</a:t>
             </a:fld>
             <a:endParaRPr lang="de-CH"/>
           </a:p>
@@ -6352,7 +6973,7 @@
           <a:p>
             <a:fld id="{A2EAEABE-1D59-4413-813E-803E21872067}" type="datetimeFigureOut">
               <a:rPr lang="de-CH" smtClean="0"/>
-              <a:t>06.06.2019</a:t>
+              <a:t>11.06.2019</a:t>
             </a:fld>
             <a:endParaRPr lang="de-CH"/>
           </a:p>
@@ -6394,7 +7015,7 @@
           <a:p>
             <a:fld id="{213CF880-6CB5-48AB-8FAF-28C50F70DB25}" type="slidenum">
               <a:rPr lang="de-CH" smtClean="0"/>
-              <a:t>‹Nr.›</a:t>
+              <a:t>‹#›</a:t>
             </a:fld>
             <a:endParaRPr lang="de-CH"/>
           </a:p>
@@ -6470,7 +7091,7 @@
           <a:p>
             <a:fld id="{A2EAEABE-1D59-4413-813E-803E21872067}" type="datetimeFigureOut">
               <a:rPr lang="de-CH" smtClean="0"/>
-              <a:t>06.06.2019</a:t>
+              <a:t>11.06.2019</a:t>
             </a:fld>
             <a:endParaRPr lang="de-CH"/>
           </a:p>
@@ -6512,7 +7133,7 @@
           <a:p>
             <a:fld id="{213CF880-6CB5-48AB-8FAF-28C50F70DB25}" type="slidenum">
               <a:rPr lang="de-CH" smtClean="0"/>
-              <a:t>‹Nr.›</a:t>
+              <a:t>‹#›</a:t>
             </a:fld>
             <a:endParaRPr lang="de-CH"/>
           </a:p>
@@ -6565,7 +7186,7 @@
           <a:p>
             <a:fld id="{A2EAEABE-1D59-4413-813E-803E21872067}" type="datetimeFigureOut">
               <a:rPr lang="de-CH" smtClean="0"/>
-              <a:t>06.06.2019</a:t>
+              <a:t>11.06.2019</a:t>
             </a:fld>
             <a:endParaRPr lang="de-CH"/>
           </a:p>
@@ -6607,7 +7228,7 @@
           <a:p>
             <a:fld id="{213CF880-6CB5-48AB-8FAF-28C50F70DB25}" type="slidenum">
               <a:rPr lang="de-CH" smtClean="0"/>
-              <a:t>‹Nr.›</a:t>
+              <a:t>‹#›</a:t>
             </a:fld>
             <a:endParaRPr lang="de-CH"/>
           </a:p>
@@ -6842,7 +7463,7 @@
           <a:p>
             <a:fld id="{A2EAEABE-1D59-4413-813E-803E21872067}" type="datetimeFigureOut">
               <a:rPr lang="de-CH" smtClean="0"/>
-              <a:t>06.06.2019</a:t>
+              <a:t>11.06.2019</a:t>
             </a:fld>
             <a:endParaRPr lang="de-CH"/>
           </a:p>
@@ -6884,7 +7505,7 @@
           <a:p>
             <a:fld id="{213CF880-6CB5-48AB-8FAF-28C50F70DB25}" type="slidenum">
               <a:rPr lang="de-CH" smtClean="0"/>
-              <a:t>‹Nr.›</a:t>
+              <a:t>‹#›</a:t>
             </a:fld>
             <a:endParaRPr lang="de-CH"/>
           </a:p>
@@ -7099,7 +7720,7 @@
           <a:p>
             <a:fld id="{A2EAEABE-1D59-4413-813E-803E21872067}" type="datetimeFigureOut">
               <a:rPr lang="de-CH" smtClean="0"/>
-              <a:t>06.06.2019</a:t>
+              <a:t>11.06.2019</a:t>
             </a:fld>
             <a:endParaRPr lang="de-CH"/>
           </a:p>
@@ -7141,7 +7762,7 @@
           <a:p>
             <a:fld id="{213CF880-6CB5-48AB-8FAF-28C50F70DB25}" type="slidenum">
               <a:rPr lang="de-CH" smtClean="0"/>
-              <a:t>‹Nr.›</a:t>
+              <a:t>‹#›</a:t>
             </a:fld>
             <a:endParaRPr lang="de-CH"/>
           </a:p>
@@ -7310,7 +7931,7 @@
           <a:p>
             <a:fld id="{A2EAEABE-1D59-4413-813E-803E21872067}" type="datetimeFigureOut">
               <a:rPr lang="de-CH" smtClean="0"/>
-              <a:t>06.06.2019</a:t>
+              <a:t>11.06.2019</a:t>
             </a:fld>
             <a:endParaRPr lang="de-CH"/>
           </a:p>
@@ -7388,7 +8009,7 @@
           <a:p>
             <a:fld id="{213CF880-6CB5-48AB-8FAF-28C50F70DB25}" type="slidenum">
               <a:rPr lang="de-CH" smtClean="0"/>
-              <a:t>‹Nr.›</a:t>
+              <a:t>‹#›</a:t>
             </a:fld>
             <a:endParaRPr lang="de-CH"/>
           </a:p>
@@ -13047,74 +13668,795 @@
           <a:chExt cx="0" cy="0"/>
         </a:xfrm>
       </p:grpSpPr>
-      <p:sp>
-        <p:nvSpPr>
-          <p:cNvPr id="2" name="Rectangle 1"/>
+      <p:grpSp>
+        <p:nvGrpSpPr>
+          <p:cNvPr id="7" name="Group 6">
+            <a:extLst>
+              <a:ext uri="{FF2B5EF4-FFF2-40B4-BE49-F238E27FC236}">
+                <a16:creationId xmlns:a16="http://schemas.microsoft.com/office/drawing/2014/main" id="{E5D8DB6D-D173-4643-84E6-C5866FBC79A1}"/>
+              </a:ext>
+            </a:extLst>
+          </p:cNvPr>
+          <p:cNvGrpSpPr/>
+          <p:nvPr/>
+        </p:nvGrpSpPr>
+        <p:grpSpPr>
+          <a:xfrm>
+            <a:off x="2967924" y="321590"/>
+            <a:ext cx="6256152" cy="3799488"/>
+            <a:chOff x="2967924" y="1007390"/>
+            <a:chExt cx="6256152" cy="3799488"/>
+          </a:xfrm>
+        </p:grpSpPr>
+        <p:sp>
+          <p:nvSpPr>
+            <p:cNvPr id="2" name="Zylinder 1">
+              <a:extLst>
+                <a:ext uri="{FF2B5EF4-FFF2-40B4-BE49-F238E27FC236}">
+                  <a16:creationId xmlns:a16="http://schemas.microsoft.com/office/drawing/2014/main" id="{2B8D9B60-7A52-4211-A28F-CF4285C6E422}"/>
+                </a:ext>
+              </a:extLst>
+            </p:cNvPr>
+            <p:cNvSpPr/>
+            <p:nvPr/>
+          </p:nvSpPr>
+          <p:spPr>
+            <a:xfrm>
+              <a:off x="2967924" y="3681080"/>
+              <a:ext cx="1549831" cy="1125798"/>
+            </a:xfrm>
+            <a:prstGeom prst="can">
+              <a:avLst/>
+            </a:prstGeom>
+            <a:noFill/>
+            <a:ln>
+              <a:solidFill>
+                <a:schemeClr val="tx2"/>
+              </a:solidFill>
+            </a:ln>
+          </p:spPr>
+          <p:style>
+            <a:lnRef idx="2">
+              <a:schemeClr val="accent1">
+                <a:shade val="50000"/>
+              </a:schemeClr>
+            </a:lnRef>
+            <a:fillRef idx="1">
+              <a:schemeClr val="accent1"/>
+            </a:fillRef>
+            <a:effectRef idx="0">
+              <a:schemeClr val="accent1"/>
+            </a:effectRef>
+            <a:fontRef idx="minor">
+              <a:schemeClr val="lt1"/>
+            </a:fontRef>
+          </p:style>
+          <p:txBody>
+            <a:bodyPr rtlCol="0" anchor="ctr"/>
+            <a:lstStyle/>
+            <a:p>
+              <a:pPr algn="ctr"/>
+              <a:r>
+                <a:rPr lang="en-US" sz="2400" dirty="0">
+                  <a:solidFill>
+                    <a:schemeClr val="tx2"/>
+                  </a:solidFill>
+                  <a:latin typeface="Yanone Kaffeesatz Regular" panose="02000000000000000000" pitchFamily="2" charset="0"/>
+                </a:rPr>
+                <a:t>Subscription1</a:t>
+              </a:r>
+              <a:endParaRPr lang="de-CH" sz="2400" dirty="0">
+                <a:solidFill>
+                  <a:schemeClr val="tx2"/>
+                </a:solidFill>
+                <a:latin typeface="Yanone Kaffeesatz Regular" panose="02000000000000000000" pitchFamily="2" charset="0"/>
+              </a:endParaRPr>
+            </a:p>
+          </p:txBody>
+        </p:sp>
+        <p:sp>
+          <p:nvSpPr>
+            <p:cNvPr id="3" name="Flussdiagramm: Vordefinierter Prozess 2">
+              <a:extLst>
+                <a:ext uri="{FF2B5EF4-FFF2-40B4-BE49-F238E27FC236}">
+                  <a16:creationId xmlns:a16="http://schemas.microsoft.com/office/drawing/2014/main" id="{01C9883A-6E91-41CD-B78F-A6AC7A8F6490}"/>
+                </a:ext>
+              </a:extLst>
+            </p:cNvPr>
+            <p:cNvSpPr/>
+            <p:nvPr/>
+          </p:nvSpPr>
+          <p:spPr>
+            <a:xfrm>
+              <a:off x="5518687" y="1007390"/>
+              <a:ext cx="1588577" cy="922614"/>
+            </a:xfrm>
+            <a:prstGeom prst="flowChartPredefinedProcess">
+              <a:avLst/>
+            </a:prstGeom>
+            <a:solidFill>
+              <a:schemeClr val="tx2"/>
+            </a:solidFill>
+            <a:ln>
+              <a:solidFill>
+                <a:schemeClr val="bg1"/>
+              </a:solidFill>
+            </a:ln>
+          </p:spPr>
+          <p:style>
+            <a:lnRef idx="2">
+              <a:schemeClr val="accent1">
+                <a:shade val="50000"/>
+              </a:schemeClr>
+            </a:lnRef>
+            <a:fillRef idx="1">
+              <a:schemeClr val="accent1"/>
+            </a:fillRef>
+            <a:effectRef idx="0">
+              <a:schemeClr val="accent1"/>
+            </a:effectRef>
+            <a:fontRef idx="minor">
+              <a:schemeClr val="lt1"/>
+            </a:fontRef>
+          </p:style>
+          <p:txBody>
+            <a:bodyPr rtlCol="0" anchor="ctr"/>
+            <a:lstStyle/>
+            <a:p>
+              <a:pPr algn="ctr"/>
+              <a:r>
+                <a:rPr lang="en-US" sz="2800" dirty="0">
+                  <a:latin typeface="Yanone Kaffeesatz Regular" panose="02000000000000000000" pitchFamily="2" charset="0"/>
+                </a:rPr>
+                <a:t>topic</a:t>
+              </a:r>
+              <a:endParaRPr lang="de-CH" dirty="0">
+                <a:latin typeface="Yanone Kaffeesatz Regular" panose="02000000000000000000" pitchFamily="2" charset="0"/>
+              </a:endParaRPr>
+            </a:p>
+          </p:txBody>
+        </p:sp>
+        <p:sp>
+          <p:nvSpPr>
+            <p:cNvPr id="4" name="Zylinder 3">
+              <a:extLst>
+                <a:ext uri="{FF2B5EF4-FFF2-40B4-BE49-F238E27FC236}">
+                  <a16:creationId xmlns:a16="http://schemas.microsoft.com/office/drawing/2014/main" id="{9BB09DAB-7323-45A8-BB86-B6DEB5D0F338}"/>
+                </a:ext>
+              </a:extLst>
+            </p:cNvPr>
+            <p:cNvSpPr/>
+            <p:nvPr/>
+          </p:nvSpPr>
+          <p:spPr>
+            <a:xfrm>
+              <a:off x="7674245" y="3681080"/>
+              <a:ext cx="1549831" cy="1125797"/>
+            </a:xfrm>
+            <a:prstGeom prst="can">
+              <a:avLst/>
+            </a:prstGeom>
+            <a:noFill/>
+            <a:ln>
+              <a:solidFill>
+                <a:schemeClr val="tx2"/>
+              </a:solidFill>
+            </a:ln>
+          </p:spPr>
+          <p:style>
+            <a:lnRef idx="2">
+              <a:schemeClr val="accent1">
+                <a:shade val="50000"/>
+              </a:schemeClr>
+            </a:lnRef>
+            <a:fillRef idx="1">
+              <a:schemeClr val="accent1"/>
+            </a:fillRef>
+            <a:effectRef idx="0">
+              <a:schemeClr val="accent1"/>
+            </a:effectRef>
+            <a:fontRef idx="minor">
+              <a:schemeClr val="lt1"/>
+            </a:fontRef>
+          </p:style>
+          <p:txBody>
+            <a:bodyPr rot="0" spcFirstLastPara="0" vertOverflow="overflow" horzOverflow="overflow" vert="horz" wrap="square" lIns="91440" tIns="45720" rIns="91440" bIns="45720" numCol="1" spcCol="0" rtlCol="0" fromWordArt="0" anchor="ctr" anchorCtr="0" forceAA="0" compatLnSpc="1">
+              <a:prstTxWarp prst="textNoShape">
+                <a:avLst/>
+              </a:prstTxWarp>
+              <a:noAutofit/>
+            </a:bodyPr>
+            <a:lstStyle/>
+            <a:p>
+              <a:pPr algn="ctr"/>
+              <a:r>
+                <a:rPr lang="en-US" sz="2400" dirty="0">
+                  <a:solidFill>
+                    <a:schemeClr val="tx2"/>
+                  </a:solidFill>
+                  <a:latin typeface="Yanone Kaffeesatz Regular" panose="02000000000000000000" pitchFamily="2" charset="0"/>
+                </a:rPr>
+                <a:t>Subscription2</a:t>
+              </a:r>
+              <a:endParaRPr lang="de-CH" dirty="0">
+                <a:solidFill>
+                  <a:schemeClr val="tx2"/>
+                </a:solidFill>
+                <a:latin typeface="Yanone Kaffeesatz Regular" panose="02000000000000000000" pitchFamily="2" charset="0"/>
+              </a:endParaRPr>
+            </a:p>
+          </p:txBody>
+        </p:sp>
+        <p:sp>
+          <p:nvSpPr>
+            <p:cNvPr id="5" name="Scrollen: horizontal 4">
+              <a:extLst>
+                <a:ext uri="{FF2B5EF4-FFF2-40B4-BE49-F238E27FC236}">
+                  <a16:creationId xmlns:a16="http://schemas.microsoft.com/office/drawing/2014/main" id="{1FC0E047-E0B4-4CF9-9059-5FEBD534C07A}"/>
+                </a:ext>
+              </a:extLst>
+            </p:cNvPr>
+            <p:cNvSpPr/>
+            <p:nvPr/>
+          </p:nvSpPr>
+          <p:spPr>
+            <a:xfrm>
+              <a:off x="4096718" y="2445013"/>
+              <a:ext cx="1143000" cy="1033272"/>
+            </a:xfrm>
+            <a:prstGeom prst="horizontalScroll">
+              <a:avLst/>
+            </a:prstGeom>
+            <a:solidFill>
+              <a:schemeClr val="tx2"/>
+            </a:solidFill>
+            <a:ln>
+              <a:solidFill>
+                <a:schemeClr val="bg1"/>
+              </a:solidFill>
+            </a:ln>
+          </p:spPr>
+          <p:style>
+            <a:lnRef idx="2">
+              <a:schemeClr val="accent1">
+                <a:shade val="50000"/>
+              </a:schemeClr>
+            </a:lnRef>
+            <a:fillRef idx="1">
+              <a:schemeClr val="accent1"/>
+            </a:fillRef>
+            <a:effectRef idx="0">
+              <a:schemeClr val="accent1"/>
+            </a:effectRef>
+            <a:fontRef idx="minor">
+              <a:schemeClr val="lt1"/>
+            </a:fontRef>
+          </p:style>
+          <p:txBody>
+            <a:bodyPr rtlCol="0" anchor="ctr"/>
+            <a:lstStyle/>
+            <a:p>
+              <a:pPr algn="ctr"/>
+              <a:r>
+                <a:rPr lang="en-US" sz="2800" dirty="0">
+                  <a:latin typeface="Yanone Kaffeesatz Regular" panose="02000000000000000000" pitchFamily="2" charset="0"/>
+                </a:rPr>
+                <a:t>Rule</a:t>
+              </a:r>
+              <a:endParaRPr lang="de-CH" sz="2800" dirty="0">
+                <a:latin typeface="Yanone Kaffeesatz Regular" panose="02000000000000000000" pitchFamily="2" charset="0"/>
+              </a:endParaRPr>
+            </a:p>
+          </p:txBody>
+        </p:sp>
+        <p:sp>
+          <p:nvSpPr>
+            <p:cNvPr id="6" name="Scrollen: horizontal 5">
+              <a:extLst>
+                <a:ext uri="{FF2B5EF4-FFF2-40B4-BE49-F238E27FC236}">
+                  <a16:creationId xmlns:a16="http://schemas.microsoft.com/office/drawing/2014/main" id="{ECEC3221-08E4-4007-81FB-02B27FC1EA49}"/>
+                </a:ext>
+              </a:extLst>
+            </p:cNvPr>
+            <p:cNvSpPr/>
+            <p:nvPr/>
+          </p:nvSpPr>
+          <p:spPr>
+            <a:xfrm>
+              <a:off x="7317783" y="2389452"/>
+              <a:ext cx="1143000" cy="1033272"/>
+            </a:xfrm>
+            <a:prstGeom prst="horizontalScroll">
+              <a:avLst/>
+            </a:prstGeom>
+            <a:solidFill>
+              <a:schemeClr val="tx2"/>
+            </a:solidFill>
+            <a:ln>
+              <a:solidFill>
+                <a:schemeClr val="bg1"/>
+              </a:solidFill>
+            </a:ln>
+          </p:spPr>
+          <p:style>
+            <a:lnRef idx="2">
+              <a:schemeClr val="accent1">
+                <a:shade val="50000"/>
+              </a:schemeClr>
+            </a:lnRef>
+            <a:fillRef idx="1">
+              <a:schemeClr val="accent1"/>
+            </a:fillRef>
+            <a:effectRef idx="0">
+              <a:schemeClr val="accent1"/>
+            </a:effectRef>
+            <a:fontRef idx="minor">
+              <a:schemeClr val="lt1"/>
+            </a:fontRef>
+          </p:style>
+          <p:txBody>
+            <a:bodyPr rtlCol="0" anchor="ctr"/>
+            <a:lstStyle/>
+            <a:p>
+              <a:pPr algn="ctr"/>
+              <a:r>
+                <a:rPr lang="en-US" sz="2800" dirty="0">
+                  <a:latin typeface="Yanone Kaffeesatz Regular" panose="02000000000000000000" pitchFamily="2" charset="0"/>
+                </a:rPr>
+                <a:t>Rule</a:t>
+              </a:r>
+              <a:endParaRPr lang="de-CH" dirty="0">
+                <a:latin typeface="Yanone Kaffeesatz Regular" panose="02000000000000000000" pitchFamily="2" charset="0"/>
+              </a:endParaRPr>
+            </a:p>
+          </p:txBody>
+        </p:sp>
+        <p:cxnSp>
+          <p:nvCxnSpPr>
+            <p:cNvPr id="12" name="Gerade Verbindung mit Pfeil 11">
+              <a:extLst>
+                <a:ext uri="{FF2B5EF4-FFF2-40B4-BE49-F238E27FC236}">
+                  <a16:creationId xmlns:a16="http://schemas.microsoft.com/office/drawing/2014/main" id="{1F6047CD-AB6B-4B67-BF49-DE0BEAB67997}"/>
+                </a:ext>
+              </a:extLst>
+            </p:cNvPr>
+            <p:cNvCxnSpPr>
+              <a:cxnSpLocks/>
+              <a:stCxn id="3" idx="2"/>
+              <a:endCxn id="5" idx="0"/>
+            </p:cNvCxnSpPr>
+            <p:nvPr/>
+          </p:nvCxnSpPr>
+          <p:spPr>
+            <a:xfrm flipH="1">
+              <a:off x="4668218" y="1930004"/>
+              <a:ext cx="1644758" cy="644168"/>
+            </a:xfrm>
+            <a:prstGeom prst="straightConnector1">
+              <a:avLst/>
+            </a:prstGeom>
+            <a:ln w="28575">
+              <a:solidFill>
+                <a:schemeClr val="accent3"/>
+              </a:solidFill>
+              <a:tailEnd type="triangle"/>
+            </a:ln>
+          </p:spPr>
+          <p:style>
+            <a:lnRef idx="1">
+              <a:schemeClr val="accent1"/>
+            </a:lnRef>
+            <a:fillRef idx="0">
+              <a:schemeClr val="accent1"/>
+            </a:fillRef>
+            <a:effectRef idx="0">
+              <a:schemeClr val="accent1"/>
+            </a:effectRef>
+            <a:fontRef idx="minor">
+              <a:schemeClr val="tx1"/>
+            </a:fontRef>
+          </p:style>
+        </p:cxnSp>
+        <p:cxnSp>
+          <p:nvCxnSpPr>
+            <p:cNvPr id="15" name="Gerade Verbindung mit Pfeil 14">
+              <a:extLst>
+                <a:ext uri="{FF2B5EF4-FFF2-40B4-BE49-F238E27FC236}">
+                  <a16:creationId xmlns:a16="http://schemas.microsoft.com/office/drawing/2014/main" id="{E6396486-CD7B-4836-958C-988A5BA63D5A}"/>
+                </a:ext>
+              </a:extLst>
+            </p:cNvPr>
+            <p:cNvCxnSpPr>
+              <a:cxnSpLocks/>
+              <a:stCxn id="3" idx="2"/>
+              <a:endCxn id="6" idx="0"/>
+            </p:cNvCxnSpPr>
+            <p:nvPr/>
+          </p:nvCxnSpPr>
+          <p:spPr>
+            <a:xfrm>
+              <a:off x="6312976" y="1930004"/>
+              <a:ext cx="1576307" cy="588607"/>
+            </a:xfrm>
+            <a:prstGeom prst="straightConnector1">
+              <a:avLst/>
+            </a:prstGeom>
+            <a:ln w="28575">
+              <a:solidFill>
+                <a:schemeClr val="accent3"/>
+              </a:solidFill>
+              <a:tailEnd type="triangle"/>
+            </a:ln>
+          </p:spPr>
+          <p:style>
+            <a:lnRef idx="1">
+              <a:schemeClr val="accent1"/>
+            </a:lnRef>
+            <a:fillRef idx="0">
+              <a:schemeClr val="accent1"/>
+            </a:fillRef>
+            <a:effectRef idx="0">
+              <a:schemeClr val="accent1"/>
+            </a:effectRef>
+            <a:fontRef idx="minor">
+              <a:schemeClr val="tx1"/>
+            </a:fontRef>
+          </p:style>
+        </p:cxnSp>
+        <p:cxnSp>
+          <p:nvCxnSpPr>
+            <p:cNvPr id="18" name="Gerade Verbindung mit Pfeil 17">
+              <a:extLst>
+                <a:ext uri="{FF2B5EF4-FFF2-40B4-BE49-F238E27FC236}">
+                  <a16:creationId xmlns:a16="http://schemas.microsoft.com/office/drawing/2014/main" id="{06F243AB-65AD-4B89-86F3-79B093BE8388}"/>
+                </a:ext>
+              </a:extLst>
+            </p:cNvPr>
+            <p:cNvCxnSpPr>
+              <a:cxnSpLocks/>
+              <a:stCxn id="6" idx="2"/>
+              <a:endCxn id="4" idx="1"/>
+            </p:cNvCxnSpPr>
+            <p:nvPr/>
+          </p:nvCxnSpPr>
+          <p:spPr>
+            <a:xfrm>
+              <a:off x="7889283" y="3293565"/>
+              <a:ext cx="559878" cy="387515"/>
+            </a:xfrm>
+            <a:prstGeom prst="straightConnector1">
+              <a:avLst/>
+            </a:prstGeom>
+            <a:ln w="28575">
+              <a:solidFill>
+                <a:schemeClr val="accent3"/>
+              </a:solidFill>
+              <a:tailEnd type="triangle"/>
+            </a:ln>
+          </p:spPr>
+          <p:style>
+            <a:lnRef idx="1">
+              <a:schemeClr val="accent1"/>
+            </a:lnRef>
+            <a:fillRef idx="0">
+              <a:schemeClr val="accent1"/>
+            </a:fillRef>
+            <a:effectRef idx="0">
+              <a:schemeClr val="accent1"/>
+            </a:effectRef>
+            <a:fontRef idx="minor">
+              <a:schemeClr val="tx1"/>
+            </a:fontRef>
+          </p:style>
+        </p:cxnSp>
+        <p:cxnSp>
+          <p:nvCxnSpPr>
+            <p:cNvPr id="21" name="Gerade Verbindung mit Pfeil 20">
+              <a:extLst>
+                <a:ext uri="{FF2B5EF4-FFF2-40B4-BE49-F238E27FC236}">
+                  <a16:creationId xmlns:a16="http://schemas.microsoft.com/office/drawing/2014/main" id="{AED007E7-C802-4740-BECB-7E4DE84CEC34}"/>
+                </a:ext>
+              </a:extLst>
+            </p:cNvPr>
+            <p:cNvCxnSpPr>
+              <a:cxnSpLocks/>
+              <a:stCxn id="5" idx="2"/>
+              <a:endCxn id="2" idx="1"/>
+            </p:cNvCxnSpPr>
+            <p:nvPr/>
+          </p:nvCxnSpPr>
+          <p:spPr>
+            <a:xfrm flipH="1">
+              <a:off x="3742840" y="3349126"/>
+              <a:ext cx="925378" cy="331954"/>
+            </a:xfrm>
+            <a:prstGeom prst="straightConnector1">
+              <a:avLst/>
+            </a:prstGeom>
+            <a:ln w="28575">
+              <a:solidFill>
+                <a:schemeClr val="accent3"/>
+              </a:solidFill>
+              <a:tailEnd type="triangle"/>
+            </a:ln>
+          </p:spPr>
+          <p:style>
+            <a:lnRef idx="1">
+              <a:schemeClr val="accent1"/>
+            </a:lnRef>
+            <a:fillRef idx="0">
+              <a:schemeClr val="accent1"/>
+            </a:fillRef>
+            <a:effectRef idx="0">
+              <a:schemeClr val="accent1"/>
+            </a:effectRef>
+            <a:fontRef idx="minor">
+              <a:schemeClr val="tx1"/>
+            </a:fontRef>
+          </p:style>
+        </p:cxnSp>
+      </p:grpSp>
+      <p:sp>
+        <p:nvSpPr>
+          <p:cNvPr id="30" name="Zylinder 3">
+            <a:extLst>
+              <a:ext uri="{FF2B5EF4-FFF2-40B4-BE49-F238E27FC236}">
+                <a16:creationId xmlns:a16="http://schemas.microsoft.com/office/drawing/2014/main" id="{AC909EE9-8A54-4F63-BC1F-6F297E3B7209}"/>
+              </a:ext>
+            </a:extLst>
+          </p:cNvPr>
           <p:cNvSpPr/>
           <p:nvPr/>
         </p:nvSpPr>
         <p:spPr>
+          <a:xfrm rot="5400000">
+            <a:off x="5579363" y="4582174"/>
+            <a:ext cx="1033274" cy="2161310"/>
+          </a:xfrm>
+          <a:prstGeom prst="can">
+            <a:avLst/>
+          </a:prstGeom>
+          <a:solidFill>
+            <a:schemeClr val="accent4"/>
+          </a:solidFill>
+          <a:ln>
+            <a:solidFill>
+              <a:schemeClr val="bg1"/>
+            </a:solidFill>
+          </a:ln>
+        </p:spPr>
+        <p:style>
+          <a:lnRef idx="2">
+            <a:schemeClr val="accent1">
+              <a:shade val="50000"/>
+            </a:schemeClr>
+          </a:lnRef>
+          <a:fillRef idx="1">
+            <a:schemeClr val="accent1"/>
+          </a:fillRef>
+          <a:effectRef idx="0">
+            <a:schemeClr val="accent1"/>
+          </a:effectRef>
+          <a:fontRef idx="minor">
+            <a:schemeClr val="lt1"/>
+          </a:fontRef>
+        </p:style>
+        <p:txBody>
+          <a:bodyPr rot="0" spcFirstLastPara="0" vertOverflow="overflow" horzOverflow="overflow" vert="vert270" wrap="square" lIns="91440" tIns="45720" rIns="91440" bIns="45720" numCol="1" spcCol="0" rtlCol="0" fromWordArt="0" anchor="ctr" anchorCtr="0" forceAA="0" compatLnSpc="1">
+            <a:prstTxWarp prst="textNoShape">
+              <a:avLst/>
+            </a:prstTxWarp>
+            <a:noAutofit/>
+          </a:bodyPr>
+          <a:lstStyle/>
+          <a:p>
+            <a:pPr algn="ctr"/>
+            <a:r>
+              <a:rPr lang="en-US" sz="3600" dirty="0">
+                <a:solidFill>
+                  <a:schemeClr val="bg1"/>
+                </a:solidFill>
+                <a:latin typeface="Yanone Kaffeesatz Regular" panose="02000000000000000000" pitchFamily="2" charset="0"/>
+              </a:rPr>
+              <a:t>Queue</a:t>
+            </a:r>
+            <a:endParaRPr lang="de-CH" dirty="0">
+              <a:solidFill>
+                <a:schemeClr val="bg1"/>
+              </a:solidFill>
+              <a:latin typeface="Yanone Kaffeesatz Regular" panose="02000000000000000000" pitchFamily="2" charset="0"/>
+            </a:endParaRPr>
+          </a:p>
+        </p:txBody>
+      </p:sp>
+      <p:cxnSp>
+        <p:nvCxnSpPr>
+          <p:cNvPr id="45" name="Gerade Verbindung mit Pfeil 11">
+            <a:extLst>
+              <a:ext uri="{FF2B5EF4-FFF2-40B4-BE49-F238E27FC236}">
+                <a16:creationId xmlns:a16="http://schemas.microsoft.com/office/drawing/2014/main" id="{1CDB25BB-6DCF-40DD-91F6-7EC8A87DB449}"/>
+              </a:ext>
+            </a:extLst>
+          </p:cNvPr>
+          <p:cNvCxnSpPr>
+            <a:cxnSpLocks/>
+            <a:stCxn id="2" idx="3"/>
+            <a:endCxn id="30" idx="2"/>
+          </p:cNvCxnSpPr>
+          <p:nvPr/>
+        </p:nvCxnSpPr>
+        <p:spPr>
           <a:xfrm>
-            <a:off x="3176771" y="1851645"/>
-            <a:ext cx="5838458" cy="3154710"/>
+            <a:off x="3742840" y="4121078"/>
+            <a:ext cx="2353160" cy="1025114"/>
+          </a:xfrm>
+          <a:prstGeom prst="straightConnector1">
+            <a:avLst/>
+          </a:prstGeom>
+          <a:ln w="28575">
+            <a:solidFill>
+              <a:schemeClr val="accent3"/>
+            </a:solidFill>
+            <a:tailEnd type="triangle"/>
+          </a:ln>
+        </p:spPr>
+        <p:style>
+          <a:lnRef idx="1">
+            <a:schemeClr val="accent1"/>
+          </a:lnRef>
+          <a:fillRef idx="0">
+            <a:schemeClr val="accent1"/>
+          </a:fillRef>
+          <a:effectRef idx="0">
+            <a:schemeClr val="accent1"/>
+          </a:effectRef>
+          <a:fontRef idx="minor">
+            <a:schemeClr val="tx1"/>
+          </a:fontRef>
+        </p:style>
+      </p:cxnSp>
+      <p:cxnSp>
+        <p:nvCxnSpPr>
+          <p:cNvPr id="46" name="Gerade Verbindung mit Pfeil 11">
+            <a:extLst>
+              <a:ext uri="{FF2B5EF4-FFF2-40B4-BE49-F238E27FC236}">
+                <a16:creationId xmlns:a16="http://schemas.microsoft.com/office/drawing/2014/main" id="{6C8175FC-C195-4EA6-8CF5-D71F3EBD5D96}"/>
+              </a:ext>
+            </a:extLst>
+          </p:cNvPr>
+          <p:cNvCxnSpPr>
+            <a:cxnSpLocks/>
+            <a:stCxn id="4" idx="3"/>
+            <a:endCxn id="30" idx="2"/>
+          </p:cNvCxnSpPr>
+          <p:nvPr/>
+        </p:nvCxnSpPr>
+        <p:spPr>
+          <a:xfrm flipH="1">
+            <a:off x="6096000" y="4121077"/>
+            <a:ext cx="2353161" cy="1025115"/>
+          </a:xfrm>
+          <a:prstGeom prst="straightConnector1">
+            <a:avLst/>
+          </a:prstGeom>
+          <a:ln w="28575">
+            <a:solidFill>
+              <a:schemeClr val="accent3"/>
+            </a:solidFill>
+            <a:tailEnd type="triangle"/>
+          </a:ln>
+        </p:spPr>
+        <p:style>
+          <a:lnRef idx="1">
+            <a:schemeClr val="accent1"/>
+          </a:lnRef>
+          <a:fillRef idx="0">
+            <a:schemeClr val="accent1"/>
+          </a:fillRef>
+          <a:effectRef idx="0">
+            <a:schemeClr val="accent1"/>
+          </a:effectRef>
+          <a:fontRef idx="minor">
+            <a:schemeClr val="tx1"/>
+          </a:fontRef>
+        </p:style>
+      </p:cxnSp>
+      <p:sp>
+        <p:nvSpPr>
+          <p:cNvPr id="22" name="TextBox 21">
+            <a:extLst>
+              <a:ext uri="{FF2B5EF4-FFF2-40B4-BE49-F238E27FC236}">
+                <a16:creationId xmlns:a16="http://schemas.microsoft.com/office/drawing/2014/main" id="{58851875-671D-47F0-9F53-1B38CD839031}"/>
+              </a:ext>
+            </a:extLst>
+          </p:cNvPr>
+          <p:cNvSpPr txBox="1"/>
+          <p:nvPr/>
+        </p:nvSpPr>
+        <p:spPr>
+          <a:xfrm>
+            <a:off x="3106829" y="4453032"/>
+            <a:ext cx="1507144" cy="584775"/>
           </a:xfrm>
           <a:prstGeom prst="rect">
             <a:avLst/>
           </a:prstGeom>
+          <a:noFill/>
         </p:spPr>
         <p:txBody>
-          <a:bodyPr wrap="none">
+          <a:bodyPr wrap="none" rtlCol="0">
             <a:spAutoFit/>
           </a:bodyPr>
           <a:lstStyle/>
           <a:p>
             <a:r>
-              <a:rPr lang="en-US" sz="19900" dirty="0">
+              <a:rPr lang="en-US" sz="3200" dirty="0" err="1">
                 <a:solidFill>
-                  <a:schemeClr val="accent2"/>
+                  <a:schemeClr val="accent4"/>
                 </a:solidFill>
                 <a:latin typeface="Yanone Kaffeesatz Regular" panose="02000000000000000000" pitchFamily="2" charset="0"/>
               </a:rPr>
-              <a:t>Thanks</a:t>
-            </a:r>
-            <a:endParaRPr lang="de-CH" sz="2000" dirty="0"/>
+              <a:t>ForwardTo</a:t>
+            </a:r>
+            <a:endParaRPr lang="en-US" sz="3200" dirty="0">
+              <a:solidFill>
+                <a:schemeClr val="accent4"/>
+              </a:solidFill>
+              <a:latin typeface="Yanone Kaffeesatz Regular" panose="02000000000000000000" pitchFamily="2" charset="0"/>
+            </a:endParaRPr>
           </a:p>
         </p:txBody>
       </p:sp>
-      <p:pic>
-        <p:nvPicPr>
-          <p:cNvPr id="3" name="Picture 2"/>
-          <p:cNvPicPr>
-            <a:picLocks noChangeAspect="1"/>
-          </p:cNvPicPr>
-          <p:nvPr/>
-        </p:nvPicPr>
-        <p:blipFill>
-          <a:blip r:embed="rId3" cstate="print">
+      <p:sp>
+        <p:nvSpPr>
+          <p:cNvPr id="47" name="TextBox 46">
             <a:extLst>
-              <a:ext uri="{28A0092B-C50C-407E-A947-70E740481C1C}">
-                <a14:useLocalDpi xmlns:a14="http://schemas.microsoft.com/office/drawing/2010/main" val="0"/>
+              <a:ext uri="{FF2B5EF4-FFF2-40B4-BE49-F238E27FC236}">
+                <a16:creationId xmlns:a16="http://schemas.microsoft.com/office/drawing/2014/main" id="{FC50B62F-0E7C-47BE-8036-D54177A02525}"/>
               </a:ext>
             </a:extLst>
-          </a:blip>
-          <a:stretch>
-            <a:fillRect/>
-          </a:stretch>
-        </p:blipFill>
+          </p:cNvPr>
+          <p:cNvSpPr txBox="1"/>
+          <p:nvPr/>
+        </p:nvSpPr>
         <p:spPr>
           <a:xfrm>
-            <a:off x="8052306" y="612519"/>
-            <a:ext cx="2880000" cy="690817"/>
+            <a:off x="7884024" y="4341247"/>
+            <a:ext cx="1507144" cy="584775"/>
           </a:xfrm>
           <a:prstGeom prst="rect">
             <a:avLst/>
           </a:prstGeom>
+          <a:noFill/>
         </p:spPr>
-      </p:pic>
+        <p:txBody>
+          <a:bodyPr wrap="none" rtlCol="0">
+            <a:spAutoFit/>
+          </a:bodyPr>
+          <a:lstStyle/>
+          <a:p>
+            <a:r>
+              <a:rPr lang="en-US" sz="3200" dirty="0" err="1">
+                <a:solidFill>
+                  <a:schemeClr val="accent4"/>
+                </a:solidFill>
+                <a:latin typeface="Yanone Kaffeesatz Regular" panose="02000000000000000000" pitchFamily="2" charset="0"/>
+              </a:rPr>
+              <a:t>ForwardTo</a:t>
+            </a:r>
+            <a:endParaRPr lang="en-US" sz="3200" dirty="0">
+              <a:solidFill>
+                <a:schemeClr val="accent4"/>
+              </a:solidFill>
+              <a:latin typeface="Yanone Kaffeesatz Regular" panose="02000000000000000000" pitchFamily="2" charset="0"/>
+            </a:endParaRPr>
+          </a:p>
+        </p:txBody>
+      </p:sp>
     </p:spTree>
     <p:extLst>
       <p:ext uri="{BB962C8B-B14F-4D97-AF65-F5344CB8AC3E}">
-        <p14:creationId xmlns:p14="http://schemas.microsoft.com/office/powerpoint/2010/main" val="697477994"/>
+        <p14:creationId xmlns:p14="http://schemas.microsoft.com/office/powerpoint/2010/main" val="3031269704"/>
       </p:ext>
     </p:extLst>
   </p:cSld>
@@ -13143,14 +14485,20 @@
       </p:grpSpPr>
       <p:sp>
         <p:nvSpPr>
-          <p:cNvPr id="2" name="Rectangle 1"/>
+          <p:cNvPr id="2" name="Rectangle 1">
+            <a:extLst>
+              <a:ext uri="{FF2B5EF4-FFF2-40B4-BE49-F238E27FC236}">
+                <a16:creationId xmlns:a16="http://schemas.microsoft.com/office/drawing/2014/main" id="{A393578F-97EB-4A9C-8C7D-2FF23137F981}"/>
+              </a:ext>
+            </a:extLst>
+          </p:cNvPr>
           <p:cNvSpPr/>
           <p:nvPr/>
         </p:nvSpPr>
         <p:spPr>
           <a:xfrm>
-            <a:off x="1064014" y="3127733"/>
-            <a:ext cx="9685665" cy="923330"/>
+            <a:off x="725780" y="1851645"/>
+            <a:ext cx="10740441" cy="3154710"/>
           </a:xfrm>
           <a:prstGeom prst="rect">
             <a:avLst/>
@@ -13163,88 +14511,22 @@
           <a:lstStyle/>
           <a:p>
             <a:r>
-              <a:rPr lang="en-US" sz="3600" dirty="0">
-                <a:solidFill>
-                  <a:schemeClr val="tx2"/>
-                </a:solidFill>
-                <a:latin typeface="Yanone Kaffeesatz Regular" panose="02000000000000000000" pitchFamily="2" charset="0"/>
-              </a:rPr>
-              <a:t>github.com/</a:t>
-            </a:r>
-            <a:r>
-              <a:rPr lang="en-US" sz="3600" dirty="0" err="1">
-                <a:solidFill>
-                  <a:schemeClr val="tx2"/>
-                </a:solidFill>
-                <a:latin typeface="Yanone Kaffeesatz Regular" panose="02000000000000000000" pitchFamily="2" charset="0"/>
-              </a:rPr>
-              <a:t>danielmarbach</a:t>
-            </a:r>
-            <a:r>
-              <a:rPr lang="en-US" sz="3600" dirty="0">
-                <a:solidFill>
-                  <a:schemeClr val="tx2"/>
-                </a:solidFill>
-                <a:latin typeface="Yanone Kaffeesatz Regular" panose="02000000000000000000" pitchFamily="2" charset="0"/>
-              </a:rPr>
-              <a:t>/</a:t>
-            </a:r>
-            <a:r>
-              <a:rPr lang="en-US" sz="5400" dirty="0" err="1">
-                <a:solidFill>
-                  <a:schemeClr val="accent4"/>
-                </a:solidFill>
-                <a:latin typeface="Yanone Kaffeesatz Regular" panose="02000000000000000000" pitchFamily="2" charset="0"/>
-              </a:rPr>
-              <a:t>AzureServiceBus.DeepDive</a:t>
-            </a:r>
-            <a:endParaRPr lang="de-CH" sz="5400" dirty="0">
-              <a:solidFill>
-                <a:schemeClr val="accent4"/>
-              </a:solidFill>
-              <a:latin typeface="Yanone Kaffeesatz Regular" panose="02000000000000000000" pitchFamily="2" charset="0"/>
-            </a:endParaRPr>
-          </a:p>
-        </p:txBody>
-      </p:sp>
-      <p:sp>
-        <p:nvSpPr>
-          <p:cNvPr id="4" name="Rectangle 3"/>
-          <p:cNvSpPr/>
-          <p:nvPr/>
-        </p:nvSpPr>
-        <p:spPr>
-          <a:xfrm>
-            <a:off x="1064014" y="1124536"/>
-            <a:ext cx="6463629" cy="1862048"/>
-          </a:xfrm>
-          <a:prstGeom prst="rect">
-            <a:avLst/>
-          </a:prstGeom>
-        </p:spPr>
-        <p:txBody>
-          <a:bodyPr wrap="none">
-            <a:spAutoFit/>
-          </a:bodyPr>
-          <a:lstStyle/>
-          <a:p>
-            <a:r>
-              <a:rPr lang="en-US" sz="11500" dirty="0">
+              <a:rPr lang="en-US" sz="19900" dirty="0">
                 <a:solidFill>
                   <a:schemeClr val="accent2"/>
                 </a:solidFill>
                 <a:latin typeface="Yanone Kaffeesatz Regular" panose="02000000000000000000" pitchFamily="2" charset="0"/>
               </a:rPr>
-              <a:t>Slides, Links…</a:t>
-            </a:r>
-            <a:endParaRPr lang="de-CH" sz="1400" dirty="0"/>
+              <a:t>Atomic Sends</a:t>
+            </a:r>
+            <a:endParaRPr lang="de-CH" sz="2000" dirty="0"/>
           </a:p>
         </p:txBody>
       </p:sp>
     </p:spTree>
     <p:extLst>
       <p:ext uri="{BB962C8B-B14F-4D97-AF65-F5344CB8AC3E}">
-        <p14:creationId xmlns:p14="http://schemas.microsoft.com/office/powerpoint/2010/main" val="1581449120"/>
+        <p14:creationId xmlns:p14="http://schemas.microsoft.com/office/powerpoint/2010/main" val="1209598718"/>
       </p:ext>
     </p:extLst>
   </p:cSld>
@@ -13273,14 +14555,20 @@
       </p:grpSpPr>
       <p:sp>
         <p:nvSpPr>
-          <p:cNvPr id="2" name="Rectangle 1"/>
+          <p:cNvPr id="2" name="Rectangle 1">
+            <a:extLst>
+              <a:ext uri="{FF2B5EF4-FFF2-40B4-BE49-F238E27FC236}">
+                <a16:creationId xmlns:a16="http://schemas.microsoft.com/office/drawing/2014/main" id="{D9D014D6-D95B-49FC-A419-B2E06D1650FF}"/>
+              </a:ext>
+            </a:extLst>
+          </p:cNvPr>
           <p:cNvSpPr/>
           <p:nvPr/>
         </p:nvSpPr>
         <p:spPr>
           <a:xfrm>
-            <a:off x="3858849" y="1851645"/>
-            <a:ext cx="4474302" cy="3154710"/>
+            <a:off x="2603698" y="1851645"/>
+            <a:ext cx="6984604" cy="3154710"/>
           </a:xfrm>
           <a:prstGeom prst="rect">
             <a:avLst/>
@@ -13299,46 +14587,16 @@
                 </a:solidFill>
                 <a:latin typeface="Yanone Kaffeesatz Regular" panose="02000000000000000000" pitchFamily="2" charset="0"/>
               </a:rPr>
-              <a:t>Q &amp; A</a:t>
+              <a:t>Batching</a:t>
             </a:r>
             <a:endParaRPr lang="de-CH" sz="2000" dirty="0"/>
           </a:p>
         </p:txBody>
       </p:sp>
-      <p:pic>
-        <p:nvPicPr>
-          <p:cNvPr id="4" name="Picture 3"/>
-          <p:cNvPicPr>
-            <a:picLocks noChangeAspect="1"/>
-          </p:cNvPicPr>
-          <p:nvPr/>
-        </p:nvPicPr>
-        <p:blipFill>
-          <a:blip r:embed="rId3" cstate="print">
-            <a:extLst>
-              <a:ext uri="{28A0092B-C50C-407E-A947-70E740481C1C}">
-                <a14:useLocalDpi xmlns:a14="http://schemas.microsoft.com/office/drawing/2010/main" val="0"/>
-              </a:ext>
-            </a:extLst>
-          </a:blip>
-          <a:stretch>
-            <a:fillRect/>
-          </a:stretch>
-        </p:blipFill>
-        <p:spPr>
-          <a:xfrm>
-            <a:off x="8052306" y="612519"/>
-            <a:ext cx="2880000" cy="690817"/>
-          </a:xfrm>
-          <a:prstGeom prst="rect">
-            <a:avLst/>
-          </a:prstGeom>
-        </p:spPr>
-      </p:pic>
     </p:spTree>
     <p:extLst>
       <p:ext uri="{BB962C8B-B14F-4D97-AF65-F5344CB8AC3E}">
-        <p14:creationId xmlns:p14="http://schemas.microsoft.com/office/powerpoint/2010/main" val="4241321608"/>
+        <p14:creationId xmlns:p14="http://schemas.microsoft.com/office/powerpoint/2010/main" val="3657908928"/>
       </p:ext>
     </p:extLst>
   </p:cSld>
@@ -13365,161 +14623,246 @@
           <a:chExt cx="0" cy="0"/>
         </a:xfrm>
       </p:grpSpPr>
-      <p:pic>
-        <p:nvPicPr>
-          <p:cNvPr id="3" name="Picture 2"/>
-          <p:cNvPicPr>
-            <a:picLocks noChangeAspect="1"/>
-          </p:cNvPicPr>
-          <p:nvPr/>
-        </p:nvPicPr>
-        <p:blipFill>
-          <a:blip r:embed="rId3" cstate="print">
+      <p:sp>
+        <p:nvSpPr>
+          <p:cNvPr id="2" name="Rechteck 1">
             <a:extLst>
-              <a:ext uri="{28A0092B-C50C-407E-A947-70E740481C1C}">
-                <a14:useLocalDpi xmlns:a14="http://schemas.microsoft.com/office/drawing/2010/main" val="0"/>
+              <a:ext uri="{FF2B5EF4-FFF2-40B4-BE49-F238E27FC236}">
+                <a16:creationId xmlns:a16="http://schemas.microsoft.com/office/drawing/2014/main" id="{4C095B8A-8455-4FD2-8C35-4E13A07BB5EA}"/>
               </a:ext>
             </a:extLst>
-          </a:blip>
-          <a:stretch>
-            <a:fillRect/>
-          </a:stretch>
-        </p:blipFill>
+          </p:cNvPr>
+          <p:cNvSpPr/>
+          <p:nvPr/>
+        </p:nvSpPr>
         <p:spPr>
           <a:xfrm>
-            <a:off x="8052306" y="612519"/>
-            <a:ext cx="2880000" cy="690817"/>
-          </a:xfrm>
-          <a:prstGeom prst="rect">
-            <a:avLst/>
-          </a:prstGeom>
-        </p:spPr>
-      </p:pic>
-      <p:sp>
-        <p:nvSpPr>
-          <p:cNvPr id="2" name="Rectangle 1"/>
-          <p:cNvSpPr/>
-          <p:nvPr/>
-        </p:nvSpPr>
-        <p:spPr>
-          <a:xfrm>
-            <a:off x="5723694" y="2090172"/>
-            <a:ext cx="6096000" cy="2677656"/>
+            <a:off x="2544385" y="1375592"/>
+            <a:ext cx="7103227" cy="1200329"/>
           </a:xfrm>
           <a:prstGeom prst="rect">
             <a:avLst/>
           </a:prstGeom>
         </p:spPr>
         <p:txBody>
-          <a:bodyPr>
+          <a:bodyPr wrap="none">
             <a:spAutoFit/>
           </a:bodyPr>
           <a:lstStyle/>
           <a:p>
             <a:r>
-              <a:rPr lang="en-US" sz="2800" dirty="0">
+              <a:rPr lang="en-US" sz="7200" dirty="0">
                 <a:solidFill>
                   <a:schemeClr val="tx2"/>
                 </a:solidFill>
                 <a:latin typeface="Yanone Kaffeesatz Regular" panose="02000000000000000000" pitchFamily="2" charset="0"/>
               </a:rPr>
-              <a:t>Software Engineer</a:t>
-            </a:r>
-          </a:p>
-          <a:p>
-            <a:r>
-              <a:rPr lang="en-US" sz="2800" dirty="0">
+              <a:t>Upgrade to </a:t>
+            </a:r>
+            <a:r>
+              <a:rPr lang="en-US" sz="7200" dirty="0">
+                <a:solidFill>
+                  <a:schemeClr val="accent4"/>
+                </a:solidFill>
+                <a:latin typeface="Yanone Kaffeesatz Regular" panose="02000000000000000000" pitchFamily="2" charset="0"/>
+              </a:rPr>
+              <a:t>premium tier</a:t>
+            </a:r>
+            <a:endParaRPr lang="de-CH" sz="1200" dirty="0">
+              <a:solidFill>
+                <a:schemeClr val="tx2"/>
+              </a:solidFill>
+            </a:endParaRPr>
+          </a:p>
+        </p:txBody>
+      </p:sp>
+      <p:sp>
+        <p:nvSpPr>
+          <p:cNvPr id="3" name="Rechteck 1">
+            <a:extLst>
+              <a:ext uri="{FF2B5EF4-FFF2-40B4-BE49-F238E27FC236}">
+                <a16:creationId xmlns:a16="http://schemas.microsoft.com/office/drawing/2014/main" id="{F25D10AD-7B12-4E60-8A5D-A8B92EC157C7}"/>
+              </a:ext>
+            </a:extLst>
+          </p:cNvPr>
+          <p:cNvSpPr/>
+          <p:nvPr/>
+        </p:nvSpPr>
+        <p:spPr>
+          <a:xfrm>
+            <a:off x="1283624" y="3979823"/>
+            <a:ext cx="9624751" cy="1200329"/>
+          </a:xfrm>
+          <a:prstGeom prst="rect">
+            <a:avLst/>
+          </a:prstGeom>
+        </p:spPr>
+        <p:txBody>
+          <a:bodyPr wrap="none">
+            <a:spAutoFit/>
+          </a:bodyPr>
+          <a:lstStyle/>
+          <a:p>
+            <a:r>
+              <a:rPr lang="en-US" sz="7200" dirty="0">
                 <a:solidFill>
                   <a:schemeClr val="tx2"/>
                 </a:solidFill>
                 <a:latin typeface="Yanone Kaffeesatz Regular" panose="02000000000000000000" pitchFamily="2" charset="0"/>
               </a:rPr>
-              <a:t>Microsoft MVP</a:t>
-            </a:r>
-          </a:p>
-          <a:p>
-            <a:endParaRPr lang="en-US" sz="2800" dirty="0">
-              <a:solidFill>
-                <a:schemeClr val="tx2"/>
-              </a:solidFill>
-              <a:latin typeface="Yanone Kaffeesatz Regular" panose="02000000000000000000" pitchFamily="2" charset="0"/>
-            </a:endParaRPr>
-          </a:p>
-          <a:p>
-            <a:r>
-              <a:rPr lang="en-US" sz="2800" dirty="0">
+              <a:t>Use </a:t>
+            </a:r>
+            <a:r>
+              <a:rPr lang="en-US" sz="7200" dirty="0" err="1">
                 <a:solidFill>
                   <a:schemeClr val="accent4"/>
                 </a:solidFill>
                 <a:latin typeface="Yanone Kaffeesatz Regular" panose="02000000000000000000" pitchFamily="2" charset="0"/>
               </a:rPr>
-              <a:t>@danielmarbach</a:t>
-            </a:r>
-          </a:p>
-          <a:p>
-            <a:r>
-              <a:rPr lang="en-US" sz="2800" dirty="0">
-                <a:solidFill>
-                  <a:schemeClr val="accent4"/>
-                </a:solidFill>
-                <a:latin typeface="Yanone Kaffeesatz Regular" panose="02000000000000000000" pitchFamily="2" charset="0"/>
-              </a:rPr>
-              <a:t>particular.net/blog</a:t>
-            </a:r>
-          </a:p>
-          <a:p>
-            <a:r>
-              <a:rPr lang="en-US" sz="2800" dirty="0">
-                <a:solidFill>
-                  <a:schemeClr val="accent4"/>
-                </a:solidFill>
-                <a:latin typeface="Yanone Kaffeesatz Regular" panose="02000000000000000000" pitchFamily="2" charset="0"/>
-              </a:rPr>
-              <a:t>planetgeek.ch</a:t>
-            </a:r>
+              <a:t>ServiceBus.AttachmentPlugin</a:t>
+            </a:r>
+            <a:endParaRPr lang="de-CH" sz="1200" dirty="0">
+              <a:solidFill>
+                <a:schemeClr val="tx2"/>
+              </a:solidFill>
+            </a:endParaRPr>
           </a:p>
         </p:txBody>
       </p:sp>
-      <p:pic>
-        <p:nvPicPr>
-          <p:cNvPr id="6" name="Picture 5"/>
-          <p:cNvPicPr>
-            <a:picLocks noChangeAspect="1"/>
-          </p:cNvPicPr>
-          <p:nvPr/>
-        </p:nvPicPr>
-        <p:blipFill>
-          <a:blip r:embed="rId4" cstate="print">
-            <a:extLst>
-              <a:ext uri="{28A0092B-C50C-407E-A947-70E740481C1C}">
-                <a14:useLocalDpi xmlns:a14="http://schemas.microsoft.com/office/drawing/2010/main" val="0"/>
-              </a:ext>
-            </a:extLst>
-          </a:blip>
-          <a:stretch>
-            <a:fillRect/>
-          </a:stretch>
-        </p:blipFill>
-        <p:spPr>
-          <a:xfrm>
-            <a:off x="1852348" y="1768017"/>
-            <a:ext cx="2558625" cy="3837938"/>
-          </a:xfrm>
-          <a:prstGeom prst="rect">
-            <a:avLst/>
-          </a:prstGeom>
-        </p:spPr>
-      </p:pic>
     </p:spTree>
     <p:extLst>
       <p:ext uri="{BB962C8B-B14F-4D97-AF65-F5344CB8AC3E}">
-        <p14:creationId xmlns:p14="http://schemas.microsoft.com/office/powerpoint/2010/main" val="3601279917"/>
+        <p14:creationId xmlns:p14="http://schemas.microsoft.com/office/powerpoint/2010/main" val="2206547373"/>
       </p:ext>
     </p:extLst>
   </p:cSld>
   <p:clrMapOvr>
     <a:masterClrMapping/>
   </p:clrMapOvr>
+  <p:timing>
+    <p:tnLst>
+      <p:par>
+        <p:cTn id="1" dur="indefinite" restart="never" nodeType="tmRoot">
+          <p:childTnLst>
+            <p:seq concurrent="1" nextAc="seek">
+              <p:cTn id="2" dur="indefinite" nodeType="mainSeq">
+                <p:childTnLst>
+                  <p:par>
+                    <p:cTn id="3" fill="hold">
+                      <p:stCondLst>
+                        <p:cond delay="indefinite"/>
+                      </p:stCondLst>
+                      <p:childTnLst>
+                        <p:par>
+                          <p:cTn id="4" fill="hold">
+                            <p:stCondLst>
+                              <p:cond delay="0"/>
+                            </p:stCondLst>
+                            <p:childTnLst>
+                              <p:par>
+                                <p:cTn id="5" presetID="1" presetClass="entr" presetSubtype="0" fill="hold" grpId="0" nodeType="clickEffect">
+                                  <p:stCondLst>
+                                    <p:cond delay="0"/>
+                                  </p:stCondLst>
+                                  <p:childTnLst>
+                                    <p:set>
+                                      <p:cBhvr>
+                                        <p:cTn id="6" dur="1" fill="hold">
+                                          <p:stCondLst>
+                                            <p:cond delay="0"/>
+                                          </p:stCondLst>
+                                        </p:cTn>
+                                        <p:tgtEl>
+                                          <p:spTgt spid="2"/>
+                                        </p:tgtEl>
+                                        <p:attrNameLst>
+                                          <p:attrName>style.visibility</p:attrName>
+                                        </p:attrNameLst>
+                                      </p:cBhvr>
+                                      <p:to>
+                                        <p:strVal val="visible"/>
+                                      </p:to>
+                                    </p:set>
+                                  </p:childTnLst>
+                                </p:cTn>
+                              </p:par>
+                            </p:childTnLst>
+                          </p:cTn>
+                        </p:par>
+                      </p:childTnLst>
+                    </p:cTn>
+                  </p:par>
+                  <p:par>
+                    <p:cTn id="7" fill="hold">
+                      <p:stCondLst>
+                        <p:cond delay="indefinite"/>
+                      </p:stCondLst>
+                      <p:childTnLst>
+                        <p:par>
+                          <p:cTn id="8" fill="hold">
+                            <p:stCondLst>
+                              <p:cond delay="0"/>
+                            </p:stCondLst>
+                            <p:childTnLst>
+                              <p:par>
+                                <p:cTn id="9" presetID="1" presetClass="entr" presetSubtype="0" fill="hold" grpId="0" nodeType="clickEffect">
+                                  <p:stCondLst>
+                                    <p:cond delay="0"/>
+                                  </p:stCondLst>
+                                  <p:childTnLst>
+                                    <p:set>
+                                      <p:cBhvr>
+                                        <p:cTn id="10" dur="1" fill="hold">
+                                          <p:stCondLst>
+                                            <p:cond delay="0"/>
+                                          </p:stCondLst>
+                                        </p:cTn>
+                                        <p:tgtEl>
+                                          <p:spTgt spid="3"/>
+                                        </p:tgtEl>
+                                        <p:attrNameLst>
+                                          <p:attrName>style.visibility</p:attrName>
+                                        </p:attrNameLst>
+                                      </p:cBhvr>
+                                      <p:to>
+                                        <p:strVal val="visible"/>
+                                      </p:to>
+                                    </p:set>
+                                  </p:childTnLst>
+                                </p:cTn>
+                              </p:par>
+                            </p:childTnLst>
+                          </p:cTn>
+                        </p:par>
+                      </p:childTnLst>
+                    </p:cTn>
+                  </p:par>
+                </p:childTnLst>
+              </p:cTn>
+              <p:prevCondLst>
+                <p:cond evt="onPrev" delay="0">
+                  <p:tgtEl>
+                    <p:sldTgt/>
+                  </p:tgtEl>
+                </p:cond>
+              </p:prevCondLst>
+              <p:nextCondLst>
+                <p:cond evt="onNext" delay="0">
+                  <p:tgtEl>
+                    <p:sldTgt/>
+                  </p:tgtEl>
+                </p:cond>
+              </p:nextCondLst>
+            </p:seq>
+          </p:childTnLst>
+        </p:cTn>
+      </p:par>
+    </p:tnLst>
+    <p:bldLst>
+      <p:bldP spid="2" grpId="0"/>
+      <p:bldP spid="3" grpId="0"/>
+    </p:bldLst>
+  </p:timing>
 </p:sld>
 </file>
 
@@ -14668,6 +16011,1703 @@
       </p:grpSpPr>
       <p:sp>
         <p:nvSpPr>
+          <p:cNvPr id="2" name="Rectangle 1">
+            <a:extLst>
+              <a:ext uri="{FF2B5EF4-FFF2-40B4-BE49-F238E27FC236}">
+                <a16:creationId xmlns:a16="http://schemas.microsoft.com/office/drawing/2014/main" id="{D9D014D6-D95B-49FC-A419-B2E06D1650FF}"/>
+              </a:ext>
+            </a:extLst>
+          </p:cNvPr>
+          <p:cNvSpPr/>
+          <p:nvPr/>
+        </p:nvSpPr>
+        <p:spPr>
+          <a:xfrm>
+            <a:off x="2693466" y="1851645"/>
+            <a:ext cx="6805068" cy="3154710"/>
+          </a:xfrm>
+          <a:prstGeom prst="rect">
+            <a:avLst/>
+          </a:prstGeom>
+        </p:spPr>
+        <p:txBody>
+          <a:bodyPr wrap="none">
+            <a:spAutoFit/>
+          </a:bodyPr>
+          <a:lstStyle/>
+          <a:p>
+            <a:r>
+              <a:rPr lang="en-US" sz="19900" dirty="0">
+                <a:solidFill>
+                  <a:schemeClr val="accent2"/>
+                </a:solidFill>
+                <a:latin typeface="Yanone Kaffeesatz Regular" panose="02000000000000000000" pitchFamily="2" charset="0"/>
+              </a:rPr>
+              <a:t>Send Via</a:t>
+            </a:r>
+            <a:endParaRPr lang="de-CH" sz="2000" dirty="0"/>
+          </a:p>
+        </p:txBody>
+      </p:sp>
+    </p:spTree>
+    <p:extLst>
+      <p:ext uri="{BB962C8B-B14F-4D97-AF65-F5344CB8AC3E}">
+        <p14:creationId xmlns:p14="http://schemas.microsoft.com/office/powerpoint/2010/main" val="3992806891"/>
+      </p:ext>
+    </p:extLst>
+  </p:cSld>
+  <p:clrMapOvr>
+    <a:masterClrMapping/>
+  </p:clrMapOvr>
+</p:sld>
+</file>
+
+<file path=ppt/slides/slide31.xml><?xml version="1.0" encoding="utf-8"?>
+<p:sld xmlns:a="http://schemas.openxmlformats.org/drawingml/2006/main" xmlns:r="http://schemas.openxmlformats.org/officeDocument/2006/relationships" xmlns:p="http://schemas.openxmlformats.org/presentationml/2006/main">
+  <p:cSld>
+    <p:spTree>
+      <p:nvGrpSpPr>
+        <p:cNvPr id="1" name=""/>
+        <p:cNvGrpSpPr/>
+        <p:nvPr/>
+      </p:nvGrpSpPr>
+      <p:grpSpPr>
+        <a:xfrm>
+          <a:off x="0" y="0"/>
+          <a:ext cx="0" cy="0"/>
+          <a:chOff x="0" y="0"/>
+          <a:chExt cx="0" cy="0"/>
+        </a:xfrm>
+      </p:grpSpPr>
+      <p:sp>
+        <p:nvSpPr>
+          <p:cNvPr id="7" name="Flowchart: Direct Access Storage 6">
+            <a:extLst>
+              <a:ext uri="{FF2B5EF4-FFF2-40B4-BE49-F238E27FC236}">
+                <a16:creationId xmlns:a16="http://schemas.microsoft.com/office/drawing/2014/main" id="{1EC506D9-3D13-4AD0-B13B-0EDF8C22E96D}"/>
+              </a:ext>
+            </a:extLst>
+          </p:cNvPr>
+          <p:cNvSpPr/>
+          <p:nvPr/>
+        </p:nvSpPr>
+        <p:spPr>
+          <a:xfrm>
+            <a:off x="1273629" y="2024743"/>
+            <a:ext cx="3160824" cy="1208314"/>
+          </a:xfrm>
+          <a:prstGeom prst="flowChartMagneticDrum">
+            <a:avLst/>
+          </a:prstGeom>
+          <a:solidFill>
+            <a:schemeClr val="tx2"/>
+          </a:solidFill>
+          <a:ln>
+            <a:solidFill>
+              <a:schemeClr val="bg1"/>
+            </a:solidFill>
+          </a:ln>
+        </p:spPr>
+        <p:style>
+          <a:lnRef idx="2">
+            <a:schemeClr val="accent1">
+              <a:shade val="50000"/>
+            </a:schemeClr>
+          </a:lnRef>
+          <a:fillRef idx="1">
+            <a:schemeClr val="accent1"/>
+          </a:fillRef>
+          <a:effectRef idx="0">
+            <a:schemeClr val="accent1"/>
+          </a:effectRef>
+          <a:fontRef idx="minor">
+            <a:schemeClr val="lt1"/>
+          </a:fontRef>
+        </p:style>
+        <p:txBody>
+          <a:bodyPr rtlCol="0" anchor="ctr"/>
+          <a:lstStyle/>
+          <a:p>
+            <a:pPr algn="ctr"/>
+            <a:r>
+              <a:rPr lang="en-US" sz="3600" dirty="0">
+                <a:latin typeface="Yanone Kaffeesatz Regular" panose="02000000000000000000" pitchFamily="2" charset="0"/>
+              </a:rPr>
+              <a:t>Incoming</a:t>
+            </a:r>
+          </a:p>
+        </p:txBody>
+      </p:sp>
+      <p:sp>
+        <p:nvSpPr>
+          <p:cNvPr id="30" name="Flowchart: Direct Access Storage 29">
+            <a:extLst>
+              <a:ext uri="{FF2B5EF4-FFF2-40B4-BE49-F238E27FC236}">
+                <a16:creationId xmlns:a16="http://schemas.microsoft.com/office/drawing/2014/main" id="{432CF8DE-2E25-4B5D-B1B2-EECD799969D8}"/>
+              </a:ext>
+            </a:extLst>
+          </p:cNvPr>
+          <p:cNvSpPr/>
+          <p:nvPr/>
+        </p:nvSpPr>
+        <p:spPr>
+          <a:xfrm>
+            <a:off x="7300349" y="2024743"/>
+            <a:ext cx="3160824" cy="1208314"/>
+          </a:xfrm>
+          <a:prstGeom prst="flowChartMagneticDrum">
+            <a:avLst/>
+          </a:prstGeom>
+          <a:noFill/>
+          <a:ln>
+            <a:solidFill>
+              <a:schemeClr val="tx2"/>
+            </a:solidFill>
+          </a:ln>
+        </p:spPr>
+        <p:style>
+          <a:lnRef idx="2">
+            <a:schemeClr val="accent1">
+              <a:shade val="50000"/>
+            </a:schemeClr>
+          </a:lnRef>
+          <a:fillRef idx="1">
+            <a:schemeClr val="accent1"/>
+          </a:fillRef>
+          <a:effectRef idx="0">
+            <a:schemeClr val="accent1"/>
+          </a:effectRef>
+          <a:fontRef idx="minor">
+            <a:schemeClr val="lt1"/>
+          </a:fontRef>
+        </p:style>
+        <p:txBody>
+          <a:bodyPr rtlCol="0" anchor="ctr"/>
+          <a:lstStyle/>
+          <a:p>
+            <a:pPr algn="ctr"/>
+            <a:r>
+              <a:rPr lang="en-US" sz="3200" dirty="0">
+                <a:solidFill>
+                  <a:schemeClr val="tx2"/>
+                </a:solidFill>
+                <a:latin typeface="Yanone Kaffeesatz Regular" panose="02000000000000000000" pitchFamily="2" charset="0"/>
+              </a:rPr>
+              <a:t>Outgoing1</a:t>
+            </a:r>
+          </a:p>
+        </p:txBody>
+      </p:sp>
+      <p:sp>
+        <p:nvSpPr>
+          <p:cNvPr id="31" name="Flowchart: Direct Access Storage 30">
+            <a:extLst>
+              <a:ext uri="{FF2B5EF4-FFF2-40B4-BE49-F238E27FC236}">
+                <a16:creationId xmlns:a16="http://schemas.microsoft.com/office/drawing/2014/main" id="{22CE254E-B411-4A66-8F3F-0D4BF646AD1E}"/>
+              </a:ext>
+            </a:extLst>
+          </p:cNvPr>
+          <p:cNvSpPr/>
+          <p:nvPr/>
+        </p:nvSpPr>
+        <p:spPr>
+          <a:xfrm>
+            <a:off x="7300349" y="3673930"/>
+            <a:ext cx="3160824" cy="1208314"/>
+          </a:xfrm>
+          <a:prstGeom prst="flowChartMagneticDrum">
+            <a:avLst/>
+          </a:prstGeom>
+          <a:noFill/>
+          <a:ln>
+            <a:solidFill>
+              <a:schemeClr val="tx2"/>
+            </a:solidFill>
+          </a:ln>
+        </p:spPr>
+        <p:style>
+          <a:lnRef idx="2">
+            <a:schemeClr val="accent1">
+              <a:shade val="50000"/>
+            </a:schemeClr>
+          </a:lnRef>
+          <a:fillRef idx="1">
+            <a:schemeClr val="accent1"/>
+          </a:fillRef>
+          <a:effectRef idx="0">
+            <a:schemeClr val="accent1"/>
+          </a:effectRef>
+          <a:fontRef idx="minor">
+            <a:schemeClr val="lt1"/>
+          </a:fontRef>
+        </p:style>
+        <p:txBody>
+          <a:bodyPr rtlCol="0" anchor="ctr"/>
+          <a:lstStyle/>
+          <a:p>
+            <a:pPr algn="ctr"/>
+            <a:r>
+              <a:rPr lang="en-US" sz="3200" dirty="0">
+                <a:solidFill>
+                  <a:schemeClr val="tx2"/>
+                </a:solidFill>
+                <a:latin typeface="Yanone Kaffeesatz Regular" panose="02000000000000000000" pitchFamily="2" charset="0"/>
+              </a:rPr>
+              <a:t>Outgoing2</a:t>
+            </a:r>
+          </a:p>
+        </p:txBody>
+      </p:sp>
+      <p:sp>
+        <p:nvSpPr>
+          <p:cNvPr id="45" name="Flowchart: Direct Access Storage 44">
+            <a:extLst>
+              <a:ext uri="{FF2B5EF4-FFF2-40B4-BE49-F238E27FC236}">
+                <a16:creationId xmlns:a16="http://schemas.microsoft.com/office/drawing/2014/main" id="{C7A62B2E-0432-46FD-B5AA-6730E310CF3F}"/>
+              </a:ext>
+            </a:extLst>
+          </p:cNvPr>
+          <p:cNvSpPr/>
+          <p:nvPr/>
+        </p:nvSpPr>
+        <p:spPr>
+          <a:xfrm>
+            <a:off x="1570955" y="3570214"/>
+            <a:ext cx="2863498" cy="1208314"/>
+          </a:xfrm>
+          <a:prstGeom prst="flowChartMagneticDrum">
+            <a:avLst/>
+          </a:prstGeom>
+          <a:solidFill>
+            <a:schemeClr val="accent3"/>
+          </a:solidFill>
+          <a:ln>
+            <a:solidFill>
+              <a:schemeClr val="bg1"/>
+            </a:solidFill>
+          </a:ln>
+        </p:spPr>
+        <p:style>
+          <a:lnRef idx="2">
+            <a:schemeClr val="accent1">
+              <a:shade val="50000"/>
+            </a:schemeClr>
+          </a:lnRef>
+          <a:fillRef idx="1">
+            <a:schemeClr val="accent1"/>
+          </a:fillRef>
+          <a:effectRef idx="0">
+            <a:schemeClr val="accent1"/>
+          </a:effectRef>
+          <a:fontRef idx="minor">
+            <a:schemeClr val="lt1"/>
+          </a:fontRef>
+        </p:style>
+        <p:txBody>
+          <a:bodyPr rtlCol="0" anchor="ctr"/>
+          <a:lstStyle/>
+          <a:p>
+            <a:pPr algn="ctr"/>
+            <a:r>
+              <a:rPr lang="en-US" sz="3600" dirty="0">
+                <a:latin typeface="Yanone Kaffeesatz Regular" panose="02000000000000000000" pitchFamily="2" charset="0"/>
+              </a:rPr>
+              <a:t>Transfer</a:t>
+            </a:r>
+          </a:p>
+        </p:txBody>
+      </p:sp>
+      <p:grpSp>
+        <p:nvGrpSpPr>
+          <p:cNvPr id="32" name="Gruppieren 31">
+            <a:extLst>
+              <a:ext uri="{FF2B5EF4-FFF2-40B4-BE49-F238E27FC236}">
+                <a16:creationId xmlns:a16="http://schemas.microsoft.com/office/drawing/2014/main" id="{32A01FA2-260E-411D-BD1B-288C1A533AEE}"/>
+              </a:ext>
+            </a:extLst>
+          </p:cNvPr>
+          <p:cNvGrpSpPr/>
+          <p:nvPr/>
+        </p:nvGrpSpPr>
+        <p:grpSpPr>
+          <a:xfrm>
+            <a:off x="3590532" y="2393210"/>
+            <a:ext cx="571500" cy="471380"/>
+            <a:chOff x="4668218" y="333214"/>
+            <a:chExt cx="571500" cy="471380"/>
+          </a:xfrm>
+          <a:solidFill>
+            <a:schemeClr val="accent2"/>
+          </a:solidFill>
+        </p:grpSpPr>
+        <p:sp>
+          <p:nvSpPr>
+            <p:cNvPr id="24" name="Rechteck 23">
+              <a:extLst>
+                <a:ext uri="{FF2B5EF4-FFF2-40B4-BE49-F238E27FC236}">
+                  <a16:creationId xmlns:a16="http://schemas.microsoft.com/office/drawing/2014/main" id="{C1D80B33-E923-487F-B4EE-028E40A64050}"/>
+                </a:ext>
+              </a:extLst>
+            </p:cNvPr>
+            <p:cNvSpPr/>
+            <p:nvPr/>
+          </p:nvSpPr>
+          <p:spPr>
+            <a:xfrm>
+              <a:off x="4668218" y="333214"/>
+              <a:ext cx="571500" cy="471380"/>
+            </a:xfrm>
+            <a:prstGeom prst="rect">
+              <a:avLst/>
+            </a:prstGeom>
+            <a:grpFill/>
+            <a:ln w="19050">
+              <a:solidFill>
+                <a:schemeClr val="bg1"/>
+              </a:solidFill>
+            </a:ln>
+          </p:spPr>
+          <p:style>
+            <a:lnRef idx="2">
+              <a:schemeClr val="accent1">
+                <a:shade val="50000"/>
+              </a:schemeClr>
+            </a:lnRef>
+            <a:fillRef idx="1">
+              <a:schemeClr val="accent1"/>
+            </a:fillRef>
+            <a:effectRef idx="0">
+              <a:schemeClr val="accent1"/>
+            </a:effectRef>
+            <a:fontRef idx="minor">
+              <a:schemeClr val="lt1"/>
+            </a:fontRef>
+          </p:style>
+          <p:txBody>
+            <a:bodyPr rtlCol="0" anchor="ctr"/>
+            <a:lstStyle/>
+            <a:p>
+              <a:pPr algn="ctr"/>
+              <a:endParaRPr lang="de-CH"/>
+            </a:p>
+          </p:txBody>
+        </p:sp>
+        <p:cxnSp>
+          <p:nvCxnSpPr>
+            <p:cNvPr id="26" name="Gerader Verbinder 25">
+              <a:extLst>
+                <a:ext uri="{FF2B5EF4-FFF2-40B4-BE49-F238E27FC236}">
+                  <a16:creationId xmlns:a16="http://schemas.microsoft.com/office/drawing/2014/main" id="{B421F5B5-B04B-4425-A5C5-0D6731B3CA31}"/>
+                </a:ext>
+              </a:extLst>
+            </p:cNvPr>
+            <p:cNvCxnSpPr/>
+            <p:nvPr/>
+          </p:nvCxnSpPr>
+          <p:spPr>
+            <a:xfrm>
+              <a:off x="4668218" y="333215"/>
+              <a:ext cx="337735" cy="247971"/>
+            </a:xfrm>
+            <a:prstGeom prst="line">
+              <a:avLst/>
+            </a:prstGeom>
+            <a:grpFill/>
+            <a:ln w="12700">
+              <a:solidFill>
+                <a:schemeClr val="bg1"/>
+              </a:solidFill>
+            </a:ln>
+          </p:spPr>
+          <p:style>
+            <a:lnRef idx="1">
+              <a:schemeClr val="accent1"/>
+            </a:lnRef>
+            <a:fillRef idx="0">
+              <a:schemeClr val="accent1"/>
+            </a:fillRef>
+            <a:effectRef idx="0">
+              <a:schemeClr val="accent1"/>
+            </a:effectRef>
+            <a:fontRef idx="minor">
+              <a:schemeClr val="tx1"/>
+            </a:fontRef>
+          </p:style>
+        </p:cxnSp>
+        <p:cxnSp>
+          <p:nvCxnSpPr>
+            <p:cNvPr id="27" name="Gerader Verbinder 26">
+              <a:extLst>
+                <a:ext uri="{FF2B5EF4-FFF2-40B4-BE49-F238E27FC236}">
+                  <a16:creationId xmlns:a16="http://schemas.microsoft.com/office/drawing/2014/main" id="{71B9E89A-4B6C-457D-B727-10853CB4A2EB}"/>
+                </a:ext>
+              </a:extLst>
+            </p:cNvPr>
+            <p:cNvCxnSpPr>
+              <a:cxnSpLocks/>
+            </p:cNvCxnSpPr>
+            <p:nvPr/>
+          </p:nvCxnSpPr>
+          <p:spPr>
+            <a:xfrm flipV="1">
+              <a:off x="4901983" y="333215"/>
+              <a:ext cx="337735" cy="247971"/>
+            </a:xfrm>
+            <a:prstGeom prst="line">
+              <a:avLst/>
+            </a:prstGeom>
+            <a:grpFill/>
+            <a:ln w="12700">
+              <a:solidFill>
+                <a:schemeClr val="bg1"/>
+              </a:solidFill>
+            </a:ln>
+          </p:spPr>
+          <p:style>
+            <a:lnRef idx="1">
+              <a:schemeClr val="accent1"/>
+            </a:lnRef>
+            <a:fillRef idx="0">
+              <a:schemeClr val="accent1"/>
+            </a:fillRef>
+            <a:effectRef idx="0">
+              <a:schemeClr val="accent1"/>
+            </a:effectRef>
+            <a:fontRef idx="minor">
+              <a:schemeClr val="tx1"/>
+            </a:fontRef>
+          </p:style>
+        </p:cxnSp>
+      </p:grpSp>
+      <p:grpSp>
+        <p:nvGrpSpPr>
+          <p:cNvPr id="46" name="Gruppieren 31">
+            <a:extLst>
+              <a:ext uri="{FF2B5EF4-FFF2-40B4-BE49-F238E27FC236}">
+                <a16:creationId xmlns:a16="http://schemas.microsoft.com/office/drawing/2014/main" id="{2ABA1300-5DCF-4981-A768-E55C827D119E}"/>
+              </a:ext>
+            </a:extLst>
+          </p:cNvPr>
+          <p:cNvGrpSpPr/>
+          <p:nvPr/>
+        </p:nvGrpSpPr>
+        <p:grpSpPr>
+          <a:xfrm>
+            <a:off x="5959420" y="2421716"/>
+            <a:ext cx="571500" cy="471380"/>
+            <a:chOff x="4668218" y="333214"/>
+            <a:chExt cx="571500" cy="471380"/>
+          </a:xfrm>
+          <a:solidFill>
+            <a:schemeClr val="accent5"/>
+          </a:solidFill>
+        </p:grpSpPr>
+        <p:sp>
+          <p:nvSpPr>
+            <p:cNvPr id="47" name="Rechteck 23">
+              <a:extLst>
+                <a:ext uri="{FF2B5EF4-FFF2-40B4-BE49-F238E27FC236}">
+                  <a16:creationId xmlns:a16="http://schemas.microsoft.com/office/drawing/2014/main" id="{BDBA30F6-F63E-49BD-9930-2732D5D14B40}"/>
+                </a:ext>
+              </a:extLst>
+            </p:cNvPr>
+            <p:cNvSpPr/>
+            <p:nvPr/>
+          </p:nvSpPr>
+          <p:spPr>
+            <a:xfrm>
+              <a:off x="4668218" y="333214"/>
+              <a:ext cx="571500" cy="471380"/>
+            </a:xfrm>
+            <a:prstGeom prst="rect">
+              <a:avLst/>
+            </a:prstGeom>
+            <a:grpFill/>
+            <a:ln w="19050">
+              <a:solidFill>
+                <a:schemeClr val="bg1"/>
+              </a:solidFill>
+            </a:ln>
+          </p:spPr>
+          <p:style>
+            <a:lnRef idx="2">
+              <a:schemeClr val="accent1">
+                <a:shade val="50000"/>
+              </a:schemeClr>
+            </a:lnRef>
+            <a:fillRef idx="1">
+              <a:schemeClr val="accent1"/>
+            </a:fillRef>
+            <a:effectRef idx="0">
+              <a:schemeClr val="accent1"/>
+            </a:effectRef>
+            <a:fontRef idx="minor">
+              <a:schemeClr val="lt1"/>
+            </a:fontRef>
+          </p:style>
+          <p:txBody>
+            <a:bodyPr rtlCol="0" anchor="ctr"/>
+            <a:lstStyle/>
+            <a:p>
+              <a:pPr algn="ctr"/>
+              <a:endParaRPr lang="de-CH"/>
+            </a:p>
+          </p:txBody>
+        </p:sp>
+        <p:cxnSp>
+          <p:nvCxnSpPr>
+            <p:cNvPr id="48" name="Gerader Verbinder 25">
+              <a:extLst>
+                <a:ext uri="{FF2B5EF4-FFF2-40B4-BE49-F238E27FC236}">
+                  <a16:creationId xmlns:a16="http://schemas.microsoft.com/office/drawing/2014/main" id="{C9DC3F72-AEE8-4AF1-B62D-A1D261D109C0}"/>
+                </a:ext>
+              </a:extLst>
+            </p:cNvPr>
+            <p:cNvCxnSpPr/>
+            <p:nvPr/>
+          </p:nvCxnSpPr>
+          <p:spPr>
+            <a:xfrm>
+              <a:off x="4668218" y="333215"/>
+              <a:ext cx="337735" cy="247971"/>
+            </a:xfrm>
+            <a:prstGeom prst="line">
+              <a:avLst/>
+            </a:prstGeom>
+            <a:grpFill/>
+            <a:ln w="12700">
+              <a:solidFill>
+                <a:schemeClr val="bg1"/>
+              </a:solidFill>
+            </a:ln>
+          </p:spPr>
+          <p:style>
+            <a:lnRef idx="1">
+              <a:schemeClr val="accent1"/>
+            </a:lnRef>
+            <a:fillRef idx="0">
+              <a:schemeClr val="accent1"/>
+            </a:fillRef>
+            <a:effectRef idx="0">
+              <a:schemeClr val="accent1"/>
+            </a:effectRef>
+            <a:fontRef idx="minor">
+              <a:schemeClr val="tx1"/>
+            </a:fontRef>
+          </p:style>
+        </p:cxnSp>
+        <p:cxnSp>
+          <p:nvCxnSpPr>
+            <p:cNvPr id="49" name="Gerader Verbinder 26">
+              <a:extLst>
+                <a:ext uri="{FF2B5EF4-FFF2-40B4-BE49-F238E27FC236}">
+                  <a16:creationId xmlns:a16="http://schemas.microsoft.com/office/drawing/2014/main" id="{108D8B52-7C84-4A87-A50F-2FCB6E5CA047}"/>
+                </a:ext>
+              </a:extLst>
+            </p:cNvPr>
+            <p:cNvCxnSpPr>
+              <a:cxnSpLocks/>
+            </p:cNvCxnSpPr>
+            <p:nvPr/>
+          </p:nvCxnSpPr>
+          <p:spPr>
+            <a:xfrm flipV="1">
+              <a:off x="4901983" y="333215"/>
+              <a:ext cx="337735" cy="247971"/>
+            </a:xfrm>
+            <a:prstGeom prst="line">
+              <a:avLst/>
+            </a:prstGeom>
+            <a:grpFill/>
+            <a:ln w="12700">
+              <a:solidFill>
+                <a:schemeClr val="bg1"/>
+              </a:solidFill>
+            </a:ln>
+          </p:spPr>
+          <p:style>
+            <a:lnRef idx="1">
+              <a:schemeClr val="accent1"/>
+            </a:lnRef>
+            <a:fillRef idx="0">
+              <a:schemeClr val="accent1"/>
+            </a:fillRef>
+            <a:effectRef idx="0">
+              <a:schemeClr val="accent1"/>
+            </a:effectRef>
+            <a:fontRef idx="minor">
+              <a:schemeClr val="tx1"/>
+            </a:fontRef>
+          </p:style>
+        </p:cxnSp>
+      </p:grpSp>
+      <p:grpSp>
+        <p:nvGrpSpPr>
+          <p:cNvPr id="50" name="Gruppieren 31">
+            <a:extLst>
+              <a:ext uri="{FF2B5EF4-FFF2-40B4-BE49-F238E27FC236}">
+                <a16:creationId xmlns:a16="http://schemas.microsoft.com/office/drawing/2014/main" id="{73E0BC53-822E-4990-B5E9-2D6852BD667B}"/>
+              </a:ext>
+            </a:extLst>
+          </p:cNvPr>
+          <p:cNvGrpSpPr/>
+          <p:nvPr/>
+        </p:nvGrpSpPr>
+        <p:grpSpPr>
+          <a:xfrm>
+            <a:off x="5959420" y="2409434"/>
+            <a:ext cx="571500" cy="471380"/>
+            <a:chOff x="4668218" y="333214"/>
+            <a:chExt cx="571500" cy="471380"/>
+          </a:xfrm>
+          <a:solidFill>
+            <a:schemeClr val="accent6"/>
+          </a:solidFill>
+        </p:grpSpPr>
+        <p:sp>
+          <p:nvSpPr>
+            <p:cNvPr id="51" name="Rechteck 23">
+              <a:extLst>
+                <a:ext uri="{FF2B5EF4-FFF2-40B4-BE49-F238E27FC236}">
+                  <a16:creationId xmlns:a16="http://schemas.microsoft.com/office/drawing/2014/main" id="{9454D663-A74E-4966-AA7D-67643A4DEDA7}"/>
+                </a:ext>
+              </a:extLst>
+            </p:cNvPr>
+            <p:cNvSpPr/>
+            <p:nvPr/>
+          </p:nvSpPr>
+          <p:spPr>
+            <a:xfrm>
+              <a:off x="4668218" y="333214"/>
+              <a:ext cx="571500" cy="471380"/>
+            </a:xfrm>
+            <a:prstGeom prst="rect">
+              <a:avLst/>
+            </a:prstGeom>
+            <a:grpFill/>
+            <a:ln w="19050">
+              <a:solidFill>
+                <a:schemeClr val="bg1"/>
+              </a:solidFill>
+            </a:ln>
+          </p:spPr>
+          <p:style>
+            <a:lnRef idx="2">
+              <a:schemeClr val="accent1">
+                <a:shade val="50000"/>
+              </a:schemeClr>
+            </a:lnRef>
+            <a:fillRef idx="1">
+              <a:schemeClr val="accent1"/>
+            </a:fillRef>
+            <a:effectRef idx="0">
+              <a:schemeClr val="accent1"/>
+            </a:effectRef>
+            <a:fontRef idx="minor">
+              <a:schemeClr val="lt1"/>
+            </a:fontRef>
+          </p:style>
+          <p:txBody>
+            <a:bodyPr rtlCol="0" anchor="ctr"/>
+            <a:lstStyle/>
+            <a:p>
+              <a:pPr algn="ctr"/>
+              <a:endParaRPr lang="de-CH"/>
+            </a:p>
+          </p:txBody>
+        </p:sp>
+        <p:cxnSp>
+          <p:nvCxnSpPr>
+            <p:cNvPr id="52" name="Gerader Verbinder 25">
+              <a:extLst>
+                <a:ext uri="{FF2B5EF4-FFF2-40B4-BE49-F238E27FC236}">
+                  <a16:creationId xmlns:a16="http://schemas.microsoft.com/office/drawing/2014/main" id="{00AA6A63-DEA9-4F54-9769-5BE36A60B5E1}"/>
+                </a:ext>
+              </a:extLst>
+            </p:cNvPr>
+            <p:cNvCxnSpPr/>
+            <p:nvPr/>
+          </p:nvCxnSpPr>
+          <p:spPr>
+            <a:xfrm>
+              <a:off x="4668218" y="333215"/>
+              <a:ext cx="337735" cy="247971"/>
+            </a:xfrm>
+            <a:prstGeom prst="line">
+              <a:avLst/>
+            </a:prstGeom>
+            <a:grpFill/>
+            <a:ln w="12700">
+              <a:solidFill>
+                <a:schemeClr val="bg1"/>
+              </a:solidFill>
+            </a:ln>
+          </p:spPr>
+          <p:style>
+            <a:lnRef idx="1">
+              <a:schemeClr val="accent1"/>
+            </a:lnRef>
+            <a:fillRef idx="0">
+              <a:schemeClr val="accent1"/>
+            </a:fillRef>
+            <a:effectRef idx="0">
+              <a:schemeClr val="accent1"/>
+            </a:effectRef>
+            <a:fontRef idx="minor">
+              <a:schemeClr val="tx1"/>
+            </a:fontRef>
+          </p:style>
+        </p:cxnSp>
+        <p:cxnSp>
+          <p:nvCxnSpPr>
+            <p:cNvPr id="53" name="Gerader Verbinder 26">
+              <a:extLst>
+                <a:ext uri="{FF2B5EF4-FFF2-40B4-BE49-F238E27FC236}">
+                  <a16:creationId xmlns:a16="http://schemas.microsoft.com/office/drawing/2014/main" id="{C8B04D1F-F588-4011-971C-0F79DE17C7D7}"/>
+                </a:ext>
+              </a:extLst>
+            </p:cNvPr>
+            <p:cNvCxnSpPr>
+              <a:cxnSpLocks/>
+            </p:cNvCxnSpPr>
+            <p:nvPr/>
+          </p:nvCxnSpPr>
+          <p:spPr>
+            <a:xfrm flipV="1">
+              <a:off x="4901983" y="333215"/>
+              <a:ext cx="337735" cy="247971"/>
+            </a:xfrm>
+            <a:prstGeom prst="line">
+              <a:avLst/>
+            </a:prstGeom>
+            <a:grpFill/>
+            <a:ln w="12700">
+              <a:solidFill>
+                <a:schemeClr val="bg1"/>
+              </a:solidFill>
+            </a:ln>
+          </p:spPr>
+          <p:style>
+            <a:lnRef idx="1">
+              <a:schemeClr val="accent1"/>
+            </a:lnRef>
+            <a:fillRef idx="0">
+              <a:schemeClr val="accent1"/>
+            </a:fillRef>
+            <a:effectRef idx="0">
+              <a:schemeClr val="accent1"/>
+            </a:effectRef>
+            <a:fontRef idx="minor">
+              <a:schemeClr val="tx1"/>
+            </a:fontRef>
+          </p:style>
+        </p:cxnSp>
+      </p:grpSp>
+    </p:spTree>
+    <p:extLst>
+      <p:ext uri="{BB962C8B-B14F-4D97-AF65-F5344CB8AC3E}">
+        <p14:creationId xmlns:p14="http://schemas.microsoft.com/office/powerpoint/2010/main" val="529710318"/>
+      </p:ext>
+    </p:extLst>
+  </p:cSld>
+  <p:clrMapOvr>
+    <a:masterClrMapping/>
+  </p:clrMapOvr>
+  <p:timing>
+    <p:tnLst>
+      <p:par>
+        <p:cTn id="1" dur="indefinite" restart="never" nodeType="tmRoot">
+          <p:childTnLst>
+            <p:seq concurrent="1" nextAc="seek">
+              <p:cTn id="2" dur="indefinite" nodeType="mainSeq">
+                <p:childTnLst>
+                  <p:par>
+                    <p:cTn id="3" fill="hold">
+                      <p:stCondLst>
+                        <p:cond delay="indefinite"/>
+                      </p:stCondLst>
+                      <p:childTnLst>
+                        <p:par>
+                          <p:cTn id="4" fill="hold">
+                            <p:stCondLst>
+                              <p:cond delay="0"/>
+                            </p:stCondLst>
+                            <p:childTnLst>
+                              <p:par>
+                                <p:cTn id="5" presetID="42" presetClass="path" presetSubtype="0" accel="50000" decel="50000" fill="hold" nodeType="clickEffect">
+                                  <p:stCondLst>
+                                    <p:cond delay="0"/>
+                                  </p:stCondLst>
+                                  <p:childTnLst>
+                                    <p:animMotion origin="layout" path="M 1.25E-6 -3.33333E-6 L 0.14219 0.00186 " pathEditMode="relative" rAng="0" ptsTypes="AA">
+                                      <p:cBhvr>
+                                        <p:cTn id="6" dur="2000" fill="hold"/>
+                                        <p:tgtEl>
+                                          <p:spTgt spid="32"/>
+                                        </p:tgtEl>
+                                        <p:attrNameLst>
+                                          <p:attrName>ppt_x</p:attrName>
+                                          <p:attrName>ppt_y</p:attrName>
+                                        </p:attrNameLst>
+                                      </p:cBhvr>
+                                      <p:rCtr x="7109" y="93"/>
+                                    </p:animMotion>
+                                  </p:childTnLst>
+                                </p:cTn>
+                              </p:par>
+                            </p:childTnLst>
+                          </p:cTn>
+                        </p:par>
+                        <p:par>
+                          <p:cTn id="7" fill="hold">
+                            <p:stCondLst>
+                              <p:cond delay="2000"/>
+                            </p:stCondLst>
+                            <p:childTnLst>
+                              <p:par>
+                                <p:cTn id="8" presetID="8" presetClass="emph" presetSubtype="0" fill="hold" nodeType="afterEffect">
+                                  <p:stCondLst>
+                                    <p:cond delay="0"/>
+                                  </p:stCondLst>
+                                  <p:childTnLst>
+                                    <p:animRot by="21600000">
+                                      <p:cBhvr>
+                                        <p:cTn id="9" dur="2000" fill="hold"/>
+                                        <p:tgtEl>
+                                          <p:spTgt spid="32"/>
+                                        </p:tgtEl>
+                                        <p:attrNameLst>
+                                          <p:attrName>r</p:attrName>
+                                        </p:attrNameLst>
+                                      </p:cBhvr>
+                                    </p:animRot>
+                                  </p:childTnLst>
+                                </p:cTn>
+                              </p:par>
+                              <p:par>
+                                <p:cTn id="10" presetID="1" presetClass="entr" presetSubtype="0" fill="hold" nodeType="withEffect">
+                                  <p:stCondLst>
+                                    <p:cond delay="0"/>
+                                  </p:stCondLst>
+                                  <p:childTnLst>
+                                    <p:set>
+                                      <p:cBhvr>
+                                        <p:cTn id="11" dur="1" fill="hold">
+                                          <p:stCondLst>
+                                            <p:cond delay="0"/>
+                                          </p:stCondLst>
+                                        </p:cTn>
+                                        <p:tgtEl>
+                                          <p:spTgt spid="50"/>
+                                        </p:tgtEl>
+                                        <p:attrNameLst>
+                                          <p:attrName>style.visibility</p:attrName>
+                                        </p:attrNameLst>
+                                      </p:cBhvr>
+                                      <p:to>
+                                        <p:strVal val="visible"/>
+                                      </p:to>
+                                    </p:set>
+                                  </p:childTnLst>
+                                </p:cTn>
+                              </p:par>
+                              <p:par>
+                                <p:cTn id="12" presetID="1" presetClass="entr" presetSubtype="0" fill="hold" grpId="0" nodeType="withEffect">
+                                  <p:stCondLst>
+                                    <p:cond delay="0"/>
+                                  </p:stCondLst>
+                                  <p:childTnLst>
+                                    <p:set>
+                                      <p:cBhvr>
+                                        <p:cTn id="13" dur="1" fill="hold">
+                                          <p:stCondLst>
+                                            <p:cond delay="0"/>
+                                          </p:stCondLst>
+                                        </p:cTn>
+                                        <p:tgtEl>
+                                          <p:spTgt spid="30"/>
+                                        </p:tgtEl>
+                                        <p:attrNameLst>
+                                          <p:attrName>style.visibility</p:attrName>
+                                        </p:attrNameLst>
+                                      </p:cBhvr>
+                                      <p:to>
+                                        <p:strVal val="visible"/>
+                                      </p:to>
+                                    </p:set>
+                                  </p:childTnLst>
+                                </p:cTn>
+                              </p:par>
+                            </p:childTnLst>
+                          </p:cTn>
+                        </p:par>
+                        <p:par>
+                          <p:cTn id="14" fill="hold">
+                            <p:stCondLst>
+                              <p:cond delay="4000"/>
+                            </p:stCondLst>
+                            <p:childTnLst>
+                              <p:par>
+                                <p:cTn id="15" presetID="42" presetClass="path" presetSubtype="0" accel="50000" decel="50000" fill="hold" nodeType="afterEffect">
+                                  <p:stCondLst>
+                                    <p:cond delay="0"/>
+                                  </p:stCondLst>
+                                  <p:childTnLst>
+                                    <p:animMotion origin="layout" path="M 4.16667E-7 -0.00232 L -0.1901 0.22685 " pathEditMode="relative" rAng="0" ptsTypes="AA">
+                                      <p:cBhvr>
+                                        <p:cTn id="16" dur="2000" fill="hold"/>
+                                        <p:tgtEl>
+                                          <p:spTgt spid="50"/>
+                                        </p:tgtEl>
+                                        <p:attrNameLst>
+                                          <p:attrName>ppt_x</p:attrName>
+                                          <p:attrName>ppt_y</p:attrName>
+                                        </p:attrNameLst>
+                                      </p:cBhvr>
+                                      <p:rCtr x="-9505" y="11458"/>
+                                    </p:animMotion>
+                                  </p:childTnLst>
+                                </p:cTn>
+                              </p:par>
+                              <p:par>
+                                <p:cTn id="17" presetID="1" presetClass="entr" presetSubtype="0" fill="hold" nodeType="withEffect">
+                                  <p:stCondLst>
+                                    <p:cond delay="0"/>
+                                  </p:stCondLst>
+                                  <p:childTnLst>
+                                    <p:set>
+                                      <p:cBhvr>
+                                        <p:cTn id="18" dur="1" fill="hold">
+                                          <p:stCondLst>
+                                            <p:cond delay="0"/>
+                                          </p:stCondLst>
+                                        </p:cTn>
+                                        <p:tgtEl>
+                                          <p:spTgt spid="46"/>
+                                        </p:tgtEl>
+                                        <p:attrNameLst>
+                                          <p:attrName>style.visibility</p:attrName>
+                                        </p:attrNameLst>
+                                      </p:cBhvr>
+                                      <p:to>
+                                        <p:strVal val="visible"/>
+                                      </p:to>
+                                    </p:set>
+                                  </p:childTnLst>
+                                </p:cTn>
+                              </p:par>
+                            </p:childTnLst>
+                          </p:cTn>
+                        </p:par>
+                        <p:par>
+                          <p:cTn id="19" fill="hold">
+                            <p:stCondLst>
+                              <p:cond delay="6000"/>
+                            </p:stCondLst>
+                            <p:childTnLst>
+                              <p:par>
+                                <p:cTn id="20" presetID="1" presetClass="entr" presetSubtype="0" fill="hold" grpId="0" nodeType="afterEffect">
+                                  <p:stCondLst>
+                                    <p:cond delay="0"/>
+                                  </p:stCondLst>
+                                  <p:childTnLst>
+                                    <p:set>
+                                      <p:cBhvr>
+                                        <p:cTn id="21" dur="1" fill="hold">
+                                          <p:stCondLst>
+                                            <p:cond delay="0"/>
+                                          </p:stCondLst>
+                                        </p:cTn>
+                                        <p:tgtEl>
+                                          <p:spTgt spid="31"/>
+                                        </p:tgtEl>
+                                        <p:attrNameLst>
+                                          <p:attrName>style.visibility</p:attrName>
+                                        </p:attrNameLst>
+                                      </p:cBhvr>
+                                      <p:to>
+                                        <p:strVal val="visible"/>
+                                      </p:to>
+                                    </p:set>
+                                  </p:childTnLst>
+                                </p:cTn>
+                              </p:par>
+                            </p:childTnLst>
+                          </p:cTn>
+                        </p:par>
+                        <p:par>
+                          <p:cTn id="22" fill="hold">
+                            <p:stCondLst>
+                              <p:cond delay="6000"/>
+                            </p:stCondLst>
+                            <p:childTnLst>
+                              <p:par>
+                                <p:cTn id="23" presetID="42" presetClass="path" presetSubtype="0" accel="50000" decel="50000" fill="hold" nodeType="afterEffect">
+                                  <p:stCondLst>
+                                    <p:cond delay="0"/>
+                                  </p:stCondLst>
+                                  <p:childTnLst>
+                                    <p:animMotion origin="layout" path="M 4.16667E-7 1.48148E-6 L -0.21771 0.27222 " pathEditMode="relative" rAng="0" ptsTypes="AA">
+                                      <p:cBhvr>
+                                        <p:cTn id="24" dur="2000" fill="hold"/>
+                                        <p:tgtEl>
+                                          <p:spTgt spid="46"/>
+                                        </p:tgtEl>
+                                        <p:attrNameLst>
+                                          <p:attrName>ppt_x</p:attrName>
+                                          <p:attrName>ppt_y</p:attrName>
+                                        </p:attrNameLst>
+                                      </p:cBhvr>
+                                      <p:rCtr x="-10885" y="13611"/>
+                                    </p:animMotion>
+                                  </p:childTnLst>
+                                </p:cTn>
+                              </p:par>
+                            </p:childTnLst>
+                          </p:cTn>
+                        </p:par>
+                        <p:par>
+                          <p:cTn id="25" fill="hold">
+                            <p:stCondLst>
+                              <p:cond delay="8000"/>
+                            </p:stCondLst>
+                            <p:childTnLst>
+                              <p:par>
+                                <p:cTn id="26" presetID="1" presetClass="exit" presetSubtype="0" fill="hold" nodeType="afterEffect">
+                                  <p:stCondLst>
+                                    <p:cond delay="0"/>
+                                  </p:stCondLst>
+                                  <p:childTnLst>
+                                    <p:set>
+                                      <p:cBhvr>
+                                        <p:cTn id="27" dur="1" fill="hold">
+                                          <p:stCondLst>
+                                            <p:cond delay="0"/>
+                                          </p:stCondLst>
+                                        </p:cTn>
+                                        <p:tgtEl>
+                                          <p:spTgt spid="32"/>
+                                        </p:tgtEl>
+                                        <p:attrNameLst>
+                                          <p:attrName>style.visibility</p:attrName>
+                                        </p:attrNameLst>
+                                      </p:cBhvr>
+                                      <p:to>
+                                        <p:strVal val="hidden"/>
+                                      </p:to>
+                                    </p:set>
+                                  </p:childTnLst>
+                                </p:cTn>
+                              </p:par>
+                            </p:childTnLst>
+                          </p:cTn>
+                        </p:par>
+                        <p:par>
+                          <p:cTn id="28" fill="hold">
+                            <p:stCondLst>
+                              <p:cond delay="8000"/>
+                            </p:stCondLst>
+                            <p:childTnLst>
+                              <p:par>
+                                <p:cTn id="29" presetID="42" presetClass="path" presetSubtype="0" accel="50000" decel="50000" fill="hold" nodeType="afterEffect">
+                                  <p:stCondLst>
+                                    <p:cond delay="0"/>
+                                  </p:stCondLst>
+                                  <p:childTnLst>
+                                    <p:animMotion origin="layout" path="M -0.1901 0.22523 L 0.11185 0.22338 " pathEditMode="relative" rAng="0" ptsTypes="AA">
+                                      <p:cBhvr>
+                                        <p:cTn id="30" dur="2000" fill="hold"/>
+                                        <p:tgtEl>
+                                          <p:spTgt spid="46"/>
+                                        </p:tgtEl>
+                                        <p:attrNameLst>
+                                          <p:attrName>ppt_x</p:attrName>
+                                          <p:attrName>ppt_y</p:attrName>
+                                        </p:attrNameLst>
+                                      </p:cBhvr>
+                                      <p:rCtr x="15091" y="-93"/>
+                                    </p:animMotion>
+                                  </p:childTnLst>
+                                </p:cTn>
+                              </p:par>
+                            </p:childTnLst>
+                          </p:cTn>
+                        </p:par>
+                        <p:par>
+                          <p:cTn id="31" fill="hold">
+                            <p:stCondLst>
+                              <p:cond delay="10000"/>
+                            </p:stCondLst>
+                            <p:childTnLst>
+                              <p:par>
+                                <p:cTn id="32" presetID="42" presetClass="path" presetSubtype="0" accel="50000" decel="50000" fill="hold" nodeType="afterEffect">
+                                  <p:stCondLst>
+                                    <p:cond delay="0"/>
+                                  </p:stCondLst>
+                                  <p:childTnLst>
+                                    <p:animMotion origin="layout" path="M -0.1901 0.22685 L 0.11589 -0.00046 " pathEditMode="relative" rAng="0" ptsTypes="AA">
+                                      <p:cBhvr>
+                                        <p:cTn id="33" dur="2000" fill="hold"/>
+                                        <p:tgtEl>
+                                          <p:spTgt spid="50"/>
+                                        </p:tgtEl>
+                                        <p:attrNameLst>
+                                          <p:attrName>ppt_x</p:attrName>
+                                          <p:attrName>ppt_y</p:attrName>
+                                        </p:attrNameLst>
+                                      </p:cBhvr>
+                                      <p:rCtr x="15299" y="-11273"/>
+                                    </p:animMotion>
+                                  </p:childTnLst>
+                                </p:cTn>
+                              </p:par>
+                            </p:childTnLst>
+                          </p:cTn>
+                        </p:par>
+                      </p:childTnLst>
+                    </p:cTn>
+                  </p:par>
+                </p:childTnLst>
+              </p:cTn>
+              <p:prevCondLst>
+                <p:cond evt="onPrev" delay="0">
+                  <p:tgtEl>
+                    <p:sldTgt/>
+                  </p:tgtEl>
+                </p:cond>
+              </p:prevCondLst>
+              <p:nextCondLst>
+                <p:cond evt="onNext" delay="0">
+                  <p:tgtEl>
+                    <p:sldTgt/>
+                  </p:tgtEl>
+                </p:cond>
+              </p:nextCondLst>
+            </p:seq>
+          </p:childTnLst>
+        </p:cTn>
+      </p:par>
+    </p:tnLst>
+    <p:bldLst>
+      <p:bldP spid="30" grpId="0" animBg="1"/>
+      <p:bldP spid="31" grpId="0" animBg="1"/>
+    </p:bldLst>
+  </p:timing>
+</p:sld>
+</file>
+
+<file path=ppt/slides/slide32.xml><?xml version="1.0" encoding="utf-8"?>
+<p:sld xmlns:a="http://schemas.openxmlformats.org/drawingml/2006/main" xmlns:r="http://schemas.openxmlformats.org/officeDocument/2006/relationships" xmlns:p="http://schemas.openxmlformats.org/presentationml/2006/main">
+  <p:cSld>
+    <p:spTree>
+      <p:nvGrpSpPr>
+        <p:cNvPr id="1" name=""/>
+        <p:cNvGrpSpPr/>
+        <p:nvPr/>
+      </p:nvGrpSpPr>
+      <p:grpSpPr>
+        <a:xfrm>
+          <a:off x="0" y="0"/>
+          <a:ext cx="0" cy="0"/>
+          <a:chOff x="0" y="0"/>
+          <a:chExt cx="0" cy="0"/>
+        </a:xfrm>
+      </p:grpSpPr>
+      <p:sp>
+        <p:nvSpPr>
+          <p:cNvPr id="2" name="Rectangle 1"/>
+          <p:cNvSpPr/>
+          <p:nvPr/>
+        </p:nvSpPr>
+        <p:spPr>
+          <a:xfrm>
+            <a:off x="3176771" y="1851645"/>
+            <a:ext cx="5838458" cy="3154710"/>
+          </a:xfrm>
+          <a:prstGeom prst="rect">
+            <a:avLst/>
+          </a:prstGeom>
+        </p:spPr>
+        <p:txBody>
+          <a:bodyPr wrap="none">
+            <a:spAutoFit/>
+          </a:bodyPr>
+          <a:lstStyle/>
+          <a:p>
+            <a:r>
+              <a:rPr lang="en-US" sz="19900" dirty="0">
+                <a:solidFill>
+                  <a:schemeClr val="accent2"/>
+                </a:solidFill>
+                <a:latin typeface="Yanone Kaffeesatz Regular" panose="02000000000000000000" pitchFamily="2" charset="0"/>
+              </a:rPr>
+              <a:t>Thanks</a:t>
+            </a:r>
+            <a:endParaRPr lang="de-CH" sz="2000" dirty="0"/>
+          </a:p>
+        </p:txBody>
+      </p:sp>
+      <p:pic>
+        <p:nvPicPr>
+          <p:cNvPr id="3" name="Picture 2"/>
+          <p:cNvPicPr>
+            <a:picLocks noChangeAspect="1"/>
+          </p:cNvPicPr>
+          <p:nvPr/>
+        </p:nvPicPr>
+        <p:blipFill>
+          <a:blip r:embed="rId3" cstate="print">
+            <a:extLst>
+              <a:ext uri="{28A0092B-C50C-407E-A947-70E740481C1C}">
+                <a14:useLocalDpi xmlns:a14="http://schemas.microsoft.com/office/drawing/2010/main" val="0"/>
+              </a:ext>
+            </a:extLst>
+          </a:blip>
+          <a:stretch>
+            <a:fillRect/>
+          </a:stretch>
+        </p:blipFill>
+        <p:spPr>
+          <a:xfrm>
+            <a:off x="8052306" y="612519"/>
+            <a:ext cx="2880000" cy="690817"/>
+          </a:xfrm>
+          <a:prstGeom prst="rect">
+            <a:avLst/>
+          </a:prstGeom>
+        </p:spPr>
+      </p:pic>
+    </p:spTree>
+    <p:extLst>
+      <p:ext uri="{BB962C8B-B14F-4D97-AF65-F5344CB8AC3E}">
+        <p14:creationId xmlns:p14="http://schemas.microsoft.com/office/powerpoint/2010/main" val="697477994"/>
+      </p:ext>
+    </p:extLst>
+  </p:cSld>
+  <p:clrMapOvr>
+    <a:masterClrMapping/>
+  </p:clrMapOvr>
+</p:sld>
+</file>
+
+<file path=ppt/slides/slide33.xml><?xml version="1.0" encoding="utf-8"?>
+<p:sld xmlns:a="http://schemas.openxmlformats.org/drawingml/2006/main" xmlns:r="http://schemas.openxmlformats.org/officeDocument/2006/relationships" xmlns:p="http://schemas.openxmlformats.org/presentationml/2006/main">
+  <p:cSld>
+    <p:spTree>
+      <p:nvGrpSpPr>
+        <p:cNvPr id="1" name=""/>
+        <p:cNvGrpSpPr/>
+        <p:nvPr/>
+      </p:nvGrpSpPr>
+      <p:grpSpPr>
+        <a:xfrm>
+          <a:off x="0" y="0"/>
+          <a:ext cx="0" cy="0"/>
+          <a:chOff x="0" y="0"/>
+          <a:chExt cx="0" cy="0"/>
+        </a:xfrm>
+      </p:grpSpPr>
+      <p:sp>
+        <p:nvSpPr>
+          <p:cNvPr id="2" name="Rectangle 1"/>
+          <p:cNvSpPr/>
+          <p:nvPr/>
+        </p:nvSpPr>
+        <p:spPr>
+          <a:xfrm>
+            <a:off x="1064014" y="3127733"/>
+            <a:ext cx="9685665" cy="923330"/>
+          </a:xfrm>
+          <a:prstGeom prst="rect">
+            <a:avLst/>
+          </a:prstGeom>
+        </p:spPr>
+        <p:txBody>
+          <a:bodyPr wrap="none">
+            <a:spAutoFit/>
+          </a:bodyPr>
+          <a:lstStyle/>
+          <a:p>
+            <a:r>
+              <a:rPr lang="en-US" sz="3600" dirty="0">
+                <a:solidFill>
+                  <a:schemeClr val="tx2"/>
+                </a:solidFill>
+                <a:latin typeface="Yanone Kaffeesatz Regular" panose="02000000000000000000" pitchFamily="2" charset="0"/>
+              </a:rPr>
+              <a:t>github.com/</a:t>
+            </a:r>
+            <a:r>
+              <a:rPr lang="en-US" sz="3600" dirty="0" err="1">
+                <a:solidFill>
+                  <a:schemeClr val="tx2"/>
+                </a:solidFill>
+                <a:latin typeface="Yanone Kaffeesatz Regular" panose="02000000000000000000" pitchFamily="2" charset="0"/>
+              </a:rPr>
+              <a:t>danielmarbach</a:t>
+            </a:r>
+            <a:r>
+              <a:rPr lang="en-US" sz="3600" dirty="0">
+                <a:solidFill>
+                  <a:schemeClr val="tx2"/>
+                </a:solidFill>
+                <a:latin typeface="Yanone Kaffeesatz Regular" panose="02000000000000000000" pitchFamily="2" charset="0"/>
+              </a:rPr>
+              <a:t>/</a:t>
+            </a:r>
+            <a:r>
+              <a:rPr lang="en-US" sz="5400" dirty="0" err="1">
+                <a:solidFill>
+                  <a:schemeClr val="accent4"/>
+                </a:solidFill>
+                <a:latin typeface="Yanone Kaffeesatz Regular" panose="02000000000000000000" pitchFamily="2" charset="0"/>
+              </a:rPr>
+              <a:t>AzureServiceBus.DeepDive</a:t>
+            </a:r>
+            <a:endParaRPr lang="de-CH" sz="5400" dirty="0">
+              <a:solidFill>
+                <a:schemeClr val="accent4"/>
+              </a:solidFill>
+              <a:latin typeface="Yanone Kaffeesatz Regular" panose="02000000000000000000" pitchFamily="2" charset="0"/>
+            </a:endParaRPr>
+          </a:p>
+        </p:txBody>
+      </p:sp>
+      <p:sp>
+        <p:nvSpPr>
+          <p:cNvPr id="4" name="Rectangle 3"/>
+          <p:cNvSpPr/>
+          <p:nvPr/>
+        </p:nvSpPr>
+        <p:spPr>
+          <a:xfrm>
+            <a:off x="1064014" y="1124536"/>
+            <a:ext cx="6463629" cy="1862048"/>
+          </a:xfrm>
+          <a:prstGeom prst="rect">
+            <a:avLst/>
+          </a:prstGeom>
+        </p:spPr>
+        <p:txBody>
+          <a:bodyPr wrap="none">
+            <a:spAutoFit/>
+          </a:bodyPr>
+          <a:lstStyle/>
+          <a:p>
+            <a:r>
+              <a:rPr lang="en-US" sz="11500" dirty="0">
+                <a:solidFill>
+                  <a:schemeClr val="accent2"/>
+                </a:solidFill>
+                <a:latin typeface="Yanone Kaffeesatz Regular" panose="02000000000000000000" pitchFamily="2" charset="0"/>
+              </a:rPr>
+              <a:t>Slides, Links…</a:t>
+            </a:r>
+            <a:endParaRPr lang="de-CH" sz="1400" dirty="0"/>
+          </a:p>
+        </p:txBody>
+      </p:sp>
+    </p:spTree>
+    <p:extLst>
+      <p:ext uri="{BB962C8B-B14F-4D97-AF65-F5344CB8AC3E}">
+        <p14:creationId xmlns:p14="http://schemas.microsoft.com/office/powerpoint/2010/main" val="1581449120"/>
+      </p:ext>
+    </p:extLst>
+  </p:cSld>
+  <p:clrMapOvr>
+    <a:masterClrMapping/>
+  </p:clrMapOvr>
+</p:sld>
+</file>
+
+<file path=ppt/slides/slide34.xml><?xml version="1.0" encoding="utf-8"?>
+<p:sld xmlns:a="http://schemas.openxmlformats.org/drawingml/2006/main" xmlns:r="http://schemas.openxmlformats.org/officeDocument/2006/relationships" xmlns:p="http://schemas.openxmlformats.org/presentationml/2006/main">
+  <p:cSld>
+    <p:spTree>
+      <p:nvGrpSpPr>
+        <p:cNvPr id="1" name=""/>
+        <p:cNvGrpSpPr/>
+        <p:nvPr/>
+      </p:nvGrpSpPr>
+      <p:grpSpPr>
+        <a:xfrm>
+          <a:off x="0" y="0"/>
+          <a:ext cx="0" cy="0"/>
+          <a:chOff x="0" y="0"/>
+          <a:chExt cx="0" cy="0"/>
+        </a:xfrm>
+      </p:grpSpPr>
+      <p:sp>
+        <p:nvSpPr>
+          <p:cNvPr id="2" name="Rectangle 1"/>
+          <p:cNvSpPr/>
+          <p:nvPr/>
+        </p:nvSpPr>
+        <p:spPr>
+          <a:xfrm>
+            <a:off x="3858849" y="1851645"/>
+            <a:ext cx="4474302" cy="3154710"/>
+          </a:xfrm>
+          <a:prstGeom prst="rect">
+            <a:avLst/>
+          </a:prstGeom>
+        </p:spPr>
+        <p:txBody>
+          <a:bodyPr wrap="none">
+            <a:spAutoFit/>
+          </a:bodyPr>
+          <a:lstStyle/>
+          <a:p>
+            <a:r>
+              <a:rPr lang="en-US" sz="19900" dirty="0">
+                <a:solidFill>
+                  <a:schemeClr val="accent2"/>
+                </a:solidFill>
+                <a:latin typeface="Yanone Kaffeesatz Regular" panose="02000000000000000000" pitchFamily="2" charset="0"/>
+              </a:rPr>
+              <a:t>Q &amp; A</a:t>
+            </a:r>
+            <a:endParaRPr lang="de-CH" sz="2000" dirty="0"/>
+          </a:p>
+        </p:txBody>
+      </p:sp>
+      <p:pic>
+        <p:nvPicPr>
+          <p:cNvPr id="4" name="Picture 3"/>
+          <p:cNvPicPr>
+            <a:picLocks noChangeAspect="1"/>
+          </p:cNvPicPr>
+          <p:nvPr/>
+        </p:nvPicPr>
+        <p:blipFill>
+          <a:blip r:embed="rId3" cstate="print">
+            <a:extLst>
+              <a:ext uri="{28A0092B-C50C-407E-A947-70E740481C1C}">
+                <a14:useLocalDpi xmlns:a14="http://schemas.microsoft.com/office/drawing/2010/main" val="0"/>
+              </a:ext>
+            </a:extLst>
+          </a:blip>
+          <a:stretch>
+            <a:fillRect/>
+          </a:stretch>
+        </p:blipFill>
+        <p:spPr>
+          <a:xfrm>
+            <a:off x="8052306" y="612519"/>
+            <a:ext cx="2880000" cy="690817"/>
+          </a:xfrm>
+          <a:prstGeom prst="rect">
+            <a:avLst/>
+          </a:prstGeom>
+        </p:spPr>
+      </p:pic>
+    </p:spTree>
+    <p:extLst>
+      <p:ext uri="{BB962C8B-B14F-4D97-AF65-F5344CB8AC3E}">
+        <p14:creationId xmlns:p14="http://schemas.microsoft.com/office/powerpoint/2010/main" val="4241321608"/>
+      </p:ext>
+    </p:extLst>
+  </p:cSld>
+  <p:clrMapOvr>
+    <a:masterClrMapping/>
+  </p:clrMapOvr>
+</p:sld>
+</file>
+
+<file path=ppt/slides/slide35.xml><?xml version="1.0" encoding="utf-8"?>
+<p:sld xmlns:a="http://schemas.openxmlformats.org/drawingml/2006/main" xmlns:r="http://schemas.openxmlformats.org/officeDocument/2006/relationships" xmlns:p="http://schemas.openxmlformats.org/presentationml/2006/main">
+  <p:cSld>
+    <p:spTree>
+      <p:nvGrpSpPr>
+        <p:cNvPr id="1" name=""/>
+        <p:cNvGrpSpPr/>
+        <p:nvPr/>
+      </p:nvGrpSpPr>
+      <p:grpSpPr>
+        <a:xfrm>
+          <a:off x="0" y="0"/>
+          <a:ext cx="0" cy="0"/>
+          <a:chOff x="0" y="0"/>
+          <a:chExt cx="0" cy="0"/>
+        </a:xfrm>
+      </p:grpSpPr>
+      <p:pic>
+        <p:nvPicPr>
+          <p:cNvPr id="3" name="Picture 2"/>
+          <p:cNvPicPr>
+            <a:picLocks noChangeAspect="1"/>
+          </p:cNvPicPr>
+          <p:nvPr/>
+        </p:nvPicPr>
+        <p:blipFill>
+          <a:blip r:embed="rId3" cstate="print">
+            <a:extLst>
+              <a:ext uri="{28A0092B-C50C-407E-A947-70E740481C1C}">
+                <a14:useLocalDpi xmlns:a14="http://schemas.microsoft.com/office/drawing/2010/main" val="0"/>
+              </a:ext>
+            </a:extLst>
+          </a:blip>
+          <a:stretch>
+            <a:fillRect/>
+          </a:stretch>
+        </p:blipFill>
+        <p:spPr>
+          <a:xfrm>
+            <a:off x="8052306" y="612519"/>
+            <a:ext cx="2880000" cy="690817"/>
+          </a:xfrm>
+          <a:prstGeom prst="rect">
+            <a:avLst/>
+          </a:prstGeom>
+        </p:spPr>
+      </p:pic>
+      <p:sp>
+        <p:nvSpPr>
+          <p:cNvPr id="2" name="Rectangle 1"/>
+          <p:cNvSpPr/>
+          <p:nvPr/>
+        </p:nvSpPr>
+        <p:spPr>
+          <a:xfrm>
+            <a:off x="5723694" y="2090172"/>
+            <a:ext cx="6096000" cy="2677656"/>
+          </a:xfrm>
+          <a:prstGeom prst="rect">
+            <a:avLst/>
+          </a:prstGeom>
+        </p:spPr>
+        <p:txBody>
+          <a:bodyPr>
+            <a:spAutoFit/>
+          </a:bodyPr>
+          <a:lstStyle/>
+          <a:p>
+            <a:r>
+              <a:rPr lang="en-US" sz="2800" dirty="0">
+                <a:solidFill>
+                  <a:schemeClr val="tx2"/>
+                </a:solidFill>
+                <a:latin typeface="Yanone Kaffeesatz Regular" panose="02000000000000000000" pitchFamily="2" charset="0"/>
+              </a:rPr>
+              <a:t>Software Engineer</a:t>
+            </a:r>
+          </a:p>
+          <a:p>
+            <a:r>
+              <a:rPr lang="en-US" sz="2800" dirty="0">
+                <a:solidFill>
+                  <a:schemeClr val="tx2"/>
+                </a:solidFill>
+                <a:latin typeface="Yanone Kaffeesatz Regular" panose="02000000000000000000" pitchFamily="2" charset="0"/>
+              </a:rPr>
+              <a:t>Microsoft MVP</a:t>
+            </a:r>
+          </a:p>
+          <a:p>
+            <a:endParaRPr lang="en-US" sz="2800" dirty="0">
+              <a:solidFill>
+                <a:schemeClr val="tx2"/>
+              </a:solidFill>
+              <a:latin typeface="Yanone Kaffeesatz Regular" panose="02000000000000000000" pitchFamily="2" charset="0"/>
+            </a:endParaRPr>
+          </a:p>
+          <a:p>
+            <a:r>
+              <a:rPr lang="en-US" sz="2800" dirty="0">
+                <a:solidFill>
+                  <a:schemeClr val="accent4"/>
+                </a:solidFill>
+                <a:latin typeface="Yanone Kaffeesatz Regular" panose="02000000000000000000" pitchFamily="2" charset="0"/>
+              </a:rPr>
+              <a:t>@danielmarbach</a:t>
+            </a:r>
+          </a:p>
+          <a:p>
+            <a:r>
+              <a:rPr lang="en-US" sz="2800" dirty="0">
+                <a:solidFill>
+                  <a:schemeClr val="accent4"/>
+                </a:solidFill>
+                <a:latin typeface="Yanone Kaffeesatz Regular" panose="02000000000000000000" pitchFamily="2" charset="0"/>
+              </a:rPr>
+              <a:t>particular.net/blog</a:t>
+            </a:r>
+          </a:p>
+          <a:p>
+            <a:r>
+              <a:rPr lang="en-US" sz="2800" dirty="0">
+                <a:solidFill>
+                  <a:schemeClr val="accent4"/>
+                </a:solidFill>
+                <a:latin typeface="Yanone Kaffeesatz Regular" panose="02000000000000000000" pitchFamily="2" charset="0"/>
+              </a:rPr>
+              <a:t>planetgeek.ch</a:t>
+            </a:r>
+          </a:p>
+        </p:txBody>
+      </p:sp>
+      <p:pic>
+        <p:nvPicPr>
+          <p:cNvPr id="6" name="Picture 5"/>
+          <p:cNvPicPr>
+            <a:picLocks noChangeAspect="1"/>
+          </p:cNvPicPr>
+          <p:nvPr/>
+        </p:nvPicPr>
+        <p:blipFill>
+          <a:blip r:embed="rId4" cstate="print">
+            <a:extLst>
+              <a:ext uri="{28A0092B-C50C-407E-A947-70E740481C1C}">
+                <a14:useLocalDpi xmlns:a14="http://schemas.microsoft.com/office/drawing/2010/main" val="0"/>
+              </a:ext>
+            </a:extLst>
+          </a:blip>
+          <a:stretch>
+            <a:fillRect/>
+          </a:stretch>
+        </p:blipFill>
+        <p:spPr>
+          <a:xfrm>
+            <a:off x="1852348" y="1768017"/>
+            <a:ext cx="2558625" cy="3837938"/>
+          </a:xfrm>
+          <a:prstGeom prst="rect">
+            <a:avLst/>
+          </a:prstGeom>
+        </p:spPr>
+      </p:pic>
+    </p:spTree>
+    <p:extLst>
+      <p:ext uri="{BB962C8B-B14F-4D97-AF65-F5344CB8AC3E}">
+        <p14:creationId xmlns:p14="http://schemas.microsoft.com/office/powerpoint/2010/main" val="3601279917"/>
+      </p:ext>
+    </p:extLst>
+  </p:cSld>
+  <p:clrMapOvr>
+    <a:masterClrMapping/>
+  </p:clrMapOvr>
+</p:sld>
+</file>
+
+<file path=ppt/slides/slide36.xml><?xml version="1.0" encoding="utf-8"?>
+<p:sld xmlns:a="http://schemas.openxmlformats.org/drawingml/2006/main" xmlns:r="http://schemas.openxmlformats.org/officeDocument/2006/relationships" xmlns:p="http://schemas.openxmlformats.org/presentationml/2006/main">
+  <p:cSld>
+    <p:spTree>
+      <p:nvGrpSpPr>
+        <p:cNvPr id="1" name=""/>
+        <p:cNvGrpSpPr/>
+        <p:nvPr/>
+      </p:nvGrpSpPr>
+      <p:grpSpPr>
+        <a:xfrm>
+          <a:off x="0" y="0"/>
+          <a:ext cx="0" cy="0"/>
+          <a:chOff x="0" y="0"/>
+          <a:chExt cx="0" cy="0"/>
+        </a:xfrm>
+      </p:grpSpPr>
+      <p:sp>
+        <p:nvSpPr>
           <p:cNvPr id="2" name="Rectangle 1"/>
           <p:cNvSpPr/>
           <p:nvPr/>

--- a/presentation.pptx
+++ b/presentation.pptx
@@ -5,7 +5,7 @@
     <p:sldMasterId id="2147483684" r:id="rId1"/>
   </p:sldMasterIdLst>
   <p:notesMasterIdLst>
-    <p:notesMasterId r:id="rId38"/>
+    <p:notesMasterId r:id="rId43"/>
   </p:notesMasterIdLst>
   <p:sldIdLst>
     <p:sldId id="278" r:id="rId2"/>
@@ -39,11 +39,16 @@
     <p:sldId id="513" r:id="rId30"/>
     <p:sldId id="514" r:id="rId31"/>
     <p:sldId id="515" r:id="rId32"/>
-    <p:sldId id="489" r:id="rId33"/>
-    <p:sldId id="267" r:id="rId34"/>
-    <p:sldId id="275" r:id="rId35"/>
-    <p:sldId id="268" r:id="rId36"/>
-    <p:sldId id="279" r:id="rId37"/>
+    <p:sldId id="516" r:id="rId33"/>
+    <p:sldId id="517" r:id="rId34"/>
+    <p:sldId id="531" r:id="rId35"/>
+    <p:sldId id="532" r:id="rId36"/>
+    <p:sldId id="533" r:id="rId37"/>
+    <p:sldId id="489" r:id="rId38"/>
+    <p:sldId id="267" r:id="rId39"/>
+    <p:sldId id="275" r:id="rId40"/>
+    <p:sldId id="268" r:id="rId41"/>
+    <p:sldId id="279" r:id="rId42"/>
   </p:sldIdLst>
   <p:sldSz cx="12192000" cy="6858000"/>
   <p:notesSz cx="6858000" cy="9144000"/>
@@ -178,6 +183,11 @@
             <p14:sldId id="513"/>
             <p14:sldId id="514"/>
             <p14:sldId id="515"/>
+            <p14:sldId id="516"/>
+            <p14:sldId id="517"/>
+            <p14:sldId id="531"/>
+            <p14:sldId id="532"/>
+            <p14:sldId id="533"/>
           </p14:sldIdLst>
         </p14:section>
         <p14:section name="Wrap up" id="{BCD9F38D-60DF-4459-9684-4C9C9939E42E}">
@@ -286,7 +296,7 @@
           <a:p>
             <a:fld id="{D987070D-87AF-4443-8990-425EA27CC244}" type="datetimeFigureOut">
               <a:rPr lang="de-CH" smtClean="0"/>
-              <a:t>11.06.2019</a:t>
+              <a:t>12.06.2019</a:t>
             </a:fld>
             <a:endParaRPr lang="de-CH"/>
           </a:p>
@@ -4573,10 +4583,143 @@
           <a:lstStyle/>
           <a:p>
             <a:r>
-              <a:rPr lang="de-CH" dirty="0" err="1"/>
-              <a:t>Thanks</a:t>
-            </a:r>
-            <a:endParaRPr lang="de-CH" dirty="0"/>
+              <a:rPr lang="en-US" dirty="0"/>
+              <a:t>Reasons for </a:t>
+            </a:r>
+            <a:r>
+              <a:rPr lang="en-US" dirty="0" err="1"/>
+              <a:t>deadlettering</a:t>
+            </a:r>
+            <a:endParaRPr lang="en-US" dirty="0"/>
+          </a:p>
+          <a:p>
+            <a:pPr marL="171450" indent="-171450">
+              <a:buFontTx/>
+              <a:buChar char="-"/>
+            </a:pPr>
+            <a:r>
+              <a:rPr lang="en-US" dirty="0"/>
+              <a:t>Exceeded </a:t>
+            </a:r>
+            <a:r>
+              <a:rPr lang="en-US" dirty="0" err="1"/>
+              <a:t>TimeToLive</a:t>
+            </a:r>
+            <a:endParaRPr lang="en-US" dirty="0"/>
+          </a:p>
+          <a:p>
+            <a:pPr marL="171450" indent="-171450">
+              <a:buFontTx/>
+              <a:buChar char="-"/>
+            </a:pPr>
+            <a:r>
+              <a:rPr lang="en-US" dirty="0"/>
+              <a:t>Exceeded </a:t>
+            </a:r>
+            <a:r>
+              <a:rPr lang="en-US" dirty="0" err="1"/>
+              <a:t>MaxDeliveryCount</a:t>
+            </a:r>
+            <a:endParaRPr lang="en-US" dirty="0"/>
+          </a:p>
+          <a:p>
+            <a:pPr marL="171450" indent="-171450">
+              <a:buFontTx/>
+              <a:buChar char="-"/>
+            </a:pPr>
+            <a:r>
+              <a:rPr lang="en-US" dirty="0"/>
+              <a:t>Errors while processing subscription rules when SubscriptionDescription.EnableDeadLetteringOnFilterEvaluationExceptions is set</a:t>
+            </a:r>
+          </a:p>
+          <a:p>
+            <a:pPr marL="171450" indent="-171450">
+              <a:buFontTx/>
+              <a:buChar char="-"/>
+            </a:pPr>
+            <a:r>
+              <a:rPr lang="en-US" dirty="0"/>
+              <a:t>In Forwarding or </a:t>
+            </a:r>
+            <a:r>
+              <a:rPr lang="en-US" dirty="0" err="1"/>
+              <a:t>SendVia</a:t>
+            </a:r>
+            <a:r>
+              <a:rPr lang="en-US" dirty="0"/>
+              <a:t> scenarios which we’ll talk about later</a:t>
+            </a:r>
+          </a:p>
+          <a:p>
+            <a:endParaRPr lang="en-US" dirty="0"/>
+          </a:p>
+          <a:p>
+            <a:r>
+              <a:rPr lang="en-US" dirty="0"/>
+              <a:t>Every queue has essentially 4 queues</a:t>
+            </a:r>
+          </a:p>
+          <a:p>
+            <a:endParaRPr lang="en-US" dirty="0"/>
+          </a:p>
+          <a:p>
+            <a:r>
+              <a:rPr lang="fr-FR" sz="1200" b="0" i="0" kern="1200" dirty="0">
+                <a:solidFill>
+                  <a:schemeClr val="tx1"/>
+                </a:solidFill>
+                <a:effectLst/>
+                <a:latin typeface="+mn-lt"/>
+                <a:ea typeface="+mn-ea"/>
+                <a:cs typeface="+mn-cs"/>
+              </a:rPr>
+              <a:t>queue</a:t>
+            </a:r>
+          </a:p>
+          <a:p>
+            <a:r>
+              <a:rPr lang="fr-FR" sz="1200" b="0" i="0" kern="1200" dirty="0">
+                <a:solidFill>
+                  <a:schemeClr val="tx1"/>
+                </a:solidFill>
+                <a:effectLst/>
+                <a:latin typeface="+mn-lt"/>
+                <a:ea typeface="+mn-ea"/>
+                <a:cs typeface="+mn-cs"/>
+              </a:rPr>
+              <a:t>queue/$DeadLetterQueue</a:t>
+            </a:r>
+          </a:p>
+          <a:p>
+            <a:r>
+              <a:rPr lang="fr-FR" sz="1200" b="0" i="0" kern="1200" dirty="0">
+                <a:solidFill>
+                  <a:schemeClr val="tx1"/>
+                </a:solidFill>
+                <a:effectLst/>
+                <a:latin typeface="+mn-lt"/>
+                <a:ea typeface="+mn-ea"/>
+                <a:cs typeface="+mn-cs"/>
+              </a:rPr>
+              <a:t>queue/$Transfer</a:t>
+            </a:r>
+          </a:p>
+          <a:p>
+            <a:r>
+              <a:rPr lang="fr-FR" sz="1200" b="0" i="0" kern="1200" dirty="0">
+                <a:solidFill>
+                  <a:schemeClr val="tx1"/>
+                </a:solidFill>
+                <a:effectLst/>
+                <a:latin typeface="+mn-lt"/>
+                <a:ea typeface="+mn-ea"/>
+                <a:cs typeface="+mn-cs"/>
+              </a:rPr>
+              <a:t>queue/$Transfer/$DeadLetterQueue</a:t>
+            </a:r>
+          </a:p>
+          <a:p>
+            <a:endParaRPr lang="en-US" dirty="0"/>
           </a:p>
         </p:txBody>
       </p:sp>
@@ -4587,7 +4730,7 @@
             <a:spLocks noGrp="1"/>
           </p:cNvSpPr>
           <p:nvPr>
-            <p:ph type="sldNum" sz="quarter" idx="10"/>
+            <p:ph type="sldNum" sz="quarter" idx="5"/>
           </p:nvPr>
         </p:nvSpPr>
         <p:spPr/>
@@ -4606,7 +4749,7 @@
     </p:spTree>
     <p:extLst>
       <p:ext uri="{BB962C8B-B14F-4D97-AF65-F5344CB8AC3E}">
-        <p14:creationId xmlns:p14="http://schemas.microsoft.com/office/powerpoint/2010/main" val="1171336995"/>
+        <p14:creationId xmlns:p14="http://schemas.microsoft.com/office/powerpoint/2010/main" val="4222683696"/>
       </p:ext>
     </p:extLst>
   </p:cSld>
@@ -4660,7 +4803,98 @@
           <a:bodyPr/>
           <a:lstStyle/>
           <a:p>
-            <a:endParaRPr lang="de-CH" dirty="0"/>
+            <a:pPr marL="0" marR="0" lvl="0" indent="0" algn="l" defTabSz="914400" rtl="0" eaLnBrk="1" fontAlgn="auto" latinLnBrk="0" hangingPunct="1">
+              <a:lnSpc>
+                <a:spcPct val="100000"/>
+              </a:lnSpc>
+              <a:spcBef>
+                <a:spcPts val="0"/>
+              </a:spcBef>
+              <a:spcAft>
+                <a:spcPts val="0"/>
+              </a:spcAft>
+              <a:buClrTx/>
+              <a:buSzTx/>
+              <a:buFontTx/>
+              <a:buNone/>
+              <a:tabLst/>
+              <a:defRPr/>
+            </a:pPr>
+            <a:r>
+              <a:rPr lang="en-CA" sz="1200" b="0" i="0" kern="1200" dirty="0">
+                <a:solidFill>
+                  <a:schemeClr val="tx1"/>
+                </a:solidFill>
+                <a:effectLst/>
+                <a:latin typeface="+mn-lt"/>
+                <a:ea typeface="+mn-ea"/>
+                <a:cs typeface="+mn-cs"/>
+              </a:rPr>
+              <a:t>A session acts in many ways like a sub queue.</a:t>
+            </a:r>
+          </a:p>
+          <a:p>
+            <a:pPr marL="0" marR="0" lvl="0" indent="0" algn="l" defTabSz="914400" rtl="0" eaLnBrk="1" fontAlgn="auto" latinLnBrk="0" hangingPunct="1">
+              <a:lnSpc>
+                <a:spcPct val="100000"/>
+              </a:lnSpc>
+              <a:spcBef>
+                <a:spcPts val="0"/>
+              </a:spcBef>
+              <a:spcAft>
+                <a:spcPts val="0"/>
+              </a:spcAft>
+              <a:buClrTx/>
+              <a:buSzTx/>
+              <a:buFontTx/>
+              <a:buNone/>
+              <a:tabLst/>
+              <a:defRPr/>
+            </a:pPr>
+            <a:endParaRPr lang="en-CA" sz="1200" b="0" i="0" kern="1200" dirty="0">
+              <a:solidFill>
+                <a:schemeClr val="tx1"/>
+              </a:solidFill>
+              <a:effectLst/>
+              <a:latin typeface="+mn-lt"/>
+              <a:ea typeface="+mn-ea"/>
+              <a:cs typeface="+mn-cs"/>
+            </a:endParaRPr>
+          </a:p>
+          <a:p>
+            <a:pPr marL="0" marR="0" lvl="0" indent="0" algn="l" defTabSz="914400" rtl="0" eaLnBrk="1" fontAlgn="auto" latinLnBrk="0" hangingPunct="1">
+              <a:lnSpc>
+                <a:spcPct val="100000"/>
+              </a:lnSpc>
+              <a:spcBef>
+                <a:spcPts val="0"/>
+              </a:spcBef>
+              <a:spcAft>
+                <a:spcPts val="0"/>
+              </a:spcAft>
+              <a:buClrTx/>
+              <a:buSzTx/>
+              <a:buFontTx/>
+              <a:buNone/>
+              <a:tabLst/>
+              <a:defRPr/>
+            </a:pPr>
+            <a:r>
+              <a:rPr lang="en-US" sz="1200" b="0" i="0" kern="1200" dirty="0">
+                <a:solidFill>
+                  <a:schemeClr val="tx1"/>
+                </a:solidFill>
+                <a:effectLst/>
+                <a:latin typeface="+mn-lt"/>
+                <a:ea typeface="+mn-ea"/>
+                <a:cs typeface="+mn-cs"/>
+              </a:rPr>
+              <a:t>Sessions provide concurrent de-multiplexing of interleaved message streams while preserving and guaranteeing ordered delivery.</a:t>
+            </a:r>
+            <a:endParaRPr lang="en-CA" dirty="0"/>
+          </a:p>
+          <a:p>
+            <a:endParaRPr lang="en-US" dirty="0"/>
           </a:p>
         </p:txBody>
       </p:sp>
@@ -4671,7 +4905,7 @@
             <a:spLocks noGrp="1"/>
           </p:cNvSpPr>
           <p:nvPr>
-            <p:ph type="sldNum" sz="quarter" idx="10"/>
+            <p:ph type="sldNum" sz="quarter" idx="5"/>
           </p:nvPr>
         </p:nvSpPr>
         <p:spPr/>
@@ -4690,7 +4924,7 @@
     </p:spTree>
     <p:extLst>
       <p:ext uri="{BB962C8B-B14F-4D97-AF65-F5344CB8AC3E}">
-        <p14:creationId xmlns:p14="http://schemas.microsoft.com/office/powerpoint/2010/main" val="3670487613"/>
+        <p14:creationId xmlns:p14="http://schemas.microsoft.com/office/powerpoint/2010/main" val="2147267431"/>
       </p:ext>
     </p:extLst>
   </p:cSld>
@@ -4744,7 +4978,253 @@
           <a:bodyPr/>
           <a:lstStyle/>
           <a:p>
-            <a:endParaRPr lang="de-CH" dirty="0"/>
+            <a:r>
+              <a:rPr lang="en-CA" sz="1200" b="0" i="0" kern="1200" dirty="0">
+                <a:solidFill>
+                  <a:schemeClr val="tx1"/>
+                </a:solidFill>
+                <a:effectLst/>
+                <a:latin typeface="+mn-lt"/>
+                <a:ea typeface="+mn-ea"/>
+                <a:cs typeface="+mn-cs"/>
+              </a:rPr>
+              <a:t>When the </a:t>
+            </a:r>
+            <a:r>
+              <a:rPr lang="en-CA" sz="1200" b="0" i="0" u="sng" kern="1200" dirty="0" err="1">
+                <a:solidFill>
+                  <a:schemeClr val="tx1"/>
+                </a:solidFill>
+                <a:effectLst/>
+                <a:latin typeface="+mn-lt"/>
+                <a:ea typeface="+mn-ea"/>
+                <a:cs typeface="+mn-cs"/>
+                <a:hlinkClick r:id="rId3"/>
+              </a:rPr>
+              <a:t>MessageSession</a:t>
+            </a:r>
+            <a:r>
+              <a:rPr lang="en-CA" sz="1200" b="0" i="0" kern="1200" dirty="0">
+                <a:solidFill>
+                  <a:schemeClr val="tx1"/>
+                </a:solidFill>
+                <a:effectLst/>
+                <a:latin typeface="+mn-lt"/>
+                <a:ea typeface="+mn-ea"/>
+                <a:cs typeface="+mn-cs"/>
+              </a:rPr>
+              <a:t> object is accepted and while it is held by a client, that client holds an exclusive lock on all messages with that session's </a:t>
+            </a:r>
+            <a:r>
+              <a:rPr lang="en-CA" sz="1200" b="0" i="0" u="sng" kern="1200" dirty="0" err="1">
+                <a:solidFill>
+                  <a:schemeClr val="tx1"/>
+                </a:solidFill>
+                <a:effectLst/>
+                <a:latin typeface="+mn-lt"/>
+                <a:ea typeface="+mn-ea"/>
+                <a:cs typeface="+mn-cs"/>
+                <a:hlinkClick r:id="rId4"/>
+              </a:rPr>
+              <a:t>SessionId</a:t>
+            </a:r>
+            <a:r>
+              <a:rPr lang="en-CA" sz="1200" b="0" i="0" kern="1200" dirty="0">
+                <a:solidFill>
+                  <a:schemeClr val="tx1"/>
+                </a:solidFill>
+                <a:effectLst/>
+                <a:latin typeface="+mn-lt"/>
+                <a:ea typeface="+mn-ea"/>
+                <a:cs typeface="+mn-cs"/>
+              </a:rPr>
+              <a:t> that exist in the queue or subscription, and also on all messages with that </a:t>
+            </a:r>
+            <a:r>
+              <a:rPr lang="en-CA" sz="1200" b="1" i="0" kern="1200" dirty="0" err="1">
+                <a:solidFill>
+                  <a:schemeClr val="tx1"/>
+                </a:solidFill>
+                <a:effectLst/>
+                <a:latin typeface="+mn-lt"/>
+                <a:ea typeface="+mn-ea"/>
+                <a:cs typeface="+mn-cs"/>
+              </a:rPr>
+              <a:t>SessionId</a:t>
+            </a:r>
+            <a:r>
+              <a:rPr lang="en-CA" sz="1200" b="0" i="0" kern="1200" dirty="0">
+                <a:solidFill>
+                  <a:schemeClr val="tx1"/>
+                </a:solidFill>
+                <a:effectLst/>
+                <a:latin typeface="+mn-lt"/>
+                <a:ea typeface="+mn-ea"/>
+                <a:cs typeface="+mn-cs"/>
+              </a:rPr>
+              <a:t> that still arrive while the session is held.</a:t>
+            </a:r>
+          </a:p>
+          <a:p>
+            <a:r>
+              <a:rPr lang="en-CA" sz="1200" b="0" i="0" kern="1200" dirty="0">
+                <a:solidFill>
+                  <a:schemeClr val="tx1"/>
+                </a:solidFill>
+                <a:effectLst/>
+                <a:latin typeface="+mn-lt"/>
+                <a:ea typeface="+mn-ea"/>
+                <a:cs typeface="+mn-cs"/>
+              </a:rPr>
+              <a:t>The lock is released when </a:t>
+            </a:r>
+            <a:r>
+              <a:rPr lang="en-CA" sz="1200" b="1" i="0" kern="1200" dirty="0">
+                <a:solidFill>
+                  <a:schemeClr val="tx1"/>
+                </a:solidFill>
+                <a:effectLst/>
+                <a:latin typeface="+mn-lt"/>
+                <a:ea typeface="+mn-ea"/>
+                <a:cs typeface="+mn-cs"/>
+              </a:rPr>
+              <a:t>Close</a:t>
+            </a:r>
+            <a:r>
+              <a:rPr lang="en-CA" sz="1200" b="0" i="0" kern="1200" dirty="0">
+                <a:solidFill>
+                  <a:schemeClr val="tx1"/>
+                </a:solidFill>
+                <a:effectLst/>
+                <a:latin typeface="+mn-lt"/>
+                <a:ea typeface="+mn-ea"/>
+                <a:cs typeface="+mn-cs"/>
+              </a:rPr>
+              <a:t> or </a:t>
+            </a:r>
+            <a:r>
+              <a:rPr lang="en-CA" sz="1200" b="1" i="0" kern="1200" dirty="0" err="1">
+                <a:solidFill>
+                  <a:schemeClr val="tx1"/>
+                </a:solidFill>
+                <a:effectLst/>
+                <a:latin typeface="+mn-lt"/>
+                <a:ea typeface="+mn-ea"/>
+                <a:cs typeface="+mn-cs"/>
+              </a:rPr>
+              <a:t>CloseAsync</a:t>
+            </a:r>
+            <a:r>
+              <a:rPr lang="en-CA" sz="1200" b="0" i="0" kern="1200" dirty="0">
+                <a:solidFill>
+                  <a:schemeClr val="tx1"/>
+                </a:solidFill>
+                <a:effectLst/>
+                <a:latin typeface="+mn-lt"/>
+                <a:ea typeface="+mn-ea"/>
+                <a:cs typeface="+mn-cs"/>
+              </a:rPr>
+              <a:t> are called, or when the lock expires in cases in which the application is unable to perform the close operation. The session lock should be treated like an exclusive lock on a file, meaning that the application should close the session as soon as it no longer needs it and/or does not expect any further messages.</a:t>
+            </a:r>
+          </a:p>
+          <a:p>
+            <a:r>
+              <a:rPr lang="en-CA" sz="1200" b="0" i="0" kern="1200" dirty="0">
+                <a:solidFill>
+                  <a:schemeClr val="tx1"/>
+                </a:solidFill>
+                <a:effectLst/>
+                <a:latin typeface="+mn-lt"/>
+                <a:ea typeface="+mn-ea"/>
+                <a:cs typeface="+mn-cs"/>
+              </a:rPr>
+              <a:t>When multiple concurrent receivers pull from the queue, the messages belonging to a particular session are dispatched to the specific receiver that currently holds the lock for that session. With that operation, an interleaved message stream residing in one queue or subscription is cleanly de-multiplexed to different receivers and those receivers can also live on different client machines, since the lock management happens service-side, inside Service Bus.</a:t>
+            </a:r>
+          </a:p>
+          <a:p>
+            <a:r>
+              <a:rPr lang="en-CA" sz="1200" b="0" i="0" kern="1200" dirty="0">
+                <a:solidFill>
+                  <a:schemeClr val="tx1"/>
+                </a:solidFill>
+                <a:effectLst/>
+                <a:latin typeface="+mn-lt"/>
+                <a:ea typeface="+mn-ea"/>
+                <a:cs typeface="+mn-cs"/>
+              </a:rPr>
+              <a:t>The previous illustration shows three concurrent session receivers. One Session with </a:t>
+            </a:r>
+            <a:r>
+              <a:rPr lang="en-CA" sz="1200" b="0" i="0" kern="1200" dirty="0" err="1">
+                <a:solidFill>
+                  <a:schemeClr val="tx1"/>
+                </a:solidFill>
+                <a:effectLst/>
+                <a:latin typeface="+mn-lt"/>
+                <a:ea typeface="+mn-ea"/>
+                <a:cs typeface="+mn-cs"/>
+              </a:rPr>
+              <a:t>SessionId</a:t>
+            </a:r>
+            <a:r>
+              <a:rPr lang="en-CA" sz="1200" b="0" i="0" kern="1200" dirty="0">
+                <a:solidFill>
+                  <a:schemeClr val="tx1"/>
+                </a:solidFill>
+                <a:effectLst/>
+                <a:latin typeface="+mn-lt"/>
+                <a:ea typeface="+mn-ea"/>
+                <a:cs typeface="+mn-cs"/>
+              </a:rPr>
+              <a:t> = 4 has no active, owning client, which means that no messages are delivered from this specific session. A session acts in many ways like a sub queue.</a:t>
+            </a:r>
+          </a:p>
+          <a:p>
+            <a:r>
+              <a:rPr lang="en-CA" sz="1200" b="0" i="0" kern="1200" dirty="0">
+                <a:solidFill>
+                  <a:schemeClr val="tx1"/>
+                </a:solidFill>
+                <a:effectLst/>
+                <a:latin typeface="+mn-lt"/>
+                <a:ea typeface="+mn-ea"/>
+                <a:cs typeface="+mn-cs"/>
+              </a:rPr>
+              <a:t>The session lock held by the session receiver is an umbrella for the message locks used by the </a:t>
+            </a:r>
+            <a:r>
+              <a:rPr lang="en-CA" sz="1200" b="0" i="1" kern="1200" dirty="0">
+                <a:solidFill>
+                  <a:schemeClr val="tx1"/>
+                </a:solidFill>
+                <a:effectLst/>
+                <a:latin typeface="+mn-lt"/>
+                <a:ea typeface="+mn-ea"/>
+                <a:cs typeface="+mn-cs"/>
+              </a:rPr>
+              <a:t>peek-lock</a:t>
+            </a:r>
+            <a:r>
+              <a:rPr lang="en-CA" sz="1200" b="0" i="0" kern="1200" dirty="0">
+                <a:solidFill>
+                  <a:schemeClr val="tx1"/>
+                </a:solidFill>
+                <a:effectLst/>
+                <a:latin typeface="+mn-lt"/>
+                <a:ea typeface="+mn-ea"/>
+                <a:cs typeface="+mn-cs"/>
+              </a:rPr>
+              <a:t> settlement mode. A receiver cannot have two messages concurrently "in flight," but the messages must be processed in order. A new message can only be obtained when the prior message has been completed or dead-lettered. Abandoning a message causes the same message to be served again with the next receive operation.</a:t>
+            </a:r>
+          </a:p>
+          <a:p>
+            <a:endParaRPr lang="en-CA" dirty="0"/>
+          </a:p>
+          <a:p>
+            <a:r>
+              <a:rPr lang="en-CA" dirty="0"/>
+              <a:t>Session state is - limited to the maximum message size</a:t>
+            </a:r>
           </a:p>
         </p:txBody>
       </p:sp>
@@ -4763,18 +5243,18 @@
           <a:bodyPr/>
           <a:lstStyle/>
           <a:p>
-            <a:fld id="{9BCA07FD-5BD5-4529-84B0-48DD2C561176}" type="slidenum">
-              <a:rPr lang="de-CH" smtClean="0"/>
+            <a:fld id="{8DF7B682-A23C-4AC9-A63F-72C4BE33EF59}" type="slidenum">
+              <a:rPr lang="en-CA" smtClean="0"/>
               <a:t>34</a:t>
             </a:fld>
-            <a:endParaRPr lang="de-CH"/>
+            <a:endParaRPr lang="en-CA"/>
           </a:p>
         </p:txBody>
       </p:sp>
     </p:spTree>
     <p:extLst>
       <p:ext uri="{BB962C8B-B14F-4D97-AF65-F5344CB8AC3E}">
-        <p14:creationId xmlns:p14="http://schemas.microsoft.com/office/powerpoint/2010/main" val="978782014"/>
+        <p14:creationId xmlns:p14="http://schemas.microsoft.com/office/powerpoint/2010/main" val="2808392517"/>
       </p:ext>
     </p:extLst>
   </p:cSld>
@@ -4828,7 +5308,98 @@
           <a:bodyPr/>
           <a:lstStyle/>
           <a:p>
-            <a:endParaRPr lang="de-CH" dirty="0"/>
+            <a:r>
+              <a:rPr lang="en-US" sz="1200" b="0" i="0" kern="1200" dirty="0">
+                <a:solidFill>
+                  <a:schemeClr val="tx1"/>
+                </a:solidFill>
+                <a:effectLst/>
+                <a:latin typeface="+mn-lt"/>
+                <a:ea typeface="+mn-ea"/>
+                <a:cs typeface="+mn-cs"/>
+              </a:rPr>
+              <a:t>Duplicate detection takes the doubt out of these situations by enabling the sender resend the same message, and the queue or topic discards any duplicate copies. For application controlled </a:t>
+            </a:r>
+            <a:r>
+              <a:rPr lang="en-US" sz="1200" b="0" i="0" kern="1200">
+                <a:solidFill>
+                  <a:schemeClr val="tx1"/>
+                </a:solidFill>
+                <a:effectLst/>
+                <a:latin typeface="+mn-lt"/>
+                <a:ea typeface="+mn-ea"/>
+                <a:cs typeface="+mn-cs"/>
+              </a:rPr>
+              <a:t>message ids</a:t>
+            </a:r>
+            <a:endParaRPr lang="en-US" sz="1200" b="0" i="0" kern="1200" dirty="0">
+              <a:solidFill>
+                <a:schemeClr val="tx1"/>
+              </a:solidFill>
+              <a:effectLst/>
+              <a:latin typeface="+mn-lt"/>
+              <a:ea typeface="+mn-ea"/>
+              <a:cs typeface="+mn-cs"/>
+            </a:endParaRPr>
+          </a:p>
+          <a:p>
+            <a:endParaRPr lang="en-US" sz="1200" b="0" i="0" kern="1200" dirty="0">
+              <a:solidFill>
+                <a:schemeClr val="tx1"/>
+              </a:solidFill>
+              <a:effectLst/>
+              <a:latin typeface="+mn-lt"/>
+              <a:ea typeface="+mn-ea"/>
+              <a:cs typeface="+mn-cs"/>
+            </a:endParaRPr>
+          </a:p>
+          <a:p>
+            <a:r>
+              <a:rPr lang="en-US" sz="1200" b="0" i="0" kern="1200" dirty="0">
+                <a:solidFill>
+                  <a:schemeClr val="tx1"/>
+                </a:solidFill>
+                <a:effectLst/>
+                <a:latin typeface="+mn-lt"/>
+                <a:ea typeface="+mn-ea"/>
+                <a:cs typeface="+mn-cs"/>
+              </a:rPr>
+              <a:t>The duplicate detection time history defaults to 30 seconds for queues and topics, with a maximum value of seven days.</a:t>
+            </a:r>
+          </a:p>
+          <a:p>
+            <a:endParaRPr lang="en-US" dirty="0"/>
+          </a:p>
+          <a:p>
+            <a:r>
+              <a:rPr lang="en-US" sz="1200" b="0" i="0" kern="1200" dirty="0">
+                <a:solidFill>
+                  <a:schemeClr val="tx1"/>
+                </a:solidFill>
+                <a:effectLst/>
+                <a:latin typeface="+mn-lt"/>
+                <a:ea typeface="+mn-ea"/>
+                <a:cs typeface="+mn-cs"/>
+              </a:rPr>
+              <a:t>Enabling duplicate detection and the size of the window directly impact the queue (and topic) throughput, since all recorded message-ids must be matched against the newly submitted message identifier.</a:t>
+            </a:r>
+          </a:p>
+          <a:p>
+            <a:r>
+              <a:rPr lang="en-US" sz="1200" b="0" i="0" kern="1200" dirty="0">
+                <a:solidFill>
+                  <a:schemeClr val="tx1"/>
+                </a:solidFill>
+                <a:effectLst/>
+                <a:latin typeface="+mn-lt"/>
+                <a:ea typeface="+mn-ea"/>
+                <a:cs typeface="+mn-cs"/>
+              </a:rPr>
+              <a:t>Keeping the window small means that fewer message-ids must be retained and matched, and throughput is impacted less. For high throughput entities that require duplicate detection, you should keep the window as small as possible.</a:t>
+            </a:r>
+          </a:p>
+          <a:p>
+            <a:endParaRPr lang="en-US" dirty="0"/>
           </a:p>
         </p:txBody>
       </p:sp>
@@ -4839,7 +5410,7 @@
             <a:spLocks noGrp="1"/>
           </p:cNvSpPr>
           <p:nvPr>
-            <p:ph type="sldNum" sz="quarter" idx="10"/>
+            <p:ph type="sldNum" sz="quarter" idx="5"/>
           </p:nvPr>
         </p:nvSpPr>
         <p:spPr/>
@@ -4858,7 +5429,7 @@
     </p:spTree>
     <p:extLst>
       <p:ext uri="{BB962C8B-B14F-4D97-AF65-F5344CB8AC3E}">
-        <p14:creationId xmlns:p14="http://schemas.microsoft.com/office/powerpoint/2010/main" val="88145516"/>
+        <p14:creationId xmlns:p14="http://schemas.microsoft.com/office/powerpoint/2010/main" val="1359167330"/>
       </p:ext>
     </p:extLst>
   </p:cSld>
@@ -4913,12 +5484,8 @@
           <a:lstStyle/>
           <a:p>
             <a:r>
-              <a:rPr lang="de-CH" dirty="0"/>
-              <a:t>Thank you very much</a:t>
-            </a:r>
-            <a:r>
-              <a:rPr lang="de-CH" baseline="0" dirty="0"/>
-              <a:t> for listening and see you next time</a:t>
+              <a:rPr lang="de-CH" dirty="0" err="1"/>
+              <a:t>Thanks</a:t>
             </a:r>
             <a:endParaRPr lang="de-CH" dirty="0"/>
           </a:p>
@@ -4941,7 +5508,7 @@
           <a:p>
             <a:fld id="{9BCA07FD-5BD5-4529-84B0-48DD2C561176}" type="slidenum">
               <a:rPr lang="de-CH" smtClean="0"/>
-              <a:t>36</a:t>
+              <a:t>37</a:t>
             </a:fld>
             <a:endParaRPr lang="de-CH"/>
           </a:p>
@@ -4950,7 +5517,259 @@
     </p:spTree>
     <p:extLst>
       <p:ext uri="{BB962C8B-B14F-4D97-AF65-F5344CB8AC3E}">
-        <p14:creationId xmlns:p14="http://schemas.microsoft.com/office/powerpoint/2010/main" val="3949593976"/>
+        <p14:creationId xmlns:p14="http://schemas.microsoft.com/office/powerpoint/2010/main" val="1171336995"/>
+      </p:ext>
+    </p:extLst>
+  </p:cSld>
+  <p:clrMapOvr>
+    <a:masterClrMapping/>
+  </p:clrMapOvr>
+</p:notes>
+</file>
+
+<file path=ppt/notesSlides/notesSlide37.xml><?xml version="1.0" encoding="utf-8"?>
+<p:notes xmlns:a="http://schemas.openxmlformats.org/drawingml/2006/main" xmlns:r="http://schemas.openxmlformats.org/officeDocument/2006/relationships" xmlns:p="http://schemas.openxmlformats.org/presentationml/2006/main">
+  <p:cSld>
+    <p:spTree>
+      <p:nvGrpSpPr>
+        <p:cNvPr id="1" name=""/>
+        <p:cNvGrpSpPr/>
+        <p:nvPr/>
+      </p:nvGrpSpPr>
+      <p:grpSpPr>
+        <a:xfrm>
+          <a:off x="0" y="0"/>
+          <a:ext cx="0" cy="0"/>
+          <a:chOff x="0" y="0"/>
+          <a:chExt cx="0" cy="0"/>
+        </a:xfrm>
+      </p:grpSpPr>
+      <p:sp>
+        <p:nvSpPr>
+          <p:cNvPr id="2" name="Slide Image Placeholder 1"/>
+          <p:cNvSpPr>
+            <a:spLocks noGrp="1" noRot="1" noChangeAspect="1"/>
+          </p:cNvSpPr>
+          <p:nvPr>
+            <p:ph type="sldImg"/>
+          </p:nvPr>
+        </p:nvSpPr>
+        <p:spPr/>
+      </p:sp>
+      <p:sp>
+        <p:nvSpPr>
+          <p:cNvPr id="3" name="Notes Placeholder 2"/>
+          <p:cNvSpPr>
+            <a:spLocks noGrp="1"/>
+          </p:cNvSpPr>
+          <p:nvPr>
+            <p:ph type="body" idx="1"/>
+          </p:nvPr>
+        </p:nvSpPr>
+        <p:spPr/>
+        <p:txBody>
+          <a:bodyPr/>
+          <a:lstStyle/>
+          <a:p>
+            <a:endParaRPr lang="de-CH" dirty="0"/>
+          </a:p>
+        </p:txBody>
+      </p:sp>
+      <p:sp>
+        <p:nvSpPr>
+          <p:cNvPr id="4" name="Slide Number Placeholder 3"/>
+          <p:cNvSpPr>
+            <a:spLocks noGrp="1"/>
+          </p:cNvSpPr>
+          <p:nvPr>
+            <p:ph type="sldNum" sz="quarter" idx="10"/>
+          </p:nvPr>
+        </p:nvSpPr>
+        <p:spPr/>
+        <p:txBody>
+          <a:bodyPr/>
+          <a:lstStyle/>
+          <a:p>
+            <a:fld id="{9BCA07FD-5BD5-4529-84B0-48DD2C561176}" type="slidenum">
+              <a:rPr lang="de-CH" smtClean="0"/>
+              <a:t>38</a:t>
+            </a:fld>
+            <a:endParaRPr lang="de-CH"/>
+          </a:p>
+        </p:txBody>
+      </p:sp>
+    </p:spTree>
+    <p:extLst>
+      <p:ext uri="{BB962C8B-B14F-4D97-AF65-F5344CB8AC3E}">
+        <p14:creationId xmlns:p14="http://schemas.microsoft.com/office/powerpoint/2010/main" val="3670487613"/>
+      </p:ext>
+    </p:extLst>
+  </p:cSld>
+  <p:clrMapOvr>
+    <a:masterClrMapping/>
+  </p:clrMapOvr>
+</p:notes>
+</file>
+
+<file path=ppt/notesSlides/notesSlide38.xml><?xml version="1.0" encoding="utf-8"?>
+<p:notes xmlns:a="http://schemas.openxmlformats.org/drawingml/2006/main" xmlns:r="http://schemas.openxmlformats.org/officeDocument/2006/relationships" xmlns:p="http://schemas.openxmlformats.org/presentationml/2006/main">
+  <p:cSld>
+    <p:spTree>
+      <p:nvGrpSpPr>
+        <p:cNvPr id="1" name=""/>
+        <p:cNvGrpSpPr/>
+        <p:nvPr/>
+      </p:nvGrpSpPr>
+      <p:grpSpPr>
+        <a:xfrm>
+          <a:off x="0" y="0"/>
+          <a:ext cx="0" cy="0"/>
+          <a:chOff x="0" y="0"/>
+          <a:chExt cx="0" cy="0"/>
+        </a:xfrm>
+      </p:grpSpPr>
+      <p:sp>
+        <p:nvSpPr>
+          <p:cNvPr id="2" name="Slide Image Placeholder 1"/>
+          <p:cNvSpPr>
+            <a:spLocks noGrp="1" noRot="1" noChangeAspect="1"/>
+          </p:cNvSpPr>
+          <p:nvPr>
+            <p:ph type="sldImg"/>
+          </p:nvPr>
+        </p:nvSpPr>
+        <p:spPr/>
+      </p:sp>
+      <p:sp>
+        <p:nvSpPr>
+          <p:cNvPr id="3" name="Notes Placeholder 2"/>
+          <p:cNvSpPr>
+            <a:spLocks noGrp="1"/>
+          </p:cNvSpPr>
+          <p:nvPr>
+            <p:ph type="body" idx="1"/>
+          </p:nvPr>
+        </p:nvSpPr>
+        <p:spPr/>
+        <p:txBody>
+          <a:bodyPr/>
+          <a:lstStyle/>
+          <a:p>
+            <a:endParaRPr lang="de-CH" dirty="0"/>
+          </a:p>
+        </p:txBody>
+      </p:sp>
+      <p:sp>
+        <p:nvSpPr>
+          <p:cNvPr id="4" name="Slide Number Placeholder 3"/>
+          <p:cNvSpPr>
+            <a:spLocks noGrp="1"/>
+          </p:cNvSpPr>
+          <p:nvPr>
+            <p:ph type="sldNum" sz="quarter" idx="10"/>
+          </p:nvPr>
+        </p:nvSpPr>
+        <p:spPr/>
+        <p:txBody>
+          <a:bodyPr/>
+          <a:lstStyle/>
+          <a:p>
+            <a:fld id="{9BCA07FD-5BD5-4529-84B0-48DD2C561176}" type="slidenum">
+              <a:rPr lang="de-CH" smtClean="0"/>
+              <a:t>39</a:t>
+            </a:fld>
+            <a:endParaRPr lang="de-CH"/>
+          </a:p>
+        </p:txBody>
+      </p:sp>
+    </p:spTree>
+    <p:extLst>
+      <p:ext uri="{BB962C8B-B14F-4D97-AF65-F5344CB8AC3E}">
+        <p14:creationId xmlns:p14="http://schemas.microsoft.com/office/powerpoint/2010/main" val="978782014"/>
+      </p:ext>
+    </p:extLst>
+  </p:cSld>
+  <p:clrMapOvr>
+    <a:masterClrMapping/>
+  </p:clrMapOvr>
+</p:notes>
+</file>
+
+<file path=ppt/notesSlides/notesSlide39.xml><?xml version="1.0" encoding="utf-8"?>
+<p:notes xmlns:a="http://schemas.openxmlformats.org/drawingml/2006/main" xmlns:r="http://schemas.openxmlformats.org/officeDocument/2006/relationships" xmlns:p="http://schemas.openxmlformats.org/presentationml/2006/main">
+  <p:cSld>
+    <p:spTree>
+      <p:nvGrpSpPr>
+        <p:cNvPr id="1" name=""/>
+        <p:cNvGrpSpPr/>
+        <p:nvPr/>
+      </p:nvGrpSpPr>
+      <p:grpSpPr>
+        <a:xfrm>
+          <a:off x="0" y="0"/>
+          <a:ext cx="0" cy="0"/>
+          <a:chOff x="0" y="0"/>
+          <a:chExt cx="0" cy="0"/>
+        </a:xfrm>
+      </p:grpSpPr>
+      <p:sp>
+        <p:nvSpPr>
+          <p:cNvPr id="2" name="Slide Image Placeholder 1"/>
+          <p:cNvSpPr>
+            <a:spLocks noGrp="1" noRot="1" noChangeAspect="1"/>
+          </p:cNvSpPr>
+          <p:nvPr>
+            <p:ph type="sldImg"/>
+          </p:nvPr>
+        </p:nvSpPr>
+        <p:spPr/>
+      </p:sp>
+      <p:sp>
+        <p:nvSpPr>
+          <p:cNvPr id="3" name="Notes Placeholder 2"/>
+          <p:cNvSpPr>
+            <a:spLocks noGrp="1"/>
+          </p:cNvSpPr>
+          <p:nvPr>
+            <p:ph type="body" idx="1"/>
+          </p:nvPr>
+        </p:nvSpPr>
+        <p:spPr/>
+        <p:txBody>
+          <a:bodyPr/>
+          <a:lstStyle/>
+          <a:p>
+            <a:endParaRPr lang="de-CH" dirty="0"/>
+          </a:p>
+        </p:txBody>
+      </p:sp>
+      <p:sp>
+        <p:nvSpPr>
+          <p:cNvPr id="4" name="Slide Number Placeholder 3"/>
+          <p:cNvSpPr>
+            <a:spLocks noGrp="1"/>
+          </p:cNvSpPr>
+          <p:nvPr>
+            <p:ph type="sldNum" sz="quarter" idx="10"/>
+          </p:nvPr>
+        </p:nvSpPr>
+        <p:spPr/>
+        <p:txBody>
+          <a:bodyPr/>
+          <a:lstStyle/>
+          <a:p>
+            <a:fld id="{9BCA07FD-5BD5-4529-84B0-48DD2C561176}" type="slidenum">
+              <a:rPr lang="de-CH" smtClean="0"/>
+              <a:t>40</a:t>
+            </a:fld>
+            <a:endParaRPr lang="de-CH"/>
+          </a:p>
+        </p:txBody>
+      </p:sp>
+    </p:spTree>
+    <p:extLst>
+      <p:ext uri="{BB962C8B-B14F-4D97-AF65-F5344CB8AC3E}">
+        <p14:creationId xmlns:p14="http://schemas.microsoft.com/office/powerpoint/2010/main" val="88145516"/>
       </p:ext>
     </p:extLst>
   </p:cSld>
@@ -5035,6 +5854,98 @@
     <p:extLst>
       <p:ext uri="{BB962C8B-B14F-4D97-AF65-F5344CB8AC3E}">
         <p14:creationId xmlns:p14="http://schemas.microsoft.com/office/powerpoint/2010/main" val="390383533"/>
+      </p:ext>
+    </p:extLst>
+  </p:cSld>
+  <p:clrMapOvr>
+    <a:masterClrMapping/>
+  </p:clrMapOvr>
+</p:notes>
+</file>
+
+<file path=ppt/notesSlides/notesSlide40.xml><?xml version="1.0" encoding="utf-8"?>
+<p:notes xmlns:a="http://schemas.openxmlformats.org/drawingml/2006/main" xmlns:r="http://schemas.openxmlformats.org/officeDocument/2006/relationships" xmlns:p="http://schemas.openxmlformats.org/presentationml/2006/main">
+  <p:cSld>
+    <p:spTree>
+      <p:nvGrpSpPr>
+        <p:cNvPr id="1" name=""/>
+        <p:cNvGrpSpPr/>
+        <p:nvPr/>
+      </p:nvGrpSpPr>
+      <p:grpSpPr>
+        <a:xfrm>
+          <a:off x="0" y="0"/>
+          <a:ext cx="0" cy="0"/>
+          <a:chOff x="0" y="0"/>
+          <a:chExt cx="0" cy="0"/>
+        </a:xfrm>
+      </p:grpSpPr>
+      <p:sp>
+        <p:nvSpPr>
+          <p:cNvPr id="2" name="Slide Image Placeholder 1"/>
+          <p:cNvSpPr>
+            <a:spLocks noGrp="1" noRot="1" noChangeAspect="1"/>
+          </p:cNvSpPr>
+          <p:nvPr>
+            <p:ph type="sldImg"/>
+          </p:nvPr>
+        </p:nvSpPr>
+        <p:spPr/>
+      </p:sp>
+      <p:sp>
+        <p:nvSpPr>
+          <p:cNvPr id="3" name="Notes Placeholder 2"/>
+          <p:cNvSpPr>
+            <a:spLocks noGrp="1"/>
+          </p:cNvSpPr>
+          <p:nvPr>
+            <p:ph type="body" idx="1"/>
+          </p:nvPr>
+        </p:nvSpPr>
+        <p:spPr/>
+        <p:txBody>
+          <a:bodyPr/>
+          <a:lstStyle/>
+          <a:p>
+            <a:r>
+              <a:rPr lang="de-CH" dirty="0"/>
+              <a:t>Thank you very much</a:t>
+            </a:r>
+            <a:r>
+              <a:rPr lang="de-CH" baseline="0" dirty="0"/>
+              <a:t> for listening and see you next time</a:t>
+            </a:r>
+            <a:endParaRPr lang="de-CH" dirty="0"/>
+          </a:p>
+        </p:txBody>
+      </p:sp>
+      <p:sp>
+        <p:nvSpPr>
+          <p:cNvPr id="4" name="Slide Number Placeholder 3"/>
+          <p:cNvSpPr>
+            <a:spLocks noGrp="1"/>
+          </p:cNvSpPr>
+          <p:nvPr>
+            <p:ph type="sldNum" sz="quarter" idx="10"/>
+          </p:nvPr>
+        </p:nvSpPr>
+        <p:spPr/>
+        <p:txBody>
+          <a:bodyPr/>
+          <a:lstStyle/>
+          <a:p>
+            <a:fld id="{9BCA07FD-5BD5-4529-84B0-48DD2C561176}" type="slidenum">
+              <a:rPr lang="de-CH" smtClean="0"/>
+              <a:t>41</a:t>
+            </a:fld>
+            <a:endParaRPr lang="de-CH"/>
+          </a:p>
+        </p:txBody>
+      </p:sp>
+    </p:spTree>
+    <p:extLst>
+      <p:ext uri="{BB962C8B-B14F-4D97-AF65-F5344CB8AC3E}">
+        <p14:creationId xmlns:p14="http://schemas.microsoft.com/office/powerpoint/2010/main" val="3949593976"/>
       </p:ext>
     </p:extLst>
   </p:cSld>
@@ -5609,7 +6520,7 @@
           <a:p>
             <a:fld id="{A2EAEABE-1D59-4413-813E-803E21872067}" type="datetimeFigureOut">
               <a:rPr lang="de-CH" smtClean="0"/>
-              <a:t>11.06.2019</a:t>
+              <a:t>12.06.2019</a:t>
             </a:fld>
             <a:endParaRPr lang="de-CH"/>
           </a:p>
@@ -5779,7 +6690,7 @@
           <a:p>
             <a:fld id="{A2EAEABE-1D59-4413-813E-803E21872067}" type="datetimeFigureOut">
               <a:rPr lang="de-CH" smtClean="0"/>
-              <a:t>11.06.2019</a:t>
+              <a:t>12.06.2019</a:t>
             </a:fld>
             <a:endParaRPr lang="de-CH"/>
           </a:p>
@@ -5959,7 +6870,7 @@
           <a:p>
             <a:fld id="{A2EAEABE-1D59-4413-813E-803E21872067}" type="datetimeFigureOut">
               <a:rPr lang="de-CH" smtClean="0"/>
-              <a:t>11.06.2019</a:t>
+              <a:t>12.06.2019</a:t>
             </a:fld>
             <a:endParaRPr lang="de-CH"/>
           </a:p>
@@ -6128,7 +7039,7 @@
           <a:p>
             <a:fld id="{A2EAEABE-1D59-4413-813E-803E21872067}" type="datetimeFigureOut">
               <a:rPr lang="de-CH" smtClean="0"/>
-              <a:t>11.06.2019</a:t>
+              <a:t>12.06.2019</a:t>
             </a:fld>
             <a:endParaRPr lang="de-CH"/>
           </a:p>
@@ -6374,7 +7285,7 @@
           <a:p>
             <a:fld id="{A2EAEABE-1D59-4413-813E-803E21872067}" type="datetimeFigureOut">
               <a:rPr lang="de-CH" smtClean="0"/>
-              <a:t>11.06.2019</a:t>
+              <a:t>12.06.2019</a:t>
             </a:fld>
             <a:endParaRPr lang="de-CH"/>
           </a:p>
@@ -6606,7 +7517,7 @@
           <a:p>
             <a:fld id="{A2EAEABE-1D59-4413-813E-803E21872067}" type="datetimeFigureOut">
               <a:rPr lang="de-CH" smtClean="0"/>
-              <a:t>11.06.2019</a:t>
+              <a:t>12.06.2019</a:t>
             </a:fld>
             <a:endParaRPr lang="de-CH"/>
           </a:p>
@@ -6973,7 +7884,7 @@
           <a:p>
             <a:fld id="{A2EAEABE-1D59-4413-813E-803E21872067}" type="datetimeFigureOut">
               <a:rPr lang="de-CH" smtClean="0"/>
-              <a:t>11.06.2019</a:t>
+              <a:t>12.06.2019</a:t>
             </a:fld>
             <a:endParaRPr lang="de-CH"/>
           </a:p>
@@ -7091,7 +8002,7 @@
           <a:p>
             <a:fld id="{A2EAEABE-1D59-4413-813E-803E21872067}" type="datetimeFigureOut">
               <a:rPr lang="de-CH" smtClean="0"/>
-              <a:t>11.06.2019</a:t>
+              <a:t>12.06.2019</a:t>
             </a:fld>
             <a:endParaRPr lang="de-CH"/>
           </a:p>
@@ -7186,7 +8097,7 @@
           <a:p>
             <a:fld id="{A2EAEABE-1D59-4413-813E-803E21872067}" type="datetimeFigureOut">
               <a:rPr lang="de-CH" smtClean="0"/>
-              <a:t>11.06.2019</a:t>
+              <a:t>12.06.2019</a:t>
             </a:fld>
             <a:endParaRPr lang="de-CH"/>
           </a:p>
@@ -7463,7 +8374,7 @@
           <a:p>
             <a:fld id="{A2EAEABE-1D59-4413-813E-803E21872067}" type="datetimeFigureOut">
               <a:rPr lang="de-CH" smtClean="0"/>
-              <a:t>11.06.2019</a:t>
+              <a:t>12.06.2019</a:t>
             </a:fld>
             <a:endParaRPr lang="de-CH"/>
           </a:p>
@@ -7720,7 +8631,7 @@
           <a:p>
             <a:fld id="{A2EAEABE-1D59-4413-813E-803E21872067}" type="datetimeFigureOut">
               <a:rPr lang="de-CH" smtClean="0"/>
-              <a:t>11.06.2019</a:t>
+              <a:t>12.06.2019</a:t>
             </a:fld>
             <a:endParaRPr lang="de-CH"/>
           </a:p>
@@ -7931,7 +8842,7 @@
           <a:p>
             <a:fld id="{A2EAEABE-1D59-4413-813E-803E21872067}" type="datetimeFigureOut">
               <a:rPr lang="de-CH" smtClean="0"/>
-              <a:t>11.06.2019</a:t>
+              <a:t>12.06.2019</a:t>
             </a:fld>
             <a:endParaRPr lang="de-CH"/>
           </a:p>
@@ -17215,6 +18126,363 @@
       </p:grpSpPr>
       <p:sp>
         <p:nvSpPr>
+          <p:cNvPr id="2" name="Rectangle 1">
+            <a:extLst>
+              <a:ext uri="{FF2B5EF4-FFF2-40B4-BE49-F238E27FC236}">
+                <a16:creationId xmlns:a16="http://schemas.microsoft.com/office/drawing/2014/main" id="{D9D014D6-D95B-49FC-A419-B2E06D1650FF}"/>
+              </a:ext>
+            </a:extLst>
+          </p:cNvPr>
+          <p:cNvSpPr/>
+          <p:nvPr/>
+        </p:nvSpPr>
+        <p:spPr>
+          <a:xfrm>
+            <a:off x="1237940" y="1851645"/>
+            <a:ext cx="9716121" cy="3154710"/>
+          </a:xfrm>
+          <a:prstGeom prst="rect">
+            <a:avLst/>
+          </a:prstGeom>
+        </p:spPr>
+        <p:txBody>
+          <a:bodyPr wrap="none">
+            <a:spAutoFit/>
+          </a:bodyPr>
+          <a:lstStyle/>
+          <a:p>
+            <a:r>
+              <a:rPr lang="en-US" sz="19900" dirty="0" err="1">
+                <a:solidFill>
+                  <a:schemeClr val="accent2"/>
+                </a:solidFill>
+                <a:latin typeface="Yanone Kaffeesatz Regular" panose="02000000000000000000" pitchFamily="2" charset="0"/>
+              </a:rPr>
+              <a:t>TransferDLQ</a:t>
+            </a:r>
+            <a:endParaRPr lang="de-CH" sz="2000" dirty="0"/>
+          </a:p>
+        </p:txBody>
+      </p:sp>
+    </p:spTree>
+    <p:extLst>
+      <p:ext uri="{BB962C8B-B14F-4D97-AF65-F5344CB8AC3E}">
+        <p14:creationId xmlns:p14="http://schemas.microsoft.com/office/powerpoint/2010/main" val="803968617"/>
+      </p:ext>
+    </p:extLst>
+  </p:cSld>
+  <p:clrMapOvr>
+    <a:masterClrMapping/>
+  </p:clrMapOvr>
+</p:sld>
+</file>
+
+<file path=ppt/slides/slide33.xml><?xml version="1.0" encoding="utf-8"?>
+<p:sld xmlns:a="http://schemas.openxmlformats.org/drawingml/2006/main" xmlns:r="http://schemas.openxmlformats.org/officeDocument/2006/relationships" xmlns:p="http://schemas.openxmlformats.org/presentationml/2006/main">
+  <p:cSld>
+    <p:spTree>
+      <p:nvGrpSpPr>
+        <p:cNvPr id="1" name=""/>
+        <p:cNvGrpSpPr/>
+        <p:nvPr/>
+      </p:nvGrpSpPr>
+      <p:grpSpPr>
+        <a:xfrm>
+          <a:off x="0" y="0"/>
+          <a:ext cx="0" cy="0"/>
+          <a:chOff x="0" y="0"/>
+          <a:chExt cx="0" cy="0"/>
+        </a:xfrm>
+      </p:grpSpPr>
+      <p:sp>
+        <p:nvSpPr>
+          <p:cNvPr id="2" name="Rectangle 1">
+            <a:extLst>
+              <a:ext uri="{FF2B5EF4-FFF2-40B4-BE49-F238E27FC236}">
+                <a16:creationId xmlns:a16="http://schemas.microsoft.com/office/drawing/2014/main" id="{D64C55AB-2F6B-4F4D-B872-CEE6BAED7F38}"/>
+              </a:ext>
+            </a:extLst>
+          </p:cNvPr>
+          <p:cNvSpPr/>
+          <p:nvPr/>
+        </p:nvSpPr>
+        <p:spPr>
+          <a:xfrm>
+            <a:off x="2585263" y="1851645"/>
+            <a:ext cx="7021474" cy="3154710"/>
+          </a:xfrm>
+          <a:prstGeom prst="rect">
+            <a:avLst/>
+          </a:prstGeom>
+        </p:spPr>
+        <p:txBody>
+          <a:bodyPr wrap="none">
+            <a:spAutoFit/>
+          </a:bodyPr>
+          <a:lstStyle/>
+          <a:p>
+            <a:r>
+              <a:rPr lang="en-US" sz="19900" dirty="0">
+                <a:solidFill>
+                  <a:schemeClr val="accent2"/>
+                </a:solidFill>
+                <a:latin typeface="Yanone Kaffeesatz Regular" panose="02000000000000000000" pitchFamily="2" charset="0"/>
+              </a:rPr>
+              <a:t>Sessions</a:t>
+            </a:r>
+            <a:endParaRPr lang="de-CH" sz="2000" dirty="0"/>
+          </a:p>
+        </p:txBody>
+      </p:sp>
+    </p:spTree>
+    <p:extLst>
+      <p:ext uri="{BB962C8B-B14F-4D97-AF65-F5344CB8AC3E}">
+        <p14:creationId xmlns:p14="http://schemas.microsoft.com/office/powerpoint/2010/main" val="3671572549"/>
+      </p:ext>
+    </p:extLst>
+  </p:cSld>
+  <p:clrMapOvr>
+    <a:masterClrMapping/>
+  </p:clrMapOvr>
+</p:sld>
+</file>
+
+<file path=ppt/slides/slide34.xml><?xml version="1.0" encoding="utf-8"?>
+<p:sld xmlns:a="http://schemas.openxmlformats.org/drawingml/2006/main" xmlns:r="http://schemas.openxmlformats.org/officeDocument/2006/relationships" xmlns:p="http://schemas.openxmlformats.org/presentationml/2006/main">
+  <p:cSld>
+    <p:spTree>
+      <p:nvGrpSpPr>
+        <p:cNvPr id="1" name=""/>
+        <p:cNvGrpSpPr/>
+        <p:nvPr/>
+      </p:nvGrpSpPr>
+      <p:grpSpPr>
+        <a:xfrm>
+          <a:off x="0" y="0"/>
+          <a:ext cx="0" cy="0"/>
+          <a:chOff x="0" y="0"/>
+          <a:chExt cx="0" cy="0"/>
+        </a:xfrm>
+      </p:grpSpPr>
+      <p:pic>
+        <p:nvPicPr>
+          <p:cNvPr id="10242" name="Picture 2" descr="https://docs.microsoft.com/en-us/azure/service-bus-messaging/media/message-sessions/sessions.png">
+            <a:extLst>
+              <a:ext uri="{FF2B5EF4-FFF2-40B4-BE49-F238E27FC236}">
+                <a16:creationId xmlns:a16="http://schemas.microsoft.com/office/drawing/2014/main" id="{DFD533F1-3C1A-417C-A9F4-D2B3024CFAD6}"/>
+              </a:ext>
+            </a:extLst>
+          </p:cNvPr>
+          <p:cNvPicPr>
+            <a:picLocks noChangeAspect="1" noChangeArrowheads="1"/>
+          </p:cNvPicPr>
+          <p:nvPr/>
+        </p:nvPicPr>
+        <p:blipFill>
+          <a:blip r:embed="rId3">
+            <a:extLst>
+              <a:ext uri="{28A0092B-C50C-407E-A947-70E740481C1C}">
+                <a14:useLocalDpi xmlns:a14="http://schemas.microsoft.com/office/drawing/2010/main" val="0"/>
+              </a:ext>
+            </a:extLst>
+          </a:blip>
+          <a:srcRect/>
+          <a:stretch>
+            <a:fillRect/>
+          </a:stretch>
+        </p:blipFill>
+        <p:spPr bwMode="auto">
+          <a:xfrm>
+            <a:off x="1305398" y="1162459"/>
+            <a:ext cx="9581203" cy="5386387"/>
+          </a:xfrm>
+          <a:prstGeom prst="rect">
+            <a:avLst/>
+          </a:prstGeom>
+          <a:noFill/>
+          <a:extLst>
+            <a:ext uri="{909E8E84-426E-40DD-AFC4-6F175D3DCCD1}">
+              <a14:hiddenFill xmlns:a14="http://schemas.microsoft.com/office/drawing/2010/main">
+                <a:solidFill>
+                  <a:srgbClr val="FFFFFF"/>
+                </a:solidFill>
+              </a14:hiddenFill>
+            </a:ext>
+          </a:extLst>
+        </p:spPr>
+      </p:pic>
+    </p:spTree>
+    <p:extLst>
+      <p:ext uri="{BB962C8B-B14F-4D97-AF65-F5344CB8AC3E}">
+        <p14:creationId xmlns:p14="http://schemas.microsoft.com/office/powerpoint/2010/main" val="1077182988"/>
+      </p:ext>
+    </p:extLst>
+  </p:cSld>
+  <p:clrMapOvr>
+    <a:masterClrMapping/>
+  </p:clrMapOvr>
+</p:sld>
+</file>
+
+<file path=ppt/slides/slide35.xml><?xml version="1.0" encoding="utf-8"?>
+<p:sld xmlns:a="http://schemas.openxmlformats.org/drawingml/2006/main" xmlns:r="http://schemas.openxmlformats.org/officeDocument/2006/relationships" xmlns:p="http://schemas.openxmlformats.org/presentationml/2006/main">
+  <p:cSld>
+    <p:spTree>
+      <p:nvGrpSpPr>
+        <p:cNvPr id="1" name=""/>
+        <p:cNvGrpSpPr/>
+        <p:nvPr/>
+      </p:nvGrpSpPr>
+      <p:grpSpPr>
+        <a:xfrm>
+          <a:off x="0" y="0"/>
+          <a:ext cx="0" cy="0"/>
+          <a:chOff x="0" y="0"/>
+          <a:chExt cx="0" cy="0"/>
+        </a:xfrm>
+      </p:grpSpPr>
+      <p:sp>
+        <p:nvSpPr>
+          <p:cNvPr id="2" name="Rectangle 1">
+            <a:extLst>
+              <a:ext uri="{FF2B5EF4-FFF2-40B4-BE49-F238E27FC236}">
+                <a16:creationId xmlns:a16="http://schemas.microsoft.com/office/drawing/2014/main" id="{D64C55AB-2F6B-4F4D-B872-CEE6BAED7F38}"/>
+              </a:ext>
+            </a:extLst>
+          </p:cNvPr>
+          <p:cNvSpPr/>
+          <p:nvPr/>
+        </p:nvSpPr>
+        <p:spPr>
+          <a:xfrm>
+            <a:off x="3561492" y="1851645"/>
+            <a:ext cx="5069016" cy="3154710"/>
+          </a:xfrm>
+          <a:prstGeom prst="rect">
+            <a:avLst/>
+          </a:prstGeom>
+        </p:spPr>
+        <p:txBody>
+          <a:bodyPr wrap="none">
+            <a:spAutoFit/>
+          </a:bodyPr>
+          <a:lstStyle/>
+          <a:p>
+            <a:r>
+              <a:rPr lang="en-US" sz="19900" dirty="0" err="1">
+                <a:solidFill>
+                  <a:schemeClr val="accent2"/>
+                </a:solidFill>
+                <a:latin typeface="Yanone Kaffeesatz Regular" panose="02000000000000000000" pitchFamily="2" charset="0"/>
+              </a:rPr>
+              <a:t>Dedup</a:t>
+            </a:r>
+            <a:endParaRPr lang="de-CH" sz="2000" dirty="0"/>
+          </a:p>
+        </p:txBody>
+      </p:sp>
+    </p:spTree>
+    <p:extLst>
+      <p:ext uri="{BB962C8B-B14F-4D97-AF65-F5344CB8AC3E}">
+        <p14:creationId xmlns:p14="http://schemas.microsoft.com/office/powerpoint/2010/main" val="1765302901"/>
+      </p:ext>
+    </p:extLst>
+  </p:cSld>
+  <p:clrMapOvr>
+    <a:masterClrMapping/>
+  </p:clrMapOvr>
+</p:sld>
+</file>
+
+<file path=ppt/slides/slide36.xml><?xml version="1.0" encoding="utf-8"?>
+<p:sld xmlns:a="http://schemas.openxmlformats.org/drawingml/2006/main" xmlns:r="http://schemas.openxmlformats.org/officeDocument/2006/relationships" xmlns:p="http://schemas.openxmlformats.org/presentationml/2006/main">
+  <p:cSld>
+    <p:spTree>
+      <p:nvGrpSpPr>
+        <p:cNvPr id="1" name=""/>
+        <p:cNvGrpSpPr/>
+        <p:nvPr/>
+      </p:nvGrpSpPr>
+      <p:grpSpPr>
+        <a:xfrm>
+          <a:off x="0" y="0"/>
+          <a:ext cx="0" cy="0"/>
+          <a:chOff x="0" y="0"/>
+          <a:chExt cx="0" cy="0"/>
+        </a:xfrm>
+      </p:grpSpPr>
+      <p:sp>
+        <p:nvSpPr>
+          <p:cNvPr id="2" name="Rectangle 1">
+            <a:extLst>
+              <a:ext uri="{FF2B5EF4-FFF2-40B4-BE49-F238E27FC236}">
+                <a16:creationId xmlns:a16="http://schemas.microsoft.com/office/drawing/2014/main" id="{D2025E8F-952C-41F5-B74A-BDE6E308C4AD}"/>
+              </a:ext>
+            </a:extLst>
+          </p:cNvPr>
+          <p:cNvSpPr/>
+          <p:nvPr/>
+        </p:nvSpPr>
+        <p:spPr>
+          <a:xfrm>
+            <a:off x="3173565" y="1851645"/>
+            <a:ext cx="5844870" cy="3154710"/>
+          </a:xfrm>
+          <a:prstGeom prst="rect">
+            <a:avLst/>
+          </a:prstGeom>
+        </p:spPr>
+        <p:txBody>
+          <a:bodyPr wrap="none">
+            <a:spAutoFit/>
+          </a:bodyPr>
+          <a:lstStyle/>
+          <a:p>
+            <a:r>
+              <a:rPr lang="en-US" sz="19900" dirty="0">
+                <a:solidFill>
+                  <a:schemeClr val="accent2"/>
+                </a:solidFill>
+                <a:latin typeface="Yanone Kaffeesatz Regular" panose="02000000000000000000" pitchFamily="2" charset="0"/>
+              </a:rPr>
+              <a:t>Plugins</a:t>
+            </a:r>
+            <a:endParaRPr lang="de-CH" sz="2000" dirty="0"/>
+          </a:p>
+        </p:txBody>
+      </p:sp>
+    </p:spTree>
+    <p:extLst>
+      <p:ext uri="{BB962C8B-B14F-4D97-AF65-F5344CB8AC3E}">
+        <p14:creationId xmlns:p14="http://schemas.microsoft.com/office/powerpoint/2010/main" val="221227387"/>
+      </p:ext>
+    </p:extLst>
+  </p:cSld>
+  <p:clrMapOvr>
+    <a:masterClrMapping/>
+  </p:clrMapOvr>
+</p:sld>
+</file>
+
+<file path=ppt/slides/slide37.xml><?xml version="1.0" encoding="utf-8"?>
+<p:sld xmlns:a="http://schemas.openxmlformats.org/drawingml/2006/main" xmlns:r="http://schemas.openxmlformats.org/officeDocument/2006/relationships" xmlns:p="http://schemas.openxmlformats.org/presentationml/2006/main">
+  <p:cSld>
+    <p:spTree>
+      <p:nvGrpSpPr>
+        <p:cNvPr id="1" name=""/>
+        <p:cNvGrpSpPr/>
+        <p:nvPr/>
+      </p:nvGrpSpPr>
+      <p:grpSpPr>
+        <a:xfrm>
+          <a:off x="0" y="0"/>
+          <a:ext cx="0" cy="0"/>
+          <a:chOff x="0" y="0"/>
+          <a:chExt cx="0" cy="0"/>
+        </a:xfrm>
+      </p:grpSpPr>
+      <p:sp>
+        <p:nvSpPr>
           <p:cNvPr id="2" name="Rectangle 1"/>
           <p:cNvSpPr/>
           <p:nvPr/>
@@ -17290,7 +18558,7 @@
 </p:sld>
 </file>
 
-<file path=ppt/slides/slide33.xml><?xml version="1.0" encoding="utf-8"?>
+<file path=ppt/slides/slide38.xml><?xml version="1.0" encoding="utf-8"?>
 <p:sld xmlns:a="http://schemas.openxmlformats.org/drawingml/2006/main" xmlns:r="http://schemas.openxmlformats.org/officeDocument/2006/relationships" xmlns:p="http://schemas.openxmlformats.org/presentationml/2006/main">
   <p:cSld>
     <p:spTree>
@@ -17420,7 +18688,7 @@
 </p:sld>
 </file>
 
-<file path=ppt/slides/slide34.xml><?xml version="1.0" encoding="utf-8"?>
+<file path=ppt/slides/slide39.xml><?xml version="1.0" encoding="utf-8"?>
 <p:sld xmlns:a="http://schemas.openxmlformats.org/drawingml/2006/main" xmlns:r="http://schemas.openxmlformats.org/officeDocument/2006/relationships" xmlns:p="http://schemas.openxmlformats.org/presentationml/2006/main">
   <p:cSld>
     <p:spTree>
@@ -17505,275 +18773,6 @@
     <p:extLst>
       <p:ext uri="{BB962C8B-B14F-4D97-AF65-F5344CB8AC3E}">
         <p14:creationId xmlns:p14="http://schemas.microsoft.com/office/powerpoint/2010/main" val="4241321608"/>
-      </p:ext>
-    </p:extLst>
-  </p:cSld>
-  <p:clrMapOvr>
-    <a:masterClrMapping/>
-  </p:clrMapOvr>
-</p:sld>
-</file>
-
-<file path=ppt/slides/slide35.xml><?xml version="1.0" encoding="utf-8"?>
-<p:sld xmlns:a="http://schemas.openxmlformats.org/drawingml/2006/main" xmlns:r="http://schemas.openxmlformats.org/officeDocument/2006/relationships" xmlns:p="http://schemas.openxmlformats.org/presentationml/2006/main">
-  <p:cSld>
-    <p:spTree>
-      <p:nvGrpSpPr>
-        <p:cNvPr id="1" name=""/>
-        <p:cNvGrpSpPr/>
-        <p:nvPr/>
-      </p:nvGrpSpPr>
-      <p:grpSpPr>
-        <a:xfrm>
-          <a:off x="0" y="0"/>
-          <a:ext cx="0" cy="0"/>
-          <a:chOff x="0" y="0"/>
-          <a:chExt cx="0" cy="0"/>
-        </a:xfrm>
-      </p:grpSpPr>
-      <p:pic>
-        <p:nvPicPr>
-          <p:cNvPr id="3" name="Picture 2"/>
-          <p:cNvPicPr>
-            <a:picLocks noChangeAspect="1"/>
-          </p:cNvPicPr>
-          <p:nvPr/>
-        </p:nvPicPr>
-        <p:blipFill>
-          <a:blip r:embed="rId3" cstate="print">
-            <a:extLst>
-              <a:ext uri="{28A0092B-C50C-407E-A947-70E740481C1C}">
-                <a14:useLocalDpi xmlns:a14="http://schemas.microsoft.com/office/drawing/2010/main" val="0"/>
-              </a:ext>
-            </a:extLst>
-          </a:blip>
-          <a:stretch>
-            <a:fillRect/>
-          </a:stretch>
-        </p:blipFill>
-        <p:spPr>
-          <a:xfrm>
-            <a:off x="8052306" y="612519"/>
-            <a:ext cx="2880000" cy="690817"/>
-          </a:xfrm>
-          <a:prstGeom prst="rect">
-            <a:avLst/>
-          </a:prstGeom>
-        </p:spPr>
-      </p:pic>
-      <p:sp>
-        <p:nvSpPr>
-          <p:cNvPr id="2" name="Rectangle 1"/>
-          <p:cNvSpPr/>
-          <p:nvPr/>
-        </p:nvSpPr>
-        <p:spPr>
-          <a:xfrm>
-            <a:off x="5723694" y="2090172"/>
-            <a:ext cx="6096000" cy="2677656"/>
-          </a:xfrm>
-          <a:prstGeom prst="rect">
-            <a:avLst/>
-          </a:prstGeom>
-        </p:spPr>
-        <p:txBody>
-          <a:bodyPr>
-            <a:spAutoFit/>
-          </a:bodyPr>
-          <a:lstStyle/>
-          <a:p>
-            <a:r>
-              <a:rPr lang="en-US" sz="2800" dirty="0">
-                <a:solidFill>
-                  <a:schemeClr val="tx2"/>
-                </a:solidFill>
-                <a:latin typeface="Yanone Kaffeesatz Regular" panose="02000000000000000000" pitchFamily="2" charset="0"/>
-              </a:rPr>
-              <a:t>Software Engineer</a:t>
-            </a:r>
-          </a:p>
-          <a:p>
-            <a:r>
-              <a:rPr lang="en-US" sz="2800" dirty="0">
-                <a:solidFill>
-                  <a:schemeClr val="tx2"/>
-                </a:solidFill>
-                <a:latin typeface="Yanone Kaffeesatz Regular" panose="02000000000000000000" pitchFamily="2" charset="0"/>
-              </a:rPr>
-              <a:t>Microsoft MVP</a:t>
-            </a:r>
-          </a:p>
-          <a:p>
-            <a:endParaRPr lang="en-US" sz="2800" dirty="0">
-              <a:solidFill>
-                <a:schemeClr val="tx2"/>
-              </a:solidFill>
-              <a:latin typeface="Yanone Kaffeesatz Regular" panose="02000000000000000000" pitchFamily="2" charset="0"/>
-            </a:endParaRPr>
-          </a:p>
-          <a:p>
-            <a:r>
-              <a:rPr lang="en-US" sz="2800" dirty="0">
-                <a:solidFill>
-                  <a:schemeClr val="accent4"/>
-                </a:solidFill>
-                <a:latin typeface="Yanone Kaffeesatz Regular" panose="02000000000000000000" pitchFamily="2" charset="0"/>
-              </a:rPr>
-              <a:t>@danielmarbach</a:t>
-            </a:r>
-          </a:p>
-          <a:p>
-            <a:r>
-              <a:rPr lang="en-US" sz="2800" dirty="0">
-                <a:solidFill>
-                  <a:schemeClr val="accent4"/>
-                </a:solidFill>
-                <a:latin typeface="Yanone Kaffeesatz Regular" panose="02000000000000000000" pitchFamily="2" charset="0"/>
-              </a:rPr>
-              <a:t>particular.net/blog</a:t>
-            </a:r>
-          </a:p>
-          <a:p>
-            <a:r>
-              <a:rPr lang="en-US" sz="2800" dirty="0">
-                <a:solidFill>
-                  <a:schemeClr val="accent4"/>
-                </a:solidFill>
-                <a:latin typeface="Yanone Kaffeesatz Regular" panose="02000000000000000000" pitchFamily="2" charset="0"/>
-              </a:rPr>
-              <a:t>planetgeek.ch</a:t>
-            </a:r>
-          </a:p>
-        </p:txBody>
-      </p:sp>
-      <p:pic>
-        <p:nvPicPr>
-          <p:cNvPr id="6" name="Picture 5"/>
-          <p:cNvPicPr>
-            <a:picLocks noChangeAspect="1"/>
-          </p:cNvPicPr>
-          <p:nvPr/>
-        </p:nvPicPr>
-        <p:blipFill>
-          <a:blip r:embed="rId4" cstate="print">
-            <a:extLst>
-              <a:ext uri="{28A0092B-C50C-407E-A947-70E740481C1C}">
-                <a14:useLocalDpi xmlns:a14="http://schemas.microsoft.com/office/drawing/2010/main" val="0"/>
-              </a:ext>
-            </a:extLst>
-          </a:blip>
-          <a:stretch>
-            <a:fillRect/>
-          </a:stretch>
-        </p:blipFill>
-        <p:spPr>
-          <a:xfrm>
-            <a:off x="1852348" y="1768017"/>
-            <a:ext cx="2558625" cy="3837938"/>
-          </a:xfrm>
-          <a:prstGeom prst="rect">
-            <a:avLst/>
-          </a:prstGeom>
-        </p:spPr>
-      </p:pic>
-    </p:spTree>
-    <p:extLst>
-      <p:ext uri="{BB962C8B-B14F-4D97-AF65-F5344CB8AC3E}">
-        <p14:creationId xmlns:p14="http://schemas.microsoft.com/office/powerpoint/2010/main" val="3601279917"/>
-      </p:ext>
-    </p:extLst>
-  </p:cSld>
-  <p:clrMapOvr>
-    <a:masterClrMapping/>
-  </p:clrMapOvr>
-</p:sld>
-</file>
-
-<file path=ppt/slides/slide36.xml><?xml version="1.0" encoding="utf-8"?>
-<p:sld xmlns:a="http://schemas.openxmlformats.org/drawingml/2006/main" xmlns:r="http://schemas.openxmlformats.org/officeDocument/2006/relationships" xmlns:p="http://schemas.openxmlformats.org/presentationml/2006/main">
-  <p:cSld>
-    <p:spTree>
-      <p:nvGrpSpPr>
-        <p:cNvPr id="1" name=""/>
-        <p:cNvGrpSpPr/>
-        <p:nvPr/>
-      </p:nvGrpSpPr>
-      <p:grpSpPr>
-        <a:xfrm>
-          <a:off x="0" y="0"/>
-          <a:ext cx="0" cy="0"/>
-          <a:chOff x="0" y="0"/>
-          <a:chExt cx="0" cy="0"/>
-        </a:xfrm>
-      </p:grpSpPr>
-      <p:sp>
-        <p:nvSpPr>
-          <p:cNvPr id="2" name="Rectangle 1"/>
-          <p:cNvSpPr/>
-          <p:nvPr/>
-        </p:nvSpPr>
-        <p:spPr>
-          <a:xfrm>
-            <a:off x="3176771" y="1851645"/>
-            <a:ext cx="5838458" cy="3154710"/>
-          </a:xfrm>
-          <a:prstGeom prst="rect">
-            <a:avLst/>
-          </a:prstGeom>
-        </p:spPr>
-        <p:txBody>
-          <a:bodyPr wrap="none">
-            <a:spAutoFit/>
-          </a:bodyPr>
-          <a:lstStyle/>
-          <a:p>
-            <a:r>
-              <a:rPr lang="en-US" sz="19900" dirty="0">
-                <a:solidFill>
-                  <a:schemeClr val="accent2"/>
-                </a:solidFill>
-                <a:latin typeface="Yanone Kaffeesatz Regular" panose="02000000000000000000" pitchFamily="2" charset="0"/>
-              </a:rPr>
-              <a:t>Thanks</a:t>
-            </a:r>
-            <a:endParaRPr lang="de-CH" sz="2000" dirty="0"/>
-          </a:p>
-        </p:txBody>
-      </p:sp>
-      <p:pic>
-        <p:nvPicPr>
-          <p:cNvPr id="3" name="Picture 2"/>
-          <p:cNvPicPr>
-            <a:picLocks noChangeAspect="1"/>
-          </p:cNvPicPr>
-          <p:nvPr/>
-        </p:nvPicPr>
-        <p:blipFill>
-          <a:blip r:embed="rId3" cstate="print">
-            <a:extLst>
-              <a:ext uri="{28A0092B-C50C-407E-A947-70E740481C1C}">
-                <a14:useLocalDpi xmlns:a14="http://schemas.microsoft.com/office/drawing/2010/main" val="0"/>
-              </a:ext>
-            </a:extLst>
-          </a:blip>
-          <a:stretch>
-            <a:fillRect/>
-          </a:stretch>
-        </p:blipFill>
-        <p:spPr>
-          <a:xfrm>
-            <a:off x="8052306" y="612519"/>
-            <a:ext cx="2880000" cy="690817"/>
-          </a:xfrm>
-          <a:prstGeom prst="rect">
-            <a:avLst/>
-          </a:prstGeom>
-        </p:spPr>
-      </p:pic>
-    </p:spTree>
-    <p:extLst>
-      <p:ext uri="{BB962C8B-B14F-4D97-AF65-F5344CB8AC3E}">
-        <p14:creationId xmlns:p14="http://schemas.microsoft.com/office/powerpoint/2010/main" val="3887468163"/>
       </p:ext>
     </p:extLst>
   </p:cSld>
@@ -17851,6 +18850,275 @@
     <p:extLst>
       <p:ext uri="{BB962C8B-B14F-4D97-AF65-F5344CB8AC3E}">
         <p14:creationId xmlns:p14="http://schemas.microsoft.com/office/powerpoint/2010/main" val="2503517104"/>
+      </p:ext>
+    </p:extLst>
+  </p:cSld>
+  <p:clrMapOvr>
+    <a:masterClrMapping/>
+  </p:clrMapOvr>
+</p:sld>
+</file>
+
+<file path=ppt/slides/slide40.xml><?xml version="1.0" encoding="utf-8"?>
+<p:sld xmlns:a="http://schemas.openxmlformats.org/drawingml/2006/main" xmlns:r="http://schemas.openxmlformats.org/officeDocument/2006/relationships" xmlns:p="http://schemas.openxmlformats.org/presentationml/2006/main">
+  <p:cSld>
+    <p:spTree>
+      <p:nvGrpSpPr>
+        <p:cNvPr id="1" name=""/>
+        <p:cNvGrpSpPr/>
+        <p:nvPr/>
+      </p:nvGrpSpPr>
+      <p:grpSpPr>
+        <a:xfrm>
+          <a:off x="0" y="0"/>
+          <a:ext cx="0" cy="0"/>
+          <a:chOff x="0" y="0"/>
+          <a:chExt cx="0" cy="0"/>
+        </a:xfrm>
+      </p:grpSpPr>
+      <p:pic>
+        <p:nvPicPr>
+          <p:cNvPr id="3" name="Picture 2"/>
+          <p:cNvPicPr>
+            <a:picLocks noChangeAspect="1"/>
+          </p:cNvPicPr>
+          <p:nvPr/>
+        </p:nvPicPr>
+        <p:blipFill>
+          <a:blip r:embed="rId3" cstate="print">
+            <a:extLst>
+              <a:ext uri="{28A0092B-C50C-407E-A947-70E740481C1C}">
+                <a14:useLocalDpi xmlns:a14="http://schemas.microsoft.com/office/drawing/2010/main" val="0"/>
+              </a:ext>
+            </a:extLst>
+          </a:blip>
+          <a:stretch>
+            <a:fillRect/>
+          </a:stretch>
+        </p:blipFill>
+        <p:spPr>
+          <a:xfrm>
+            <a:off x="8052306" y="612519"/>
+            <a:ext cx="2880000" cy="690817"/>
+          </a:xfrm>
+          <a:prstGeom prst="rect">
+            <a:avLst/>
+          </a:prstGeom>
+        </p:spPr>
+      </p:pic>
+      <p:sp>
+        <p:nvSpPr>
+          <p:cNvPr id="2" name="Rectangle 1"/>
+          <p:cNvSpPr/>
+          <p:nvPr/>
+        </p:nvSpPr>
+        <p:spPr>
+          <a:xfrm>
+            <a:off x="5723694" y="2090172"/>
+            <a:ext cx="6096000" cy="2677656"/>
+          </a:xfrm>
+          <a:prstGeom prst="rect">
+            <a:avLst/>
+          </a:prstGeom>
+        </p:spPr>
+        <p:txBody>
+          <a:bodyPr>
+            <a:spAutoFit/>
+          </a:bodyPr>
+          <a:lstStyle/>
+          <a:p>
+            <a:r>
+              <a:rPr lang="en-US" sz="2800" dirty="0">
+                <a:solidFill>
+                  <a:schemeClr val="tx2"/>
+                </a:solidFill>
+                <a:latin typeface="Yanone Kaffeesatz Regular" panose="02000000000000000000" pitchFamily="2" charset="0"/>
+              </a:rPr>
+              <a:t>Software Engineer</a:t>
+            </a:r>
+          </a:p>
+          <a:p>
+            <a:r>
+              <a:rPr lang="en-US" sz="2800" dirty="0">
+                <a:solidFill>
+                  <a:schemeClr val="tx2"/>
+                </a:solidFill>
+                <a:latin typeface="Yanone Kaffeesatz Regular" panose="02000000000000000000" pitchFamily="2" charset="0"/>
+              </a:rPr>
+              <a:t>Microsoft MVP</a:t>
+            </a:r>
+          </a:p>
+          <a:p>
+            <a:endParaRPr lang="en-US" sz="2800" dirty="0">
+              <a:solidFill>
+                <a:schemeClr val="tx2"/>
+              </a:solidFill>
+              <a:latin typeface="Yanone Kaffeesatz Regular" panose="02000000000000000000" pitchFamily="2" charset="0"/>
+            </a:endParaRPr>
+          </a:p>
+          <a:p>
+            <a:r>
+              <a:rPr lang="en-US" sz="2800" dirty="0">
+                <a:solidFill>
+                  <a:schemeClr val="accent4"/>
+                </a:solidFill>
+                <a:latin typeface="Yanone Kaffeesatz Regular" panose="02000000000000000000" pitchFamily="2" charset="0"/>
+              </a:rPr>
+              <a:t>@danielmarbach</a:t>
+            </a:r>
+          </a:p>
+          <a:p>
+            <a:r>
+              <a:rPr lang="en-US" sz="2800" dirty="0">
+                <a:solidFill>
+                  <a:schemeClr val="accent4"/>
+                </a:solidFill>
+                <a:latin typeface="Yanone Kaffeesatz Regular" panose="02000000000000000000" pitchFamily="2" charset="0"/>
+              </a:rPr>
+              <a:t>particular.net/blog</a:t>
+            </a:r>
+          </a:p>
+          <a:p>
+            <a:r>
+              <a:rPr lang="en-US" sz="2800" dirty="0">
+                <a:solidFill>
+                  <a:schemeClr val="accent4"/>
+                </a:solidFill>
+                <a:latin typeface="Yanone Kaffeesatz Regular" panose="02000000000000000000" pitchFamily="2" charset="0"/>
+              </a:rPr>
+              <a:t>planetgeek.ch</a:t>
+            </a:r>
+          </a:p>
+        </p:txBody>
+      </p:sp>
+      <p:pic>
+        <p:nvPicPr>
+          <p:cNvPr id="6" name="Picture 5"/>
+          <p:cNvPicPr>
+            <a:picLocks noChangeAspect="1"/>
+          </p:cNvPicPr>
+          <p:nvPr/>
+        </p:nvPicPr>
+        <p:blipFill>
+          <a:blip r:embed="rId4" cstate="print">
+            <a:extLst>
+              <a:ext uri="{28A0092B-C50C-407E-A947-70E740481C1C}">
+                <a14:useLocalDpi xmlns:a14="http://schemas.microsoft.com/office/drawing/2010/main" val="0"/>
+              </a:ext>
+            </a:extLst>
+          </a:blip>
+          <a:stretch>
+            <a:fillRect/>
+          </a:stretch>
+        </p:blipFill>
+        <p:spPr>
+          <a:xfrm>
+            <a:off x="1852348" y="1768017"/>
+            <a:ext cx="2558625" cy="3837938"/>
+          </a:xfrm>
+          <a:prstGeom prst="rect">
+            <a:avLst/>
+          </a:prstGeom>
+        </p:spPr>
+      </p:pic>
+    </p:spTree>
+    <p:extLst>
+      <p:ext uri="{BB962C8B-B14F-4D97-AF65-F5344CB8AC3E}">
+        <p14:creationId xmlns:p14="http://schemas.microsoft.com/office/powerpoint/2010/main" val="3601279917"/>
+      </p:ext>
+    </p:extLst>
+  </p:cSld>
+  <p:clrMapOvr>
+    <a:masterClrMapping/>
+  </p:clrMapOvr>
+</p:sld>
+</file>
+
+<file path=ppt/slides/slide41.xml><?xml version="1.0" encoding="utf-8"?>
+<p:sld xmlns:a="http://schemas.openxmlformats.org/drawingml/2006/main" xmlns:r="http://schemas.openxmlformats.org/officeDocument/2006/relationships" xmlns:p="http://schemas.openxmlformats.org/presentationml/2006/main">
+  <p:cSld>
+    <p:spTree>
+      <p:nvGrpSpPr>
+        <p:cNvPr id="1" name=""/>
+        <p:cNvGrpSpPr/>
+        <p:nvPr/>
+      </p:nvGrpSpPr>
+      <p:grpSpPr>
+        <a:xfrm>
+          <a:off x="0" y="0"/>
+          <a:ext cx="0" cy="0"/>
+          <a:chOff x="0" y="0"/>
+          <a:chExt cx="0" cy="0"/>
+        </a:xfrm>
+      </p:grpSpPr>
+      <p:sp>
+        <p:nvSpPr>
+          <p:cNvPr id="2" name="Rectangle 1"/>
+          <p:cNvSpPr/>
+          <p:nvPr/>
+        </p:nvSpPr>
+        <p:spPr>
+          <a:xfrm>
+            <a:off x="3176771" y="1851645"/>
+            <a:ext cx="5838458" cy="3154710"/>
+          </a:xfrm>
+          <a:prstGeom prst="rect">
+            <a:avLst/>
+          </a:prstGeom>
+        </p:spPr>
+        <p:txBody>
+          <a:bodyPr wrap="none">
+            <a:spAutoFit/>
+          </a:bodyPr>
+          <a:lstStyle/>
+          <a:p>
+            <a:r>
+              <a:rPr lang="en-US" sz="19900" dirty="0">
+                <a:solidFill>
+                  <a:schemeClr val="accent2"/>
+                </a:solidFill>
+                <a:latin typeface="Yanone Kaffeesatz Regular" panose="02000000000000000000" pitchFamily="2" charset="0"/>
+              </a:rPr>
+              <a:t>Thanks</a:t>
+            </a:r>
+            <a:endParaRPr lang="de-CH" sz="2000" dirty="0"/>
+          </a:p>
+        </p:txBody>
+      </p:sp>
+      <p:pic>
+        <p:nvPicPr>
+          <p:cNvPr id="3" name="Picture 2"/>
+          <p:cNvPicPr>
+            <a:picLocks noChangeAspect="1"/>
+          </p:cNvPicPr>
+          <p:nvPr/>
+        </p:nvPicPr>
+        <p:blipFill>
+          <a:blip r:embed="rId3" cstate="print">
+            <a:extLst>
+              <a:ext uri="{28A0092B-C50C-407E-A947-70E740481C1C}">
+                <a14:useLocalDpi xmlns:a14="http://schemas.microsoft.com/office/drawing/2010/main" val="0"/>
+              </a:ext>
+            </a:extLst>
+          </a:blip>
+          <a:stretch>
+            <a:fillRect/>
+          </a:stretch>
+        </p:blipFill>
+        <p:spPr>
+          <a:xfrm>
+            <a:off x="8052306" y="612519"/>
+            <a:ext cx="2880000" cy="690817"/>
+          </a:xfrm>
+          <a:prstGeom prst="rect">
+            <a:avLst/>
+          </a:prstGeom>
+        </p:spPr>
+      </p:pic>
+    </p:spTree>
+    <p:extLst>
+      <p:ext uri="{BB962C8B-B14F-4D97-AF65-F5344CB8AC3E}">
+        <p14:creationId xmlns:p14="http://schemas.microsoft.com/office/powerpoint/2010/main" val="3887468163"/>
       </p:ext>
     </p:extLst>
   </p:cSld>
